--- a/示意图.pptx
+++ b/示意图.pptx
@@ -2,18 +2,19 @@
 <file path=ppt/presentation.xml><?xml version="1.0" encoding="utf-8"?>
 <p:presentation xmlns:a="http://schemas.openxmlformats.org/drawingml/2006/main" xmlns:r="http://schemas.openxmlformats.org/officeDocument/2006/relationships" xmlns:p="http://schemas.openxmlformats.org/presentationml/2006/main" saveSubsetFonts="1">
   <p:sldMasterIdLst>
-    <p:sldMasterId id="2147483648" r:id="rId1"/>
+    <p:sldMasterId id="2147483684" r:id="rId1"/>
   </p:sldMasterIdLst>
   <p:sldIdLst>
     <p:sldId id="256" r:id="rId2"/>
+    <p:sldId id="257" r:id="rId3"/>
   </p:sldIdLst>
-  <p:sldSz cx="12192000" cy="6858000"/>
+  <p:sldSz cx="38400038" cy="28800425"/>
   <p:notesSz cx="6858000" cy="9144000"/>
   <p:defaultTextStyle>
     <a:defPPr>
-      <a:defRPr lang="zh-CN"/>
+      <a:defRPr lang="en-US"/>
     </a:defPPr>
-    <a:lvl1pPr marL="0" algn="l" defTabSz="914400" rtl="0" eaLnBrk="1" latinLnBrk="0" hangingPunct="1">
+    <a:lvl1pPr marL="0" algn="l" defTabSz="457200" rtl="0" eaLnBrk="1" latinLnBrk="0" hangingPunct="1">
       <a:defRPr sz="1800" kern="1200">
         <a:solidFill>
           <a:schemeClr val="tx1"/>
@@ -23,7 +24,7 @@
         <a:cs typeface="+mn-cs"/>
       </a:defRPr>
     </a:lvl1pPr>
-    <a:lvl2pPr marL="457200" algn="l" defTabSz="914400" rtl="0" eaLnBrk="1" latinLnBrk="0" hangingPunct="1">
+    <a:lvl2pPr marL="457200" algn="l" defTabSz="457200" rtl="0" eaLnBrk="1" latinLnBrk="0" hangingPunct="1">
       <a:defRPr sz="1800" kern="1200">
         <a:solidFill>
           <a:schemeClr val="tx1"/>
@@ -33,7 +34,7 @@
         <a:cs typeface="+mn-cs"/>
       </a:defRPr>
     </a:lvl2pPr>
-    <a:lvl3pPr marL="914400" algn="l" defTabSz="914400" rtl="0" eaLnBrk="1" latinLnBrk="0" hangingPunct="1">
+    <a:lvl3pPr marL="914400" algn="l" defTabSz="457200" rtl="0" eaLnBrk="1" latinLnBrk="0" hangingPunct="1">
       <a:defRPr sz="1800" kern="1200">
         <a:solidFill>
           <a:schemeClr val="tx1"/>
@@ -43,7 +44,7 @@
         <a:cs typeface="+mn-cs"/>
       </a:defRPr>
     </a:lvl3pPr>
-    <a:lvl4pPr marL="1371600" algn="l" defTabSz="914400" rtl="0" eaLnBrk="1" latinLnBrk="0" hangingPunct="1">
+    <a:lvl4pPr marL="1371600" algn="l" defTabSz="457200" rtl="0" eaLnBrk="1" latinLnBrk="0" hangingPunct="1">
       <a:defRPr sz="1800" kern="1200">
         <a:solidFill>
           <a:schemeClr val="tx1"/>
@@ -53,7 +54,7 @@
         <a:cs typeface="+mn-cs"/>
       </a:defRPr>
     </a:lvl4pPr>
-    <a:lvl5pPr marL="1828800" algn="l" defTabSz="914400" rtl="0" eaLnBrk="1" latinLnBrk="0" hangingPunct="1">
+    <a:lvl5pPr marL="1828800" algn="l" defTabSz="457200" rtl="0" eaLnBrk="1" latinLnBrk="0" hangingPunct="1">
       <a:defRPr sz="1800" kern="1200">
         <a:solidFill>
           <a:schemeClr val="tx1"/>
@@ -63,7 +64,7 @@
         <a:cs typeface="+mn-cs"/>
       </a:defRPr>
     </a:lvl5pPr>
-    <a:lvl6pPr marL="2286000" algn="l" defTabSz="914400" rtl="0" eaLnBrk="1" latinLnBrk="0" hangingPunct="1">
+    <a:lvl6pPr marL="2286000" algn="l" defTabSz="457200" rtl="0" eaLnBrk="1" latinLnBrk="0" hangingPunct="1">
       <a:defRPr sz="1800" kern="1200">
         <a:solidFill>
           <a:schemeClr val="tx1"/>
@@ -73,7 +74,7 @@
         <a:cs typeface="+mn-cs"/>
       </a:defRPr>
     </a:lvl6pPr>
-    <a:lvl7pPr marL="2743200" algn="l" defTabSz="914400" rtl="0" eaLnBrk="1" latinLnBrk="0" hangingPunct="1">
+    <a:lvl7pPr marL="2743200" algn="l" defTabSz="457200" rtl="0" eaLnBrk="1" latinLnBrk="0" hangingPunct="1">
       <a:defRPr sz="1800" kern="1200">
         <a:solidFill>
           <a:schemeClr val="tx1"/>
@@ -83,7 +84,7 @@
         <a:cs typeface="+mn-cs"/>
       </a:defRPr>
     </a:lvl7pPr>
-    <a:lvl8pPr marL="3200400" algn="l" defTabSz="914400" rtl="0" eaLnBrk="1" latinLnBrk="0" hangingPunct="1">
+    <a:lvl8pPr marL="3200400" algn="l" defTabSz="457200" rtl="0" eaLnBrk="1" latinLnBrk="0" hangingPunct="1">
       <a:defRPr sz="1800" kern="1200">
         <a:solidFill>
           <a:schemeClr val="tx1"/>
@@ -93,7 +94,7 @@
         <a:cs typeface="+mn-cs"/>
       </a:defRPr>
     </a:lvl8pPr>
-    <a:lvl9pPr marL="3657600" algn="l" defTabSz="914400" rtl="0" eaLnBrk="1" latinLnBrk="0" hangingPunct="1">
+    <a:lvl9pPr marL="3657600" algn="l" defTabSz="457200" rtl="0" eaLnBrk="1" latinLnBrk="0" hangingPunct="1">
       <a:defRPr sz="1800" kern="1200">
         <a:solidFill>
           <a:schemeClr val="tx1"/>
@@ -104,6 +105,11 @@
       </a:defRPr>
     </a:lvl9pPr>
   </p:defaultTextStyle>
+  <p:extLst>
+    <p:ext uri="{EFAFB233-063F-42B5-8137-9DF3F51BA10A}">
+      <p15:sldGuideLst xmlns:p15="http://schemas.microsoft.com/office/powerpoint/2012/main"/>
+    </p:ext>
+  </p:extLst>
 </p:presentation>
 </file>
 
@@ -126,13 +132,7 @@
       </p:grpSpPr>
       <p:sp>
         <p:nvSpPr>
-          <p:cNvPr id="2" name="标题 1">
-            <a:extLst>
-              <a:ext uri="{FF2B5EF4-FFF2-40B4-BE49-F238E27FC236}">
-                <a16:creationId xmlns:a16="http://schemas.microsoft.com/office/drawing/2014/main" id="{E53581D8-CF2C-4450-80F2-3C593EDB0BA6}"/>
-              </a:ext>
-            </a:extLst>
-          </p:cNvPr>
+          <p:cNvPr id="2" name="Title 1"/>
           <p:cNvSpPr>
             <a:spLocks noGrp="1"/>
           </p:cNvSpPr>
@@ -142,15 +142,15 @@
         </p:nvSpPr>
         <p:spPr>
           <a:xfrm>
-            <a:off x="1524000" y="1122363"/>
-            <a:ext cx="9144000" cy="2387600"/>
+            <a:off x="2880003" y="4713405"/>
+            <a:ext cx="32640032" cy="10026815"/>
           </a:xfrm>
         </p:spPr>
         <p:txBody>
           <a:bodyPr anchor="b"/>
           <a:lstStyle>
             <a:lvl1pPr algn="ctr">
-              <a:defRPr sz="6000"/>
+              <a:defRPr sz="25197"/>
             </a:lvl1pPr>
           </a:lstStyle>
           <a:p>
@@ -158,18 +158,13 @@
               <a:rPr lang="zh-CN" altLang="en-US"/>
               <a:t>单击此处编辑母版标题样式</a:t>
             </a:r>
-          </a:p>
-        </p:txBody>
-      </p:sp>
-      <p:sp>
-        <p:nvSpPr>
-          <p:cNvPr id="3" name="副标题 2">
-            <a:extLst>
-              <a:ext uri="{FF2B5EF4-FFF2-40B4-BE49-F238E27FC236}">
-                <a16:creationId xmlns:a16="http://schemas.microsoft.com/office/drawing/2014/main" id="{F0757725-0AF7-49F6-8B96-51A7592C86ED}"/>
-              </a:ext>
-            </a:extLst>
-          </p:cNvPr>
+            <a:endParaRPr lang="en-US" dirty="0"/>
+          </a:p>
+        </p:txBody>
+      </p:sp>
+      <p:sp>
+        <p:nvSpPr>
+          <p:cNvPr id="3" name="Subtitle 2"/>
           <p:cNvSpPr>
             <a:spLocks noGrp="1"/>
           </p:cNvSpPr>
@@ -179,8 +174,8 @@
         </p:nvSpPr>
         <p:spPr>
           <a:xfrm>
-            <a:off x="1524000" y="3602038"/>
-            <a:ext cx="9144000" cy="1655762"/>
+            <a:off x="4800005" y="15126892"/>
+            <a:ext cx="28800029" cy="6953434"/>
           </a:xfrm>
         </p:spPr>
         <p:txBody>
@@ -188,39 +183,39 @@
           <a:lstStyle>
             <a:lvl1pPr marL="0" indent="0" algn="ctr">
               <a:buNone/>
-              <a:defRPr sz="2400"/>
+              <a:defRPr sz="10079"/>
             </a:lvl1pPr>
-            <a:lvl2pPr marL="457200" indent="0" algn="ctr">
+            <a:lvl2pPr marL="1920011" indent="0" algn="ctr">
               <a:buNone/>
-              <a:defRPr sz="2000"/>
+              <a:defRPr sz="8399"/>
             </a:lvl2pPr>
-            <a:lvl3pPr marL="914400" indent="0" algn="ctr">
+            <a:lvl3pPr marL="3840023" indent="0" algn="ctr">
               <a:buNone/>
-              <a:defRPr sz="1800"/>
+              <a:defRPr sz="7559"/>
             </a:lvl3pPr>
-            <a:lvl4pPr marL="1371600" indent="0" algn="ctr">
+            <a:lvl4pPr marL="5760034" indent="0" algn="ctr">
               <a:buNone/>
-              <a:defRPr sz="1600"/>
+              <a:defRPr sz="6719"/>
             </a:lvl4pPr>
-            <a:lvl5pPr marL="1828800" indent="0" algn="ctr">
+            <a:lvl5pPr marL="7680046" indent="0" algn="ctr">
               <a:buNone/>
-              <a:defRPr sz="1600"/>
+              <a:defRPr sz="6719"/>
             </a:lvl5pPr>
-            <a:lvl6pPr marL="2286000" indent="0" algn="ctr">
+            <a:lvl6pPr marL="9600057" indent="0" algn="ctr">
               <a:buNone/>
-              <a:defRPr sz="1600"/>
+              <a:defRPr sz="6719"/>
             </a:lvl6pPr>
-            <a:lvl7pPr marL="2743200" indent="0" algn="ctr">
+            <a:lvl7pPr marL="11520068" indent="0" algn="ctr">
               <a:buNone/>
-              <a:defRPr sz="1600"/>
+              <a:defRPr sz="6719"/>
             </a:lvl7pPr>
-            <a:lvl8pPr marL="3200400" indent="0" algn="ctr">
+            <a:lvl8pPr marL="13440080" indent="0" algn="ctr">
               <a:buNone/>
-              <a:defRPr sz="1600"/>
+              <a:defRPr sz="6719"/>
             </a:lvl8pPr>
-            <a:lvl9pPr marL="3657600" indent="0" algn="ctr">
+            <a:lvl9pPr marL="15360091" indent="0" algn="ctr">
               <a:buNone/>
-              <a:defRPr sz="1600"/>
+              <a:defRPr sz="6719"/>
             </a:lvl9pPr>
           </a:lstStyle>
           <a:p>
@@ -228,18 +223,13 @@
               <a:rPr lang="zh-CN" altLang="en-US"/>
               <a:t>单击此处编辑母版副标题样式</a:t>
             </a:r>
-          </a:p>
-        </p:txBody>
-      </p:sp>
-      <p:sp>
-        <p:nvSpPr>
-          <p:cNvPr id="4" name="日期占位符 3">
-            <a:extLst>
-              <a:ext uri="{FF2B5EF4-FFF2-40B4-BE49-F238E27FC236}">
-                <a16:creationId xmlns:a16="http://schemas.microsoft.com/office/drawing/2014/main" id="{DF153FDF-0B4C-449D-A1A3-4F8EBCB8E2CE}"/>
-              </a:ext>
-            </a:extLst>
-          </p:cNvPr>
+            <a:endParaRPr lang="en-US" dirty="0"/>
+          </a:p>
+        </p:txBody>
+      </p:sp>
+      <p:sp>
+        <p:nvSpPr>
+          <p:cNvPr id="4" name="Date Placeholder 3"/>
           <p:cNvSpPr>
             <a:spLocks noGrp="1"/>
           </p:cNvSpPr>
@@ -262,13 +252,7 @@
       </p:sp>
       <p:sp>
         <p:nvSpPr>
-          <p:cNvPr id="5" name="页脚占位符 4">
-            <a:extLst>
-              <a:ext uri="{FF2B5EF4-FFF2-40B4-BE49-F238E27FC236}">
-                <a16:creationId xmlns:a16="http://schemas.microsoft.com/office/drawing/2014/main" id="{8C7F5FA9-7318-4BB7-8867-BF7A526A7FD8}"/>
-              </a:ext>
-            </a:extLst>
-          </p:cNvPr>
+          <p:cNvPr id="5" name="Footer Placeholder 4"/>
           <p:cNvSpPr>
             <a:spLocks noGrp="1"/>
           </p:cNvSpPr>
@@ -287,13 +271,7 @@
       </p:sp>
       <p:sp>
         <p:nvSpPr>
-          <p:cNvPr id="6" name="灯片编号占位符 5">
-            <a:extLst>
-              <a:ext uri="{FF2B5EF4-FFF2-40B4-BE49-F238E27FC236}">
-                <a16:creationId xmlns:a16="http://schemas.microsoft.com/office/drawing/2014/main" id="{D730D92B-1D49-4754-8AC8-159F930BBD91}"/>
-              </a:ext>
-            </a:extLst>
-          </p:cNvPr>
+          <p:cNvPr id="6" name="Slide Number Placeholder 5"/>
           <p:cNvSpPr>
             <a:spLocks noGrp="1"/>
           </p:cNvSpPr>
@@ -317,7 +295,7 @@
     </p:spTree>
     <p:extLst>
       <p:ext uri="{BB962C8B-B14F-4D97-AF65-F5344CB8AC3E}">
-        <p14:creationId xmlns:p14="http://schemas.microsoft.com/office/powerpoint/2010/main" val="355194217"/>
+        <p14:creationId xmlns:p14="http://schemas.microsoft.com/office/powerpoint/2010/main" val="2990258867"/>
       </p:ext>
     </p:extLst>
   </p:cSld>
@@ -346,13 +324,7 @@
       </p:grpSpPr>
       <p:sp>
         <p:nvSpPr>
-          <p:cNvPr id="2" name="标题 1">
-            <a:extLst>
-              <a:ext uri="{FF2B5EF4-FFF2-40B4-BE49-F238E27FC236}">
-                <a16:creationId xmlns:a16="http://schemas.microsoft.com/office/drawing/2014/main" id="{1C8ADD7C-7478-49AF-BE72-2A9D615BCED5}"/>
-              </a:ext>
-            </a:extLst>
-          </p:cNvPr>
+          <p:cNvPr id="2" name="Title 1"/>
           <p:cNvSpPr>
             <a:spLocks noGrp="1"/>
           </p:cNvSpPr>
@@ -369,18 +341,13 @@
               <a:rPr lang="zh-CN" altLang="en-US"/>
               <a:t>单击此处编辑母版标题样式</a:t>
             </a:r>
-          </a:p>
-        </p:txBody>
-      </p:sp>
-      <p:sp>
-        <p:nvSpPr>
-          <p:cNvPr id="3" name="竖排文字占位符 2">
-            <a:extLst>
-              <a:ext uri="{FF2B5EF4-FFF2-40B4-BE49-F238E27FC236}">
-                <a16:creationId xmlns:a16="http://schemas.microsoft.com/office/drawing/2014/main" id="{7DABC3CF-301C-40FD-A2E9-994BACB9CC49}"/>
-              </a:ext>
-            </a:extLst>
-          </p:cNvPr>
+            <a:endParaRPr lang="en-US" dirty="0"/>
+          </a:p>
+        </p:txBody>
+      </p:sp>
+      <p:sp>
+        <p:nvSpPr>
+          <p:cNvPr id="3" name="Vertical Text Placeholder 2"/>
           <p:cNvSpPr>
             <a:spLocks noGrp="1"/>
           </p:cNvSpPr>
@@ -426,18 +393,13 @@
               <a:rPr lang="zh-CN" altLang="en-US"/>
               <a:t>五级</a:t>
             </a:r>
-          </a:p>
-        </p:txBody>
-      </p:sp>
-      <p:sp>
-        <p:nvSpPr>
-          <p:cNvPr id="4" name="日期占位符 3">
-            <a:extLst>
-              <a:ext uri="{FF2B5EF4-FFF2-40B4-BE49-F238E27FC236}">
-                <a16:creationId xmlns:a16="http://schemas.microsoft.com/office/drawing/2014/main" id="{2B05C8EB-A4F8-4379-A60B-77962DE14FBB}"/>
-              </a:ext>
-            </a:extLst>
-          </p:cNvPr>
+            <a:endParaRPr lang="en-US" dirty="0"/>
+          </a:p>
+        </p:txBody>
+      </p:sp>
+      <p:sp>
+        <p:nvSpPr>
+          <p:cNvPr id="4" name="Date Placeholder 3"/>
           <p:cNvSpPr>
             <a:spLocks noGrp="1"/>
           </p:cNvSpPr>
@@ -460,13 +422,7 @@
       </p:sp>
       <p:sp>
         <p:nvSpPr>
-          <p:cNvPr id="5" name="页脚占位符 4">
-            <a:extLst>
-              <a:ext uri="{FF2B5EF4-FFF2-40B4-BE49-F238E27FC236}">
-                <a16:creationId xmlns:a16="http://schemas.microsoft.com/office/drawing/2014/main" id="{CACA97F8-DC39-48C6-9C3B-15597184CEA9}"/>
-              </a:ext>
-            </a:extLst>
-          </p:cNvPr>
+          <p:cNvPr id="5" name="Footer Placeholder 4"/>
           <p:cNvSpPr>
             <a:spLocks noGrp="1"/>
           </p:cNvSpPr>
@@ -485,13 +441,7 @@
       </p:sp>
       <p:sp>
         <p:nvSpPr>
-          <p:cNvPr id="6" name="灯片编号占位符 5">
-            <a:extLst>
-              <a:ext uri="{FF2B5EF4-FFF2-40B4-BE49-F238E27FC236}">
-                <a16:creationId xmlns:a16="http://schemas.microsoft.com/office/drawing/2014/main" id="{1EFBA28C-A7E3-4D86-A58A-13EA25AEF6AD}"/>
-              </a:ext>
-            </a:extLst>
-          </p:cNvPr>
+          <p:cNvPr id="6" name="Slide Number Placeholder 5"/>
           <p:cNvSpPr>
             <a:spLocks noGrp="1"/>
           </p:cNvSpPr>
@@ -515,7 +465,7 @@
     </p:spTree>
     <p:extLst>
       <p:ext uri="{BB962C8B-B14F-4D97-AF65-F5344CB8AC3E}">
-        <p14:creationId xmlns:p14="http://schemas.microsoft.com/office/powerpoint/2010/main" val="1121861384"/>
+        <p14:creationId xmlns:p14="http://schemas.microsoft.com/office/powerpoint/2010/main" val="2890747114"/>
       </p:ext>
     </p:extLst>
   </p:cSld>
@@ -544,13 +494,7 @@
       </p:grpSpPr>
       <p:sp>
         <p:nvSpPr>
-          <p:cNvPr id="2" name="竖排标题 1">
-            <a:extLst>
-              <a:ext uri="{FF2B5EF4-FFF2-40B4-BE49-F238E27FC236}">
-                <a16:creationId xmlns:a16="http://schemas.microsoft.com/office/drawing/2014/main" id="{4CC8733E-2D87-453E-BFE2-371DFB8E302B}"/>
-              </a:ext>
-            </a:extLst>
-          </p:cNvPr>
+          <p:cNvPr id="2" name="Vertical Title 1"/>
           <p:cNvSpPr>
             <a:spLocks noGrp="1"/>
           </p:cNvSpPr>
@@ -560,8 +504,8 @@
         </p:nvSpPr>
         <p:spPr>
           <a:xfrm>
-            <a:off x="8724900" y="365125"/>
-            <a:ext cx="2628900" cy="5811838"/>
+            <a:off x="27480029" y="1533356"/>
+            <a:ext cx="8280008" cy="24407029"/>
           </a:xfrm>
         </p:spPr>
         <p:txBody>
@@ -572,18 +516,13 @@
               <a:rPr lang="zh-CN" altLang="en-US"/>
               <a:t>单击此处编辑母版标题样式</a:t>
             </a:r>
-          </a:p>
-        </p:txBody>
-      </p:sp>
-      <p:sp>
-        <p:nvSpPr>
-          <p:cNvPr id="3" name="竖排文字占位符 2">
-            <a:extLst>
-              <a:ext uri="{FF2B5EF4-FFF2-40B4-BE49-F238E27FC236}">
-                <a16:creationId xmlns:a16="http://schemas.microsoft.com/office/drawing/2014/main" id="{A53723A0-EAA1-421D-AB50-2E359AF148AC}"/>
-              </a:ext>
-            </a:extLst>
-          </p:cNvPr>
+            <a:endParaRPr lang="en-US" dirty="0"/>
+          </a:p>
+        </p:txBody>
+      </p:sp>
+      <p:sp>
+        <p:nvSpPr>
+          <p:cNvPr id="3" name="Vertical Text Placeholder 2"/>
           <p:cNvSpPr>
             <a:spLocks noGrp="1"/>
           </p:cNvSpPr>
@@ -593,8 +532,8 @@
         </p:nvSpPr>
         <p:spPr>
           <a:xfrm>
-            <a:off x="838200" y="365125"/>
-            <a:ext cx="7734300" cy="5811838"/>
+            <a:off x="2640005" y="1533356"/>
+            <a:ext cx="24360024" cy="24407029"/>
           </a:xfrm>
         </p:spPr>
         <p:txBody>
@@ -634,18 +573,13 @@
               <a:rPr lang="zh-CN" altLang="en-US"/>
               <a:t>五级</a:t>
             </a:r>
-          </a:p>
-        </p:txBody>
-      </p:sp>
-      <p:sp>
-        <p:nvSpPr>
-          <p:cNvPr id="4" name="日期占位符 3">
-            <a:extLst>
-              <a:ext uri="{FF2B5EF4-FFF2-40B4-BE49-F238E27FC236}">
-                <a16:creationId xmlns:a16="http://schemas.microsoft.com/office/drawing/2014/main" id="{BD42135B-2F6F-4CA9-B039-555567B638D2}"/>
-              </a:ext>
-            </a:extLst>
-          </p:cNvPr>
+            <a:endParaRPr lang="en-US" dirty="0"/>
+          </a:p>
+        </p:txBody>
+      </p:sp>
+      <p:sp>
+        <p:nvSpPr>
+          <p:cNvPr id="4" name="Date Placeholder 3"/>
           <p:cNvSpPr>
             <a:spLocks noGrp="1"/>
           </p:cNvSpPr>
@@ -668,13 +602,7 @@
       </p:sp>
       <p:sp>
         <p:nvSpPr>
-          <p:cNvPr id="5" name="页脚占位符 4">
-            <a:extLst>
-              <a:ext uri="{FF2B5EF4-FFF2-40B4-BE49-F238E27FC236}">
-                <a16:creationId xmlns:a16="http://schemas.microsoft.com/office/drawing/2014/main" id="{BBBC4AE7-0E16-4271-820B-964A5B1F7A5F}"/>
-              </a:ext>
-            </a:extLst>
-          </p:cNvPr>
+          <p:cNvPr id="5" name="Footer Placeholder 4"/>
           <p:cNvSpPr>
             <a:spLocks noGrp="1"/>
           </p:cNvSpPr>
@@ -693,13 +621,7 @@
       </p:sp>
       <p:sp>
         <p:nvSpPr>
-          <p:cNvPr id="6" name="灯片编号占位符 5">
-            <a:extLst>
-              <a:ext uri="{FF2B5EF4-FFF2-40B4-BE49-F238E27FC236}">
-                <a16:creationId xmlns:a16="http://schemas.microsoft.com/office/drawing/2014/main" id="{2426144B-6C6B-40D8-8A9E-A94ED89B252A}"/>
-              </a:ext>
-            </a:extLst>
-          </p:cNvPr>
+          <p:cNvPr id="6" name="Slide Number Placeholder 5"/>
           <p:cNvSpPr>
             <a:spLocks noGrp="1"/>
           </p:cNvSpPr>
@@ -723,7 +645,7 @@
     </p:spTree>
     <p:extLst>
       <p:ext uri="{BB962C8B-B14F-4D97-AF65-F5344CB8AC3E}">
-        <p14:creationId xmlns:p14="http://schemas.microsoft.com/office/powerpoint/2010/main" val="2497869342"/>
+        <p14:creationId xmlns:p14="http://schemas.microsoft.com/office/powerpoint/2010/main" val="1185584020"/>
       </p:ext>
     </p:extLst>
   </p:cSld>
@@ -752,13 +674,7 @@
       </p:grpSpPr>
       <p:sp>
         <p:nvSpPr>
-          <p:cNvPr id="2" name="标题 1">
-            <a:extLst>
-              <a:ext uri="{FF2B5EF4-FFF2-40B4-BE49-F238E27FC236}">
-                <a16:creationId xmlns:a16="http://schemas.microsoft.com/office/drawing/2014/main" id="{DD5D4259-4BC4-4EFD-AA7F-19B7EA33FA7E}"/>
-              </a:ext>
-            </a:extLst>
-          </p:cNvPr>
+          <p:cNvPr id="2" name="Title 1"/>
           <p:cNvSpPr>
             <a:spLocks noGrp="1"/>
           </p:cNvSpPr>
@@ -775,18 +691,13 @@
               <a:rPr lang="zh-CN" altLang="en-US"/>
               <a:t>单击此处编辑母版标题样式</a:t>
             </a:r>
-          </a:p>
-        </p:txBody>
-      </p:sp>
-      <p:sp>
-        <p:nvSpPr>
-          <p:cNvPr id="3" name="内容占位符 2">
-            <a:extLst>
-              <a:ext uri="{FF2B5EF4-FFF2-40B4-BE49-F238E27FC236}">
-                <a16:creationId xmlns:a16="http://schemas.microsoft.com/office/drawing/2014/main" id="{0565CD79-3472-4519-8D0F-5BE87A0EA0D4}"/>
-              </a:ext>
-            </a:extLst>
-          </p:cNvPr>
+            <a:endParaRPr lang="en-US" dirty="0"/>
+          </a:p>
+        </p:txBody>
+      </p:sp>
+      <p:sp>
+        <p:nvSpPr>
+          <p:cNvPr id="3" name="Content Placeholder 2"/>
           <p:cNvSpPr>
             <a:spLocks noGrp="1"/>
           </p:cNvSpPr>
@@ -832,18 +743,13 @@
               <a:rPr lang="zh-CN" altLang="en-US"/>
               <a:t>五级</a:t>
             </a:r>
-          </a:p>
-        </p:txBody>
-      </p:sp>
-      <p:sp>
-        <p:nvSpPr>
-          <p:cNvPr id="4" name="日期占位符 3">
-            <a:extLst>
-              <a:ext uri="{FF2B5EF4-FFF2-40B4-BE49-F238E27FC236}">
-                <a16:creationId xmlns:a16="http://schemas.microsoft.com/office/drawing/2014/main" id="{E0C54B72-FFAF-475C-A729-90AF6BDB07AE}"/>
-              </a:ext>
-            </a:extLst>
-          </p:cNvPr>
+            <a:endParaRPr lang="en-US" dirty="0"/>
+          </a:p>
+        </p:txBody>
+      </p:sp>
+      <p:sp>
+        <p:nvSpPr>
+          <p:cNvPr id="4" name="Date Placeholder 3"/>
           <p:cNvSpPr>
             <a:spLocks noGrp="1"/>
           </p:cNvSpPr>
@@ -866,13 +772,7 @@
       </p:sp>
       <p:sp>
         <p:nvSpPr>
-          <p:cNvPr id="5" name="页脚占位符 4">
-            <a:extLst>
-              <a:ext uri="{FF2B5EF4-FFF2-40B4-BE49-F238E27FC236}">
-                <a16:creationId xmlns:a16="http://schemas.microsoft.com/office/drawing/2014/main" id="{8DC9E361-1251-4EF9-A034-50E55FD1D951}"/>
-              </a:ext>
-            </a:extLst>
-          </p:cNvPr>
+          <p:cNvPr id="5" name="Footer Placeholder 4"/>
           <p:cNvSpPr>
             <a:spLocks noGrp="1"/>
           </p:cNvSpPr>
@@ -891,13 +791,7 @@
       </p:sp>
       <p:sp>
         <p:nvSpPr>
-          <p:cNvPr id="6" name="灯片编号占位符 5">
-            <a:extLst>
-              <a:ext uri="{FF2B5EF4-FFF2-40B4-BE49-F238E27FC236}">
-                <a16:creationId xmlns:a16="http://schemas.microsoft.com/office/drawing/2014/main" id="{21FBDB7F-1DCB-43B1-90A7-78D207042A3B}"/>
-              </a:ext>
-            </a:extLst>
-          </p:cNvPr>
+          <p:cNvPr id="6" name="Slide Number Placeholder 5"/>
           <p:cNvSpPr>
             <a:spLocks noGrp="1"/>
           </p:cNvSpPr>
@@ -921,7 +815,7 @@
     </p:spTree>
     <p:extLst>
       <p:ext uri="{BB962C8B-B14F-4D97-AF65-F5344CB8AC3E}">
-        <p14:creationId xmlns:p14="http://schemas.microsoft.com/office/powerpoint/2010/main" val="301004207"/>
+        <p14:creationId xmlns:p14="http://schemas.microsoft.com/office/powerpoint/2010/main" val="2145395274"/>
       </p:ext>
     </p:extLst>
   </p:cSld>
@@ -950,13 +844,7 @@
       </p:grpSpPr>
       <p:sp>
         <p:nvSpPr>
-          <p:cNvPr id="2" name="标题 1">
-            <a:extLst>
-              <a:ext uri="{FF2B5EF4-FFF2-40B4-BE49-F238E27FC236}">
-                <a16:creationId xmlns:a16="http://schemas.microsoft.com/office/drawing/2014/main" id="{6554EF38-2D27-4EBD-8118-D9065D1C84FC}"/>
-              </a:ext>
-            </a:extLst>
-          </p:cNvPr>
+          <p:cNvPr id="2" name="Title 1"/>
           <p:cNvSpPr>
             <a:spLocks noGrp="1"/>
           </p:cNvSpPr>
@@ -966,15 +854,15 @@
         </p:nvSpPr>
         <p:spPr>
           <a:xfrm>
-            <a:off x="831850" y="1709738"/>
-            <a:ext cx="10515600" cy="2852737"/>
+            <a:off x="2620005" y="7180114"/>
+            <a:ext cx="33120033" cy="11980175"/>
           </a:xfrm>
         </p:spPr>
         <p:txBody>
           <a:bodyPr anchor="b"/>
           <a:lstStyle>
             <a:lvl1pPr>
-              <a:defRPr sz="6000"/>
+              <a:defRPr sz="25197"/>
             </a:lvl1pPr>
           </a:lstStyle>
           <a:p>
@@ -982,18 +870,13 @@
               <a:rPr lang="zh-CN" altLang="en-US"/>
               <a:t>单击此处编辑母版标题样式</a:t>
             </a:r>
-          </a:p>
-        </p:txBody>
-      </p:sp>
-      <p:sp>
-        <p:nvSpPr>
-          <p:cNvPr id="3" name="文本占位符 2">
-            <a:extLst>
-              <a:ext uri="{FF2B5EF4-FFF2-40B4-BE49-F238E27FC236}">
-                <a16:creationId xmlns:a16="http://schemas.microsoft.com/office/drawing/2014/main" id="{7D2FA7A2-0525-4ED7-8C21-334E3B5D50C7}"/>
-              </a:ext>
-            </a:extLst>
-          </p:cNvPr>
+            <a:endParaRPr lang="en-US" dirty="0"/>
+          </a:p>
+        </p:txBody>
+      </p:sp>
+      <p:sp>
+        <p:nvSpPr>
+          <p:cNvPr id="3" name="Text Placeholder 2"/>
           <p:cNvSpPr>
             <a:spLocks noGrp="1"/>
           </p:cNvSpPr>
@@ -1003,8 +886,8 @@
         </p:nvSpPr>
         <p:spPr>
           <a:xfrm>
-            <a:off x="831850" y="4589463"/>
-            <a:ext cx="10515600" cy="1500187"/>
+            <a:off x="2620005" y="19273626"/>
+            <a:ext cx="33120033" cy="6300091"/>
           </a:xfrm>
         </p:spPr>
         <p:txBody>
@@ -1012,17 +895,15 @@
           <a:lstStyle>
             <a:lvl1pPr marL="0" indent="0">
               <a:buNone/>
-              <a:defRPr sz="2400">
+              <a:defRPr sz="10079">
                 <a:solidFill>
-                  <a:schemeClr val="tx1">
-                    <a:tint val="75000"/>
-                  </a:schemeClr>
+                  <a:schemeClr val="tx1"/>
                 </a:solidFill>
               </a:defRPr>
             </a:lvl1pPr>
-            <a:lvl2pPr marL="457200" indent="0">
+            <a:lvl2pPr marL="1920011" indent="0">
               <a:buNone/>
-              <a:defRPr sz="2000">
+              <a:defRPr sz="8399">
                 <a:solidFill>
                   <a:schemeClr val="tx1">
                     <a:tint val="75000"/>
@@ -1030,9 +911,9 @@
                 </a:solidFill>
               </a:defRPr>
             </a:lvl2pPr>
-            <a:lvl3pPr marL="914400" indent="0">
+            <a:lvl3pPr marL="3840023" indent="0">
               <a:buNone/>
-              <a:defRPr sz="1800">
+              <a:defRPr sz="7559">
                 <a:solidFill>
                   <a:schemeClr val="tx1">
                     <a:tint val="75000"/>
@@ -1040,9 +921,9 @@
                 </a:solidFill>
               </a:defRPr>
             </a:lvl3pPr>
-            <a:lvl4pPr marL="1371600" indent="0">
+            <a:lvl4pPr marL="5760034" indent="0">
               <a:buNone/>
-              <a:defRPr sz="1600">
+              <a:defRPr sz="6719">
                 <a:solidFill>
                   <a:schemeClr val="tx1">
                     <a:tint val="75000"/>
@@ -1050,9 +931,9 @@
                 </a:solidFill>
               </a:defRPr>
             </a:lvl4pPr>
-            <a:lvl5pPr marL="1828800" indent="0">
+            <a:lvl5pPr marL="7680046" indent="0">
               <a:buNone/>
-              <a:defRPr sz="1600">
+              <a:defRPr sz="6719">
                 <a:solidFill>
                   <a:schemeClr val="tx1">
                     <a:tint val="75000"/>
@@ -1060,9 +941,9 @@
                 </a:solidFill>
               </a:defRPr>
             </a:lvl5pPr>
-            <a:lvl6pPr marL="2286000" indent="0">
+            <a:lvl6pPr marL="9600057" indent="0">
               <a:buNone/>
-              <a:defRPr sz="1600">
+              <a:defRPr sz="6719">
                 <a:solidFill>
                   <a:schemeClr val="tx1">
                     <a:tint val="75000"/>
@@ -1070,9 +951,9 @@
                 </a:solidFill>
               </a:defRPr>
             </a:lvl6pPr>
-            <a:lvl7pPr marL="2743200" indent="0">
+            <a:lvl7pPr marL="11520068" indent="0">
               <a:buNone/>
-              <a:defRPr sz="1600">
+              <a:defRPr sz="6719">
                 <a:solidFill>
                   <a:schemeClr val="tx1">
                     <a:tint val="75000"/>
@@ -1080,9 +961,9 @@
                 </a:solidFill>
               </a:defRPr>
             </a:lvl7pPr>
-            <a:lvl8pPr marL="3200400" indent="0">
+            <a:lvl8pPr marL="13440080" indent="0">
               <a:buNone/>
-              <a:defRPr sz="1600">
+              <a:defRPr sz="6719">
                 <a:solidFill>
                   <a:schemeClr val="tx1">
                     <a:tint val="75000"/>
@@ -1090,9 +971,9 @@
                 </a:solidFill>
               </a:defRPr>
             </a:lvl8pPr>
-            <a:lvl9pPr marL="3657600" indent="0">
+            <a:lvl9pPr marL="15360091" indent="0">
               <a:buNone/>
-              <a:defRPr sz="1600">
+              <a:defRPr sz="6719">
                 <a:solidFill>
                   <a:schemeClr val="tx1">
                     <a:tint val="75000"/>
@@ -1112,13 +993,7 @@
       </p:sp>
       <p:sp>
         <p:nvSpPr>
-          <p:cNvPr id="4" name="日期占位符 3">
-            <a:extLst>
-              <a:ext uri="{FF2B5EF4-FFF2-40B4-BE49-F238E27FC236}">
-                <a16:creationId xmlns:a16="http://schemas.microsoft.com/office/drawing/2014/main" id="{0DF30743-88B3-4985-9520-A536D277F893}"/>
-              </a:ext>
-            </a:extLst>
-          </p:cNvPr>
+          <p:cNvPr id="4" name="Date Placeholder 3"/>
           <p:cNvSpPr>
             <a:spLocks noGrp="1"/>
           </p:cNvSpPr>
@@ -1141,13 +1016,7 @@
       </p:sp>
       <p:sp>
         <p:nvSpPr>
-          <p:cNvPr id="5" name="页脚占位符 4">
-            <a:extLst>
-              <a:ext uri="{FF2B5EF4-FFF2-40B4-BE49-F238E27FC236}">
-                <a16:creationId xmlns:a16="http://schemas.microsoft.com/office/drawing/2014/main" id="{96936B8C-F22F-423A-82CB-3CC91A4C869C}"/>
-              </a:ext>
-            </a:extLst>
-          </p:cNvPr>
+          <p:cNvPr id="5" name="Footer Placeholder 4"/>
           <p:cNvSpPr>
             <a:spLocks noGrp="1"/>
           </p:cNvSpPr>
@@ -1166,13 +1035,7 @@
       </p:sp>
       <p:sp>
         <p:nvSpPr>
-          <p:cNvPr id="6" name="灯片编号占位符 5">
-            <a:extLst>
-              <a:ext uri="{FF2B5EF4-FFF2-40B4-BE49-F238E27FC236}">
-                <a16:creationId xmlns:a16="http://schemas.microsoft.com/office/drawing/2014/main" id="{ABCEF79C-DF49-4FC4-8BFE-97F09E129852}"/>
-              </a:ext>
-            </a:extLst>
-          </p:cNvPr>
+          <p:cNvPr id="6" name="Slide Number Placeholder 5"/>
           <p:cNvSpPr>
             <a:spLocks noGrp="1"/>
           </p:cNvSpPr>
@@ -1196,7 +1059,7 @@
     </p:spTree>
     <p:extLst>
       <p:ext uri="{BB962C8B-B14F-4D97-AF65-F5344CB8AC3E}">
-        <p14:creationId xmlns:p14="http://schemas.microsoft.com/office/powerpoint/2010/main" val="1467037338"/>
+        <p14:creationId xmlns:p14="http://schemas.microsoft.com/office/powerpoint/2010/main" val="1062263687"/>
       </p:ext>
     </p:extLst>
   </p:cSld>
@@ -1225,13 +1088,7 @@
       </p:grpSpPr>
       <p:sp>
         <p:nvSpPr>
-          <p:cNvPr id="2" name="标题 1">
-            <a:extLst>
-              <a:ext uri="{FF2B5EF4-FFF2-40B4-BE49-F238E27FC236}">
-                <a16:creationId xmlns:a16="http://schemas.microsoft.com/office/drawing/2014/main" id="{305BCDE5-D02D-4096-B01C-B6A84895986D}"/>
-              </a:ext>
-            </a:extLst>
-          </p:cNvPr>
+          <p:cNvPr id="2" name="Title 1"/>
           <p:cNvSpPr>
             <a:spLocks noGrp="1"/>
           </p:cNvSpPr>
@@ -1248,18 +1105,13 @@
               <a:rPr lang="zh-CN" altLang="en-US"/>
               <a:t>单击此处编辑母版标题样式</a:t>
             </a:r>
-          </a:p>
-        </p:txBody>
-      </p:sp>
-      <p:sp>
-        <p:nvSpPr>
-          <p:cNvPr id="3" name="内容占位符 2">
-            <a:extLst>
-              <a:ext uri="{FF2B5EF4-FFF2-40B4-BE49-F238E27FC236}">
-                <a16:creationId xmlns:a16="http://schemas.microsoft.com/office/drawing/2014/main" id="{43C6D394-D110-46AF-B57A-BC873C23F865}"/>
-              </a:ext>
-            </a:extLst>
-          </p:cNvPr>
+            <a:endParaRPr lang="en-US" dirty="0"/>
+          </a:p>
+        </p:txBody>
+      </p:sp>
+      <p:sp>
+        <p:nvSpPr>
+          <p:cNvPr id="3" name="Content Placeholder 2"/>
           <p:cNvSpPr>
             <a:spLocks noGrp="1"/>
           </p:cNvSpPr>
@@ -1269,8 +1121,8 @@
         </p:nvSpPr>
         <p:spPr>
           <a:xfrm>
-            <a:off x="838200" y="1825625"/>
-            <a:ext cx="5181600" cy="4351338"/>
+            <a:off x="2640003" y="7666780"/>
+            <a:ext cx="16320016" cy="18273605"/>
           </a:xfrm>
         </p:spPr>
         <p:txBody>
@@ -1310,18 +1162,13 @@
               <a:rPr lang="zh-CN" altLang="en-US"/>
               <a:t>五级</a:t>
             </a:r>
-          </a:p>
-        </p:txBody>
-      </p:sp>
-      <p:sp>
-        <p:nvSpPr>
-          <p:cNvPr id="4" name="内容占位符 3">
-            <a:extLst>
-              <a:ext uri="{FF2B5EF4-FFF2-40B4-BE49-F238E27FC236}">
-                <a16:creationId xmlns:a16="http://schemas.microsoft.com/office/drawing/2014/main" id="{EC9A95BA-CB0F-4126-A962-65203B766CE9}"/>
-              </a:ext>
-            </a:extLst>
-          </p:cNvPr>
+            <a:endParaRPr lang="en-US" dirty="0"/>
+          </a:p>
+        </p:txBody>
+      </p:sp>
+      <p:sp>
+        <p:nvSpPr>
+          <p:cNvPr id="4" name="Content Placeholder 3"/>
           <p:cNvSpPr>
             <a:spLocks noGrp="1"/>
           </p:cNvSpPr>
@@ -1331,8 +1178,8 @@
         </p:nvSpPr>
         <p:spPr>
           <a:xfrm>
-            <a:off x="6172200" y="1825625"/>
-            <a:ext cx="5181600" cy="4351338"/>
+            <a:off x="19440019" y="7666780"/>
+            <a:ext cx="16320016" cy="18273605"/>
           </a:xfrm>
         </p:spPr>
         <p:txBody>
@@ -1372,18 +1219,13 @@
               <a:rPr lang="zh-CN" altLang="en-US"/>
               <a:t>五级</a:t>
             </a:r>
-          </a:p>
-        </p:txBody>
-      </p:sp>
-      <p:sp>
-        <p:nvSpPr>
-          <p:cNvPr id="5" name="日期占位符 4">
-            <a:extLst>
-              <a:ext uri="{FF2B5EF4-FFF2-40B4-BE49-F238E27FC236}">
-                <a16:creationId xmlns:a16="http://schemas.microsoft.com/office/drawing/2014/main" id="{30C09220-5782-4ED8-9D0C-63F8A0295F21}"/>
-              </a:ext>
-            </a:extLst>
-          </p:cNvPr>
+            <a:endParaRPr lang="en-US" dirty="0"/>
+          </a:p>
+        </p:txBody>
+      </p:sp>
+      <p:sp>
+        <p:nvSpPr>
+          <p:cNvPr id="5" name="Date Placeholder 4"/>
           <p:cNvSpPr>
             <a:spLocks noGrp="1"/>
           </p:cNvSpPr>
@@ -1406,13 +1248,7 @@
       </p:sp>
       <p:sp>
         <p:nvSpPr>
-          <p:cNvPr id="6" name="页脚占位符 5">
-            <a:extLst>
-              <a:ext uri="{FF2B5EF4-FFF2-40B4-BE49-F238E27FC236}">
-                <a16:creationId xmlns:a16="http://schemas.microsoft.com/office/drawing/2014/main" id="{3ABDEDC9-578E-416E-AB77-A7312F810572}"/>
-              </a:ext>
-            </a:extLst>
-          </p:cNvPr>
+          <p:cNvPr id="6" name="Footer Placeholder 5"/>
           <p:cNvSpPr>
             <a:spLocks noGrp="1"/>
           </p:cNvSpPr>
@@ -1431,13 +1267,7 @@
       </p:sp>
       <p:sp>
         <p:nvSpPr>
-          <p:cNvPr id="7" name="灯片编号占位符 6">
-            <a:extLst>
-              <a:ext uri="{FF2B5EF4-FFF2-40B4-BE49-F238E27FC236}">
-                <a16:creationId xmlns:a16="http://schemas.microsoft.com/office/drawing/2014/main" id="{C5B6DDA1-53D4-4718-9C5E-785522F64C0F}"/>
-              </a:ext>
-            </a:extLst>
-          </p:cNvPr>
+          <p:cNvPr id="7" name="Slide Number Placeholder 6"/>
           <p:cNvSpPr>
             <a:spLocks noGrp="1"/>
           </p:cNvSpPr>
@@ -1461,7 +1291,7 @@
     </p:spTree>
     <p:extLst>
       <p:ext uri="{BB962C8B-B14F-4D97-AF65-F5344CB8AC3E}">
-        <p14:creationId xmlns:p14="http://schemas.microsoft.com/office/powerpoint/2010/main" val="3762630544"/>
+        <p14:creationId xmlns:p14="http://schemas.microsoft.com/office/powerpoint/2010/main" val="789965958"/>
       </p:ext>
     </p:extLst>
   </p:cSld>
@@ -1490,13 +1320,7 @@
       </p:grpSpPr>
       <p:sp>
         <p:nvSpPr>
-          <p:cNvPr id="2" name="标题 1">
-            <a:extLst>
-              <a:ext uri="{FF2B5EF4-FFF2-40B4-BE49-F238E27FC236}">
-                <a16:creationId xmlns:a16="http://schemas.microsoft.com/office/drawing/2014/main" id="{621A2D14-C801-473B-A2B2-A59B7A1BE75F}"/>
-              </a:ext>
-            </a:extLst>
-          </p:cNvPr>
+          <p:cNvPr id="2" name="Title 1"/>
           <p:cNvSpPr>
             <a:spLocks noGrp="1"/>
           </p:cNvSpPr>
@@ -1506,8 +1330,8 @@
         </p:nvSpPr>
         <p:spPr>
           <a:xfrm>
-            <a:off x="839788" y="365125"/>
-            <a:ext cx="10515600" cy="1325563"/>
+            <a:off x="2645004" y="1533362"/>
+            <a:ext cx="33120033" cy="5566751"/>
           </a:xfrm>
         </p:spPr>
         <p:txBody>
@@ -1518,18 +1342,13 @@
               <a:rPr lang="zh-CN" altLang="en-US"/>
               <a:t>单击此处编辑母版标题样式</a:t>
             </a:r>
-          </a:p>
-        </p:txBody>
-      </p:sp>
-      <p:sp>
-        <p:nvSpPr>
-          <p:cNvPr id="3" name="文本占位符 2">
-            <a:extLst>
-              <a:ext uri="{FF2B5EF4-FFF2-40B4-BE49-F238E27FC236}">
-                <a16:creationId xmlns:a16="http://schemas.microsoft.com/office/drawing/2014/main" id="{BAA689C5-68D1-4FAB-A9FA-109BD5516805}"/>
-              </a:ext>
-            </a:extLst>
-          </p:cNvPr>
+            <a:endParaRPr lang="en-US" dirty="0"/>
+          </a:p>
+        </p:txBody>
+      </p:sp>
+      <p:sp>
+        <p:nvSpPr>
+          <p:cNvPr id="3" name="Text Placeholder 2"/>
           <p:cNvSpPr>
             <a:spLocks noGrp="1"/>
           </p:cNvSpPr>
@@ -1539,8 +1358,8 @@
         </p:nvSpPr>
         <p:spPr>
           <a:xfrm>
-            <a:off x="839788" y="1681163"/>
-            <a:ext cx="5157787" cy="823912"/>
+            <a:off x="2645009" y="7060106"/>
+            <a:ext cx="16245013" cy="3460049"/>
           </a:xfrm>
         </p:spPr>
         <p:txBody>
@@ -1548,39 +1367,39 @@
           <a:lstStyle>
             <a:lvl1pPr marL="0" indent="0">
               <a:buNone/>
-              <a:defRPr sz="2400" b="1"/>
+              <a:defRPr sz="10079" b="1"/>
             </a:lvl1pPr>
-            <a:lvl2pPr marL="457200" indent="0">
+            <a:lvl2pPr marL="1920011" indent="0">
               <a:buNone/>
-              <a:defRPr sz="2000" b="1"/>
+              <a:defRPr sz="8399" b="1"/>
             </a:lvl2pPr>
-            <a:lvl3pPr marL="914400" indent="0">
+            <a:lvl3pPr marL="3840023" indent="0">
               <a:buNone/>
-              <a:defRPr sz="1800" b="1"/>
+              <a:defRPr sz="7559" b="1"/>
             </a:lvl3pPr>
-            <a:lvl4pPr marL="1371600" indent="0">
+            <a:lvl4pPr marL="5760034" indent="0">
               <a:buNone/>
-              <a:defRPr sz="1600" b="1"/>
+              <a:defRPr sz="6719" b="1"/>
             </a:lvl4pPr>
-            <a:lvl5pPr marL="1828800" indent="0">
+            <a:lvl5pPr marL="7680046" indent="0">
               <a:buNone/>
-              <a:defRPr sz="1600" b="1"/>
+              <a:defRPr sz="6719" b="1"/>
             </a:lvl5pPr>
-            <a:lvl6pPr marL="2286000" indent="0">
+            <a:lvl6pPr marL="9600057" indent="0">
               <a:buNone/>
-              <a:defRPr sz="1600" b="1"/>
+              <a:defRPr sz="6719" b="1"/>
             </a:lvl6pPr>
-            <a:lvl7pPr marL="2743200" indent="0">
+            <a:lvl7pPr marL="11520068" indent="0">
               <a:buNone/>
-              <a:defRPr sz="1600" b="1"/>
+              <a:defRPr sz="6719" b="1"/>
             </a:lvl7pPr>
-            <a:lvl8pPr marL="3200400" indent="0">
+            <a:lvl8pPr marL="13440080" indent="0">
               <a:buNone/>
-              <a:defRPr sz="1600" b="1"/>
+              <a:defRPr sz="6719" b="1"/>
             </a:lvl8pPr>
-            <a:lvl9pPr marL="3657600" indent="0">
+            <a:lvl9pPr marL="15360091" indent="0">
               <a:buNone/>
-              <a:defRPr sz="1600" b="1"/>
+              <a:defRPr sz="6719" b="1"/>
             </a:lvl9pPr>
           </a:lstStyle>
           <a:p>
@@ -1594,13 +1413,7 @@
       </p:sp>
       <p:sp>
         <p:nvSpPr>
-          <p:cNvPr id="4" name="内容占位符 3">
-            <a:extLst>
-              <a:ext uri="{FF2B5EF4-FFF2-40B4-BE49-F238E27FC236}">
-                <a16:creationId xmlns:a16="http://schemas.microsoft.com/office/drawing/2014/main" id="{58A19952-AFFA-4341-82B1-F46711B42380}"/>
-              </a:ext>
-            </a:extLst>
-          </p:cNvPr>
+          <p:cNvPr id="4" name="Content Placeholder 3"/>
           <p:cNvSpPr>
             <a:spLocks noGrp="1"/>
           </p:cNvSpPr>
@@ -1610,8 +1423,8 @@
         </p:nvSpPr>
         <p:spPr>
           <a:xfrm>
-            <a:off x="839788" y="2505075"/>
-            <a:ext cx="5157787" cy="3684588"/>
+            <a:off x="2645009" y="10520155"/>
+            <a:ext cx="16245013" cy="15473564"/>
           </a:xfrm>
         </p:spPr>
         <p:txBody>
@@ -1651,18 +1464,13 @@
               <a:rPr lang="zh-CN" altLang="en-US"/>
               <a:t>五级</a:t>
             </a:r>
-          </a:p>
-        </p:txBody>
-      </p:sp>
-      <p:sp>
-        <p:nvSpPr>
-          <p:cNvPr id="5" name="文本占位符 4">
-            <a:extLst>
-              <a:ext uri="{FF2B5EF4-FFF2-40B4-BE49-F238E27FC236}">
-                <a16:creationId xmlns:a16="http://schemas.microsoft.com/office/drawing/2014/main" id="{1F5A34EF-B4FD-401E-AAC8-B54152ED4A4F}"/>
-              </a:ext>
-            </a:extLst>
-          </p:cNvPr>
+            <a:endParaRPr lang="en-US" dirty="0"/>
+          </a:p>
+        </p:txBody>
+      </p:sp>
+      <p:sp>
+        <p:nvSpPr>
+          <p:cNvPr id="5" name="Text Placeholder 4"/>
           <p:cNvSpPr>
             <a:spLocks noGrp="1"/>
           </p:cNvSpPr>
@@ -1672,8 +1480,8 @@
         </p:nvSpPr>
         <p:spPr>
           <a:xfrm>
-            <a:off x="6172200" y="1681163"/>
-            <a:ext cx="5183188" cy="823912"/>
+            <a:off x="19440021" y="7060106"/>
+            <a:ext cx="16325018" cy="3460049"/>
           </a:xfrm>
         </p:spPr>
         <p:txBody>
@@ -1681,39 +1489,39 @@
           <a:lstStyle>
             <a:lvl1pPr marL="0" indent="0">
               <a:buNone/>
-              <a:defRPr sz="2400" b="1"/>
+              <a:defRPr sz="10079" b="1"/>
             </a:lvl1pPr>
-            <a:lvl2pPr marL="457200" indent="0">
+            <a:lvl2pPr marL="1920011" indent="0">
               <a:buNone/>
-              <a:defRPr sz="2000" b="1"/>
+              <a:defRPr sz="8399" b="1"/>
             </a:lvl2pPr>
-            <a:lvl3pPr marL="914400" indent="0">
+            <a:lvl3pPr marL="3840023" indent="0">
               <a:buNone/>
-              <a:defRPr sz="1800" b="1"/>
+              <a:defRPr sz="7559" b="1"/>
             </a:lvl3pPr>
-            <a:lvl4pPr marL="1371600" indent="0">
+            <a:lvl4pPr marL="5760034" indent="0">
               <a:buNone/>
-              <a:defRPr sz="1600" b="1"/>
+              <a:defRPr sz="6719" b="1"/>
             </a:lvl4pPr>
-            <a:lvl5pPr marL="1828800" indent="0">
+            <a:lvl5pPr marL="7680046" indent="0">
               <a:buNone/>
-              <a:defRPr sz="1600" b="1"/>
+              <a:defRPr sz="6719" b="1"/>
             </a:lvl5pPr>
-            <a:lvl6pPr marL="2286000" indent="0">
+            <a:lvl6pPr marL="9600057" indent="0">
               <a:buNone/>
-              <a:defRPr sz="1600" b="1"/>
+              <a:defRPr sz="6719" b="1"/>
             </a:lvl6pPr>
-            <a:lvl7pPr marL="2743200" indent="0">
+            <a:lvl7pPr marL="11520068" indent="0">
               <a:buNone/>
-              <a:defRPr sz="1600" b="1"/>
+              <a:defRPr sz="6719" b="1"/>
             </a:lvl7pPr>
-            <a:lvl8pPr marL="3200400" indent="0">
+            <a:lvl8pPr marL="13440080" indent="0">
               <a:buNone/>
-              <a:defRPr sz="1600" b="1"/>
+              <a:defRPr sz="6719" b="1"/>
             </a:lvl8pPr>
-            <a:lvl9pPr marL="3657600" indent="0">
+            <a:lvl9pPr marL="15360091" indent="0">
               <a:buNone/>
-              <a:defRPr sz="1600" b="1"/>
+              <a:defRPr sz="6719" b="1"/>
             </a:lvl9pPr>
           </a:lstStyle>
           <a:p>
@@ -1727,13 +1535,7 @@
       </p:sp>
       <p:sp>
         <p:nvSpPr>
-          <p:cNvPr id="6" name="内容占位符 5">
-            <a:extLst>
-              <a:ext uri="{FF2B5EF4-FFF2-40B4-BE49-F238E27FC236}">
-                <a16:creationId xmlns:a16="http://schemas.microsoft.com/office/drawing/2014/main" id="{42D65BFD-67D3-4F22-8131-C9B66A1831F0}"/>
-              </a:ext>
-            </a:extLst>
-          </p:cNvPr>
+          <p:cNvPr id="6" name="Content Placeholder 5"/>
           <p:cNvSpPr>
             <a:spLocks noGrp="1"/>
           </p:cNvSpPr>
@@ -1743,8 +1545,8 @@
         </p:nvSpPr>
         <p:spPr>
           <a:xfrm>
-            <a:off x="6172200" y="2505075"/>
-            <a:ext cx="5183188" cy="3684588"/>
+            <a:off x="19440021" y="10520155"/>
+            <a:ext cx="16325018" cy="15473564"/>
           </a:xfrm>
         </p:spPr>
         <p:txBody>
@@ -1784,18 +1586,13 @@
               <a:rPr lang="zh-CN" altLang="en-US"/>
               <a:t>五级</a:t>
             </a:r>
-          </a:p>
-        </p:txBody>
-      </p:sp>
-      <p:sp>
-        <p:nvSpPr>
-          <p:cNvPr id="7" name="日期占位符 6">
-            <a:extLst>
-              <a:ext uri="{FF2B5EF4-FFF2-40B4-BE49-F238E27FC236}">
-                <a16:creationId xmlns:a16="http://schemas.microsoft.com/office/drawing/2014/main" id="{EA7EAF64-0355-4F7D-A86E-5D92F3AEBAD1}"/>
-              </a:ext>
-            </a:extLst>
-          </p:cNvPr>
+            <a:endParaRPr lang="en-US" dirty="0"/>
+          </a:p>
+        </p:txBody>
+      </p:sp>
+      <p:sp>
+        <p:nvSpPr>
+          <p:cNvPr id="7" name="Date Placeholder 6"/>
           <p:cNvSpPr>
             <a:spLocks noGrp="1"/>
           </p:cNvSpPr>
@@ -1818,13 +1615,7 @@
       </p:sp>
       <p:sp>
         <p:nvSpPr>
-          <p:cNvPr id="8" name="页脚占位符 7">
-            <a:extLst>
-              <a:ext uri="{FF2B5EF4-FFF2-40B4-BE49-F238E27FC236}">
-                <a16:creationId xmlns:a16="http://schemas.microsoft.com/office/drawing/2014/main" id="{CCF67407-656D-4A51-A247-57A7AFAA8314}"/>
-              </a:ext>
-            </a:extLst>
-          </p:cNvPr>
+          <p:cNvPr id="8" name="Footer Placeholder 7"/>
           <p:cNvSpPr>
             <a:spLocks noGrp="1"/>
           </p:cNvSpPr>
@@ -1843,13 +1634,7 @@
       </p:sp>
       <p:sp>
         <p:nvSpPr>
-          <p:cNvPr id="9" name="灯片编号占位符 8">
-            <a:extLst>
-              <a:ext uri="{FF2B5EF4-FFF2-40B4-BE49-F238E27FC236}">
-                <a16:creationId xmlns:a16="http://schemas.microsoft.com/office/drawing/2014/main" id="{FB5C6BBF-C023-40BF-903A-C7CF07AAB61A}"/>
-              </a:ext>
-            </a:extLst>
-          </p:cNvPr>
+          <p:cNvPr id="9" name="Slide Number Placeholder 8"/>
           <p:cNvSpPr>
             <a:spLocks noGrp="1"/>
           </p:cNvSpPr>
@@ -1873,7 +1658,7 @@
     </p:spTree>
     <p:extLst>
       <p:ext uri="{BB962C8B-B14F-4D97-AF65-F5344CB8AC3E}">
-        <p14:creationId xmlns:p14="http://schemas.microsoft.com/office/powerpoint/2010/main" val="602580583"/>
+        <p14:creationId xmlns:p14="http://schemas.microsoft.com/office/powerpoint/2010/main" val="670069342"/>
       </p:ext>
     </p:extLst>
   </p:cSld>
@@ -1902,13 +1687,7 @@
       </p:grpSpPr>
       <p:sp>
         <p:nvSpPr>
-          <p:cNvPr id="2" name="标题 1">
-            <a:extLst>
-              <a:ext uri="{FF2B5EF4-FFF2-40B4-BE49-F238E27FC236}">
-                <a16:creationId xmlns:a16="http://schemas.microsoft.com/office/drawing/2014/main" id="{6D303B0A-552F-403B-B59E-A12C5B06E7BC}"/>
-              </a:ext>
-            </a:extLst>
-          </p:cNvPr>
+          <p:cNvPr id="2" name="Title 1"/>
           <p:cNvSpPr>
             <a:spLocks noGrp="1"/>
           </p:cNvSpPr>
@@ -1925,18 +1704,13 @@
               <a:rPr lang="zh-CN" altLang="en-US"/>
               <a:t>单击此处编辑母版标题样式</a:t>
             </a:r>
-          </a:p>
-        </p:txBody>
-      </p:sp>
-      <p:sp>
-        <p:nvSpPr>
-          <p:cNvPr id="3" name="日期占位符 2">
-            <a:extLst>
-              <a:ext uri="{FF2B5EF4-FFF2-40B4-BE49-F238E27FC236}">
-                <a16:creationId xmlns:a16="http://schemas.microsoft.com/office/drawing/2014/main" id="{776D8EAB-AC26-4CEC-BB17-9131AB715F93}"/>
-              </a:ext>
-            </a:extLst>
-          </p:cNvPr>
+            <a:endParaRPr lang="en-US" dirty="0"/>
+          </a:p>
+        </p:txBody>
+      </p:sp>
+      <p:sp>
+        <p:nvSpPr>
+          <p:cNvPr id="3" name="Date Placeholder 2"/>
           <p:cNvSpPr>
             <a:spLocks noGrp="1"/>
           </p:cNvSpPr>
@@ -1959,13 +1733,7 @@
       </p:sp>
       <p:sp>
         <p:nvSpPr>
-          <p:cNvPr id="4" name="页脚占位符 3">
-            <a:extLst>
-              <a:ext uri="{FF2B5EF4-FFF2-40B4-BE49-F238E27FC236}">
-                <a16:creationId xmlns:a16="http://schemas.microsoft.com/office/drawing/2014/main" id="{4A8ED3AE-BA1D-4079-A5F8-11374A31DCC2}"/>
-              </a:ext>
-            </a:extLst>
-          </p:cNvPr>
+          <p:cNvPr id="4" name="Footer Placeholder 3"/>
           <p:cNvSpPr>
             <a:spLocks noGrp="1"/>
           </p:cNvSpPr>
@@ -1984,13 +1752,7 @@
       </p:sp>
       <p:sp>
         <p:nvSpPr>
-          <p:cNvPr id="5" name="灯片编号占位符 4">
-            <a:extLst>
-              <a:ext uri="{FF2B5EF4-FFF2-40B4-BE49-F238E27FC236}">
-                <a16:creationId xmlns:a16="http://schemas.microsoft.com/office/drawing/2014/main" id="{E1D26771-56E1-4991-A590-107BCB660CC1}"/>
-              </a:ext>
-            </a:extLst>
-          </p:cNvPr>
+          <p:cNvPr id="5" name="Slide Number Placeholder 4"/>
           <p:cNvSpPr>
             <a:spLocks noGrp="1"/>
           </p:cNvSpPr>
@@ -2014,7 +1776,7 @@
     </p:spTree>
     <p:extLst>
       <p:ext uri="{BB962C8B-B14F-4D97-AF65-F5344CB8AC3E}">
-        <p14:creationId xmlns:p14="http://schemas.microsoft.com/office/powerpoint/2010/main" val="1416294354"/>
+        <p14:creationId xmlns:p14="http://schemas.microsoft.com/office/powerpoint/2010/main" val="3287297130"/>
       </p:ext>
     </p:extLst>
   </p:cSld>
@@ -2043,13 +1805,7 @@
       </p:grpSpPr>
       <p:sp>
         <p:nvSpPr>
-          <p:cNvPr id="2" name="日期占位符 1">
-            <a:extLst>
-              <a:ext uri="{FF2B5EF4-FFF2-40B4-BE49-F238E27FC236}">
-                <a16:creationId xmlns:a16="http://schemas.microsoft.com/office/drawing/2014/main" id="{C836620B-A46F-4BD9-B911-E2A0785808E3}"/>
-              </a:ext>
-            </a:extLst>
-          </p:cNvPr>
+          <p:cNvPr id="2" name="Date Placeholder 1"/>
           <p:cNvSpPr>
             <a:spLocks noGrp="1"/>
           </p:cNvSpPr>
@@ -2072,13 +1828,7 @@
       </p:sp>
       <p:sp>
         <p:nvSpPr>
-          <p:cNvPr id="3" name="页脚占位符 2">
-            <a:extLst>
-              <a:ext uri="{FF2B5EF4-FFF2-40B4-BE49-F238E27FC236}">
-                <a16:creationId xmlns:a16="http://schemas.microsoft.com/office/drawing/2014/main" id="{642FAA64-4FF9-4A76-84A5-6C647C6D6C03}"/>
-              </a:ext>
-            </a:extLst>
-          </p:cNvPr>
+          <p:cNvPr id="3" name="Footer Placeholder 2"/>
           <p:cNvSpPr>
             <a:spLocks noGrp="1"/>
           </p:cNvSpPr>
@@ -2097,13 +1847,7 @@
       </p:sp>
       <p:sp>
         <p:nvSpPr>
-          <p:cNvPr id="4" name="灯片编号占位符 3">
-            <a:extLst>
-              <a:ext uri="{FF2B5EF4-FFF2-40B4-BE49-F238E27FC236}">
-                <a16:creationId xmlns:a16="http://schemas.microsoft.com/office/drawing/2014/main" id="{64595AB5-1277-425E-B4EF-1AF517174596}"/>
-              </a:ext>
-            </a:extLst>
-          </p:cNvPr>
+          <p:cNvPr id="4" name="Slide Number Placeholder 3"/>
           <p:cNvSpPr>
             <a:spLocks noGrp="1"/>
           </p:cNvSpPr>
@@ -2127,7 +1871,7 @@
     </p:spTree>
     <p:extLst>
       <p:ext uri="{BB962C8B-B14F-4D97-AF65-F5344CB8AC3E}">
-        <p14:creationId xmlns:p14="http://schemas.microsoft.com/office/powerpoint/2010/main" val="2707835916"/>
+        <p14:creationId xmlns:p14="http://schemas.microsoft.com/office/powerpoint/2010/main" val="1539574466"/>
       </p:ext>
     </p:extLst>
   </p:cSld>
@@ -2156,13 +1900,7 @@
       </p:grpSpPr>
       <p:sp>
         <p:nvSpPr>
-          <p:cNvPr id="2" name="标题 1">
-            <a:extLst>
-              <a:ext uri="{FF2B5EF4-FFF2-40B4-BE49-F238E27FC236}">
-                <a16:creationId xmlns:a16="http://schemas.microsoft.com/office/drawing/2014/main" id="{7B6CFF84-2F31-49A4-9899-E888CDBE5BE9}"/>
-              </a:ext>
-            </a:extLst>
-          </p:cNvPr>
+          <p:cNvPr id="2" name="Title 1"/>
           <p:cNvSpPr>
             <a:spLocks noGrp="1"/>
           </p:cNvSpPr>
@@ -2172,15 +1910,15 @@
         </p:nvSpPr>
         <p:spPr>
           <a:xfrm>
-            <a:off x="839788" y="457200"/>
-            <a:ext cx="3932237" cy="1600200"/>
+            <a:off x="2645004" y="1920028"/>
+            <a:ext cx="12385012" cy="6720099"/>
           </a:xfrm>
         </p:spPr>
         <p:txBody>
           <a:bodyPr anchor="b"/>
           <a:lstStyle>
             <a:lvl1pPr>
-              <a:defRPr sz="3200"/>
+              <a:defRPr sz="13438"/>
             </a:lvl1pPr>
           </a:lstStyle>
           <a:p>
@@ -2188,18 +1926,13 @@
               <a:rPr lang="zh-CN" altLang="en-US"/>
               <a:t>单击此处编辑母版标题样式</a:t>
             </a:r>
-          </a:p>
-        </p:txBody>
-      </p:sp>
-      <p:sp>
-        <p:nvSpPr>
-          <p:cNvPr id="3" name="内容占位符 2">
-            <a:extLst>
-              <a:ext uri="{FF2B5EF4-FFF2-40B4-BE49-F238E27FC236}">
-                <a16:creationId xmlns:a16="http://schemas.microsoft.com/office/drawing/2014/main" id="{FCC39ABD-2A61-4F02-9402-32C4C57EC704}"/>
-              </a:ext>
-            </a:extLst>
-          </p:cNvPr>
+            <a:endParaRPr lang="en-US" dirty="0"/>
+          </a:p>
+        </p:txBody>
+      </p:sp>
+      <p:sp>
+        <p:nvSpPr>
+          <p:cNvPr id="3" name="Content Placeholder 2"/>
           <p:cNvSpPr>
             <a:spLocks noGrp="1"/>
           </p:cNvSpPr>
@@ -2209,39 +1942,39 @@
         </p:nvSpPr>
         <p:spPr>
           <a:xfrm>
-            <a:off x="5183188" y="987425"/>
-            <a:ext cx="6172200" cy="4873625"/>
+            <a:off x="16325018" y="4146734"/>
+            <a:ext cx="19440019" cy="20466969"/>
           </a:xfrm>
         </p:spPr>
         <p:txBody>
           <a:bodyPr/>
           <a:lstStyle>
             <a:lvl1pPr>
-              <a:defRPr sz="3200"/>
+              <a:defRPr sz="13438"/>
             </a:lvl1pPr>
             <a:lvl2pPr>
-              <a:defRPr sz="2800"/>
+              <a:defRPr sz="11759"/>
             </a:lvl2pPr>
             <a:lvl3pPr>
-              <a:defRPr sz="2400"/>
+              <a:defRPr sz="10079"/>
             </a:lvl3pPr>
             <a:lvl4pPr>
-              <a:defRPr sz="2000"/>
+              <a:defRPr sz="8399"/>
             </a:lvl4pPr>
             <a:lvl5pPr>
-              <a:defRPr sz="2000"/>
+              <a:defRPr sz="8399"/>
             </a:lvl5pPr>
             <a:lvl6pPr>
-              <a:defRPr sz="2000"/>
+              <a:defRPr sz="8399"/>
             </a:lvl6pPr>
             <a:lvl7pPr>
-              <a:defRPr sz="2000"/>
+              <a:defRPr sz="8399"/>
             </a:lvl7pPr>
             <a:lvl8pPr>
-              <a:defRPr sz="2000"/>
+              <a:defRPr sz="8399"/>
             </a:lvl8pPr>
             <a:lvl9pPr>
-              <a:defRPr sz="2000"/>
+              <a:defRPr sz="8399"/>
             </a:lvl9pPr>
           </a:lstStyle>
           <a:p>
@@ -2278,18 +2011,13 @@
               <a:rPr lang="zh-CN" altLang="en-US"/>
               <a:t>五级</a:t>
             </a:r>
-          </a:p>
-        </p:txBody>
-      </p:sp>
-      <p:sp>
-        <p:nvSpPr>
-          <p:cNvPr id="4" name="文本占位符 3">
-            <a:extLst>
-              <a:ext uri="{FF2B5EF4-FFF2-40B4-BE49-F238E27FC236}">
-                <a16:creationId xmlns:a16="http://schemas.microsoft.com/office/drawing/2014/main" id="{DD33EF63-1450-437D-880A-E95365FAB31E}"/>
-              </a:ext>
-            </a:extLst>
-          </p:cNvPr>
+            <a:endParaRPr lang="en-US" dirty="0"/>
+          </a:p>
+        </p:txBody>
+      </p:sp>
+      <p:sp>
+        <p:nvSpPr>
+          <p:cNvPr id="4" name="Text Placeholder 3"/>
           <p:cNvSpPr>
             <a:spLocks noGrp="1"/>
           </p:cNvSpPr>
@@ -2299,8 +2027,8 @@
         </p:nvSpPr>
         <p:spPr>
           <a:xfrm>
-            <a:off x="839788" y="2057400"/>
-            <a:ext cx="3932237" cy="3811588"/>
+            <a:off x="2645004" y="8640127"/>
+            <a:ext cx="12385012" cy="16006905"/>
           </a:xfrm>
         </p:spPr>
         <p:txBody>
@@ -2308,39 +2036,39 @@
           <a:lstStyle>
             <a:lvl1pPr marL="0" indent="0">
               <a:buNone/>
-              <a:defRPr sz="1600"/>
+              <a:defRPr sz="6719"/>
             </a:lvl1pPr>
-            <a:lvl2pPr marL="457200" indent="0">
+            <a:lvl2pPr marL="1920011" indent="0">
               <a:buNone/>
-              <a:defRPr sz="1400"/>
+              <a:defRPr sz="5879"/>
             </a:lvl2pPr>
-            <a:lvl3pPr marL="914400" indent="0">
+            <a:lvl3pPr marL="3840023" indent="0">
               <a:buNone/>
-              <a:defRPr sz="1200"/>
+              <a:defRPr sz="5039"/>
             </a:lvl3pPr>
-            <a:lvl4pPr marL="1371600" indent="0">
+            <a:lvl4pPr marL="5760034" indent="0">
               <a:buNone/>
-              <a:defRPr sz="1000"/>
+              <a:defRPr sz="4200"/>
             </a:lvl4pPr>
-            <a:lvl5pPr marL="1828800" indent="0">
+            <a:lvl5pPr marL="7680046" indent="0">
               <a:buNone/>
-              <a:defRPr sz="1000"/>
+              <a:defRPr sz="4200"/>
             </a:lvl5pPr>
-            <a:lvl6pPr marL="2286000" indent="0">
+            <a:lvl6pPr marL="9600057" indent="0">
               <a:buNone/>
-              <a:defRPr sz="1000"/>
+              <a:defRPr sz="4200"/>
             </a:lvl6pPr>
-            <a:lvl7pPr marL="2743200" indent="0">
+            <a:lvl7pPr marL="11520068" indent="0">
               <a:buNone/>
-              <a:defRPr sz="1000"/>
+              <a:defRPr sz="4200"/>
             </a:lvl7pPr>
-            <a:lvl8pPr marL="3200400" indent="0">
+            <a:lvl8pPr marL="13440080" indent="0">
               <a:buNone/>
-              <a:defRPr sz="1000"/>
+              <a:defRPr sz="4200"/>
             </a:lvl8pPr>
-            <a:lvl9pPr marL="3657600" indent="0">
+            <a:lvl9pPr marL="15360091" indent="0">
               <a:buNone/>
-              <a:defRPr sz="1000"/>
+              <a:defRPr sz="4200"/>
             </a:lvl9pPr>
           </a:lstStyle>
           <a:p>
@@ -2354,13 +2082,7 @@
       </p:sp>
       <p:sp>
         <p:nvSpPr>
-          <p:cNvPr id="5" name="日期占位符 4">
-            <a:extLst>
-              <a:ext uri="{FF2B5EF4-FFF2-40B4-BE49-F238E27FC236}">
-                <a16:creationId xmlns:a16="http://schemas.microsoft.com/office/drawing/2014/main" id="{CAC9172C-C454-4C48-A1D3-1DB738C7A366}"/>
-              </a:ext>
-            </a:extLst>
-          </p:cNvPr>
+          <p:cNvPr id="5" name="Date Placeholder 4"/>
           <p:cNvSpPr>
             <a:spLocks noGrp="1"/>
           </p:cNvSpPr>
@@ -2383,13 +2105,7 @@
       </p:sp>
       <p:sp>
         <p:nvSpPr>
-          <p:cNvPr id="6" name="页脚占位符 5">
-            <a:extLst>
-              <a:ext uri="{FF2B5EF4-FFF2-40B4-BE49-F238E27FC236}">
-                <a16:creationId xmlns:a16="http://schemas.microsoft.com/office/drawing/2014/main" id="{357E09F9-0A70-40D1-AECA-99A819470579}"/>
-              </a:ext>
-            </a:extLst>
-          </p:cNvPr>
+          <p:cNvPr id="6" name="Footer Placeholder 5"/>
           <p:cNvSpPr>
             <a:spLocks noGrp="1"/>
           </p:cNvSpPr>
@@ -2408,13 +2124,7 @@
       </p:sp>
       <p:sp>
         <p:nvSpPr>
-          <p:cNvPr id="7" name="灯片编号占位符 6">
-            <a:extLst>
-              <a:ext uri="{FF2B5EF4-FFF2-40B4-BE49-F238E27FC236}">
-                <a16:creationId xmlns:a16="http://schemas.microsoft.com/office/drawing/2014/main" id="{D9665BF4-102E-4D8D-A4AA-EABAB0163140}"/>
-              </a:ext>
-            </a:extLst>
-          </p:cNvPr>
+          <p:cNvPr id="7" name="Slide Number Placeholder 6"/>
           <p:cNvSpPr>
             <a:spLocks noGrp="1"/>
           </p:cNvSpPr>
@@ -2438,7 +2148,7 @@
     </p:spTree>
     <p:extLst>
       <p:ext uri="{BB962C8B-B14F-4D97-AF65-F5344CB8AC3E}">
-        <p14:creationId xmlns:p14="http://schemas.microsoft.com/office/powerpoint/2010/main" val="474687328"/>
+        <p14:creationId xmlns:p14="http://schemas.microsoft.com/office/powerpoint/2010/main" val="3174827391"/>
       </p:ext>
     </p:extLst>
   </p:cSld>
@@ -2467,13 +2177,7 @@
       </p:grpSpPr>
       <p:sp>
         <p:nvSpPr>
-          <p:cNvPr id="2" name="标题 1">
-            <a:extLst>
-              <a:ext uri="{FF2B5EF4-FFF2-40B4-BE49-F238E27FC236}">
-                <a16:creationId xmlns:a16="http://schemas.microsoft.com/office/drawing/2014/main" id="{B9E5E6DE-9D34-4545-931E-31EAF59A5D59}"/>
-              </a:ext>
-            </a:extLst>
-          </p:cNvPr>
+          <p:cNvPr id="2" name="Title 1"/>
           <p:cNvSpPr>
             <a:spLocks noGrp="1"/>
           </p:cNvSpPr>
@@ -2483,15 +2187,15 @@
         </p:nvSpPr>
         <p:spPr>
           <a:xfrm>
-            <a:off x="839788" y="457200"/>
-            <a:ext cx="3932237" cy="1600200"/>
+            <a:off x="2645004" y="1920028"/>
+            <a:ext cx="12385012" cy="6720099"/>
           </a:xfrm>
         </p:spPr>
         <p:txBody>
           <a:bodyPr anchor="b"/>
           <a:lstStyle>
             <a:lvl1pPr>
-              <a:defRPr sz="3200"/>
+              <a:defRPr sz="13438"/>
             </a:lvl1pPr>
           </a:lstStyle>
           <a:p>
@@ -2499,20 +2203,15 @@
               <a:rPr lang="zh-CN" altLang="en-US"/>
               <a:t>单击此处编辑母版标题样式</a:t>
             </a:r>
-          </a:p>
-        </p:txBody>
-      </p:sp>
-      <p:sp>
-        <p:nvSpPr>
-          <p:cNvPr id="3" name="图片占位符 2">
-            <a:extLst>
-              <a:ext uri="{FF2B5EF4-FFF2-40B4-BE49-F238E27FC236}">
-                <a16:creationId xmlns:a16="http://schemas.microsoft.com/office/drawing/2014/main" id="{50D1BAC2-DEF7-4B53-836E-13AF686A0559}"/>
-              </a:ext>
-            </a:extLst>
-          </p:cNvPr>
+            <a:endParaRPr lang="en-US" dirty="0"/>
+          </a:p>
+        </p:txBody>
+      </p:sp>
+      <p:sp>
+        <p:nvSpPr>
+          <p:cNvPr id="3" name="Picture Placeholder 2"/>
           <p:cNvSpPr>
-            <a:spLocks noGrp="1"/>
+            <a:spLocks noGrp="1" noChangeAspect="1"/>
           </p:cNvSpPr>
           <p:nvPr>
             <p:ph type="pic" idx="1"/>
@@ -2520,64 +2219,62 @@
         </p:nvSpPr>
         <p:spPr>
           <a:xfrm>
-            <a:off x="5183188" y="987425"/>
-            <a:ext cx="6172200" cy="4873625"/>
-          </a:xfrm>
-        </p:spPr>
-        <p:txBody>
-          <a:bodyPr/>
+            <a:off x="16325018" y="4146734"/>
+            <a:ext cx="19440019" cy="20466969"/>
+          </a:xfrm>
+        </p:spPr>
+        <p:txBody>
+          <a:bodyPr anchor="t"/>
           <a:lstStyle>
             <a:lvl1pPr marL="0" indent="0">
               <a:buNone/>
-              <a:defRPr sz="3200"/>
+              <a:defRPr sz="13438"/>
             </a:lvl1pPr>
-            <a:lvl2pPr marL="457200" indent="0">
+            <a:lvl2pPr marL="1920011" indent="0">
               <a:buNone/>
-              <a:defRPr sz="2800"/>
+              <a:defRPr sz="11759"/>
             </a:lvl2pPr>
-            <a:lvl3pPr marL="914400" indent="0">
+            <a:lvl3pPr marL="3840023" indent="0">
               <a:buNone/>
-              <a:defRPr sz="2400"/>
+              <a:defRPr sz="10079"/>
             </a:lvl3pPr>
-            <a:lvl4pPr marL="1371600" indent="0">
+            <a:lvl4pPr marL="5760034" indent="0">
               <a:buNone/>
-              <a:defRPr sz="2000"/>
+              <a:defRPr sz="8399"/>
             </a:lvl4pPr>
-            <a:lvl5pPr marL="1828800" indent="0">
+            <a:lvl5pPr marL="7680046" indent="0">
               <a:buNone/>
-              <a:defRPr sz="2000"/>
+              <a:defRPr sz="8399"/>
             </a:lvl5pPr>
-            <a:lvl6pPr marL="2286000" indent="0">
+            <a:lvl6pPr marL="9600057" indent="0">
               <a:buNone/>
-              <a:defRPr sz="2000"/>
+              <a:defRPr sz="8399"/>
             </a:lvl6pPr>
-            <a:lvl7pPr marL="2743200" indent="0">
+            <a:lvl7pPr marL="11520068" indent="0">
               <a:buNone/>
-              <a:defRPr sz="2000"/>
+              <a:defRPr sz="8399"/>
             </a:lvl7pPr>
-            <a:lvl8pPr marL="3200400" indent="0">
+            <a:lvl8pPr marL="13440080" indent="0">
               <a:buNone/>
-              <a:defRPr sz="2000"/>
+              <a:defRPr sz="8399"/>
             </a:lvl8pPr>
-            <a:lvl9pPr marL="3657600" indent="0">
+            <a:lvl9pPr marL="15360091" indent="0">
               <a:buNone/>
-              <a:defRPr sz="2000"/>
+              <a:defRPr sz="8399"/>
             </a:lvl9pPr>
           </a:lstStyle>
           <a:p>
-            <a:endParaRPr lang="zh-CN" altLang="en-US"/>
-          </a:p>
-        </p:txBody>
-      </p:sp>
-      <p:sp>
-        <p:nvSpPr>
-          <p:cNvPr id="4" name="文本占位符 3">
-            <a:extLst>
-              <a:ext uri="{FF2B5EF4-FFF2-40B4-BE49-F238E27FC236}">
-                <a16:creationId xmlns:a16="http://schemas.microsoft.com/office/drawing/2014/main" id="{84977846-D903-48E0-9C72-13EE356D0B16}"/>
-              </a:ext>
-            </a:extLst>
-          </p:cNvPr>
+            <a:r>
+              <a:rPr lang="zh-CN" altLang="en-US"/>
+              <a:t>单击图标添加图片</a:t>
+            </a:r>
+            <a:endParaRPr lang="en-US" dirty="0"/>
+          </a:p>
+        </p:txBody>
+      </p:sp>
+      <p:sp>
+        <p:nvSpPr>
+          <p:cNvPr id="4" name="Text Placeholder 3"/>
           <p:cNvSpPr>
             <a:spLocks noGrp="1"/>
           </p:cNvSpPr>
@@ -2587,8 +2284,8 @@
         </p:nvSpPr>
         <p:spPr>
           <a:xfrm>
-            <a:off x="839788" y="2057400"/>
-            <a:ext cx="3932237" cy="3811588"/>
+            <a:off x="2645004" y="8640127"/>
+            <a:ext cx="12385012" cy="16006905"/>
           </a:xfrm>
         </p:spPr>
         <p:txBody>
@@ -2596,39 +2293,39 @@
           <a:lstStyle>
             <a:lvl1pPr marL="0" indent="0">
               <a:buNone/>
-              <a:defRPr sz="1600"/>
+              <a:defRPr sz="6719"/>
             </a:lvl1pPr>
-            <a:lvl2pPr marL="457200" indent="0">
+            <a:lvl2pPr marL="1920011" indent="0">
               <a:buNone/>
-              <a:defRPr sz="1400"/>
+              <a:defRPr sz="5879"/>
             </a:lvl2pPr>
-            <a:lvl3pPr marL="914400" indent="0">
+            <a:lvl3pPr marL="3840023" indent="0">
               <a:buNone/>
-              <a:defRPr sz="1200"/>
+              <a:defRPr sz="5039"/>
             </a:lvl3pPr>
-            <a:lvl4pPr marL="1371600" indent="0">
+            <a:lvl4pPr marL="5760034" indent="0">
               <a:buNone/>
-              <a:defRPr sz="1000"/>
+              <a:defRPr sz="4200"/>
             </a:lvl4pPr>
-            <a:lvl5pPr marL="1828800" indent="0">
+            <a:lvl5pPr marL="7680046" indent="0">
               <a:buNone/>
-              <a:defRPr sz="1000"/>
+              <a:defRPr sz="4200"/>
             </a:lvl5pPr>
-            <a:lvl6pPr marL="2286000" indent="0">
+            <a:lvl6pPr marL="9600057" indent="0">
               <a:buNone/>
-              <a:defRPr sz="1000"/>
+              <a:defRPr sz="4200"/>
             </a:lvl6pPr>
-            <a:lvl7pPr marL="2743200" indent="0">
+            <a:lvl7pPr marL="11520068" indent="0">
               <a:buNone/>
-              <a:defRPr sz="1000"/>
+              <a:defRPr sz="4200"/>
             </a:lvl7pPr>
-            <a:lvl8pPr marL="3200400" indent="0">
+            <a:lvl8pPr marL="13440080" indent="0">
               <a:buNone/>
-              <a:defRPr sz="1000"/>
+              <a:defRPr sz="4200"/>
             </a:lvl8pPr>
-            <a:lvl9pPr marL="3657600" indent="0">
+            <a:lvl9pPr marL="15360091" indent="0">
               <a:buNone/>
-              <a:defRPr sz="1000"/>
+              <a:defRPr sz="4200"/>
             </a:lvl9pPr>
           </a:lstStyle>
           <a:p>
@@ -2642,13 +2339,7 @@
       </p:sp>
       <p:sp>
         <p:nvSpPr>
-          <p:cNvPr id="5" name="日期占位符 4">
-            <a:extLst>
-              <a:ext uri="{FF2B5EF4-FFF2-40B4-BE49-F238E27FC236}">
-                <a16:creationId xmlns:a16="http://schemas.microsoft.com/office/drawing/2014/main" id="{5C9A10AD-03C2-41BC-B689-4D2C17B19C55}"/>
-              </a:ext>
-            </a:extLst>
-          </p:cNvPr>
+          <p:cNvPr id="5" name="Date Placeholder 4"/>
           <p:cNvSpPr>
             <a:spLocks noGrp="1"/>
           </p:cNvSpPr>
@@ -2671,13 +2362,7 @@
       </p:sp>
       <p:sp>
         <p:nvSpPr>
-          <p:cNvPr id="6" name="页脚占位符 5">
-            <a:extLst>
-              <a:ext uri="{FF2B5EF4-FFF2-40B4-BE49-F238E27FC236}">
-                <a16:creationId xmlns:a16="http://schemas.microsoft.com/office/drawing/2014/main" id="{E0391729-2EAE-4D3D-953C-6725223D051F}"/>
-              </a:ext>
-            </a:extLst>
-          </p:cNvPr>
+          <p:cNvPr id="6" name="Footer Placeholder 5"/>
           <p:cNvSpPr>
             <a:spLocks noGrp="1"/>
           </p:cNvSpPr>
@@ -2696,13 +2381,7 @@
       </p:sp>
       <p:sp>
         <p:nvSpPr>
-          <p:cNvPr id="7" name="灯片编号占位符 6">
-            <a:extLst>
-              <a:ext uri="{FF2B5EF4-FFF2-40B4-BE49-F238E27FC236}">
-                <a16:creationId xmlns:a16="http://schemas.microsoft.com/office/drawing/2014/main" id="{07A99F3E-7257-4424-8DCD-8CFE645C0B82}"/>
-              </a:ext>
-            </a:extLst>
-          </p:cNvPr>
+          <p:cNvPr id="7" name="Slide Number Placeholder 6"/>
           <p:cNvSpPr>
             <a:spLocks noGrp="1"/>
           </p:cNvSpPr>
@@ -2726,7 +2405,7 @@
     </p:spTree>
     <p:extLst>
       <p:ext uri="{BB962C8B-B14F-4D97-AF65-F5344CB8AC3E}">
-        <p14:creationId xmlns:p14="http://schemas.microsoft.com/office/powerpoint/2010/main" val="4266246174"/>
+        <p14:creationId xmlns:p14="http://schemas.microsoft.com/office/powerpoint/2010/main" val="1671760498"/>
       </p:ext>
     </p:extLst>
   </p:cSld>
@@ -2760,13 +2439,7 @@
       </p:grpSpPr>
       <p:sp>
         <p:nvSpPr>
-          <p:cNvPr id="2" name="标题占位符 1">
-            <a:extLst>
-              <a:ext uri="{FF2B5EF4-FFF2-40B4-BE49-F238E27FC236}">
-                <a16:creationId xmlns:a16="http://schemas.microsoft.com/office/drawing/2014/main" id="{36F444FE-0A09-470A-8FF9-8CFF7D87632E}"/>
-              </a:ext>
-            </a:extLst>
-          </p:cNvPr>
+          <p:cNvPr id="2" name="Title Placeholder 1"/>
           <p:cNvSpPr>
             <a:spLocks noGrp="1"/>
           </p:cNvSpPr>
@@ -2776,8 +2449,8 @@
         </p:nvSpPr>
         <p:spPr>
           <a:xfrm>
-            <a:off x="838200" y="365125"/>
-            <a:ext cx="10515600" cy="1325563"/>
+            <a:off x="2640003" y="1533362"/>
+            <a:ext cx="33120033" cy="5566751"/>
           </a:xfrm>
           <a:prstGeom prst="rect">
             <a:avLst/>
@@ -2793,18 +2466,13 @@
               <a:rPr lang="zh-CN" altLang="en-US"/>
               <a:t>单击此处编辑母版标题样式</a:t>
             </a:r>
-          </a:p>
-        </p:txBody>
-      </p:sp>
-      <p:sp>
-        <p:nvSpPr>
-          <p:cNvPr id="3" name="文本占位符 2">
-            <a:extLst>
-              <a:ext uri="{FF2B5EF4-FFF2-40B4-BE49-F238E27FC236}">
-                <a16:creationId xmlns:a16="http://schemas.microsoft.com/office/drawing/2014/main" id="{BC09C38D-BB5D-4EAE-A4FD-41F51A9329B8}"/>
-              </a:ext>
-            </a:extLst>
-          </p:cNvPr>
+            <a:endParaRPr lang="en-US" dirty="0"/>
+          </a:p>
+        </p:txBody>
+      </p:sp>
+      <p:sp>
+        <p:nvSpPr>
+          <p:cNvPr id="3" name="Text Placeholder 2"/>
           <p:cNvSpPr>
             <a:spLocks noGrp="1"/>
           </p:cNvSpPr>
@@ -2814,8 +2482,8 @@
         </p:nvSpPr>
         <p:spPr>
           <a:xfrm>
-            <a:off x="838200" y="1825625"/>
-            <a:ext cx="10515600" cy="4351338"/>
+            <a:off x="2640003" y="7666780"/>
+            <a:ext cx="33120033" cy="18273605"/>
           </a:xfrm>
           <a:prstGeom prst="rect">
             <a:avLst/>
@@ -2860,18 +2528,13 @@
               <a:rPr lang="zh-CN" altLang="en-US"/>
               <a:t>五级</a:t>
             </a:r>
-          </a:p>
-        </p:txBody>
-      </p:sp>
-      <p:sp>
-        <p:nvSpPr>
-          <p:cNvPr id="4" name="日期占位符 3">
-            <a:extLst>
-              <a:ext uri="{FF2B5EF4-FFF2-40B4-BE49-F238E27FC236}">
-                <a16:creationId xmlns:a16="http://schemas.microsoft.com/office/drawing/2014/main" id="{BC36EA63-709A-4975-B993-75ED13F556AE}"/>
-              </a:ext>
-            </a:extLst>
-          </p:cNvPr>
+            <a:endParaRPr lang="en-US" dirty="0"/>
+          </a:p>
+        </p:txBody>
+      </p:sp>
+      <p:sp>
+        <p:nvSpPr>
+          <p:cNvPr id="4" name="Date Placeholder 3"/>
           <p:cNvSpPr>
             <a:spLocks noGrp="1"/>
           </p:cNvSpPr>
@@ -2881,8 +2544,8 @@
         </p:nvSpPr>
         <p:spPr>
           <a:xfrm>
-            <a:off x="838200" y="6356350"/>
-            <a:ext cx="2743200" cy="365125"/>
+            <a:off x="2640002" y="26693734"/>
+            <a:ext cx="8640009" cy="1533356"/>
           </a:xfrm>
           <a:prstGeom prst="rect">
             <a:avLst/>
@@ -2892,7 +2555,7 @@
           <a:bodyPr vert="horz" lIns="91440" tIns="45720" rIns="91440" bIns="45720" rtlCol="0" anchor="ctr"/>
           <a:lstStyle>
             <a:lvl1pPr algn="l">
-              <a:defRPr sz="1200">
+              <a:defRPr sz="5039">
                 <a:solidFill>
                   <a:schemeClr val="tx1">
                     <a:tint val="75000"/>
@@ -2912,13 +2575,7 @@
       </p:sp>
       <p:sp>
         <p:nvSpPr>
-          <p:cNvPr id="5" name="页脚占位符 4">
-            <a:extLst>
-              <a:ext uri="{FF2B5EF4-FFF2-40B4-BE49-F238E27FC236}">
-                <a16:creationId xmlns:a16="http://schemas.microsoft.com/office/drawing/2014/main" id="{B39CA316-5C13-4291-AD4C-CA81D26916B7}"/>
-              </a:ext>
-            </a:extLst>
-          </p:cNvPr>
+          <p:cNvPr id="5" name="Footer Placeholder 4"/>
           <p:cNvSpPr>
             <a:spLocks noGrp="1"/>
           </p:cNvSpPr>
@@ -2928,8 +2585,8 @@
         </p:nvSpPr>
         <p:spPr>
           <a:xfrm>
-            <a:off x="4038600" y="6356350"/>
-            <a:ext cx="4114800" cy="365125"/>
+            <a:off x="12720013" y="26693734"/>
+            <a:ext cx="12960013" cy="1533356"/>
           </a:xfrm>
           <a:prstGeom prst="rect">
             <a:avLst/>
@@ -2939,7 +2596,7 @@
           <a:bodyPr vert="horz" lIns="91440" tIns="45720" rIns="91440" bIns="45720" rtlCol="0" anchor="ctr"/>
           <a:lstStyle>
             <a:lvl1pPr algn="ctr">
-              <a:defRPr sz="1200">
+              <a:defRPr sz="5039">
                 <a:solidFill>
                   <a:schemeClr val="tx1">
                     <a:tint val="75000"/>
@@ -2955,13 +2612,7 @@
       </p:sp>
       <p:sp>
         <p:nvSpPr>
-          <p:cNvPr id="6" name="灯片编号占位符 5">
-            <a:extLst>
-              <a:ext uri="{FF2B5EF4-FFF2-40B4-BE49-F238E27FC236}">
-                <a16:creationId xmlns:a16="http://schemas.microsoft.com/office/drawing/2014/main" id="{B95CDEF0-3573-4141-9FB3-EC0918B46852}"/>
-              </a:ext>
-            </a:extLst>
-          </p:cNvPr>
+          <p:cNvPr id="6" name="Slide Number Placeholder 5"/>
           <p:cNvSpPr>
             <a:spLocks noGrp="1"/>
           </p:cNvSpPr>
@@ -2971,8 +2622,8 @@
         </p:nvSpPr>
         <p:spPr>
           <a:xfrm>
-            <a:off x="8610600" y="6356350"/>
-            <a:ext cx="2743200" cy="365125"/>
+            <a:off x="27120027" y="26693734"/>
+            <a:ext cx="8640009" cy="1533356"/>
           </a:xfrm>
           <a:prstGeom prst="rect">
             <a:avLst/>
@@ -2982,7 +2633,7 @@
           <a:bodyPr vert="horz" lIns="91440" tIns="45720" rIns="91440" bIns="45720" rtlCol="0" anchor="ctr"/>
           <a:lstStyle>
             <a:lvl1pPr algn="r">
-              <a:defRPr sz="1200">
+              <a:defRPr sz="5039">
                 <a:solidFill>
                   <a:schemeClr val="tx1">
                     <a:tint val="75000"/>
@@ -3003,27 +2654,27 @@
     </p:spTree>
     <p:extLst>
       <p:ext uri="{BB962C8B-B14F-4D97-AF65-F5344CB8AC3E}">
-        <p14:creationId xmlns:p14="http://schemas.microsoft.com/office/powerpoint/2010/main" val="2522664898"/>
+        <p14:creationId xmlns:p14="http://schemas.microsoft.com/office/powerpoint/2010/main" val="1152105"/>
       </p:ext>
     </p:extLst>
   </p:cSld>
   <p:clrMap bg1="lt1" tx1="dk1" bg2="lt2" tx2="dk2" accent1="accent1" accent2="accent2" accent3="accent3" accent4="accent4" accent5="accent5" accent6="accent6" hlink="hlink" folHlink="folHlink"/>
   <p:sldLayoutIdLst>
-    <p:sldLayoutId id="2147483649" r:id="rId1"/>
-    <p:sldLayoutId id="2147483650" r:id="rId2"/>
-    <p:sldLayoutId id="2147483651" r:id="rId3"/>
-    <p:sldLayoutId id="2147483652" r:id="rId4"/>
-    <p:sldLayoutId id="2147483653" r:id="rId5"/>
-    <p:sldLayoutId id="2147483654" r:id="rId6"/>
-    <p:sldLayoutId id="2147483655" r:id="rId7"/>
-    <p:sldLayoutId id="2147483656" r:id="rId8"/>
-    <p:sldLayoutId id="2147483657" r:id="rId9"/>
-    <p:sldLayoutId id="2147483658" r:id="rId10"/>
-    <p:sldLayoutId id="2147483659" r:id="rId11"/>
+    <p:sldLayoutId id="2147483685" r:id="rId1"/>
+    <p:sldLayoutId id="2147483686" r:id="rId2"/>
+    <p:sldLayoutId id="2147483687" r:id="rId3"/>
+    <p:sldLayoutId id="2147483688" r:id="rId4"/>
+    <p:sldLayoutId id="2147483689" r:id="rId5"/>
+    <p:sldLayoutId id="2147483690" r:id="rId6"/>
+    <p:sldLayoutId id="2147483691" r:id="rId7"/>
+    <p:sldLayoutId id="2147483692" r:id="rId8"/>
+    <p:sldLayoutId id="2147483693" r:id="rId9"/>
+    <p:sldLayoutId id="2147483694" r:id="rId10"/>
+    <p:sldLayoutId id="2147483695" r:id="rId11"/>
   </p:sldLayoutIdLst>
   <p:txStyles>
     <p:titleStyle>
-      <a:lvl1pPr algn="l" defTabSz="914400" rtl="0" eaLnBrk="1" latinLnBrk="0" hangingPunct="1">
+      <a:lvl1pPr algn="l" defTabSz="3840023" rtl="0" eaLnBrk="1" latinLnBrk="0" hangingPunct="1">
         <a:lnSpc>
           <a:spcPct val="90000"/>
         </a:lnSpc>
@@ -3031,7 +2682,7 @@
           <a:spcPct val="0"/>
         </a:spcBef>
         <a:buNone/>
-        <a:defRPr sz="4400" kern="1200">
+        <a:defRPr sz="18478" kern="1200">
           <a:solidFill>
             <a:schemeClr val="tx1"/>
           </a:solidFill>
@@ -3042,16 +2693,16 @@
       </a:lvl1pPr>
     </p:titleStyle>
     <p:bodyStyle>
-      <a:lvl1pPr marL="228600" indent="-228600" algn="l" defTabSz="914400" rtl="0" eaLnBrk="1" latinLnBrk="0" hangingPunct="1">
+      <a:lvl1pPr marL="960006" indent="-960006" algn="l" defTabSz="3840023" rtl="0" eaLnBrk="1" latinLnBrk="0" hangingPunct="1">
         <a:lnSpc>
           <a:spcPct val="90000"/>
         </a:lnSpc>
         <a:spcBef>
-          <a:spcPts val="1000"/>
+          <a:spcPts val="4200"/>
         </a:spcBef>
         <a:buFont typeface="Arial" panose="020B0604020202020204" pitchFamily="34" charset="0"/>
         <a:buChar char="•"/>
-        <a:defRPr sz="2800" kern="1200">
+        <a:defRPr sz="11759" kern="1200">
           <a:solidFill>
             <a:schemeClr val="tx1"/>
           </a:solidFill>
@@ -3060,16 +2711,16 @@
           <a:cs typeface="+mn-cs"/>
         </a:defRPr>
       </a:lvl1pPr>
-      <a:lvl2pPr marL="685800" indent="-228600" algn="l" defTabSz="914400" rtl="0" eaLnBrk="1" latinLnBrk="0" hangingPunct="1">
+      <a:lvl2pPr marL="2880017" indent="-960006" algn="l" defTabSz="3840023" rtl="0" eaLnBrk="1" latinLnBrk="0" hangingPunct="1">
         <a:lnSpc>
           <a:spcPct val="90000"/>
         </a:lnSpc>
         <a:spcBef>
-          <a:spcPts val="500"/>
+          <a:spcPts val="2100"/>
         </a:spcBef>
         <a:buFont typeface="Arial" panose="020B0604020202020204" pitchFamily="34" charset="0"/>
         <a:buChar char="•"/>
-        <a:defRPr sz="2400" kern="1200">
+        <a:defRPr sz="10079" kern="1200">
           <a:solidFill>
             <a:schemeClr val="tx1"/>
           </a:solidFill>
@@ -3078,16 +2729,16 @@
           <a:cs typeface="+mn-cs"/>
         </a:defRPr>
       </a:lvl2pPr>
-      <a:lvl3pPr marL="1143000" indent="-228600" algn="l" defTabSz="914400" rtl="0" eaLnBrk="1" latinLnBrk="0" hangingPunct="1">
+      <a:lvl3pPr marL="4800029" indent="-960006" algn="l" defTabSz="3840023" rtl="0" eaLnBrk="1" latinLnBrk="0" hangingPunct="1">
         <a:lnSpc>
           <a:spcPct val="90000"/>
         </a:lnSpc>
         <a:spcBef>
-          <a:spcPts val="500"/>
+          <a:spcPts val="2100"/>
         </a:spcBef>
         <a:buFont typeface="Arial" panose="020B0604020202020204" pitchFamily="34" charset="0"/>
         <a:buChar char="•"/>
-        <a:defRPr sz="2000" kern="1200">
+        <a:defRPr sz="8399" kern="1200">
           <a:solidFill>
             <a:schemeClr val="tx1"/>
           </a:solidFill>
@@ -3096,16 +2747,16 @@
           <a:cs typeface="+mn-cs"/>
         </a:defRPr>
       </a:lvl3pPr>
-      <a:lvl4pPr marL="1600200" indent="-228600" algn="l" defTabSz="914400" rtl="0" eaLnBrk="1" latinLnBrk="0" hangingPunct="1">
+      <a:lvl4pPr marL="6720040" indent="-960006" algn="l" defTabSz="3840023" rtl="0" eaLnBrk="1" latinLnBrk="0" hangingPunct="1">
         <a:lnSpc>
           <a:spcPct val="90000"/>
         </a:lnSpc>
         <a:spcBef>
-          <a:spcPts val="500"/>
+          <a:spcPts val="2100"/>
         </a:spcBef>
         <a:buFont typeface="Arial" panose="020B0604020202020204" pitchFamily="34" charset="0"/>
         <a:buChar char="•"/>
-        <a:defRPr sz="1800" kern="1200">
+        <a:defRPr sz="7559" kern="1200">
           <a:solidFill>
             <a:schemeClr val="tx1"/>
           </a:solidFill>
@@ -3114,16 +2765,16 @@
           <a:cs typeface="+mn-cs"/>
         </a:defRPr>
       </a:lvl4pPr>
-      <a:lvl5pPr marL="2057400" indent="-228600" algn="l" defTabSz="914400" rtl="0" eaLnBrk="1" latinLnBrk="0" hangingPunct="1">
+      <a:lvl5pPr marL="8640051" indent="-960006" algn="l" defTabSz="3840023" rtl="0" eaLnBrk="1" latinLnBrk="0" hangingPunct="1">
         <a:lnSpc>
           <a:spcPct val="90000"/>
         </a:lnSpc>
         <a:spcBef>
-          <a:spcPts val="500"/>
+          <a:spcPts val="2100"/>
         </a:spcBef>
         <a:buFont typeface="Arial" panose="020B0604020202020204" pitchFamily="34" charset="0"/>
         <a:buChar char="•"/>
-        <a:defRPr sz="1800" kern="1200">
+        <a:defRPr sz="7559" kern="1200">
           <a:solidFill>
             <a:schemeClr val="tx1"/>
           </a:solidFill>
@@ -3132,16 +2783,16 @@
           <a:cs typeface="+mn-cs"/>
         </a:defRPr>
       </a:lvl5pPr>
-      <a:lvl6pPr marL="2514600" indent="-228600" algn="l" defTabSz="914400" rtl="0" eaLnBrk="1" latinLnBrk="0" hangingPunct="1">
+      <a:lvl6pPr marL="10560063" indent="-960006" algn="l" defTabSz="3840023" rtl="0" eaLnBrk="1" latinLnBrk="0" hangingPunct="1">
         <a:lnSpc>
           <a:spcPct val="90000"/>
         </a:lnSpc>
         <a:spcBef>
-          <a:spcPts val="500"/>
+          <a:spcPts val="2100"/>
         </a:spcBef>
         <a:buFont typeface="Arial" panose="020B0604020202020204" pitchFamily="34" charset="0"/>
         <a:buChar char="•"/>
-        <a:defRPr sz="1800" kern="1200">
+        <a:defRPr sz="7559" kern="1200">
           <a:solidFill>
             <a:schemeClr val="tx1"/>
           </a:solidFill>
@@ -3150,16 +2801,16 @@
           <a:cs typeface="+mn-cs"/>
         </a:defRPr>
       </a:lvl6pPr>
-      <a:lvl7pPr marL="2971800" indent="-228600" algn="l" defTabSz="914400" rtl="0" eaLnBrk="1" latinLnBrk="0" hangingPunct="1">
+      <a:lvl7pPr marL="12480074" indent="-960006" algn="l" defTabSz="3840023" rtl="0" eaLnBrk="1" latinLnBrk="0" hangingPunct="1">
         <a:lnSpc>
           <a:spcPct val="90000"/>
         </a:lnSpc>
         <a:spcBef>
-          <a:spcPts val="500"/>
+          <a:spcPts val="2100"/>
         </a:spcBef>
         <a:buFont typeface="Arial" panose="020B0604020202020204" pitchFamily="34" charset="0"/>
         <a:buChar char="•"/>
-        <a:defRPr sz="1800" kern="1200">
+        <a:defRPr sz="7559" kern="1200">
           <a:solidFill>
             <a:schemeClr val="tx1"/>
           </a:solidFill>
@@ -3168,16 +2819,16 @@
           <a:cs typeface="+mn-cs"/>
         </a:defRPr>
       </a:lvl7pPr>
-      <a:lvl8pPr marL="3429000" indent="-228600" algn="l" defTabSz="914400" rtl="0" eaLnBrk="1" latinLnBrk="0" hangingPunct="1">
+      <a:lvl8pPr marL="14400086" indent="-960006" algn="l" defTabSz="3840023" rtl="0" eaLnBrk="1" latinLnBrk="0" hangingPunct="1">
         <a:lnSpc>
           <a:spcPct val="90000"/>
         </a:lnSpc>
         <a:spcBef>
-          <a:spcPts val="500"/>
+          <a:spcPts val="2100"/>
         </a:spcBef>
         <a:buFont typeface="Arial" panose="020B0604020202020204" pitchFamily="34" charset="0"/>
         <a:buChar char="•"/>
-        <a:defRPr sz="1800" kern="1200">
+        <a:defRPr sz="7559" kern="1200">
           <a:solidFill>
             <a:schemeClr val="tx1"/>
           </a:solidFill>
@@ -3186,16 +2837,16 @@
           <a:cs typeface="+mn-cs"/>
         </a:defRPr>
       </a:lvl8pPr>
-      <a:lvl9pPr marL="3886200" indent="-228600" algn="l" defTabSz="914400" rtl="0" eaLnBrk="1" latinLnBrk="0" hangingPunct="1">
+      <a:lvl9pPr marL="16320097" indent="-960006" algn="l" defTabSz="3840023" rtl="0" eaLnBrk="1" latinLnBrk="0" hangingPunct="1">
         <a:lnSpc>
           <a:spcPct val="90000"/>
         </a:lnSpc>
         <a:spcBef>
-          <a:spcPts val="500"/>
+          <a:spcPts val="2100"/>
         </a:spcBef>
         <a:buFont typeface="Arial" panose="020B0604020202020204" pitchFamily="34" charset="0"/>
         <a:buChar char="•"/>
-        <a:defRPr sz="1800" kern="1200">
+        <a:defRPr sz="7559" kern="1200">
           <a:solidFill>
             <a:schemeClr val="tx1"/>
           </a:solidFill>
@@ -3207,10 +2858,10 @@
     </p:bodyStyle>
     <p:otherStyle>
       <a:defPPr>
-        <a:defRPr lang="zh-CN"/>
+        <a:defRPr lang="en-US"/>
       </a:defPPr>
-      <a:lvl1pPr marL="0" algn="l" defTabSz="914400" rtl="0" eaLnBrk="1" latinLnBrk="0" hangingPunct="1">
-        <a:defRPr sz="1800" kern="1200">
+      <a:lvl1pPr marL="0" algn="l" defTabSz="3840023" rtl="0" eaLnBrk="1" latinLnBrk="0" hangingPunct="1">
+        <a:defRPr sz="7559" kern="1200">
           <a:solidFill>
             <a:schemeClr val="tx1"/>
           </a:solidFill>
@@ -3219,8 +2870,8 @@
           <a:cs typeface="+mn-cs"/>
         </a:defRPr>
       </a:lvl1pPr>
-      <a:lvl2pPr marL="457200" algn="l" defTabSz="914400" rtl="0" eaLnBrk="1" latinLnBrk="0" hangingPunct="1">
-        <a:defRPr sz="1800" kern="1200">
+      <a:lvl2pPr marL="1920011" algn="l" defTabSz="3840023" rtl="0" eaLnBrk="1" latinLnBrk="0" hangingPunct="1">
+        <a:defRPr sz="7559" kern="1200">
           <a:solidFill>
             <a:schemeClr val="tx1"/>
           </a:solidFill>
@@ -3229,8 +2880,8 @@
           <a:cs typeface="+mn-cs"/>
         </a:defRPr>
       </a:lvl2pPr>
-      <a:lvl3pPr marL="914400" algn="l" defTabSz="914400" rtl="0" eaLnBrk="1" latinLnBrk="0" hangingPunct="1">
-        <a:defRPr sz="1800" kern="1200">
+      <a:lvl3pPr marL="3840023" algn="l" defTabSz="3840023" rtl="0" eaLnBrk="1" latinLnBrk="0" hangingPunct="1">
+        <a:defRPr sz="7559" kern="1200">
           <a:solidFill>
             <a:schemeClr val="tx1"/>
           </a:solidFill>
@@ -3239,8 +2890,8 @@
           <a:cs typeface="+mn-cs"/>
         </a:defRPr>
       </a:lvl3pPr>
-      <a:lvl4pPr marL="1371600" algn="l" defTabSz="914400" rtl="0" eaLnBrk="1" latinLnBrk="0" hangingPunct="1">
-        <a:defRPr sz="1800" kern="1200">
+      <a:lvl4pPr marL="5760034" algn="l" defTabSz="3840023" rtl="0" eaLnBrk="1" latinLnBrk="0" hangingPunct="1">
+        <a:defRPr sz="7559" kern="1200">
           <a:solidFill>
             <a:schemeClr val="tx1"/>
           </a:solidFill>
@@ -3249,8 +2900,8 @@
           <a:cs typeface="+mn-cs"/>
         </a:defRPr>
       </a:lvl4pPr>
-      <a:lvl5pPr marL="1828800" algn="l" defTabSz="914400" rtl="0" eaLnBrk="1" latinLnBrk="0" hangingPunct="1">
-        <a:defRPr sz="1800" kern="1200">
+      <a:lvl5pPr marL="7680046" algn="l" defTabSz="3840023" rtl="0" eaLnBrk="1" latinLnBrk="0" hangingPunct="1">
+        <a:defRPr sz="7559" kern="1200">
           <a:solidFill>
             <a:schemeClr val="tx1"/>
           </a:solidFill>
@@ -3259,8 +2910,8 @@
           <a:cs typeface="+mn-cs"/>
         </a:defRPr>
       </a:lvl5pPr>
-      <a:lvl6pPr marL="2286000" algn="l" defTabSz="914400" rtl="0" eaLnBrk="1" latinLnBrk="0" hangingPunct="1">
-        <a:defRPr sz="1800" kern="1200">
+      <a:lvl6pPr marL="9600057" algn="l" defTabSz="3840023" rtl="0" eaLnBrk="1" latinLnBrk="0" hangingPunct="1">
+        <a:defRPr sz="7559" kern="1200">
           <a:solidFill>
             <a:schemeClr val="tx1"/>
           </a:solidFill>
@@ -3269,8 +2920,8 @@
           <a:cs typeface="+mn-cs"/>
         </a:defRPr>
       </a:lvl6pPr>
-      <a:lvl7pPr marL="2743200" algn="l" defTabSz="914400" rtl="0" eaLnBrk="1" latinLnBrk="0" hangingPunct="1">
-        <a:defRPr sz="1800" kern="1200">
+      <a:lvl7pPr marL="11520068" algn="l" defTabSz="3840023" rtl="0" eaLnBrk="1" latinLnBrk="0" hangingPunct="1">
+        <a:defRPr sz="7559" kern="1200">
           <a:solidFill>
             <a:schemeClr val="tx1"/>
           </a:solidFill>
@@ -3279,8 +2930,8 @@
           <a:cs typeface="+mn-cs"/>
         </a:defRPr>
       </a:lvl7pPr>
-      <a:lvl8pPr marL="3200400" algn="l" defTabSz="914400" rtl="0" eaLnBrk="1" latinLnBrk="0" hangingPunct="1">
-        <a:defRPr sz="1800" kern="1200">
+      <a:lvl8pPr marL="13440080" algn="l" defTabSz="3840023" rtl="0" eaLnBrk="1" latinLnBrk="0" hangingPunct="1">
+        <a:defRPr sz="7559" kern="1200">
           <a:solidFill>
             <a:schemeClr val="tx1"/>
           </a:solidFill>
@@ -3289,8 +2940,8 @@
           <a:cs typeface="+mn-cs"/>
         </a:defRPr>
       </a:lvl8pPr>
-      <a:lvl9pPr marL="3657600" algn="l" defTabSz="914400" rtl="0" eaLnBrk="1" latinLnBrk="0" hangingPunct="1">
-        <a:defRPr sz="1800" kern="1200">
+      <a:lvl9pPr marL="15360091" algn="l" defTabSz="3840023" rtl="0" eaLnBrk="1" latinLnBrk="0" hangingPunct="1">
+        <a:defRPr sz="7559" kern="1200">
           <a:solidFill>
             <a:schemeClr val="tx1"/>
           </a:solidFill>
@@ -3335,8 +2986,8 @@
         </p:nvSpPr>
         <p:spPr>
           <a:xfrm>
-            <a:off x="2628900" y="1421765"/>
-            <a:ext cx="1442720" cy="369332"/>
+            <a:off x="15939849" y="5107638"/>
+            <a:ext cx="1082040" cy="276999"/>
           </a:xfrm>
           <a:prstGeom prst="rect">
             <a:avLst/>
@@ -3364,46 +3015,10 @@
           <a:p>
             <a:pPr algn="ctr"/>
             <a:r>
-              <a:rPr lang="en-US" altLang="zh-CN"/>
+              <a:rPr lang="en-US" altLang="zh-CN" sz="1350"/>
               <a:t>name</a:t>
             </a:r>
-            <a:endParaRPr lang="zh-CN" altLang="en-US"/>
-          </a:p>
-        </p:txBody>
-      </p:sp>
-      <p:sp>
-        <p:nvSpPr>
-          <p:cNvPr id="6" name="文本框 5">
-            <a:extLst>
-              <a:ext uri="{FF2B5EF4-FFF2-40B4-BE49-F238E27FC236}">
-                <a16:creationId xmlns:a16="http://schemas.microsoft.com/office/drawing/2014/main" id="{CF77EC7B-E6C7-4E39-9F2E-EE748C1051C3}"/>
-              </a:ext>
-            </a:extLst>
-          </p:cNvPr>
-          <p:cNvSpPr txBox="1"/>
-          <p:nvPr/>
-        </p:nvSpPr>
-        <p:spPr>
-          <a:xfrm>
-            <a:off x="2603500" y="1052433"/>
-            <a:ext cx="2026920" cy="369332"/>
-          </a:xfrm>
-          <a:prstGeom prst="rect">
-            <a:avLst/>
-          </a:prstGeom>
-          <a:noFill/>
-        </p:spPr>
-        <p:txBody>
-          <a:bodyPr wrap="square" rtlCol="0">
-            <a:spAutoFit/>
-          </a:bodyPr>
-          <a:lstStyle/>
-          <a:p>
-            <a:r>
-              <a:rPr lang="en-US" altLang="zh-CN" err="1"/>
-              <a:t>QemuOptsList</a:t>
-            </a:r>
-            <a:endParaRPr lang="zh-CN" altLang="en-US"/>
+            <a:endParaRPr lang="zh-CN" altLang="en-US" sz="1350"/>
           </a:p>
         </p:txBody>
       </p:sp>
@@ -3421,8 +3036,8 @@
         </p:nvSpPr>
         <p:spPr>
           <a:xfrm>
-            <a:off x="2628900" y="1791097"/>
-            <a:ext cx="1442720" cy="369332"/>
+            <a:off x="15939849" y="5384637"/>
+            <a:ext cx="1082040" cy="276999"/>
           </a:xfrm>
           <a:prstGeom prst="rect">
             <a:avLst/>
@@ -3450,10 +3065,10 @@
           <a:p>
             <a:pPr algn="ctr"/>
             <a:r>
-              <a:rPr lang="en-US" altLang="zh-CN"/>
+              <a:rPr lang="en-US" altLang="zh-CN" sz="1350"/>
               <a:t>…</a:t>
             </a:r>
-            <a:endParaRPr lang="zh-CN" altLang="en-US"/>
+            <a:endParaRPr lang="zh-CN" altLang="en-US" sz="1350"/>
           </a:p>
         </p:txBody>
       </p:sp>
@@ -3471,8 +3086,8 @@
         </p:nvSpPr>
         <p:spPr>
           <a:xfrm>
-            <a:off x="2628900" y="2160429"/>
-            <a:ext cx="1442720" cy="369332"/>
+            <a:off x="15939849" y="5661636"/>
+            <a:ext cx="1082040" cy="276999"/>
           </a:xfrm>
           <a:prstGeom prst="rect">
             <a:avLst/>
@@ -3500,10 +3115,10 @@
           <a:p>
             <a:pPr algn="ctr"/>
             <a:r>
-              <a:rPr lang="en-US" altLang="zh-CN"/>
+              <a:rPr lang="en-US" altLang="zh-CN" sz="1350"/>
               <a:t>head</a:t>
             </a:r>
-            <a:endParaRPr lang="zh-CN" altLang="en-US"/>
+            <a:endParaRPr lang="zh-CN" altLang="en-US" sz="1350"/>
           </a:p>
         </p:txBody>
       </p:sp>
@@ -3521,8 +3136,8 @@
         </p:nvSpPr>
         <p:spPr>
           <a:xfrm>
-            <a:off x="2628900" y="2529761"/>
-            <a:ext cx="1442720" cy="369332"/>
+            <a:off x="15939849" y="5938635"/>
+            <a:ext cx="1082040" cy="276999"/>
           </a:xfrm>
           <a:prstGeom prst="rect">
             <a:avLst/>
@@ -3550,10 +3165,10 @@
           <a:p>
             <a:pPr algn="ctr"/>
             <a:r>
-              <a:rPr lang="en-US" altLang="zh-CN"/>
+              <a:rPr lang="en-US" altLang="zh-CN" sz="1350"/>
               <a:t>desc[…]</a:t>
             </a:r>
-            <a:endParaRPr lang="zh-CN" altLang="en-US"/>
+            <a:endParaRPr lang="zh-CN" altLang="en-US" sz="1350"/>
           </a:p>
         </p:txBody>
       </p:sp>
@@ -3571,8 +3186,8 @@
         </p:nvSpPr>
         <p:spPr>
           <a:xfrm>
-            <a:off x="5453698" y="1836498"/>
-            <a:ext cx="1524000" cy="412750"/>
+            <a:off x="14197110" y="6665633"/>
+            <a:ext cx="1143000" cy="309563"/>
           </a:xfrm>
           <a:prstGeom prst="rect">
             <a:avLst/>
@@ -3600,10 +3215,10 @@
           <a:p>
             <a:pPr algn="ctr"/>
             <a:r>
-              <a:rPr lang="en-US" altLang="zh-CN"/>
+              <a:rPr lang="en-US" altLang="zh-CN" sz="1350"/>
               <a:t>id</a:t>
             </a:r>
-            <a:endParaRPr lang="zh-CN" altLang="en-US"/>
+            <a:endParaRPr lang="zh-CN" altLang="en-US" sz="1350"/>
           </a:p>
         </p:txBody>
       </p:sp>
@@ -3621,8 +3236,8 @@
         </p:nvSpPr>
         <p:spPr>
           <a:xfrm>
-            <a:off x="5573264" y="1448870"/>
-            <a:ext cx="1274708" cy="369332"/>
+            <a:off x="14286787" y="6374912"/>
+            <a:ext cx="948529" cy="300082"/>
           </a:xfrm>
           <a:prstGeom prst="rect">
             <a:avLst/>
@@ -3636,10 +3251,10 @@
           <a:lstStyle/>
           <a:p>
             <a:r>
-              <a:rPr lang="en-US" altLang="zh-CN"/>
+              <a:rPr lang="en-US" altLang="zh-CN" sz="1350"/>
               <a:t>QemuOpts</a:t>
             </a:r>
-            <a:endParaRPr lang="zh-CN" altLang="en-US"/>
+            <a:endParaRPr lang="zh-CN" altLang="en-US" sz="1350"/>
           </a:p>
         </p:txBody>
       </p:sp>
@@ -3657,8 +3272,8 @@
         </p:nvSpPr>
         <p:spPr>
           <a:xfrm>
-            <a:off x="53340" y="420608"/>
-            <a:ext cx="2413000" cy="369332"/>
+            <a:off x="14013244" y="4368787"/>
+            <a:ext cx="1809750" cy="300082"/>
           </a:xfrm>
           <a:prstGeom prst="rect">
             <a:avLst/>
@@ -3672,14 +3287,14 @@
           <a:lstStyle/>
           <a:p>
             <a:r>
-              <a:rPr lang="zh-CN" altLang="en-US"/>
+              <a:rPr lang="zh-CN" altLang="en-US" sz="1350"/>
               <a:t>vm_config_groups</a:t>
             </a:r>
             <a:r>
-              <a:rPr lang="en-US" altLang="zh-CN"/>
+              <a:rPr lang="en-US" altLang="zh-CN" sz="1350"/>
               <a:t>[48]</a:t>
             </a:r>
-            <a:endParaRPr lang="zh-CN" altLang="en-US"/>
+            <a:endParaRPr lang="zh-CN" altLang="en-US" sz="1350"/>
           </a:p>
         </p:txBody>
       </p:sp>
@@ -3697,8 +3312,8 @@
         </p:nvSpPr>
         <p:spPr>
           <a:xfrm>
-            <a:off x="424815" y="100806"/>
-            <a:ext cx="1917700" cy="369332"/>
+            <a:off x="14286786" y="4116918"/>
+            <a:ext cx="1438275" cy="300082"/>
           </a:xfrm>
           <a:prstGeom prst="rect">
             <a:avLst/>
@@ -3712,10 +3327,10 @@
           <a:lstStyle/>
           <a:p>
             <a:r>
-              <a:rPr lang="en-US" altLang="zh-CN"/>
+              <a:rPr lang="en-US" altLang="zh-CN" sz="1350"/>
               <a:t>QemuOptsList *</a:t>
             </a:r>
-            <a:endParaRPr lang="zh-CN" altLang="en-US"/>
+            <a:endParaRPr lang="zh-CN" altLang="en-US" sz="1350"/>
           </a:p>
         </p:txBody>
       </p:sp>
@@ -3733,8 +3348,8 @@
         </p:nvSpPr>
         <p:spPr>
           <a:xfrm>
-            <a:off x="399732" y="889000"/>
-            <a:ext cx="1530668" cy="369332"/>
+            <a:off x="14267973" y="4708064"/>
+            <a:ext cx="1148001" cy="276999"/>
           </a:xfrm>
           <a:prstGeom prst="rect">
             <a:avLst/>
@@ -3762,10 +3377,10 @@
           <a:p>
             <a:pPr algn="ctr"/>
             <a:r>
-              <a:rPr lang="en-US" altLang="zh-CN"/>
+              <a:rPr lang="en-US" altLang="zh-CN" sz="1350"/>
               <a:t>…</a:t>
             </a:r>
-            <a:endParaRPr lang="zh-CN" altLang="en-US"/>
+            <a:endParaRPr lang="zh-CN" altLang="en-US" sz="1350"/>
           </a:p>
         </p:txBody>
       </p:sp>
@@ -3783,8 +3398,8 @@
         </p:nvSpPr>
         <p:spPr>
           <a:xfrm>
-            <a:off x="398143" y="1258332"/>
-            <a:ext cx="1530669" cy="369332"/>
+            <a:off x="14266783" y="4985063"/>
+            <a:ext cx="1148002" cy="276999"/>
           </a:xfrm>
           <a:prstGeom prst="rect">
             <a:avLst/>
@@ -3812,10 +3427,10 @@
           <a:p>
             <a:pPr algn="ctr"/>
             <a:r>
-              <a:rPr lang="en-US" altLang="zh-CN"/>
+              <a:rPr lang="en-US" altLang="zh-CN" sz="1350"/>
               <a:t>…</a:t>
             </a:r>
-            <a:endParaRPr lang="zh-CN" altLang="en-US"/>
+            <a:endParaRPr lang="zh-CN" altLang="en-US" sz="1350"/>
           </a:p>
         </p:txBody>
       </p:sp>
@@ -3833,8 +3448,8 @@
         </p:nvSpPr>
         <p:spPr>
           <a:xfrm>
-            <a:off x="398142" y="1627664"/>
-            <a:ext cx="1532257" cy="369332"/>
+            <a:off x="14266783" y="5262062"/>
+            <a:ext cx="1149193" cy="276999"/>
           </a:xfrm>
           <a:prstGeom prst="rect">
             <a:avLst/>
@@ -3862,10 +3477,10 @@
           <a:p>
             <a:pPr algn="ctr"/>
             <a:r>
-              <a:rPr lang="en-US" altLang="zh-CN"/>
+              <a:rPr lang="en-US" altLang="zh-CN" sz="1350"/>
               <a:t>…</a:t>
             </a:r>
-            <a:endParaRPr lang="zh-CN" altLang="en-US"/>
+            <a:endParaRPr lang="zh-CN" altLang="en-US" sz="1350"/>
           </a:p>
         </p:txBody>
       </p:sp>
@@ -3885,8 +3500,8 @@
         </p:nvCxnSpPr>
         <p:spPr>
           <a:xfrm>
-            <a:off x="1928812" y="1442998"/>
-            <a:ext cx="700088" cy="0"/>
+            <a:off x="15414783" y="5123563"/>
+            <a:ext cx="525066" cy="0"/>
           </a:xfrm>
           <a:prstGeom prst="straightConnector1">
             <a:avLst/>
@@ -3924,8 +3539,8 @@
         </p:nvSpPr>
         <p:spPr>
           <a:xfrm>
-            <a:off x="5453698" y="2249248"/>
-            <a:ext cx="1524000" cy="412750"/>
+            <a:off x="14197110" y="6975195"/>
+            <a:ext cx="1143000" cy="309563"/>
           </a:xfrm>
           <a:prstGeom prst="rect">
             <a:avLst/>
@@ -3953,10 +3568,10 @@
           <a:p>
             <a:pPr algn="ctr"/>
             <a:r>
-              <a:rPr lang="en-US" altLang="zh-CN"/>
+              <a:rPr lang="en-US" altLang="zh-CN" sz="1350"/>
               <a:t>list</a:t>
             </a:r>
-            <a:endParaRPr lang="zh-CN" altLang="en-US"/>
+            <a:endParaRPr lang="zh-CN" altLang="en-US" sz="1350"/>
           </a:p>
         </p:txBody>
       </p:sp>
@@ -3974,8 +3589,8 @@
         </p:nvSpPr>
         <p:spPr>
           <a:xfrm>
-            <a:off x="5451793" y="2661998"/>
-            <a:ext cx="1524000" cy="412750"/>
+            <a:off x="14195682" y="7284758"/>
+            <a:ext cx="1143000" cy="309563"/>
           </a:xfrm>
           <a:prstGeom prst="rect">
             <a:avLst/>
@@ -4003,10 +3618,10 @@
           <a:p>
             <a:pPr algn="ctr"/>
             <a:r>
-              <a:rPr lang="en-US" altLang="zh-CN"/>
+              <a:rPr lang="en-US" altLang="zh-CN" sz="1350"/>
               <a:t>head</a:t>
             </a:r>
-            <a:endParaRPr lang="zh-CN" altLang="en-US"/>
+            <a:endParaRPr lang="zh-CN" altLang="en-US" sz="1350"/>
           </a:p>
         </p:txBody>
       </p:sp>
@@ -4024,8 +3639,8 @@
         </p:nvSpPr>
         <p:spPr>
           <a:xfrm>
-            <a:off x="5451793" y="3074748"/>
-            <a:ext cx="1524000" cy="412750"/>
+            <a:off x="14195682" y="7594320"/>
+            <a:ext cx="1143000" cy="309563"/>
           </a:xfrm>
           <a:prstGeom prst="rect">
             <a:avLst/>
@@ -4053,10 +3668,10 @@
           <a:p>
             <a:pPr algn="ctr"/>
             <a:r>
-              <a:rPr lang="en-US" altLang="zh-CN"/>
+              <a:rPr lang="en-US" altLang="zh-CN" sz="1350"/>
               <a:t>next</a:t>
             </a:r>
-            <a:endParaRPr lang="zh-CN" altLang="en-US"/>
+            <a:endParaRPr lang="zh-CN" altLang="en-US" sz="1350"/>
           </a:p>
         </p:txBody>
       </p:sp>
@@ -4074,8 +3689,8 @@
         </p:nvSpPr>
         <p:spPr>
           <a:xfrm>
-            <a:off x="8739188" y="1836498"/>
-            <a:ext cx="1524000" cy="412750"/>
+            <a:off x="18260247" y="6658122"/>
+            <a:ext cx="1143000" cy="309563"/>
           </a:xfrm>
           <a:prstGeom prst="rect">
             <a:avLst/>
@@ -4103,10 +3718,10 @@
           <a:p>
             <a:pPr algn="ctr"/>
             <a:r>
-              <a:rPr lang="en-US" altLang="zh-CN"/>
+              <a:rPr lang="en-US" altLang="zh-CN" sz="1350"/>
               <a:t>id</a:t>
             </a:r>
-            <a:endParaRPr lang="zh-CN" altLang="en-US"/>
+            <a:endParaRPr lang="zh-CN" altLang="en-US" sz="1350"/>
           </a:p>
         </p:txBody>
       </p:sp>
@@ -4124,8 +3739,8 @@
         </p:nvSpPr>
         <p:spPr>
           <a:xfrm>
-            <a:off x="8858754" y="1448870"/>
-            <a:ext cx="1274708" cy="369332"/>
+            <a:off x="18349924" y="6367401"/>
+            <a:ext cx="948529" cy="300082"/>
           </a:xfrm>
           <a:prstGeom prst="rect">
             <a:avLst/>
@@ -4139,10 +3754,10 @@
           <a:lstStyle/>
           <a:p>
             <a:r>
-              <a:rPr lang="en-US" altLang="zh-CN"/>
+              <a:rPr lang="en-US" altLang="zh-CN" sz="1350"/>
               <a:t>QemuOpts</a:t>
             </a:r>
-            <a:endParaRPr lang="zh-CN" altLang="en-US"/>
+            <a:endParaRPr lang="zh-CN" altLang="en-US" sz="1350"/>
           </a:p>
         </p:txBody>
       </p:sp>
@@ -4160,8 +3775,8 @@
         </p:nvSpPr>
         <p:spPr>
           <a:xfrm>
-            <a:off x="8739188" y="2249248"/>
-            <a:ext cx="1524000" cy="412750"/>
+            <a:off x="18260247" y="6967684"/>
+            <a:ext cx="1143000" cy="309563"/>
           </a:xfrm>
           <a:prstGeom prst="rect">
             <a:avLst/>
@@ -4189,10 +3804,10 @@
           <a:p>
             <a:pPr algn="ctr"/>
             <a:r>
-              <a:rPr lang="en-US" altLang="zh-CN"/>
+              <a:rPr lang="en-US" altLang="zh-CN" sz="1350"/>
               <a:t>list</a:t>
             </a:r>
-            <a:endParaRPr lang="zh-CN" altLang="en-US"/>
+            <a:endParaRPr lang="zh-CN" altLang="en-US" sz="1350"/>
           </a:p>
         </p:txBody>
       </p:sp>
@@ -4210,8 +3825,8 @@
         </p:nvSpPr>
         <p:spPr>
           <a:xfrm>
-            <a:off x="8734108" y="2661998"/>
-            <a:ext cx="1524000" cy="412750"/>
+            <a:off x="18256437" y="7277247"/>
+            <a:ext cx="1143000" cy="309563"/>
           </a:xfrm>
           <a:prstGeom prst="rect">
             <a:avLst/>
@@ -4239,10 +3854,10 @@
           <a:p>
             <a:pPr algn="ctr"/>
             <a:r>
-              <a:rPr lang="en-US" altLang="zh-CN"/>
+              <a:rPr lang="en-US" altLang="zh-CN" sz="1350"/>
               <a:t>head</a:t>
             </a:r>
-            <a:endParaRPr lang="zh-CN" altLang="en-US"/>
+            <a:endParaRPr lang="zh-CN" altLang="en-US" sz="1350"/>
           </a:p>
         </p:txBody>
       </p:sp>
@@ -4260,8 +3875,8 @@
         </p:nvSpPr>
         <p:spPr>
           <a:xfrm>
-            <a:off x="8734108" y="3074748"/>
-            <a:ext cx="1524000" cy="412750"/>
+            <a:off x="18256437" y="7586809"/>
+            <a:ext cx="1143000" cy="309563"/>
           </a:xfrm>
           <a:prstGeom prst="rect">
             <a:avLst/>
@@ -4289,10 +3904,10 @@
           <a:p>
             <a:pPr algn="ctr"/>
             <a:r>
-              <a:rPr lang="en-US" altLang="zh-CN"/>
+              <a:rPr lang="en-US" altLang="zh-CN" sz="1350"/>
               <a:t>next</a:t>
             </a:r>
-            <a:endParaRPr lang="zh-CN" altLang="en-US"/>
+            <a:endParaRPr lang="zh-CN" altLang="en-US" sz="1350"/>
           </a:p>
         </p:txBody>
       </p:sp>
@@ -4310,8 +3925,8 @@
         </p:nvSpPr>
         <p:spPr>
           <a:xfrm>
-            <a:off x="2409639" y="4328240"/>
-            <a:ext cx="1384300" cy="369332"/>
+            <a:off x="13248561" y="8554319"/>
+            <a:ext cx="1038225" cy="276999"/>
           </a:xfrm>
           <a:prstGeom prst="rect">
             <a:avLst/>
@@ -4339,10 +3954,10 @@
           <a:p>
             <a:pPr algn="ctr"/>
             <a:r>
-              <a:rPr lang="en-US" altLang="zh-CN"/>
+              <a:rPr lang="en-US" altLang="zh-CN" sz="1350"/>
               <a:t>name</a:t>
             </a:r>
-            <a:endParaRPr lang="zh-CN" altLang="en-US"/>
+            <a:endParaRPr lang="zh-CN" altLang="en-US" sz="1350"/>
           </a:p>
         </p:txBody>
       </p:sp>
@@ -4360,8 +3975,8 @@
         </p:nvSpPr>
         <p:spPr>
           <a:xfrm>
-            <a:off x="2460439" y="3958908"/>
-            <a:ext cx="1333500" cy="369332"/>
+            <a:off x="13286661" y="8277320"/>
+            <a:ext cx="1000125" cy="300082"/>
           </a:xfrm>
           <a:prstGeom prst="rect">
             <a:avLst/>
@@ -4375,7 +3990,7 @@
           <a:lstStyle/>
           <a:p>
             <a:r>
-              <a:rPr lang="zh-CN" altLang="en-US"/>
+              <a:rPr lang="zh-CN" altLang="en-US" sz="1350"/>
               <a:t>QemuOpt</a:t>
             </a:r>
           </a:p>
@@ -4395,8 +4010,8 @@
         </p:nvSpPr>
         <p:spPr>
           <a:xfrm>
-            <a:off x="2409639" y="4697572"/>
-            <a:ext cx="1384300" cy="369332"/>
+            <a:off x="13248561" y="8831318"/>
+            <a:ext cx="1038225" cy="276999"/>
           </a:xfrm>
           <a:prstGeom prst="rect">
             <a:avLst/>
@@ -4424,10 +4039,10 @@
           <a:p>
             <a:pPr algn="ctr"/>
             <a:r>
-              <a:rPr lang="en-US" altLang="zh-CN"/>
+              <a:rPr lang="en-US" altLang="zh-CN" sz="1350"/>
               <a:t>str</a:t>
             </a:r>
-            <a:endParaRPr lang="zh-CN" altLang="en-US"/>
+            <a:endParaRPr lang="zh-CN" altLang="en-US" sz="1350"/>
           </a:p>
         </p:txBody>
       </p:sp>
@@ -4445,8 +4060,8 @@
         </p:nvSpPr>
         <p:spPr>
           <a:xfrm>
-            <a:off x="2409639" y="5066904"/>
-            <a:ext cx="1384300" cy="369332"/>
+            <a:off x="13248561" y="9108317"/>
+            <a:ext cx="1038225" cy="276999"/>
           </a:xfrm>
           <a:prstGeom prst="rect">
             <a:avLst/>
@@ -4474,10 +4089,10 @@
           <a:p>
             <a:pPr algn="ctr"/>
             <a:r>
-              <a:rPr lang="en-US" altLang="zh-CN"/>
+              <a:rPr lang="en-US" altLang="zh-CN" sz="1350"/>
               <a:t>desc</a:t>
             </a:r>
-            <a:endParaRPr lang="zh-CN" altLang="en-US"/>
+            <a:endParaRPr lang="zh-CN" altLang="en-US" sz="1350"/>
           </a:p>
         </p:txBody>
       </p:sp>
@@ -4495,8 +4110,8 @@
         </p:nvSpPr>
         <p:spPr>
           <a:xfrm>
-            <a:off x="2409639" y="5394366"/>
-            <a:ext cx="1384300" cy="369332"/>
+            <a:off x="13248561" y="9353914"/>
+            <a:ext cx="1038225" cy="276999"/>
           </a:xfrm>
           <a:prstGeom prst="rect">
             <a:avLst/>
@@ -4524,10 +4139,10 @@
           <a:p>
             <a:pPr algn="ctr"/>
             <a:r>
-              <a:rPr lang="en-US" altLang="zh-CN"/>
+              <a:rPr lang="en-US" altLang="zh-CN" sz="1350"/>
               <a:t>value</a:t>
             </a:r>
-            <a:endParaRPr lang="zh-CN" altLang="en-US"/>
+            <a:endParaRPr lang="zh-CN" altLang="en-US" sz="1350"/>
           </a:p>
         </p:txBody>
       </p:sp>
@@ -4545,8 +4160,8 @@
         </p:nvSpPr>
         <p:spPr>
           <a:xfrm>
-            <a:off x="2409639" y="5763698"/>
-            <a:ext cx="1384300" cy="369332"/>
+            <a:off x="13248561" y="9630913"/>
+            <a:ext cx="1038225" cy="276999"/>
           </a:xfrm>
           <a:prstGeom prst="rect">
             <a:avLst/>
@@ -4574,10 +4189,10 @@
           <a:p>
             <a:pPr algn="ctr"/>
             <a:r>
-              <a:rPr lang="en-US" altLang="zh-CN" sz="1400"/>
+              <a:rPr lang="en-US" altLang="zh-CN" sz="1050"/>
               <a:t>QemuOpts     *</a:t>
             </a:r>
-            <a:endParaRPr lang="zh-CN" altLang="en-US" sz="1400"/>
+            <a:endParaRPr lang="zh-CN" altLang="en-US" sz="1050"/>
           </a:p>
         </p:txBody>
       </p:sp>
@@ -4595,8 +4210,8 @@
         </p:nvSpPr>
         <p:spPr>
           <a:xfrm>
-            <a:off x="2409639" y="6091160"/>
-            <a:ext cx="1384300" cy="369332"/>
+            <a:off x="13248561" y="9876509"/>
+            <a:ext cx="1038225" cy="276999"/>
           </a:xfrm>
           <a:prstGeom prst="rect">
             <a:avLst/>
@@ -4624,10 +4239,10 @@
           <a:p>
             <a:pPr algn="ctr"/>
             <a:r>
-              <a:rPr lang="en-US" altLang="zh-CN" sz="1400"/>
+              <a:rPr lang="en-US" altLang="zh-CN" sz="1050"/>
               <a:t>next</a:t>
             </a:r>
-            <a:endParaRPr lang="zh-CN" altLang="en-US" sz="1400"/>
+            <a:endParaRPr lang="zh-CN" altLang="en-US" sz="1050"/>
           </a:p>
         </p:txBody>
       </p:sp>
@@ -4645,8 +4260,8 @@
         </p:nvSpPr>
         <p:spPr>
           <a:xfrm>
-            <a:off x="4936938" y="4379039"/>
-            <a:ext cx="1384300" cy="369332"/>
+            <a:off x="15144035" y="8592418"/>
+            <a:ext cx="1038225" cy="276999"/>
           </a:xfrm>
           <a:prstGeom prst="rect">
             <a:avLst/>
@@ -4674,10 +4289,10 @@
           <a:p>
             <a:pPr algn="ctr"/>
             <a:r>
-              <a:rPr lang="en-US" altLang="zh-CN"/>
+              <a:rPr lang="en-US" altLang="zh-CN" sz="1350"/>
               <a:t>name</a:t>
             </a:r>
-            <a:endParaRPr lang="zh-CN" altLang="en-US"/>
+            <a:endParaRPr lang="zh-CN" altLang="en-US" sz="1350"/>
           </a:p>
         </p:txBody>
       </p:sp>
@@ -4695,8 +4310,8 @@
         </p:nvSpPr>
         <p:spPr>
           <a:xfrm>
-            <a:off x="4987738" y="4009707"/>
-            <a:ext cx="1333500" cy="369332"/>
+            <a:off x="15182135" y="8315419"/>
+            <a:ext cx="1000125" cy="300082"/>
           </a:xfrm>
           <a:prstGeom prst="rect">
             <a:avLst/>
@@ -4710,7 +4325,7 @@
           <a:lstStyle/>
           <a:p>
             <a:r>
-              <a:rPr lang="zh-CN" altLang="en-US"/>
+              <a:rPr lang="zh-CN" altLang="en-US" sz="1350"/>
               <a:t>QemuOpt</a:t>
             </a:r>
           </a:p>
@@ -4730,8 +4345,8 @@
         </p:nvSpPr>
         <p:spPr>
           <a:xfrm>
-            <a:off x="4936938" y="4748371"/>
-            <a:ext cx="1384300" cy="369332"/>
+            <a:off x="15144035" y="8869417"/>
+            <a:ext cx="1038225" cy="276999"/>
           </a:xfrm>
           <a:prstGeom prst="rect">
             <a:avLst/>
@@ -4759,10 +4374,10 @@
           <a:p>
             <a:pPr algn="ctr"/>
             <a:r>
-              <a:rPr lang="en-US" altLang="zh-CN"/>
+              <a:rPr lang="en-US" altLang="zh-CN" sz="1350"/>
               <a:t>str</a:t>
             </a:r>
-            <a:endParaRPr lang="zh-CN" altLang="en-US"/>
+            <a:endParaRPr lang="zh-CN" altLang="en-US" sz="1350"/>
           </a:p>
         </p:txBody>
       </p:sp>
@@ -4780,8 +4395,8 @@
         </p:nvSpPr>
         <p:spPr>
           <a:xfrm>
-            <a:off x="4936938" y="5117703"/>
-            <a:ext cx="1384300" cy="369332"/>
+            <a:off x="15144035" y="9146416"/>
+            <a:ext cx="1038225" cy="276999"/>
           </a:xfrm>
           <a:prstGeom prst="rect">
             <a:avLst/>
@@ -4809,10 +4424,10 @@
           <a:p>
             <a:pPr algn="ctr"/>
             <a:r>
-              <a:rPr lang="en-US" altLang="zh-CN"/>
+              <a:rPr lang="en-US" altLang="zh-CN" sz="1350"/>
               <a:t>desc</a:t>
             </a:r>
-            <a:endParaRPr lang="zh-CN" altLang="en-US"/>
+            <a:endParaRPr lang="zh-CN" altLang="en-US" sz="1350"/>
           </a:p>
         </p:txBody>
       </p:sp>
@@ -4830,8 +4445,8 @@
         </p:nvSpPr>
         <p:spPr>
           <a:xfrm>
-            <a:off x="4936938" y="5445165"/>
-            <a:ext cx="1384300" cy="369332"/>
+            <a:off x="15144035" y="9392013"/>
+            <a:ext cx="1038225" cy="276999"/>
           </a:xfrm>
           <a:prstGeom prst="rect">
             <a:avLst/>
@@ -4859,10 +4474,10 @@
           <a:p>
             <a:pPr algn="ctr"/>
             <a:r>
-              <a:rPr lang="en-US" altLang="zh-CN"/>
+              <a:rPr lang="en-US" altLang="zh-CN" sz="1350"/>
               <a:t>value</a:t>
             </a:r>
-            <a:endParaRPr lang="zh-CN" altLang="en-US"/>
+            <a:endParaRPr lang="zh-CN" altLang="en-US" sz="1350"/>
           </a:p>
         </p:txBody>
       </p:sp>
@@ -4880,8 +4495,8 @@
         </p:nvSpPr>
         <p:spPr>
           <a:xfrm>
-            <a:off x="4936938" y="5814497"/>
-            <a:ext cx="1384300" cy="369332"/>
+            <a:off x="15144035" y="9669012"/>
+            <a:ext cx="1038225" cy="276999"/>
           </a:xfrm>
           <a:prstGeom prst="rect">
             <a:avLst/>
@@ -4909,10 +4524,10 @@
           <a:p>
             <a:pPr algn="ctr"/>
             <a:r>
-              <a:rPr lang="en-US" altLang="zh-CN" sz="1400"/>
+              <a:rPr lang="en-US" altLang="zh-CN" sz="1050"/>
               <a:t>QemuOpts     *</a:t>
             </a:r>
-            <a:endParaRPr lang="zh-CN" altLang="en-US" sz="1400"/>
+            <a:endParaRPr lang="zh-CN" altLang="en-US" sz="1050"/>
           </a:p>
         </p:txBody>
       </p:sp>
@@ -4930,8 +4545,8 @@
         </p:nvSpPr>
         <p:spPr>
           <a:xfrm>
-            <a:off x="4936938" y="6141959"/>
-            <a:ext cx="1384300" cy="369332"/>
+            <a:off x="15144035" y="9914608"/>
+            <a:ext cx="1038225" cy="276999"/>
           </a:xfrm>
           <a:prstGeom prst="rect">
             <a:avLst/>
@@ -4959,10 +4574,10 @@
           <a:p>
             <a:pPr algn="ctr"/>
             <a:r>
-              <a:rPr lang="en-US" altLang="zh-CN" sz="1400"/>
+              <a:rPr lang="en-US" altLang="zh-CN" sz="1050"/>
               <a:t>next</a:t>
             </a:r>
-            <a:endParaRPr lang="zh-CN" altLang="en-US" sz="1400"/>
+            <a:endParaRPr lang="zh-CN" altLang="en-US" sz="1050"/>
           </a:p>
         </p:txBody>
       </p:sp>
@@ -4980,8 +4595,8 @@
         </p:nvSpPr>
         <p:spPr>
           <a:xfrm>
-            <a:off x="7386769" y="4379676"/>
-            <a:ext cx="1384300" cy="369332"/>
+            <a:off x="19041526" y="8592418"/>
+            <a:ext cx="1038225" cy="276999"/>
           </a:xfrm>
           <a:prstGeom prst="rect">
             <a:avLst/>
@@ -5009,10 +4624,10 @@
           <a:p>
             <a:pPr algn="ctr"/>
             <a:r>
-              <a:rPr lang="en-US" altLang="zh-CN"/>
+              <a:rPr lang="en-US" altLang="zh-CN" sz="1350"/>
               <a:t>name</a:t>
             </a:r>
-            <a:endParaRPr lang="zh-CN" altLang="en-US"/>
+            <a:endParaRPr lang="zh-CN" altLang="en-US" sz="1350"/>
           </a:p>
         </p:txBody>
       </p:sp>
@@ -5030,8 +4645,8 @@
         </p:nvSpPr>
         <p:spPr>
           <a:xfrm>
-            <a:off x="7437569" y="4010344"/>
-            <a:ext cx="1333500" cy="369332"/>
+            <a:off x="19079626" y="8315419"/>
+            <a:ext cx="1000125" cy="300082"/>
           </a:xfrm>
           <a:prstGeom prst="rect">
             <a:avLst/>
@@ -5045,7 +4660,7 @@
           <a:lstStyle/>
           <a:p>
             <a:r>
-              <a:rPr lang="zh-CN" altLang="en-US"/>
+              <a:rPr lang="zh-CN" altLang="en-US" sz="1350"/>
               <a:t>QemuOpt</a:t>
             </a:r>
           </a:p>
@@ -5065,8 +4680,8 @@
         </p:nvSpPr>
         <p:spPr>
           <a:xfrm>
-            <a:off x="7386769" y="4749008"/>
-            <a:ext cx="1384300" cy="369332"/>
+            <a:off x="19041526" y="8869417"/>
+            <a:ext cx="1038225" cy="276999"/>
           </a:xfrm>
           <a:prstGeom prst="rect">
             <a:avLst/>
@@ -5094,10 +4709,10 @@
           <a:p>
             <a:pPr algn="ctr"/>
             <a:r>
-              <a:rPr lang="en-US" altLang="zh-CN"/>
+              <a:rPr lang="en-US" altLang="zh-CN" sz="1350"/>
               <a:t>str</a:t>
             </a:r>
-            <a:endParaRPr lang="zh-CN" altLang="en-US"/>
+            <a:endParaRPr lang="zh-CN" altLang="en-US" sz="1350"/>
           </a:p>
         </p:txBody>
       </p:sp>
@@ -5115,8 +4730,8 @@
         </p:nvSpPr>
         <p:spPr>
           <a:xfrm>
-            <a:off x="7386769" y="5118340"/>
-            <a:ext cx="1384300" cy="369332"/>
+            <a:off x="19041526" y="9146416"/>
+            <a:ext cx="1038225" cy="276999"/>
           </a:xfrm>
           <a:prstGeom prst="rect">
             <a:avLst/>
@@ -5144,10 +4759,10 @@
           <a:p>
             <a:pPr algn="ctr"/>
             <a:r>
-              <a:rPr lang="en-US" altLang="zh-CN"/>
+              <a:rPr lang="en-US" altLang="zh-CN" sz="1350"/>
               <a:t>desc</a:t>
             </a:r>
-            <a:endParaRPr lang="zh-CN" altLang="en-US"/>
+            <a:endParaRPr lang="zh-CN" altLang="en-US" sz="1350"/>
           </a:p>
         </p:txBody>
       </p:sp>
@@ -5165,8 +4780,8 @@
         </p:nvSpPr>
         <p:spPr>
           <a:xfrm>
-            <a:off x="7386769" y="5445802"/>
-            <a:ext cx="1384300" cy="369332"/>
+            <a:off x="19041526" y="9392013"/>
+            <a:ext cx="1038225" cy="276999"/>
           </a:xfrm>
           <a:prstGeom prst="rect">
             <a:avLst/>
@@ -5194,10 +4809,10 @@
           <a:p>
             <a:pPr algn="ctr"/>
             <a:r>
-              <a:rPr lang="en-US" altLang="zh-CN"/>
+              <a:rPr lang="en-US" altLang="zh-CN" sz="1350"/>
               <a:t>value</a:t>
             </a:r>
-            <a:endParaRPr lang="zh-CN" altLang="en-US"/>
+            <a:endParaRPr lang="zh-CN" altLang="en-US" sz="1350"/>
           </a:p>
         </p:txBody>
       </p:sp>
@@ -5215,8 +4830,8 @@
         </p:nvSpPr>
         <p:spPr>
           <a:xfrm>
-            <a:off x="7386769" y="5815134"/>
-            <a:ext cx="1384300" cy="369332"/>
+            <a:off x="19041526" y="9669012"/>
+            <a:ext cx="1038225" cy="276999"/>
           </a:xfrm>
           <a:prstGeom prst="rect">
             <a:avLst/>
@@ -5244,10 +4859,10 @@
           <a:p>
             <a:pPr algn="ctr"/>
             <a:r>
-              <a:rPr lang="en-US" altLang="zh-CN" sz="1400"/>
+              <a:rPr lang="en-US" altLang="zh-CN" sz="1050"/>
               <a:t>QemuOpts     *</a:t>
             </a:r>
-            <a:endParaRPr lang="zh-CN" altLang="en-US" sz="1400"/>
+            <a:endParaRPr lang="zh-CN" altLang="en-US" sz="1050"/>
           </a:p>
         </p:txBody>
       </p:sp>
@@ -5265,8 +4880,8 @@
         </p:nvSpPr>
         <p:spPr>
           <a:xfrm>
-            <a:off x="7386769" y="6142596"/>
-            <a:ext cx="1384300" cy="369332"/>
+            <a:off x="19041526" y="9914608"/>
+            <a:ext cx="1038225" cy="276999"/>
           </a:xfrm>
           <a:prstGeom prst="rect">
             <a:avLst/>
@@ -5294,10 +4909,10 @@
           <a:p>
             <a:pPr algn="ctr"/>
             <a:r>
-              <a:rPr lang="en-US" altLang="zh-CN" sz="1400"/>
+              <a:rPr lang="en-US" altLang="zh-CN" sz="1050"/>
               <a:t>next</a:t>
             </a:r>
-            <a:endParaRPr lang="zh-CN" altLang="en-US" sz="1400"/>
+            <a:endParaRPr lang="zh-CN" altLang="en-US" sz="1050"/>
           </a:p>
         </p:txBody>
       </p:sp>
@@ -5315,8 +4930,8 @@
         </p:nvSpPr>
         <p:spPr>
           <a:xfrm>
-            <a:off x="10087610" y="4405076"/>
-            <a:ext cx="1384300" cy="369332"/>
+            <a:off x="21067157" y="8611468"/>
+            <a:ext cx="1038225" cy="276999"/>
           </a:xfrm>
           <a:prstGeom prst="rect">
             <a:avLst/>
@@ -5344,10 +4959,10 @@
           <a:p>
             <a:pPr algn="ctr"/>
             <a:r>
-              <a:rPr lang="en-US" altLang="zh-CN"/>
+              <a:rPr lang="en-US" altLang="zh-CN" sz="1350"/>
               <a:t>name</a:t>
             </a:r>
-            <a:endParaRPr lang="zh-CN" altLang="en-US"/>
+            <a:endParaRPr lang="zh-CN" altLang="en-US" sz="1350"/>
           </a:p>
         </p:txBody>
       </p:sp>
@@ -5365,8 +4980,8 @@
         </p:nvSpPr>
         <p:spPr>
           <a:xfrm>
-            <a:off x="10138410" y="4035744"/>
-            <a:ext cx="1333500" cy="369332"/>
+            <a:off x="21105257" y="8334469"/>
+            <a:ext cx="1000125" cy="300082"/>
           </a:xfrm>
           <a:prstGeom prst="rect">
             <a:avLst/>
@@ -5380,7 +4995,7 @@
           <a:lstStyle/>
           <a:p>
             <a:r>
-              <a:rPr lang="zh-CN" altLang="en-US"/>
+              <a:rPr lang="zh-CN" altLang="en-US" sz="1350"/>
               <a:t>QemuOpt</a:t>
             </a:r>
           </a:p>
@@ -5400,8 +5015,8 @@
         </p:nvSpPr>
         <p:spPr>
           <a:xfrm>
-            <a:off x="10087610" y="4774408"/>
-            <a:ext cx="1384300" cy="369332"/>
+            <a:off x="21067157" y="8888467"/>
+            <a:ext cx="1038225" cy="276999"/>
           </a:xfrm>
           <a:prstGeom prst="rect">
             <a:avLst/>
@@ -5429,10 +5044,10 @@
           <a:p>
             <a:pPr algn="ctr"/>
             <a:r>
-              <a:rPr lang="en-US" altLang="zh-CN"/>
+              <a:rPr lang="en-US" altLang="zh-CN" sz="1350"/>
               <a:t>str</a:t>
             </a:r>
-            <a:endParaRPr lang="zh-CN" altLang="en-US"/>
+            <a:endParaRPr lang="zh-CN" altLang="en-US" sz="1350"/>
           </a:p>
         </p:txBody>
       </p:sp>
@@ -5450,8 +5065,8 @@
         </p:nvSpPr>
         <p:spPr>
           <a:xfrm>
-            <a:off x="10087610" y="5143740"/>
-            <a:ext cx="1384300" cy="369332"/>
+            <a:off x="21067157" y="9165466"/>
+            <a:ext cx="1038225" cy="276999"/>
           </a:xfrm>
           <a:prstGeom prst="rect">
             <a:avLst/>
@@ -5479,10 +5094,10 @@
           <a:p>
             <a:pPr algn="ctr"/>
             <a:r>
-              <a:rPr lang="en-US" altLang="zh-CN"/>
+              <a:rPr lang="en-US" altLang="zh-CN" sz="1350"/>
               <a:t>desc</a:t>
             </a:r>
-            <a:endParaRPr lang="zh-CN" altLang="en-US"/>
+            <a:endParaRPr lang="zh-CN" altLang="en-US" sz="1350"/>
           </a:p>
         </p:txBody>
       </p:sp>
@@ -5500,8 +5115,8 @@
         </p:nvSpPr>
         <p:spPr>
           <a:xfrm>
-            <a:off x="10087610" y="5471202"/>
-            <a:ext cx="1384300" cy="369332"/>
+            <a:off x="21067157" y="9411063"/>
+            <a:ext cx="1038225" cy="276999"/>
           </a:xfrm>
           <a:prstGeom prst="rect">
             <a:avLst/>
@@ -5529,10 +5144,10 @@
           <a:p>
             <a:pPr algn="ctr"/>
             <a:r>
-              <a:rPr lang="en-US" altLang="zh-CN"/>
+              <a:rPr lang="en-US" altLang="zh-CN" sz="1350"/>
               <a:t>value</a:t>
             </a:r>
-            <a:endParaRPr lang="zh-CN" altLang="en-US"/>
+            <a:endParaRPr lang="zh-CN" altLang="en-US" sz="1350"/>
           </a:p>
         </p:txBody>
       </p:sp>
@@ -5550,8 +5165,8 @@
         </p:nvSpPr>
         <p:spPr>
           <a:xfrm>
-            <a:off x="10087610" y="5840534"/>
-            <a:ext cx="1384300" cy="369332"/>
+            <a:off x="21067157" y="9688062"/>
+            <a:ext cx="1038225" cy="276999"/>
           </a:xfrm>
           <a:prstGeom prst="rect">
             <a:avLst/>
@@ -5579,10 +5194,10 @@
           <a:p>
             <a:pPr algn="ctr"/>
             <a:r>
-              <a:rPr lang="en-US" altLang="zh-CN" sz="1400"/>
+              <a:rPr lang="en-US" altLang="zh-CN" sz="1050"/>
               <a:t>QemuOpts     *</a:t>
             </a:r>
-            <a:endParaRPr lang="zh-CN" altLang="en-US" sz="1400"/>
+            <a:endParaRPr lang="zh-CN" altLang="en-US" sz="1050"/>
           </a:p>
         </p:txBody>
       </p:sp>
@@ -5600,8 +5215,8 @@
         </p:nvSpPr>
         <p:spPr>
           <a:xfrm>
-            <a:off x="10087610" y="6167996"/>
-            <a:ext cx="1384300" cy="369332"/>
+            <a:off x="21067157" y="9933658"/>
+            <a:ext cx="1038225" cy="276999"/>
           </a:xfrm>
           <a:prstGeom prst="rect">
             <a:avLst/>
@@ -5629,19 +5244,457 @@
           <a:p>
             <a:pPr algn="ctr"/>
             <a:r>
-              <a:rPr lang="en-US" altLang="zh-CN" sz="1400"/>
+              <a:rPr lang="en-US" altLang="zh-CN" sz="1050"/>
               <a:t>next</a:t>
             </a:r>
-            <a:endParaRPr lang="zh-CN" altLang="en-US" sz="1400"/>
-          </a:p>
-        </p:txBody>
-      </p:sp>
-      <p:sp>
-        <p:nvSpPr>
-          <p:cNvPr id="83" name="椭圆 82">
+            <a:endParaRPr lang="zh-CN" altLang="en-US" sz="1050"/>
+          </a:p>
+        </p:txBody>
+      </p:sp>
+      <p:sp>
+        <p:nvSpPr>
+          <p:cNvPr id="2" name="文本框 1">
             <a:extLst>
               <a:ext uri="{FF2B5EF4-FFF2-40B4-BE49-F238E27FC236}">
-                <a16:creationId xmlns:a16="http://schemas.microsoft.com/office/drawing/2014/main" id="{451E54F6-CF6B-43DC-80E6-2012BC890B1D}"/>
+                <a16:creationId xmlns:a16="http://schemas.microsoft.com/office/drawing/2014/main" id="{9CEC34E3-0CC1-4919-97CB-AC3118E21569}"/>
+              </a:ext>
+            </a:extLst>
+          </p:cNvPr>
+          <p:cNvSpPr txBox="1"/>
+          <p:nvPr/>
+        </p:nvSpPr>
+        <p:spPr>
+          <a:xfrm>
+            <a:off x="15939849" y="4781715"/>
+            <a:ext cx="1552575" cy="507831"/>
+          </a:xfrm>
+          <a:prstGeom prst="rect">
+            <a:avLst/>
+          </a:prstGeom>
+          <a:noFill/>
+        </p:spPr>
+        <p:txBody>
+          <a:bodyPr wrap="square" rtlCol="0">
+            <a:spAutoFit/>
+          </a:bodyPr>
+          <a:lstStyle/>
+          <a:p>
+            <a:r>
+              <a:rPr lang="en-US" altLang="zh-CN" sz="1350"/>
+              <a:t>QemuOptsList</a:t>
+            </a:r>
+            <a:endParaRPr lang="zh-CN" altLang="en-US" sz="1350"/>
+          </a:p>
+          <a:p>
+            <a:endParaRPr lang="zh-CN" altLang="en-US" sz="1350"/>
+          </a:p>
+        </p:txBody>
+      </p:sp>
+      <p:cxnSp>
+        <p:nvCxnSpPr>
+          <p:cNvPr id="7" name="连接符: 曲线 6">
+            <a:extLst>
+              <a:ext uri="{FF2B5EF4-FFF2-40B4-BE49-F238E27FC236}">
+                <a16:creationId xmlns:a16="http://schemas.microsoft.com/office/drawing/2014/main" id="{4520A32D-BDC0-4428-BE94-73BD7DC9CEF1}"/>
+              </a:ext>
+            </a:extLst>
+          </p:cNvPr>
+          <p:cNvCxnSpPr>
+            <a:stCxn id="35" idx="3"/>
+            <a:endCxn id="45" idx="1"/>
+          </p:cNvCxnSpPr>
+          <p:nvPr/>
+        </p:nvCxnSpPr>
+        <p:spPr>
+          <a:xfrm flipV="1">
+            <a:off x="15338682" y="7741591"/>
+            <a:ext cx="2917755" cy="7511"/>
+          </a:xfrm>
+          <a:prstGeom prst="curvedConnector3">
+            <a:avLst/>
+          </a:prstGeom>
+          <a:ln>
+            <a:headEnd type="triangle"/>
+            <a:tailEnd type="triangle"/>
+          </a:ln>
+        </p:spPr>
+        <p:style>
+          <a:lnRef idx="1">
+            <a:schemeClr val="accent1"/>
+          </a:lnRef>
+          <a:fillRef idx="0">
+            <a:schemeClr val="accent1"/>
+          </a:fillRef>
+          <a:effectRef idx="0">
+            <a:schemeClr val="accent1"/>
+          </a:effectRef>
+          <a:fontRef idx="minor">
+            <a:schemeClr val="tx1"/>
+          </a:fontRef>
+        </p:style>
+      </p:cxnSp>
+      <p:cxnSp>
+        <p:nvCxnSpPr>
+          <p:cNvPr id="9" name="连接符: 曲线 8">
+            <a:extLst>
+              <a:ext uri="{FF2B5EF4-FFF2-40B4-BE49-F238E27FC236}">
+                <a16:creationId xmlns:a16="http://schemas.microsoft.com/office/drawing/2014/main" id="{96AE7240-EB44-4B78-8627-ED5C12C468EB}"/>
+              </a:ext>
+            </a:extLst>
+          </p:cNvPr>
+          <p:cNvCxnSpPr>
+            <a:stCxn id="45" idx="3"/>
+            <a:endCxn id="11" idx="3"/>
+          </p:cNvCxnSpPr>
+          <p:nvPr/>
+        </p:nvCxnSpPr>
+        <p:spPr>
+          <a:xfrm flipH="1" flipV="1">
+            <a:off x="17021889" y="5800136"/>
+            <a:ext cx="2377548" cy="1941455"/>
+          </a:xfrm>
+          <a:prstGeom prst="curvedConnector3">
+            <a:avLst>
+              <a:gd name="adj1" fmla="val -32450"/>
+            </a:avLst>
+          </a:prstGeom>
+          <a:ln>
+            <a:headEnd type="triangle"/>
+            <a:tailEnd type="triangle"/>
+          </a:ln>
+        </p:spPr>
+        <p:style>
+          <a:lnRef idx="1">
+            <a:schemeClr val="accent1"/>
+          </a:lnRef>
+          <a:fillRef idx="0">
+            <a:schemeClr val="accent1"/>
+          </a:fillRef>
+          <a:effectRef idx="0">
+            <a:schemeClr val="accent1"/>
+          </a:effectRef>
+          <a:fontRef idx="minor">
+            <a:schemeClr val="tx1"/>
+          </a:fontRef>
+        </p:style>
+      </p:cxnSp>
+      <p:cxnSp>
+        <p:nvCxnSpPr>
+          <p:cNvPr id="18" name="连接符: 曲线 17">
+            <a:extLst>
+              <a:ext uri="{FF2B5EF4-FFF2-40B4-BE49-F238E27FC236}">
+                <a16:creationId xmlns:a16="http://schemas.microsoft.com/office/drawing/2014/main" id="{0C68C705-B9A9-4FF4-ACE4-B19DEA58F76B}"/>
+              </a:ext>
+            </a:extLst>
+          </p:cNvPr>
+          <p:cNvCxnSpPr>
+            <a:stCxn id="35" idx="1"/>
+            <a:endCxn id="11" idx="1"/>
+          </p:cNvCxnSpPr>
+          <p:nvPr/>
+        </p:nvCxnSpPr>
+        <p:spPr>
+          <a:xfrm rot="10800000" flipH="1">
+            <a:off x="14195681" y="5800136"/>
+            <a:ext cx="1744167" cy="1948966"/>
+          </a:xfrm>
+          <a:prstGeom prst="curvedConnector3">
+            <a:avLst>
+              <a:gd name="adj1" fmla="val -66625"/>
+            </a:avLst>
+          </a:prstGeom>
+          <a:ln>
+            <a:headEnd type="triangle"/>
+            <a:tailEnd type="triangle"/>
+          </a:ln>
+        </p:spPr>
+        <p:style>
+          <a:lnRef idx="1">
+            <a:schemeClr val="accent1"/>
+          </a:lnRef>
+          <a:fillRef idx="0">
+            <a:schemeClr val="accent1"/>
+          </a:fillRef>
+          <a:effectRef idx="0">
+            <a:schemeClr val="accent1"/>
+          </a:effectRef>
+          <a:fontRef idx="minor">
+            <a:schemeClr val="tx1"/>
+          </a:fontRef>
+        </p:style>
+      </p:cxnSp>
+      <p:cxnSp>
+        <p:nvCxnSpPr>
+          <p:cNvPr id="25" name="连接符: 曲线 24">
+            <a:extLst>
+              <a:ext uri="{FF2B5EF4-FFF2-40B4-BE49-F238E27FC236}">
+                <a16:creationId xmlns:a16="http://schemas.microsoft.com/office/drawing/2014/main" id="{B768FFE9-7B4E-40B3-8733-AF54E6946CC9}"/>
+              </a:ext>
+            </a:extLst>
+          </p:cNvPr>
+          <p:cNvCxnSpPr>
+            <a:stCxn id="53" idx="3"/>
+            <a:endCxn id="60" idx="1"/>
+          </p:cNvCxnSpPr>
+          <p:nvPr/>
+        </p:nvCxnSpPr>
+        <p:spPr>
+          <a:xfrm>
+            <a:off x="14286786" y="10015009"/>
+            <a:ext cx="857249" cy="38099"/>
+          </a:xfrm>
+          <a:prstGeom prst="curvedConnector3">
+            <a:avLst/>
+          </a:prstGeom>
+          <a:ln>
+            <a:headEnd type="triangle"/>
+            <a:tailEnd type="triangle"/>
+          </a:ln>
+        </p:spPr>
+        <p:style>
+          <a:lnRef idx="1">
+            <a:schemeClr val="accent1"/>
+          </a:lnRef>
+          <a:fillRef idx="0">
+            <a:schemeClr val="accent1"/>
+          </a:fillRef>
+          <a:effectRef idx="0">
+            <a:schemeClr val="accent1"/>
+          </a:effectRef>
+          <a:fontRef idx="minor">
+            <a:schemeClr val="tx1"/>
+          </a:fontRef>
+        </p:style>
+      </p:cxnSp>
+      <p:cxnSp>
+        <p:nvCxnSpPr>
+          <p:cNvPr id="27" name="连接符: 曲线 26">
+            <a:extLst>
+              <a:ext uri="{FF2B5EF4-FFF2-40B4-BE49-F238E27FC236}">
+                <a16:creationId xmlns:a16="http://schemas.microsoft.com/office/drawing/2014/main" id="{DB45C8A9-3865-4F11-AC38-BB758BC44858}"/>
+              </a:ext>
+            </a:extLst>
+          </p:cNvPr>
+          <p:cNvCxnSpPr>
+            <a:stCxn id="60" idx="3"/>
+            <a:endCxn id="34" idx="3"/>
+          </p:cNvCxnSpPr>
+          <p:nvPr/>
+        </p:nvCxnSpPr>
+        <p:spPr>
+          <a:xfrm flipH="1" flipV="1">
+            <a:off x="15338682" y="7439540"/>
+            <a:ext cx="843578" cy="2613568"/>
+          </a:xfrm>
+          <a:prstGeom prst="curvedConnector3">
+            <a:avLst>
+              <a:gd name="adj1" fmla="val -89201"/>
+            </a:avLst>
+          </a:prstGeom>
+          <a:ln>
+            <a:headEnd type="triangle"/>
+            <a:tailEnd type="triangle"/>
+          </a:ln>
+        </p:spPr>
+        <p:style>
+          <a:lnRef idx="1">
+            <a:schemeClr val="accent1"/>
+          </a:lnRef>
+          <a:fillRef idx="0">
+            <a:schemeClr val="accent1"/>
+          </a:fillRef>
+          <a:effectRef idx="0">
+            <a:schemeClr val="accent1"/>
+          </a:effectRef>
+          <a:fontRef idx="minor">
+            <a:schemeClr val="tx1"/>
+          </a:fontRef>
+        </p:style>
+      </p:cxnSp>
+      <p:cxnSp>
+        <p:nvCxnSpPr>
+          <p:cNvPr id="30" name="连接符: 曲线 29">
+            <a:extLst>
+              <a:ext uri="{FF2B5EF4-FFF2-40B4-BE49-F238E27FC236}">
+                <a16:creationId xmlns:a16="http://schemas.microsoft.com/office/drawing/2014/main" id="{C132B342-8DD1-4021-9A9C-A70D00FA0ED9}"/>
+              </a:ext>
+            </a:extLst>
+          </p:cNvPr>
+          <p:cNvCxnSpPr>
+            <a:stCxn id="53" idx="1"/>
+            <a:endCxn id="34" idx="1"/>
+          </p:cNvCxnSpPr>
+          <p:nvPr/>
+        </p:nvCxnSpPr>
+        <p:spPr>
+          <a:xfrm rot="10800000" flipH="1">
+            <a:off x="13248560" y="7439541"/>
+            <a:ext cx="947121" cy="2575469"/>
+          </a:xfrm>
+          <a:prstGeom prst="curvedConnector3">
+            <a:avLst>
+              <a:gd name="adj1" fmla="val -80454"/>
+            </a:avLst>
+          </a:prstGeom>
+          <a:ln>
+            <a:headEnd type="triangle"/>
+            <a:tailEnd type="triangle"/>
+          </a:ln>
+        </p:spPr>
+        <p:style>
+          <a:lnRef idx="1">
+            <a:schemeClr val="accent1"/>
+          </a:lnRef>
+          <a:fillRef idx="0">
+            <a:schemeClr val="accent1"/>
+          </a:fillRef>
+          <a:effectRef idx="0">
+            <a:schemeClr val="accent1"/>
+          </a:effectRef>
+          <a:fontRef idx="minor">
+            <a:schemeClr val="tx1"/>
+          </a:fontRef>
+        </p:style>
+      </p:cxnSp>
+      <p:cxnSp>
+        <p:nvCxnSpPr>
+          <p:cNvPr id="37" name="连接符: 曲线 36">
+            <a:extLst>
+              <a:ext uri="{FF2B5EF4-FFF2-40B4-BE49-F238E27FC236}">
+                <a16:creationId xmlns:a16="http://schemas.microsoft.com/office/drawing/2014/main" id="{D3119361-4FAF-484E-BD60-4765A31E6CB6}"/>
+              </a:ext>
+            </a:extLst>
+          </p:cNvPr>
+          <p:cNvCxnSpPr>
+            <a:stCxn id="44" idx="3"/>
+            <a:endCxn id="81" idx="3"/>
+          </p:cNvCxnSpPr>
+          <p:nvPr/>
+        </p:nvCxnSpPr>
+        <p:spPr>
+          <a:xfrm>
+            <a:off x="19399437" y="7432029"/>
+            <a:ext cx="2705945" cy="2640129"/>
+          </a:xfrm>
+          <a:prstGeom prst="curvedConnector3">
+            <a:avLst>
+              <a:gd name="adj1" fmla="val 130272"/>
+            </a:avLst>
+          </a:prstGeom>
+          <a:ln>
+            <a:headEnd type="triangle"/>
+            <a:tailEnd type="triangle"/>
+          </a:ln>
+        </p:spPr>
+        <p:style>
+          <a:lnRef idx="1">
+            <a:schemeClr val="accent1"/>
+          </a:lnRef>
+          <a:fillRef idx="0">
+            <a:schemeClr val="accent1"/>
+          </a:fillRef>
+          <a:effectRef idx="0">
+            <a:schemeClr val="accent1"/>
+          </a:effectRef>
+          <a:fontRef idx="minor">
+            <a:schemeClr val="tx1"/>
+          </a:fontRef>
+        </p:style>
+      </p:cxnSp>
+      <p:cxnSp>
+        <p:nvCxnSpPr>
+          <p:cNvPr id="40" name="连接符: 曲线 39">
+            <a:extLst>
+              <a:ext uri="{FF2B5EF4-FFF2-40B4-BE49-F238E27FC236}">
+                <a16:creationId xmlns:a16="http://schemas.microsoft.com/office/drawing/2014/main" id="{083AC7DE-1030-45F0-98D9-FDC8D4387136}"/>
+              </a:ext>
+            </a:extLst>
+          </p:cNvPr>
+          <p:cNvCxnSpPr>
+            <a:stCxn id="81" idx="1"/>
+            <a:endCxn id="74" idx="3"/>
+          </p:cNvCxnSpPr>
+          <p:nvPr/>
+        </p:nvCxnSpPr>
+        <p:spPr>
+          <a:xfrm rot="10800000">
+            <a:off x="20079751" y="10053108"/>
+            <a:ext cx="987406" cy="19050"/>
+          </a:xfrm>
+          <a:prstGeom prst="curvedConnector3">
+            <a:avLst/>
+          </a:prstGeom>
+          <a:ln>
+            <a:headEnd type="triangle"/>
+            <a:tailEnd type="triangle"/>
+          </a:ln>
+        </p:spPr>
+        <p:style>
+          <a:lnRef idx="1">
+            <a:schemeClr val="accent1"/>
+          </a:lnRef>
+          <a:fillRef idx="0">
+            <a:schemeClr val="accent1"/>
+          </a:fillRef>
+          <a:effectRef idx="0">
+            <a:schemeClr val="accent1"/>
+          </a:effectRef>
+          <a:fontRef idx="minor">
+            <a:schemeClr val="tx1"/>
+          </a:fontRef>
+        </p:style>
+      </p:cxnSp>
+      <p:cxnSp>
+        <p:nvCxnSpPr>
+          <p:cNvPr id="61" name="连接符: 曲线 60">
+            <a:extLst>
+              <a:ext uri="{FF2B5EF4-FFF2-40B4-BE49-F238E27FC236}">
+                <a16:creationId xmlns:a16="http://schemas.microsoft.com/office/drawing/2014/main" id="{1B11B4D2-B20E-4271-9181-EDE62A0CB568}"/>
+              </a:ext>
+            </a:extLst>
+          </p:cNvPr>
+          <p:cNvCxnSpPr>
+            <a:stCxn id="74" idx="1"/>
+            <a:endCxn id="44" idx="1"/>
+          </p:cNvCxnSpPr>
+          <p:nvPr/>
+        </p:nvCxnSpPr>
+        <p:spPr>
+          <a:xfrm rot="10800000">
+            <a:off x="18256438" y="7432030"/>
+            <a:ext cx="785089" cy="2621079"/>
+          </a:xfrm>
+          <a:prstGeom prst="curvedConnector3">
+            <a:avLst>
+              <a:gd name="adj1" fmla="val 195846"/>
+            </a:avLst>
+          </a:prstGeom>
+          <a:ln>
+            <a:headEnd type="triangle"/>
+            <a:tailEnd type="triangle"/>
+          </a:ln>
+        </p:spPr>
+        <p:style>
+          <a:lnRef idx="1">
+            <a:schemeClr val="accent1"/>
+          </a:lnRef>
+          <a:fillRef idx="0">
+            <a:schemeClr val="accent1"/>
+          </a:fillRef>
+          <a:effectRef idx="0">
+            <a:schemeClr val="accent1"/>
+          </a:effectRef>
+          <a:fontRef idx="minor">
+            <a:schemeClr val="tx1"/>
+          </a:fontRef>
+        </p:style>
+      </p:cxnSp>
+      <p:sp>
+        <p:nvSpPr>
+          <p:cNvPr id="85" name="任意多边形: 形状 84">
+            <a:extLst>
+              <a:ext uri="{FF2B5EF4-FFF2-40B4-BE49-F238E27FC236}">
+                <a16:creationId xmlns:a16="http://schemas.microsoft.com/office/drawing/2014/main" id="{301DC9C9-45D8-4397-A262-954D6E41363B}"/>
               </a:ext>
             </a:extLst>
           </p:cNvPr>
@@ -5650,19 +5703,926 @@
         </p:nvSpPr>
         <p:spPr>
           <a:xfrm>
-            <a:off x="4942841" y="3186073"/>
-            <a:ext cx="5929182" cy="714175"/>
-          </a:xfrm>
-          <a:prstGeom prst="ellipse">
+            <a:off x="12327830" y="6696075"/>
+            <a:ext cx="1902520" cy="3057525"/>
+          </a:xfrm>
+          <a:custGeom>
             <a:avLst/>
-          </a:prstGeom>
+            <a:gdLst>
+              <a:gd name="connsiteX0" fmla="*/ 808947 w 1694772"/>
+              <a:gd name="connsiteY0" fmla="*/ 3057525 h 3057525"/>
+              <a:gd name="connsiteX1" fmla="*/ 27897 w 1694772"/>
+              <a:gd name="connsiteY1" fmla="*/ 1000125 h 3057525"/>
+              <a:gd name="connsiteX2" fmla="*/ 1694772 w 1694772"/>
+              <a:gd name="connsiteY2" fmla="*/ 0 h 3057525"/>
+            </a:gdLst>
+            <a:ahLst/>
+            <a:cxnLst>
+              <a:cxn ang="0">
+                <a:pos x="connsiteX0" y="connsiteY0"/>
+              </a:cxn>
+              <a:cxn ang="0">
+                <a:pos x="connsiteX1" y="connsiteY1"/>
+              </a:cxn>
+              <a:cxn ang="0">
+                <a:pos x="connsiteX2" y="connsiteY2"/>
+              </a:cxn>
+            </a:cxnLst>
+            <a:rect l="l" t="t" r="r" b="b"/>
+            <a:pathLst>
+              <a:path w="1694772" h="3057525">
+                <a:moveTo>
+                  <a:pt x="808947" y="3057525"/>
+                </a:moveTo>
+                <a:cubicBezTo>
+                  <a:pt x="344603" y="2283618"/>
+                  <a:pt x="-119741" y="1509712"/>
+                  <a:pt x="27897" y="1000125"/>
+                </a:cubicBezTo>
+                <a:cubicBezTo>
+                  <a:pt x="175534" y="490537"/>
+                  <a:pt x="935153" y="245268"/>
+                  <a:pt x="1694772" y="0"/>
+                </a:cubicBezTo>
+              </a:path>
+            </a:pathLst>
+          </a:custGeom>
           <a:noFill/>
-          <a:ln>
-            <a:solidFill>
-              <a:srgbClr val="FF0000"/>
-            </a:solidFill>
-            <a:prstDash val="dash"/>
-          </a:ln>
+        </p:spPr>
+        <p:style>
+          <a:lnRef idx="2">
+            <a:schemeClr val="accent1">
+              <a:shade val="50000"/>
+            </a:schemeClr>
+          </a:lnRef>
+          <a:fillRef idx="1">
+            <a:schemeClr val="accent1"/>
+          </a:fillRef>
+          <a:effectRef idx="0">
+            <a:schemeClr val="accent1"/>
+          </a:effectRef>
+          <a:fontRef idx="minor">
+            <a:schemeClr val="lt1"/>
+          </a:fontRef>
+        </p:style>
+        <p:txBody>
+          <a:bodyPr rtlCol="0" anchor="ctr"/>
+          <a:lstStyle/>
+          <a:p>
+            <a:pPr algn="ctr"/>
+            <a:endParaRPr lang="zh-CN" altLang="en-US"/>
+          </a:p>
+        </p:txBody>
+      </p:sp>
+      <p:sp>
+        <p:nvSpPr>
+          <p:cNvPr id="86" name="任意多边形: 形状 85">
+            <a:extLst>
+              <a:ext uri="{FF2B5EF4-FFF2-40B4-BE49-F238E27FC236}">
+                <a16:creationId xmlns:a16="http://schemas.microsoft.com/office/drawing/2014/main" id="{04228407-194D-44B7-B1AC-DE7710F6C98E}"/>
+              </a:ext>
+            </a:extLst>
+          </p:cNvPr>
+          <p:cNvSpPr/>
+          <p:nvPr/>
+        </p:nvSpPr>
+        <p:spPr>
+          <a:xfrm>
+            <a:off x="15354300" y="6686550"/>
+            <a:ext cx="1457871" cy="3124200"/>
+          </a:xfrm>
+          <a:custGeom>
+            <a:avLst/>
+            <a:gdLst>
+              <a:gd name="connsiteX0" fmla="*/ 800100 w 1457871"/>
+              <a:gd name="connsiteY0" fmla="*/ 3124200 h 3124200"/>
+              <a:gd name="connsiteX1" fmla="*/ 1323975 w 1457871"/>
+              <a:gd name="connsiteY1" fmla="*/ 2295525 h 3124200"/>
+              <a:gd name="connsiteX2" fmla="*/ 1343025 w 1457871"/>
+              <a:gd name="connsiteY2" fmla="*/ 485775 h 3124200"/>
+              <a:gd name="connsiteX3" fmla="*/ 0 w 1457871"/>
+              <a:gd name="connsiteY3" fmla="*/ 0 h 3124200"/>
+            </a:gdLst>
+            <a:ahLst/>
+            <a:cxnLst>
+              <a:cxn ang="0">
+                <a:pos x="connsiteX0" y="connsiteY0"/>
+              </a:cxn>
+              <a:cxn ang="0">
+                <a:pos x="connsiteX1" y="connsiteY1"/>
+              </a:cxn>
+              <a:cxn ang="0">
+                <a:pos x="connsiteX2" y="connsiteY2"/>
+              </a:cxn>
+              <a:cxn ang="0">
+                <a:pos x="connsiteX3" y="connsiteY3"/>
+              </a:cxn>
+            </a:cxnLst>
+            <a:rect l="l" t="t" r="r" b="b"/>
+            <a:pathLst>
+              <a:path w="1457871" h="3124200">
+                <a:moveTo>
+                  <a:pt x="800100" y="3124200"/>
+                </a:moveTo>
+                <a:cubicBezTo>
+                  <a:pt x="1016793" y="2929731"/>
+                  <a:pt x="1233487" y="2735263"/>
+                  <a:pt x="1323975" y="2295525"/>
+                </a:cubicBezTo>
+                <a:cubicBezTo>
+                  <a:pt x="1414463" y="1855787"/>
+                  <a:pt x="1563687" y="868362"/>
+                  <a:pt x="1343025" y="485775"/>
+                </a:cubicBezTo>
+                <a:cubicBezTo>
+                  <a:pt x="1122363" y="103188"/>
+                  <a:pt x="561181" y="51594"/>
+                  <a:pt x="0" y="0"/>
+                </a:cubicBezTo>
+              </a:path>
+            </a:pathLst>
+          </a:custGeom>
+          <a:noFill/>
+        </p:spPr>
+        <p:style>
+          <a:lnRef idx="2">
+            <a:schemeClr val="accent1">
+              <a:shade val="50000"/>
+            </a:schemeClr>
+          </a:lnRef>
+          <a:fillRef idx="1">
+            <a:schemeClr val="accent1"/>
+          </a:fillRef>
+          <a:effectRef idx="0">
+            <a:schemeClr val="accent1"/>
+          </a:effectRef>
+          <a:fontRef idx="minor">
+            <a:schemeClr val="lt1"/>
+          </a:fontRef>
+        </p:style>
+        <p:txBody>
+          <a:bodyPr rtlCol="0" anchor="ctr"/>
+          <a:lstStyle/>
+          <a:p>
+            <a:pPr algn="ctr"/>
+            <a:endParaRPr lang="zh-CN" altLang="en-US"/>
+          </a:p>
+        </p:txBody>
+      </p:sp>
+      <p:sp>
+        <p:nvSpPr>
+          <p:cNvPr id="87" name="任意多边形: 形状 86">
+            <a:extLst>
+              <a:ext uri="{FF2B5EF4-FFF2-40B4-BE49-F238E27FC236}">
+                <a16:creationId xmlns:a16="http://schemas.microsoft.com/office/drawing/2014/main" id="{5FC99F71-975D-4CD4-9AB3-814BBA16B5C1}"/>
+              </a:ext>
+            </a:extLst>
+          </p:cNvPr>
+          <p:cNvSpPr/>
+          <p:nvPr/>
+        </p:nvSpPr>
+        <p:spPr>
+          <a:xfrm>
+            <a:off x="17448461" y="6686550"/>
+            <a:ext cx="1630114" cy="3133725"/>
+          </a:xfrm>
+          <a:custGeom>
+            <a:avLst/>
+            <a:gdLst>
+              <a:gd name="connsiteX0" fmla="*/ 1630114 w 1630114"/>
+              <a:gd name="connsiteY0" fmla="*/ 3133725 h 3133725"/>
+              <a:gd name="connsiteX1" fmla="*/ 429964 w 1630114"/>
+              <a:gd name="connsiteY1" fmla="*/ 2333625 h 3133725"/>
+              <a:gd name="connsiteX2" fmla="*/ 10864 w 1630114"/>
+              <a:gd name="connsiteY2" fmla="*/ 695325 h 3133725"/>
+              <a:gd name="connsiteX3" fmla="*/ 801439 w 1630114"/>
+              <a:gd name="connsiteY3" fmla="*/ 0 h 3133725"/>
+            </a:gdLst>
+            <a:ahLst/>
+            <a:cxnLst>
+              <a:cxn ang="0">
+                <a:pos x="connsiteX0" y="connsiteY0"/>
+              </a:cxn>
+              <a:cxn ang="0">
+                <a:pos x="connsiteX1" y="connsiteY1"/>
+              </a:cxn>
+              <a:cxn ang="0">
+                <a:pos x="connsiteX2" y="connsiteY2"/>
+              </a:cxn>
+              <a:cxn ang="0">
+                <a:pos x="connsiteX3" y="connsiteY3"/>
+              </a:cxn>
+            </a:cxnLst>
+            <a:rect l="l" t="t" r="r" b="b"/>
+            <a:pathLst>
+              <a:path w="1630114" h="3133725">
+                <a:moveTo>
+                  <a:pt x="1630114" y="3133725"/>
+                </a:moveTo>
+                <a:cubicBezTo>
+                  <a:pt x="1164976" y="2936875"/>
+                  <a:pt x="699839" y="2740025"/>
+                  <a:pt x="429964" y="2333625"/>
+                </a:cubicBezTo>
+                <a:cubicBezTo>
+                  <a:pt x="160089" y="1927225"/>
+                  <a:pt x="-51049" y="1084262"/>
+                  <a:pt x="10864" y="695325"/>
+                </a:cubicBezTo>
+                <a:cubicBezTo>
+                  <a:pt x="72776" y="306387"/>
+                  <a:pt x="437107" y="153193"/>
+                  <a:pt x="801439" y="0"/>
+                </a:cubicBezTo>
+              </a:path>
+            </a:pathLst>
+          </a:custGeom>
+          <a:noFill/>
+        </p:spPr>
+        <p:style>
+          <a:lnRef idx="2">
+            <a:schemeClr val="accent1">
+              <a:shade val="50000"/>
+            </a:schemeClr>
+          </a:lnRef>
+          <a:fillRef idx="1">
+            <a:schemeClr val="accent1"/>
+          </a:fillRef>
+          <a:effectRef idx="0">
+            <a:schemeClr val="accent1"/>
+          </a:effectRef>
+          <a:fontRef idx="minor">
+            <a:schemeClr val="lt1"/>
+          </a:fontRef>
+        </p:style>
+        <p:txBody>
+          <a:bodyPr rtlCol="0" anchor="ctr"/>
+          <a:lstStyle/>
+          <a:p>
+            <a:pPr algn="ctr"/>
+            <a:endParaRPr lang="zh-CN" altLang="en-US"/>
+          </a:p>
+        </p:txBody>
+      </p:sp>
+      <p:sp>
+        <p:nvSpPr>
+          <p:cNvPr id="88" name="任意多边形: 形状 87">
+            <a:extLst>
+              <a:ext uri="{FF2B5EF4-FFF2-40B4-BE49-F238E27FC236}">
+                <a16:creationId xmlns:a16="http://schemas.microsoft.com/office/drawing/2014/main" id="{0F6852B8-AD0A-4421-ACBE-9E994775C6D2}"/>
+              </a:ext>
+            </a:extLst>
+          </p:cNvPr>
+          <p:cNvSpPr/>
+          <p:nvPr/>
+        </p:nvSpPr>
+        <p:spPr>
+          <a:xfrm>
+            <a:off x="19421475" y="6667500"/>
+            <a:ext cx="1649352" cy="3195223"/>
+          </a:xfrm>
+          <a:custGeom>
+            <a:avLst/>
+            <a:gdLst>
+              <a:gd name="connsiteX0" fmla="*/ 1647825 w 1649352"/>
+              <a:gd name="connsiteY0" fmla="*/ 3133725 h 3195223"/>
+              <a:gd name="connsiteX1" fmla="*/ 1552575 w 1649352"/>
+              <a:gd name="connsiteY1" fmla="*/ 3028950 h 3195223"/>
+              <a:gd name="connsiteX2" fmla="*/ 1028700 w 1649352"/>
+              <a:gd name="connsiteY2" fmla="*/ 1714500 h 3195223"/>
+              <a:gd name="connsiteX3" fmla="*/ 609600 w 1649352"/>
+              <a:gd name="connsiteY3" fmla="*/ 333375 h 3195223"/>
+              <a:gd name="connsiteX4" fmla="*/ 0 w 1649352"/>
+              <a:gd name="connsiteY4" fmla="*/ 0 h 3195223"/>
+            </a:gdLst>
+            <a:ahLst/>
+            <a:cxnLst>
+              <a:cxn ang="0">
+                <a:pos x="connsiteX0" y="connsiteY0"/>
+              </a:cxn>
+              <a:cxn ang="0">
+                <a:pos x="connsiteX1" y="connsiteY1"/>
+              </a:cxn>
+              <a:cxn ang="0">
+                <a:pos x="connsiteX2" y="connsiteY2"/>
+              </a:cxn>
+              <a:cxn ang="0">
+                <a:pos x="connsiteX3" y="connsiteY3"/>
+              </a:cxn>
+              <a:cxn ang="0">
+                <a:pos x="connsiteX4" y="connsiteY4"/>
+              </a:cxn>
+            </a:cxnLst>
+            <a:rect l="l" t="t" r="r" b="b"/>
+            <a:pathLst>
+              <a:path w="1649352" h="3195223">
+                <a:moveTo>
+                  <a:pt x="1647825" y="3133725"/>
+                </a:moveTo>
+                <a:cubicBezTo>
+                  <a:pt x="1651793" y="3199606"/>
+                  <a:pt x="1655762" y="3265487"/>
+                  <a:pt x="1552575" y="3028950"/>
+                </a:cubicBezTo>
+                <a:cubicBezTo>
+                  <a:pt x="1449388" y="2792413"/>
+                  <a:pt x="1185862" y="2163762"/>
+                  <a:pt x="1028700" y="1714500"/>
+                </a:cubicBezTo>
+                <a:cubicBezTo>
+                  <a:pt x="871538" y="1265238"/>
+                  <a:pt x="781050" y="619125"/>
+                  <a:pt x="609600" y="333375"/>
+                </a:cubicBezTo>
+                <a:cubicBezTo>
+                  <a:pt x="438150" y="47625"/>
+                  <a:pt x="219075" y="23812"/>
+                  <a:pt x="0" y="0"/>
+                </a:cubicBezTo>
+              </a:path>
+            </a:pathLst>
+          </a:custGeom>
+          <a:noFill/>
+        </p:spPr>
+        <p:style>
+          <a:lnRef idx="2">
+            <a:schemeClr val="accent1">
+              <a:shade val="50000"/>
+            </a:schemeClr>
+          </a:lnRef>
+          <a:fillRef idx="1">
+            <a:schemeClr val="accent1"/>
+          </a:fillRef>
+          <a:effectRef idx="0">
+            <a:schemeClr val="accent1"/>
+          </a:effectRef>
+          <a:fontRef idx="minor">
+            <a:schemeClr val="lt1"/>
+          </a:fontRef>
+        </p:style>
+        <p:txBody>
+          <a:bodyPr rtlCol="0" anchor="ctr"/>
+          <a:lstStyle/>
+          <a:p>
+            <a:pPr algn="ctr"/>
+            <a:endParaRPr lang="zh-CN" altLang="en-US"/>
+          </a:p>
+        </p:txBody>
+      </p:sp>
+      <p:sp>
+        <p:nvSpPr>
+          <p:cNvPr id="89" name="任意多边形: 形状 88">
+            <a:extLst>
+              <a:ext uri="{FF2B5EF4-FFF2-40B4-BE49-F238E27FC236}">
+                <a16:creationId xmlns:a16="http://schemas.microsoft.com/office/drawing/2014/main" id="{FFA8390A-71D8-44CE-B604-EB2E0D670541}"/>
+              </a:ext>
+            </a:extLst>
+          </p:cNvPr>
+          <p:cNvSpPr/>
+          <p:nvPr/>
+        </p:nvSpPr>
+        <p:spPr>
+          <a:xfrm>
+            <a:off x="15316200" y="5172075"/>
+            <a:ext cx="552450" cy="1952625"/>
+          </a:xfrm>
+          <a:custGeom>
+            <a:avLst/>
+            <a:gdLst>
+              <a:gd name="connsiteX0" fmla="*/ 0 w 552450"/>
+              <a:gd name="connsiteY0" fmla="*/ 1952625 h 1952625"/>
+              <a:gd name="connsiteX1" fmla="*/ 314325 w 552450"/>
+              <a:gd name="connsiteY1" fmla="*/ 1200150 h 1952625"/>
+              <a:gd name="connsiteX2" fmla="*/ 323850 w 552450"/>
+              <a:gd name="connsiteY2" fmla="*/ 276225 h 1952625"/>
+              <a:gd name="connsiteX3" fmla="*/ 552450 w 552450"/>
+              <a:gd name="connsiteY3" fmla="*/ 0 h 1952625"/>
+            </a:gdLst>
+            <a:ahLst/>
+            <a:cxnLst>
+              <a:cxn ang="0">
+                <a:pos x="connsiteX0" y="connsiteY0"/>
+              </a:cxn>
+              <a:cxn ang="0">
+                <a:pos x="connsiteX1" y="connsiteY1"/>
+              </a:cxn>
+              <a:cxn ang="0">
+                <a:pos x="connsiteX2" y="connsiteY2"/>
+              </a:cxn>
+              <a:cxn ang="0">
+                <a:pos x="connsiteX3" y="connsiteY3"/>
+              </a:cxn>
+            </a:cxnLst>
+            <a:rect l="l" t="t" r="r" b="b"/>
+            <a:pathLst>
+              <a:path w="552450" h="1952625">
+                <a:moveTo>
+                  <a:pt x="0" y="1952625"/>
+                </a:moveTo>
+                <a:cubicBezTo>
+                  <a:pt x="130175" y="1716087"/>
+                  <a:pt x="260350" y="1479550"/>
+                  <a:pt x="314325" y="1200150"/>
+                </a:cubicBezTo>
+                <a:cubicBezTo>
+                  <a:pt x="368300" y="920750"/>
+                  <a:pt x="284163" y="476250"/>
+                  <a:pt x="323850" y="276225"/>
+                </a:cubicBezTo>
+                <a:cubicBezTo>
+                  <a:pt x="363537" y="76200"/>
+                  <a:pt x="457993" y="38100"/>
+                  <a:pt x="552450" y="0"/>
+                </a:cubicBezTo>
+              </a:path>
+            </a:pathLst>
+          </a:custGeom>
+          <a:noFill/>
+        </p:spPr>
+        <p:style>
+          <a:lnRef idx="2">
+            <a:schemeClr val="accent1">
+              <a:shade val="50000"/>
+            </a:schemeClr>
+          </a:lnRef>
+          <a:fillRef idx="1">
+            <a:schemeClr val="accent1"/>
+          </a:fillRef>
+          <a:effectRef idx="0">
+            <a:schemeClr val="accent1"/>
+          </a:effectRef>
+          <a:fontRef idx="minor">
+            <a:schemeClr val="lt1"/>
+          </a:fontRef>
+        </p:style>
+        <p:txBody>
+          <a:bodyPr rtlCol="0" anchor="ctr"/>
+          <a:lstStyle/>
+          <a:p>
+            <a:pPr algn="ctr"/>
+            <a:endParaRPr lang="zh-CN" altLang="en-US"/>
+          </a:p>
+        </p:txBody>
+      </p:sp>
+      <p:sp>
+        <p:nvSpPr>
+          <p:cNvPr id="90" name="任意多边形: 形状 89">
+            <a:extLst>
+              <a:ext uri="{FF2B5EF4-FFF2-40B4-BE49-F238E27FC236}">
+                <a16:creationId xmlns:a16="http://schemas.microsoft.com/office/drawing/2014/main" id="{720BE0ED-D164-4B3C-A877-E3403AAF414D}"/>
+              </a:ext>
+            </a:extLst>
+          </p:cNvPr>
+          <p:cNvSpPr/>
+          <p:nvPr/>
+        </p:nvSpPr>
+        <p:spPr>
+          <a:xfrm>
+            <a:off x="17040225" y="5105400"/>
+            <a:ext cx="1266825" cy="2028825"/>
+          </a:xfrm>
+          <a:custGeom>
+            <a:avLst/>
+            <a:gdLst>
+              <a:gd name="connsiteX0" fmla="*/ 1266825 w 1266825"/>
+              <a:gd name="connsiteY0" fmla="*/ 2028825 h 2028825"/>
+              <a:gd name="connsiteX1" fmla="*/ 762000 w 1266825"/>
+              <a:gd name="connsiteY1" fmla="*/ 1524000 h 2028825"/>
+              <a:gd name="connsiteX2" fmla="*/ 628650 w 1266825"/>
+              <a:gd name="connsiteY2" fmla="*/ 381000 h 2028825"/>
+              <a:gd name="connsiteX3" fmla="*/ 0 w 1266825"/>
+              <a:gd name="connsiteY3" fmla="*/ 0 h 2028825"/>
+            </a:gdLst>
+            <a:ahLst/>
+            <a:cxnLst>
+              <a:cxn ang="0">
+                <a:pos x="connsiteX0" y="connsiteY0"/>
+              </a:cxn>
+              <a:cxn ang="0">
+                <a:pos x="connsiteX1" y="connsiteY1"/>
+              </a:cxn>
+              <a:cxn ang="0">
+                <a:pos x="connsiteX2" y="connsiteY2"/>
+              </a:cxn>
+              <a:cxn ang="0">
+                <a:pos x="connsiteX3" y="connsiteY3"/>
+              </a:cxn>
+            </a:cxnLst>
+            <a:rect l="l" t="t" r="r" b="b"/>
+            <a:pathLst>
+              <a:path w="1266825" h="2028825">
+                <a:moveTo>
+                  <a:pt x="1266825" y="2028825"/>
+                </a:moveTo>
+                <a:cubicBezTo>
+                  <a:pt x="1067593" y="1913731"/>
+                  <a:pt x="868362" y="1798637"/>
+                  <a:pt x="762000" y="1524000"/>
+                </a:cubicBezTo>
+                <a:cubicBezTo>
+                  <a:pt x="655638" y="1249363"/>
+                  <a:pt x="755650" y="635000"/>
+                  <a:pt x="628650" y="381000"/>
+                </a:cubicBezTo>
+                <a:cubicBezTo>
+                  <a:pt x="501650" y="127000"/>
+                  <a:pt x="250825" y="63500"/>
+                  <a:pt x="0" y="0"/>
+                </a:cubicBezTo>
+              </a:path>
+            </a:pathLst>
+          </a:custGeom>
+          <a:noFill/>
+        </p:spPr>
+        <p:style>
+          <a:lnRef idx="2">
+            <a:schemeClr val="accent1">
+              <a:shade val="50000"/>
+            </a:schemeClr>
+          </a:lnRef>
+          <a:fillRef idx="1">
+            <a:schemeClr val="accent1"/>
+          </a:fillRef>
+          <a:effectRef idx="0">
+            <a:schemeClr val="accent1"/>
+          </a:effectRef>
+          <a:fontRef idx="minor">
+            <a:schemeClr val="lt1"/>
+          </a:fontRef>
+        </p:style>
+        <p:txBody>
+          <a:bodyPr rtlCol="0" anchor="ctr"/>
+          <a:lstStyle/>
+          <a:p>
+            <a:pPr algn="ctr"/>
+            <a:endParaRPr lang="zh-CN" altLang="en-US"/>
+          </a:p>
+        </p:txBody>
+      </p:sp>
+      <p:sp>
+        <p:nvSpPr>
+          <p:cNvPr id="93" name="任意多边形: 形状 92">
+            <a:extLst>
+              <a:ext uri="{FF2B5EF4-FFF2-40B4-BE49-F238E27FC236}">
+                <a16:creationId xmlns:a16="http://schemas.microsoft.com/office/drawing/2014/main" id="{06CF0D12-D4E0-4197-BCC4-02154C00477D}"/>
+              </a:ext>
+            </a:extLst>
+          </p:cNvPr>
+          <p:cNvSpPr/>
+          <p:nvPr/>
+        </p:nvSpPr>
+        <p:spPr>
+          <a:xfrm>
+            <a:off x="14268450" y="6219825"/>
+            <a:ext cx="1857375" cy="3028950"/>
+          </a:xfrm>
+          <a:custGeom>
+            <a:avLst/>
+            <a:gdLst>
+              <a:gd name="connsiteX0" fmla="*/ 0 w 1857375"/>
+              <a:gd name="connsiteY0" fmla="*/ 3028950 h 3028950"/>
+              <a:gd name="connsiteX1" fmla="*/ 819150 w 1857375"/>
+              <a:gd name="connsiteY1" fmla="*/ 2076450 h 3028950"/>
+              <a:gd name="connsiteX2" fmla="*/ 1666875 w 1857375"/>
+              <a:gd name="connsiteY2" fmla="*/ 1828800 h 3028950"/>
+              <a:gd name="connsiteX3" fmla="*/ 1857375 w 1857375"/>
+              <a:gd name="connsiteY3" fmla="*/ 0 h 3028950"/>
+            </a:gdLst>
+            <a:ahLst/>
+            <a:cxnLst>
+              <a:cxn ang="0">
+                <a:pos x="connsiteX0" y="connsiteY0"/>
+              </a:cxn>
+              <a:cxn ang="0">
+                <a:pos x="connsiteX1" y="connsiteY1"/>
+              </a:cxn>
+              <a:cxn ang="0">
+                <a:pos x="connsiteX2" y="connsiteY2"/>
+              </a:cxn>
+              <a:cxn ang="0">
+                <a:pos x="connsiteX3" y="connsiteY3"/>
+              </a:cxn>
+            </a:cxnLst>
+            <a:rect l="l" t="t" r="r" b="b"/>
+            <a:pathLst>
+              <a:path w="1857375" h="3028950">
+                <a:moveTo>
+                  <a:pt x="0" y="3028950"/>
+                </a:moveTo>
+                <a:cubicBezTo>
+                  <a:pt x="270668" y="2652712"/>
+                  <a:pt x="541337" y="2276475"/>
+                  <a:pt x="819150" y="2076450"/>
+                </a:cubicBezTo>
+                <a:cubicBezTo>
+                  <a:pt x="1096963" y="1876425"/>
+                  <a:pt x="1493838" y="2174875"/>
+                  <a:pt x="1666875" y="1828800"/>
+                </a:cubicBezTo>
+                <a:cubicBezTo>
+                  <a:pt x="1839913" y="1482725"/>
+                  <a:pt x="1848644" y="741362"/>
+                  <a:pt x="1857375" y="0"/>
+                </a:cubicBezTo>
+              </a:path>
+            </a:pathLst>
+          </a:custGeom>
+          <a:noFill/>
+        </p:spPr>
+        <p:style>
+          <a:lnRef idx="2">
+            <a:schemeClr val="accent1">
+              <a:shade val="50000"/>
+            </a:schemeClr>
+          </a:lnRef>
+          <a:fillRef idx="1">
+            <a:schemeClr val="accent1"/>
+          </a:fillRef>
+          <a:effectRef idx="0">
+            <a:schemeClr val="accent1"/>
+          </a:effectRef>
+          <a:fontRef idx="minor">
+            <a:schemeClr val="lt1"/>
+          </a:fontRef>
+        </p:style>
+        <p:txBody>
+          <a:bodyPr rtlCol="0" anchor="ctr"/>
+          <a:lstStyle/>
+          <a:p>
+            <a:pPr algn="ctr"/>
+            <a:endParaRPr lang="zh-CN" altLang="en-US"/>
+          </a:p>
+        </p:txBody>
+      </p:sp>
+      <p:sp>
+        <p:nvSpPr>
+          <p:cNvPr id="94" name="任意多边形: 形状 93">
+            <a:extLst>
+              <a:ext uri="{FF2B5EF4-FFF2-40B4-BE49-F238E27FC236}">
+                <a16:creationId xmlns:a16="http://schemas.microsoft.com/office/drawing/2014/main" id="{92E0BE1E-B774-4262-9095-A55BA4C84E3B}"/>
+              </a:ext>
+            </a:extLst>
+          </p:cNvPr>
+          <p:cNvSpPr/>
+          <p:nvPr/>
+        </p:nvSpPr>
+        <p:spPr>
+          <a:xfrm>
+            <a:off x="16116300" y="6238875"/>
+            <a:ext cx="504825" cy="3019807"/>
+          </a:xfrm>
+          <a:custGeom>
+            <a:avLst/>
+            <a:gdLst>
+              <a:gd name="connsiteX0" fmla="*/ 0 w 504825"/>
+              <a:gd name="connsiteY0" fmla="*/ 3019425 h 3019807"/>
+              <a:gd name="connsiteX1" fmla="*/ 295275 w 504825"/>
+              <a:gd name="connsiteY1" fmla="*/ 2914650 h 3019807"/>
+              <a:gd name="connsiteX2" fmla="*/ 295275 w 504825"/>
+              <a:gd name="connsiteY2" fmla="*/ 2371725 h 3019807"/>
+              <a:gd name="connsiteX3" fmla="*/ 457200 w 504825"/>
+              <a:gd name="connsiteY3" fmla="*/ 457200 h 3019807"/>
+              <a:gd name="connsiteX4" fmla="*/ 504825 w 504825"/>
+              <a:gd name="connsiteY4" fmla="*/ 0 h 3019807"/>
+            </a:gdLst>
+            <a:ahLst/>
+            <a:cxnLst>
+              <a:cxn ang="0">
+                <a:pos x="connsiteX0" y="connsiteY0"/>
+              </a:cxn>
+              <a:cxn ang="0">
+                <a:pos x="connsiteX1" y="connsiteY1"/>
+              </a:cxn>
+              <a:cxn ang="0">
+                <a:pos x="connsiteX2" y="connsiteY2"/>
+              </a:cxn>
+              <a:cxn ang="0">
+                <a:pos x="connsiteX3" y="connsiteY3"/>
+              </a:cxn>
+              <a:cxn ang="0">
+                <a:pos x="connsiteX4" y="connsiteY4"/>
+              </a:cxn>
+            </a:cxnLst>
+            <a:rect l="l" t="t" r="r" b="b"/>
+            <a:pathLst>
+              <a:path w="504825" h="3019807">
+                <a:moveTo>
+                  <a:pt x="0" y="3019425"/>
+                </a:moveTo>
+                <a:cubicBezTo>
+                  <a:pt x="123031" y="3021012"/>
+                  <a:pt x="246063" y="3022600"/>
+                  <a:pt x="295275" y="2914650"/>
+                </a:cubicBezTo>
+                <a:cubicBezTo>
+                  <a:pt x="344487" y="2806700"/>
+                  <a:pt x="268287" y="2781300"/>
+                  <a:pt x="295275" y="2371725"/>
+                </a:cubicBezTo>
+                <a:cubicBezTo>
+                  <a:pt x="322263" y="1962150"/>
+                  <a:pt x="422275" y="852487"/>
+                  <a:pt x="457200" y="457200"/>
+                </a:cubicBezTo>
+                <a:cubicBezTo>
+                  <a:pt x="492125" y="61913"/>
+                  <a:pt x="498475" y="30956"/>
+                  <a:pt x="504825" y="0"/>
+                </a:cubicBezTo>
+              </a:path>
+            </a:pathLst>
+          </a:custGeom>
+          <a:noFill/>
+        </p:spPr>
+        <p:style>
+          <a:lnRef idx="2">
+            <a:schemeClr val="accent1">
+              <a:shade val="50000"/>
+            </a:schemeClr>
+          </a:lnRef>
+          <a:fillRef idx="1">
+            <a:schemeClr val="accent1"/>
+          </a:fillRef>
+          <a:effectRef idx="0">
+            <a:schemeClr val="accent1"/>
+          </a:effectRef>
+          <a:fontRef idx="minor">
+            <a:schemeClr val="lt1"/>
+          </a:fontRef>
+        </p:style>
+        <p:txBody>
+          <a:bodyPr rtlCol="0" anchor="ctr"/>
+          <a:lstStyle/>
+          <a:p>
+            <a:pPr algn="ctr"/>
+            <a:endParaRPr lang="zh-CN" altLang="en-US"/>
+          </a:p>
+        </p:txBody>
+      </p:sp>
+      <p:sp>
+        <p:nvSpPr>
+          <p:cNvPr id="95" name="任意多边形: 形状 94">
+            <a:extLst>
+              <a:ext uri="{FF2B5EF4-FFF2-40B4-BE49-F238E27FC236}">
+                <a16:creationId xmlns:a16="http://schemas.microsoft.com/office/drawing/2014/main" id="{476E75BC-D752-4ABA-9328-658585545348}"/>
+              </a:ext>
+            </a:extLst>
+          </p:cNvPr>
+          <p:cNvSpPr/>
+          <p:nvPr/>
+        </p:nvSpPr>
+        <p:spPr>
+          <a:xfrm>
+            <a:off x="16964025" y="6238875"/>
+            <a:ext cx="2124075" cy="3019425"/>
+          </a:xfrm>
+          <a:custGeom>
+            <a:avLst/>
+            <a:gdLst>
+              <a:gd name="connsiteX0" fmla="*/ 2124075 w 2124075"/>
+              <a:gd name="connsiteY0" fmla="*/ 3019425 h 3019425"/>
+              <a:gd name="connsiteX1" fmla="*/ 1333500 w 2124075"/>
+              <a:gd name="connsiteY1" fmla="*/ 2543175 h 3019425"/>
+              <a:gd name="connsiteX2" fmla="*/ 942975 w 2124075"/>
+              <a:gd name="connsiteY2" fmla="*/ 1076325 h 3019425"/>
+              <a:gd name="connsiteX3" fmla="*/ 0 w 2124075"/>
+              <a:gd name="connsiteY3" fmla="*/ 0 h 3019425"/>
+            </a:gdLst>
+            <a:ahLst/>
+            <a:cxnLst>
+              <a:cxn ang="0">
+                <a:pos x="connsiteX0" y="connsiteY0"/>
+              </a:cxn>
+              <a:cxn ang="0">
+                <a:pos x="connsiteX1" y="connsiteY1"/>
+              </a:cxn>
+              <a:cxn ang="0">
+                <a:pos x="connsiteX2" y="connsiteY2"/>
+              </a:cxn>
+              <a:cxn ang="0">
+                <a:pos x="connsiteX3" y="connsiteY3"/>
+              </a:cxn>
+            </a:cxnLst>
+            <a:rect l="l" t="t" r="r" b="b"/>
+            <a:pathLst>
+              <a:path w="2124075" h="3019425">
+                <a:moveTo>
+                  <a:pt x="2124075" y="3019425"/>
+                </a:moveTo>
+                <a:cubicBezTo>
+                  <a:pt x="1827212" y="2943225"/>
+                  <a:pt x="1530350" y="2867025"/>
+                  <a:pt x="1333500" y="2543175"/>
+                </a:cubicBezTo>
+                <a:cubicBezTo>
+                  <a:pt x="1136650" y="2219325"/>
+                  <a:pt x="1165225" y="1500187"/>
+                  <a:pt x="942975" y="1076325"/>
+                </a:cubicBezTo>
+                <a:cubicBezTo>
+                  <a:pt x="720725" y="652463"/>
+                  <a:pt x="360362" y="326231"/>
+                  <a:pt x="0" y="0"/>
+                </a:cubicBezTo>
+              </a:path>
+            </a:pathLst>
+          </a:custGeom>
+          <a:noFill/>
+        </p:spPr>
+        <p:style>
+          <a:lnRef idx="2">
+            <a:schemeClr val="accent1">
+              <a:shade val="50000"/>
+            </a:schemeClr>
+          </a:lnRef>
+          <a:fillRef idx="1">
+            <a:schemeClr val="accent1"/>
+          </a:fillRef>
+          <a:effectRef idx="0">
+            <a:schemeClr val="accent1"/>
+          </a:effectRef>
+          <a:fontRef idx="minor">
+            <a:schemeClr val="lt1"/>
+          </a:fontRef>
+        </p:style>
+        <p:txBody>
+          <a:bodyPr rtlCol="0" anchor="ctr"/>
+          <a:lstStyle/>
+          <a:p>
+            <a:pPr algn="ctr"/>
+            <a:endParaRPr lang="zh-CN" altLang="en-US"/>
+          </a:p>
+        </p:txBody>
+      </p:sp>
+      <p:sp>
+        <p:nvSpPr>
+          <p:cNvPr id="96" name="任意多边形: 形状 95">
+            <a:extLst>
+              <a:ext uri="{FF2B5EF4-FFF2-40B4-BE49-F238E27FC236}">
+                <a16:creationId xmlns:a16="http://schemas.microsoft.com/office/drawing/2014/main" id="{8744576B-9E09-4621-83A6-8737F659879D}"/>
+              </a:ext>
+            </a:extLst>
+          </p:cNvPr>
+          <p:cNvSpPr/>
+          <p:nvPr/>
+        </p:nvSpPr>
+        <p:spPr>
+          <a:xfrm>
+            <a:off x="17059275" y="5698297"/>
+            <a:ext cx="4105275" cy="3579053"/>
+          </a:xfrm>
+          <a:custGeom>
+            <a:avLst/>
+            <a:gdLst>
+              <a:gd name="connsiteX0" fmla="*/ 4105275 w 4105275"/>
+              <a:gd name="connsiteY0" fmla="*/ 3579053 h 3579053"/>
+              <a:gd name="connsiteX1" fmla="*/ 3514725 w 4105275"/>
+              <a:gd name="connsiteY1" fmla="*/ 1131128 h 3579053"/>
+              <a:gd name="connsiteX2" fmla="*/ 1876425 w 4105275"/>
+              <a:gd name="connsiteY2" fmla="*/ 26228 h 3579053"/>
+              <a:gd name="connsiteX3" fmla="*/ 0 w 4105275"/>
+              <a:gd name="connsiteY3" fmla="*/ 454853 h 3579053"/>
+            </a:gdLst>
+            <a:ahLst/>
+            <a:cxnLst>
+              <a:cxn ang="0">
+                <a:pos x="connsiteX0" y="connsiteY0"/>
+              </a:cxn>
+              <a:cxn ang="0">
+                <a:pos x="connsiteX1" y="connsiteY1"/>
+              </a:cxn>
+              <a:cxn ang="0">
+                <a:pos x="connsiteX2" y="connsiteY2"/>
+              </a:cxn>
+              <a:cxn ang="0">
+                <a:pos x="connsiteX3" y="connsiteY3"/>
+              </a:cxn>
+            </a:cxnLst>
+            <a:rect l="l" t="t" r="r" b="b"/>
+            <a:pathLst>
+              <a:path w="4105275" h="3579053">
+                <a:moveTo>
+                  <a:pt x="4105275" y="3579053"/>
+                </a:moveTo>
+                <a:cubicBezTo>
+                  <a:pt x="3995737" y="2651159"/>
+                  <a:pt x="3886200" y="1723265"/>
+                  <a:pt x="3514725" y="1131128"/>
+                </a:cubicBezTo>
+                <a:cubicBezTo>
+                  <a:pt x="3143250" y="538991"/>
+                  <a:pt x="2462212" y="138940"/>
+                  <a:pt x="1876425" y="26228"/>
+                </a:cubicBezTo>
+                <a:cubicBezTo>
+                  <a:pt x="1290638" y="-86484"/>
+                  <a:pt x="645319" y="184184"/>
+                  <a:pt x="0" y="454853"/>
+                </a:cubicBezTo>
+              </a:path>
+            </a:pathLst>
+          </a:custGeom>
+          <a:noFill/>
         </p:spPr>
         <p:style>
           <a:lnRef idx="2">
@@ -5702,10 +6662,40 @@
 </p:sld>
 </file>
 
+<file path=ppt/slides/slide2.xml><?xml version="1.0" encoding="utf-8"?>
+<p:sld xmlns:a="http://schemas.openxmlformats.org/drawingml/2006/main" xmlns:r="http://schemas.openxmlformats.org/officeDocument/2006/relationships" xmlns:p="http://schemas.openxmlformats.org/presentationml/2006/main">
+  <p:cSld>
+    <p:spTree>
+      <p:nvGrpSpPr>
+        <p:cNvPr id="1" name=""/>
+        <p:cNvGrpSpPr/>
+        <p:nvPr/>
+      </p:nvGrpSpPr>
+      <p:grpSpPr>
+        <a:xfrm>
+          <a:off x="0" y="0"/>
+          <a:ext cx="0" cy="0"/>
+          <a:chOff x="0" y="0"/>
+          <a:chExt cx="0" cy="0"/>
+        </a:xfrm>
+      </p:grpSpPr>
+    </p:spTree>
+    <p:extLst>
+      <p:ext uri="{BB962C8B-B14F-4D97-AF65-F5344CB8AC3E}">
+        <p14:creationId xmlns:p14="http://schemas.microsoft.com/office/powerpoint/2010/main" val="2207953406"/>
+      </p:ext>
+    </p:extLst>
+  </p:cSld>
+  <p:clrMapOvr>
+    <a:masterClrMapping/>
+  </p:clrMapOvr>
+</p:sld>
+</file>
+
 <file path=ppt/theme/theme1.xml><?xml version="1.0" encoding="utf-8"?>
 <a:theme xmlns:a="http://schemas.openxmlformats.org/drawingml/2006/main" name="Office 主题​​">
   <a:themeElements>
-    <a:clrScheme name="Office">
+    <a:clrScheme name="Office 主题​​">
       <a:dk1>
         <a:sysClr val="windowText" lastClr="000000"/>
       </a:dk1>
@@ -5743,9 +6733,9 @@
         <a:srgbClr val="954F72"/>
       </a:folHlink>
     </a:clrScheme>
-    <a:fontScheme name="Office">
+    <a:fontScheme name="Office 主题​​">
       <a:majorFont>
-        <a:latin typeface="等线 Light" panose="020F0302020204030204"/>
+        <a:latin typeface="Calibri Light" panose="020F0302020204030204"/>
         <a:ea typeface=""/>
         <a:cs typeface=""/>
         <a:font script="Jpan" typeface="游ゴシック Light"/>
@@ -5778,26 +6768,9 @@
         <a:font script="Viet" typeface="Times New Roman"/>
         <a:font script="Uigh" typeface="Microsoft Uighur"/>
         <a:font script="Geor" typeface="Sylfaen"/>
-        <a:font script="Armn" typeface="Arial"/>
-        <a:font script="Bugi" typeface="Leelawadee UI"/>
-        <a:font script="Bopo" typeface="Microsoft JhengHei"/>
-        <a:font script="Java" typeface="Javanese Text"/>
-        <a:font script="Lisu" typeface="Segoe UI"/>
-        <a:font script="Mymr" typeface="Myanmar Text"/>
-        <a:font script="Nkoo" typeface="Ebrima"/>
-        <a:font script="Olck" typeface="Nirmala UI"/>
-        <a:font script="Osma" typeface="Ebrima"/>
-        <a:font script="Phag" typeface="Phagspa"/>
-        <a:font script="Syrn" typeface="Estrangelo Edessa"/>
-        <a:font script="Syrj" typeface="Estrangelo Edessa"/>
-        <a:font script="Syre" typeface="Estrangelo Edessa"/>
-        <a:font script="Sora" typeface="Nirmala UI"/>
-        <a:font script="Tale" typeface="Microsoft Tai Le"/>
-        <a:font script="Talu" typeface="Microsoft New Tai Lue"/>
-        <a:font script="Tfng" typeface="Ebrima"/>
       </a:majorFont>
       <a:minorFont>
-        <a:latin typeface="等线" panose="020F0502020204030204"/>
+        <a:latin typeface="Calibri" panose="020F0502020204030204"/>
         <a:ea typeface=""/>
         <a:cs typeface=""/>
         <a:font script="Jpan" typeface="游ゴシック"/>
@@ -5830,26 +6803,9 @@
         <a:font script="Viet" typeface="Arial"/>
         <a:font script="Uigh" typeface="Microsoft Uighur"/>
         <a:font script="Geor" typeface="Sylfaen"/>
-        <a:font script="Armn" typeface="Arial"/>
-        <a:font script="Bugi" typeface="Leelawadee UI"/>
-        <a:font script="Bopo" typeface="Microsoft JhengHei"/>
-        <a:font script="Java" typeface="Javanese Text"/>
-        <a:font script="Lisu" typeface="Segoe UI"/>
-        <a:font script="Mymr" typeface="Myanmar Text"/>
-        <a:font script="Nkoo" typeface="Ebrima"/>
-        <a:font script="Olck" typeface="Nirmala UI"/>
-        <a:font script="Osma" typeface="Ebrima"/>
-        <a:font script="Phag" typeface="Phagspa"/>
-        <a:font script="Syrn" typeface="Estrangelo Edessa"/>
-        <a:font script="Syrj" typeface="Estrangelo Edessa"/>
-        <a:font script="Syre" typeface="Estrangelo Edessa"/>
-        <a:font script="Sora" typeface="Nirmala UI"/>
-        <a:font script="Tale" typeface="Microsoft Tai Le"/>
-        <a:font script="Talu" typeface="Microsoft New Tai Lue"/>
-        <a:font script="Tfng" typeface="Ebrima"/>
       </a:minorFont>
     </a:fontScheme>
-    <a:fmtScheme name="Office">
+    <a:fmtScheme name="Office 主题​​">
       <a:fillStyleLst>
         <a:solidFill>
           <a:schemeClr val="phClr"/>

--- a/示意图.pptx
+++ b/示意图.pptx
@@ -244,7 +244,7 @@
           <a:p>
             <a:fld id="{88EB3298-0169-4162-8137-986E3B0C05E2}" type="datetimeFigureOut">
               <a:rPr lang="zh-CN" altLang="en-US" smtClean="0"/>
-              <a:t>2020/9/1</a:t>
+              <a:t>2020/9/2</a:t>
             </a:fld>
             <a:endParaRPr lang="zh-CN" altLang="en-US"/>
           </a:p>
@@ -414,7 +414,7 @@
           <a:p>
             <a:fld id="{88EB3298-0169-4162-8137-986E3B0C05E2}" type="datetimeFigureOut">
               <a:rPr lang="zh-CN" altLang="en-US" smtClean="0"/>
-              <a:t>2020/9/1</a:t>
+              <a:t>2020/9/2</a:t>
             </a:fld>
             <a:endParaRPr lang="zh-CN" altLang="en-US"/>
           </a:p>
@@ -594,7 +594,7 @@
           <a:p>
             <a:fld id="{88EB3298-0169-4162-8137-986E3B0C05E2}" type="datetimeFigureOut">
               <a:rPr lang="zh-CN" altLang="en-US" smtClean="0"/>
-              <a:t>2020/9/1</a:t>
+              <a:t>2020/9/2</a:t>
             </a:fld>
             <a:endParaRPr lang="zh-CN" altLang="en-US"/>
           </a:p>
@@ -764,7 +764,7 @@
           <a:p>
             <a:fld id="{88EB3298-0169-4162-8137-986E3B0C05E2}" type="datetimeFigureOut">
               <a:rPr lang="zh-CN" altLang="en-US" smtClean="0"/>
-              <a:t>2020/9/1</a:t>
+              <a:t>2020/9/2</a:t>
             </a:fld>
             <a:endParaRPr lang="zh-CN" altLang="en-US"/>
           </a:p>
@@ -1008,7 +1008,7 @@
           <a:p>
             <a:fld id="{88EB3298-0169-4162-8137-986E3B0C05E2}" type="datetimeFigureOut">
               <a:rPr lang="zh-CN" altLang="en-US" smtClean="0"/>
-              <a:t>2020/9/1</a:t>
+              <a:t>2020/9/2</a:t>
             </a:fld>
             <a:endParaRPr lang="zh-CN" altLang="en-US"/>
           </a:p>
@@ -1240,7 +1240,7 @@
           <a:p>
             <a:fld id="{88EB3298-0169-4162-8137-986E3B0C05E2}" type="datetimeFigureOut">
               <a:rPr lang="zh-CN" altLang="en-US" smtClean="0"/>
-              <a:t>2020/9/1</a:t>
+              <a:t>2020/9/2</a:t>
             </a:fld>
             <a:endParaRPr lang="zh-CN" altLang="en-US"/>
           </a:p>
@@ -1607,7 +1607,7 @@
           <a:p>
             <a:fld id="{88EB3298-0169-4162-8137-986E3B0C05E2}" type="datetimeFigureOut">
               <a:rPr lang="zh-CN" altLang="en-US" smtClean="0"/>
-              <a:t>2020/9/1</a:t>
+              <a:t>2020/9/2</a:t>
             </a:fld>
             <a:endParaRPr lang="zh-CN" altLang="en-US"/>
           </a:p>
@@ -1725,7 +1725,7 @@
           <a:p>
             <a:fld id="{88EB3298-0169-4162-8137-986E3B0C05E2}" type="datetimeFigureOut">
               <a:rPr lang="zh-CN" altLang="en-US" smtClean="0"/>
-              <a:t>2020/9/1</a:t>
+              <a:t>2020/9/2</a:t>
             </a:fld>
             <a:endParaRPr lang="zh-CN" altLang="en-US"/>
           </a:p>
@@ -1820,7 +1820,7 @@
           <a:p>
             <a:fld id="{88EB3298-0169-4162-8137-986E3B0C05E2}" type="datetimeFigureOut">
               <a:rPr lang="zh-CN" altLang="en-US" smtClean="0"/>
-              <a:t>2020/9/1</a:t>
+              <a:t>2020/9/2</a:t>
             </a:fld>
             <a:endParaRPr lang="zh-CN" altLang="en-US"/>
           </a:p>
@@ -2097,7 +2097,7 @@
           <a:p>
             <a:fld id="{88EB3298-0169-4162-8137-986E3B0C05E2}" type="datetimeFigureOut">
               <a:rPr lang="zh-CN" altLang="en-US" smtClean="0"/>
-              <a:t>2020/9/1</a:t>
+              <a:t>2020/9/2</a:t>
             </a:fld>
             <a:endParaRPr lang="zh-CN" altLang="en-US"/>
           </a:p>
@@ -2354,7 +2354,7 @@
           <a:p>
             <a:fld id="{88EB3298-0169-4162-8137-986E3B0C05E2}" type="datetimeFigureOut">
               <a:rPr lang="zh-CN" altLang="en-US" smtClean="0"/>
-              <a:t>2020/9/1</a:t>
+              <a:t>2020/9/2</a:t>
             </a:fld>
             <a:endParaRPr lang="zh-CN" altLang="en-US"/>
           </a:p>
@@ -2567,7 +2567,7 @@
           <a:p>
             <a:fld id="{88EB3298-0169-4162-8137-986E3B0C05E2}" type="datetimeFigureOut">
               <a:rPr lang="zh-CN" altLang="en-US" smtClean="0"/>
-              <a:t>2020/9/1</a:t>
+              <a:t>2020/9/2</a:t>
             </a:fld>
             <a:endParaRPr lang="zh-CN" altLang="en-US"/>
           </a:p>
@@ -2986,7 +2986,7 @@
         </p:nvSpPr>
         <p:spPr>
           <a:xfrm>
-            <a:off x="15939849" y="5107638"/>
+            <a:off x="17461165" y="5094842"/>
             <a:ext cx="1082040" cy="276999"/>
           </a:xfrm>
           <a:prstGeom prst="rect">
@@ -3036,7 +3036,7 @@
         </p:nvSpPr>
         <p:spPr>
           <a:xfrm>
-            <a:off x="15939849" y="5384637"/>
+            <a:off x="17461165" y="5371841"/>
             <a:ext cx="1082040" cy="276999"/>
           </a:xfrm>
           <a:prstGeom prst="rect">
@@ -3086,7 +3086,7 @@
         </p:nvSpPr>
         <p:spPr>
           <a:xfrm>
-            <a:off x="15939849" y="5661636"/>
+            <a:off x="17461165" y="5648840"/>
             <a:ext cx="1082040" cy="276999"/>
           </a:xfrm>
           <a:prstGeom prst="rect">
@@ -3136,7 +3136,7 @@
         </p:nvSpPr>
         <p:spPr>
           <a:xfrm>
-            <a:off x="15939849" y="5938635"/>
+            <a:off x="17461165" y="5925839"/>
             <a:ext cx="1082040" cy="276999"/>
           </a:xfrm>
           <a:prstGeom prst="rect">
@@ -3166,7 +3166,7 @@
             <a:pPr algn="ctr"/>
             <a:r>
               <a:rPr lang="en-US" altLang="zh-CN" sz="1350"/>
-              <a:t>desc[…]</a:t>
+              <a:t>desc[xx]</a:t>
             </a:r>
             <a:endParaRPr lang="zh-CN" altLang="en-US" sz="1350"/>
           </a:p>
@@ -3272,7 +3272,7 @@
         </p:nvSpPr>
         <p:spPr>
           <a:xfrm>
-            <a:off x="14013244" y="4368787"/>
+            <a:off x="14286787" y="3541161"/>
             <a:ext cx="1809750" cy="300082"/>
           </a:xfrm>
           <a:prstGeom prst="rect">
@@ -3312,7 +3312,7 @@
         </p:nvSpPr>
         <p:spPr>
           <a:xfrm>
-            <a:off x="14286786" y="4116918"/>
+            <a:off x="14560329" y="3289292"/>
             <a:ext cx="1438275" cy="300082"/>
           </a:xfrm>
           <a:prstGeom prst="rect">
@@ -3348,7 +3348,7 @@
         </p:nvSpPr>
         <p:spPr>
           <a:xfrm>
-            <a:off x="14267973" y="4708064"/>
+            <a:off x="14541516" y="3880438"/>
             <a:ext cx="1148001" cy="276999"/>
           </a:xfrm>
           <a:prstGeom prst="rect">
@@ -3398,7 +3398,7 @@
         </p:nvSpPr>
         <p:spPr>
           <a:xfrm>
-            <a:off x="14266783" y="4985063"/>
+            <a:off x="14540326" y="4157437"/>
             <a:ext cx="1148002" cy="276999"/>
           </a:xfrm>
           <a:prstGeom prst="rect">
@@ -3448,7 +3448,7 @@
         </p:nvSpPr>
         <p:spPr>
           <a:xfrm>
-            <a:off x="14266783" y="5262062"/>
+            <a:off x="14540326" y="4434436"/>
             <a:ext cx="1149193" cy="276999"/>
           </a:xfrm>
           <a:prstGeom prst="rect">
@@ -3484,29 +3484,2258 @@
           </a:p>
         </p:txBody>
       </p:sp>
+      <p:sp>
+        <p:nvSpPr>
+          <p:cNvPr id="33" name="矩形 32">
+            <a:extLst>
+              <a:ext uri="{FF2B5EF4-FFF2-40B4-BE49-F238E27FC236}">
+                <a16:creationId xmlns:a16="http://schemas.microsoft.com/office/drawing/2014/main" id="{EDCBAD0A-7EC2-4BEF-AC32-E71158EB0988}"/>
+              </a:ext>
+            </a:extLst>
+          </p:cNvPr>
+          <p:cNvSpPr/>
+          <p:nvPr/>
+        </p:nvSpPr>
+        <p:spPr>
+          <a:xfrm>
+            <a:off x="14197110" y="6975195"/>
+            <a:ext cx="1143000" cy="309563"/>
+          </a:xfrm>
+          <a:prstGeom prst="rect">
+            <a:avLst/>
+          </a:prstGeom>
+        </p:spPr>
+        <p:style>
+          <a:lnRef idx="2">
+            <a:schemeClr val="accent1">
+              <a:shade val="50000"/>
+            </a:schemeClr>
+          </a:lnRef>
+          <a:fillRef idx="1">
+            <a:schemeClr val="accent1"/>
+          </a:fillRef>
+          <a:effectRef idx="0">
+            <a:schemeClr val="accent1"/>
+          </a:effectRef>
+          <a:fontRef idx="minor">
+            <a:schemeClr val="lt1"/>
+          </a:fontRef>
+        </p:style>
+        <p:txBody>
+          <a:bodyPr rtlCol="0" anchor="ctr"/>
+          <a:lstStyle/>
+          <a:p>
+            <a:pPr algn="ctr"/>
+            <a:r>
+              <a:rPr lang="en-US" altLang="zh-CN" sz="1350"/>
+              <a:t>list</a:t>
+            </a:r>
+            <a:endParaRPr lang="zh-CN" altLang="en-US" sz="1350"/>
+          </a:p>
+        </p:txBody>
+      </p:sp>
+      <p:sp>
+        <p:nvSpPr>
+          <p:cNvPr id="34" name="矩形 33">
+            <a:extLst>
+              <a:ext uri="{FF2B5EF4-FFF2-40B4-BE49-F238E27FC236}">
+                <a16:creationId xmlns:a16="http://schemas.microsoft.com/office/drawing/2014/main" id="{FBAF5FE4-24F2-4EF8-81C6-3F7974C0D44F}"/>
+              </a:ext>
+            </a:extLst>
+          </p:cNvPr>
+          <p:cNvSpPr/>
+          <p:nvPr/>
+        </p:nvSpPr>
+        <p:spPr>
+          <a:xfrm>
+            <a:off x="14195682" y="7284758"/>
+            <a:ext cx="1143000" cy="309563"/>
+          </a:xfrm>
+          <a:prstGeom prst="rect">
+            <a:avLst/>
+          </a:prstGeom>
+        </p:spPr>
+        <p:style>
+          <a:lnRef idx="2">
+            <a:schemeClr val="accent1">
+              <a:shade val="50000"/>
+            </a:schemeClr>
+          </a:lnRef>
+          <a:fillRef idx="1">
+            <a:schemeClr val="accent1"/>
+          </a:fillRef>
+          <a:effectRef idx="0">
+            <a:schemeClr val="accent1"/>
+          </a:effectRef>
+          <a:fontRef idx="minor">
+            <a:schemeClr val="lt1"/>
+          </a:fontRef>
+        </p:style>
+        <p:txBody>
+          <a:bodyPr rtlCol="0" anchor="ctr"/>
+          <a:lstStyle/>
+          <a:p>
+            <a:pPr algn="ctr"/>
+            <a:r>
+              <a:rPr lang="en-US" altLang="zh-CN" sz="1350"/>
+              <a:t>head</a:t>
+            </a:r>
+            <a:endParaRPr lang="zh-CN" altLang="en-US" sz="1350"/>
+          </a:p>
+        </p:txBody>
+      </p:sp>
+      <p:sp>
+        <p:nvSpPr>
+          <p:cNvPr id="35" name="矩形 34">
+            <a:extLst>
+              <a:ext uri="{FF2B5EF4-FFF2-40B4-BE49-F238E27FC236}">
+                <a16:creationId xmlns:a16="http://schemas.microsoft.com/office/drawing/2014/main" id="{85843D24-3FB2-4BF2-9F92-662491A48B01}"/>
+              </a:ext>
+            </a:extLst>
+          </p:cNvPr>
+          <p:cNvSpPr/>
+          <p:nvPr/>
+        </p:nvSpPr>
+        <p:spPr>
+          <a:xfrm>
+            <a:off x="14195682" y="7594320"/>
+            <a:ext cx="1143000" cy="309563"/>
+          </a:xfrm>
+          <a:prstGeom prst="rect">
+            <a:avLst/>
+          </a:prstGeom>
+        </p:spPr>
+        <p:style>
+          <a:lnRef idx="2">
+            <a:schemeClr val="accent1">
+              <a:shade val="50000"/>
+            </a:schemeClr>
+          </a:lnRef>
+          <a:fillRef idx="1">
+            <a:schemeClr val="accent1"/>
+          </a:fillRef>
+          <a:effectRef idx="0">
+            <a:schemeClr val="accent1"/>
+          </a:effectRef>
+          <a:fontRef idx="minor">
+            <a:schemeClr val="lt1"/>
+          </a:fontRef>
+        </p:style>
+        <p:txBody>
+          <a:bodyPr rtlCol="0" anchor="ctr"/>
+          <a:lstStyle/>
+          <a:p>
+            <a:pPr algn="ctr"/>
+            <a:r>
+              <a:rPr lang="en-US" altLang="zh-CN" sz="1350"/>
+              <a:t>next</a:t>
+            </a:r>
+            <a:endParaRPr lang="zh-CN" altLang="en-US" sz="1350"/>
+          </a:p>
+        </p:txBody>
+      </p:sp>
+      <p:sp>
+        <p:nvSpPr>
+          <p:cNvPr id="41" name="矩形 40">
+            <a:extLst>
+              <a:ext uri="{FF2B5EF4-FFF2-40B4-BE49-F238E27FC236}">
+                <a16:creationId xmlns:a16="http://schemas.microsoft.com/office/drawing/2014/main" id="{7E3703F4-DEBE-4FB1-83F3-5410E123502C}"/>
+              </a:ext>
+            </a:extLst>
+          </p:cNvPr>
+          <p:cNvSpPr/>
+          <p:nvPr/>
+        </p:nvSpPr>
+        <p:spPr>
+          <a:xfrm>
+            <a:off x="20346630" y="6665633"/>
+            <a:ext cx="1143000" cy="309563"/>
+          </a:xfrm>
+          <a:prstGeom prst="rect">
+            <a:avLst/>
+          </a:prstGeom>
+        </p:spPr>
+        <p:style>
+          <a:lnRef idx="2">
+            <a:schemeClr val="accent1">
+              <a:shade val="50000"/>
+            </a:schemeClr>
+          </a:lnRef>
+          <a:fillRef idx="1">
+            <a:schemeClr val="accent1"/>
+          </a:fillRef>
+          <a:effectRef idx="0">
+            <a:schemeClr val="accent1"/>
+          </a:effectRef>
+          <a:fontRef idx="minor">
+            <a:schemeClr val="lt1"/>
+          </a:fontRef>
+        </p:style>
+        <p:txBody>
+          <a:bodyPr rtlCol="0" anchor="ctr"/>
+          <a:lstStyle/>
+          <a:p>
+            <a:pPr algn="ctr"/>
+            <a:r>
+              <a:rPr lang="en-US" altLang="zh-CN" sz="1350"/>
+              <a:t>id</a:t>
+            </a:r>
+            <a:endParaRPr lang="zh-CN" altLang="en-US" sz="1350"/>
+          </a:p>
+        </p:txBody>
+      </p:sp>
+      <p:sp>
+        <p:nvSpPr>
+          <p:cNvPr id="42" name="文本框 41">
+            <a:extLst>
+              <a:ext uri="{FF2B5EF4-FFF2-40B4-BE49-F238E27FC236}">
+                <a16:creationId xmlns:a16="http://schemas.microsoft.com/office/drawing/2014/main" id="{3FB3D4D5-9CA2-4F0C-909F-E1C77A261231}"/>
+              </a:ext>
+            </a:extLst>
+          </p:cNvPr>
+          <p:cNvSpPr txBox="1"/>
+          <p:nvPr/>
+        </p:nvSpPr>
+        <p:spPr>
+          <a:xfrm>
+            <a:off x="20436307" y="6374912"/>
+            <a:ext cx="948529" cy="300082"/>
+          </a:xfrm>
+          <a:prstGeom prst="rect">
+            <a:avLst/>
+          </a:prstGeom>
+          <a:noFill/>
+        </p:spPr>
+        <p:txBody>
+          <a:bodyPr wrap="none" rtlCol="0">
+            <a:spAutoFit/>
+          </a:bodyPr>
+          <a:lstStyle/>
+          <a:p>
+            <a:r>
+              <a:rPr lang="en-US" altLang="zh-CN" sz="1350"/>
+              <a:t>QemuOpts</a:t>
+            </a:r>
+            <a:endParaRPr lang="zh-CN" altLang="en-US" sz="1350"/>
+          </a:p>
+        </p:txBody>
+      </p:sp>
+      <p:sp>
+        <p:nvSpPr>
+          <p:cNvPr id="43" name="矩形 42">
+            <a:extLst>
+              <a:ext uri="{FF2B5EF4-FFF2-40B4-BE49-F238E27FC236}">
+                <a16:creationId xmlns:a16="http://schemas.microsoft.com/office/drawing/2014/main" id="{E15BF4BB-11F7-49FC-8F91-628EC31B889B}"/>
+              </a:ext>
+            </a:extLst>
+          </p:cNvPr>
+          <p:cNvSpPr/>
+          <p:nvPr/>
+        </p:nvSpPr>
+        <p:spPr>
+          <a:xfrm>
+            <a:off x="20346630" y="6975195"/>
+            <a:ext cx="1143000" cy="309563"/>
+          </a:xfrm>
+          <a:prstGeom prst="rect">
+            <a:avLst/>
+          </a:prstGeom>
+        </p:spPr>
+        <p:style>
+          <a:lnRef idx="2">
+            <a:schemeClr val="accent1">
+              <a:shade val="50000"/>
+            </a:schemeClr>
+          </a:lnRef>
+          <a:fillRef idx="1">
+            <a:schemeClr val="accent1"/>
+          </a:fillRef>
+          <a:effectRef idx="0">
+            <a:schemeClr val="accent1"/>
+          </a:effectRef>
+          <a:fontRef idx="minor">
+            <a:schemeClr val="lt1"/>
+          </a:fontRef>
+        </p:style>
+        <p:txBody>
+          <a:bodyPr rtlCol="0" anchor="ctr"/>
+          <a:lstStyle/>
+          <a:p>
+            <a:pPr algn="ctr"/>
+            <a:r>
+              <a:rPr lang="en-US" altLang="zh-CN" sz="1350"/>
+              <a:t>list</a:t>
+            </a:r>
+            <a:endParaRPr lang="zh-CN" altLang="en-US" sz="1350"/>
+          </a:p>
+        </p:txBody>
+      </p:sp>
+      <p:sp>
+        <p:nvSpPr>
+          <p:cNvPr id="44" name="矩形 43">
+            <a:extLst>
+              <a:ext uri="{FF2B5EF4-FFF2-40B4-BE49-F238E27FC236}">
+                <a16:creationId xmlns:a16="http://schemas.microsoft.com/office/drawing/2014/main" id="{D85A51CC-6820-400B-BACD-CF03F09B3D5B}"/>
+              </a:ext>
+            </a:extLst>
+          </p:cNvPr>
+          <p:cNvSpPr/>
+          <p:nvPr/>
+        </p:nvSpPr>
+        <p:spPr>
+          <a:xfrm>
+            <a:off x="20349170" y="7284758"/>
+            <a:ext cx="1143000" cy="309563"/>
+          </a:xfrm>
+          <a:prstGeom prst="rect">
+            <a:avLst/>
+          </a:prstGeom>
+        </p:spPr>
+        <p:style>
+          <a:lnRef idx="2">
+            <a:schemeClr val="accent1">
+              <a:shade val="50000"/>
+            </a:schemeClr>
+          </a:lnRef>
+          <a:fillRef idx="1">
+            <a:schemeClr val="accent1"/>
+          </a:fillRef>
+          <a:effectRef idx="0">
+            <a:schemeClr val="accent1"/>
+          </a:effectRef>
+          <a:fontRef idx="minor">
+            <a:schemeClr val="lt1"/>
+          </a:fontRef>
+        </p:style>
+        <p:txBody>
+          <a:bodyPr rtlCol="0" anchor="ctr"/>
+          <a:lstStyle/>
+          <a:p>
+            <a:pPr algn="ctr"/>
+            <a:r>
+              <a:rPr lang="en-US" altLang="zh-CN" sz="1350"/>
+              <a:t>head</a:t>
+            </a:r>
+            <a:endParaRPr lang="zh-CN" altLang="en-US" sz="1350"/>
+          </a:p>
+        </p:txBody>
+      </p:sp>
+      <p:sp>
+        <p:nvSpPr>
+          <p:cNvPr id="45" name="矩形 44">
+            <a:extLst>
+              <a:ext uri="{FF2B5EF4-FFF2-40B4-BE49-F238E27FC236}">
+                <a16:creationId xmlns:a16="http://schemas.microsoft.com/office/drawing/2014/main" id="{D334A414-C2A3-42ED-BA75-F0D2A6EC683D}"/>
+              </a:ext>
+            </a:extLst>
+          </p:cNvPr>
+          <p:cNvSpPr/>
+          <p:nvPr/>
+        </p:nvSpPr>
+        <p:spPr>
+          <a:xfrm>
+            <a:off x="20349170" y="7594320"/>
+            <a:ext cx="1143000" cy="309563"/>
+          </a:xfrm>
+          <a:prstGeom prst="rect">
+            <a:avLst/>
+          </a:prstGeom>
+        </p:spPr>
+        <p:style>
+          <a:lnRef idx="2">
+            <a:schemeClr val="accent1">
+              <a:shade val="50000"/>
+            </a:schemeClr>
+          </a:lnRef>
+          <a:fillRef idx="1">
+            <a:schemeClr val="accent1"/>
+          </a:fillRef>
+          <a:effectRef idx="0">
+            <a:schemeClr val="accent1"/>
+          </a:effectRef>
+          <a:fontRef idx="minor">
+            <a:schemeClr val="lt1"/>
+          </a:fontRef>
+        </p:style>
+        <p:txBody>
+          <a:bodyPr rtlCol="0" anchor="ctr"/>
+          <a:lstStyle/>
+          <a:p>
+            <a:pPr algn="ctr"/>
+            <a:r>
+              <a:rPr lang="en-US" altLang="zh-CN" sz="1350"/>
+              <a:t>next</a:t>
+            </a:r>
+            <a:endParaRPr lang="zh-CN" altLang="en-US" sz="1350"/>
+          </a:p>
+        </p:txBody>
+      </p:sp>
+      <p:sp>
+        <p:nvSpPr>
+          <p:cNvPr id="46" name="矩形 45">
+            <a:extLst>
+              <a:ext uri="{FF2B5EF4-FFF2-40B4-BE49-F238E27FC236}">
+                <a16:creationId xmlns:a16="http://schemas.microsoft.com/office/drawing/2014/main" id="{2641F71F-9249-4D1C-B150-6FDB8D8590CF}"/>
+              </a:ext>
+            </a:extLst>
+          </p:cNvPr>
+          <p:cNvSpPr/>
+          <p:nvPr/>
+        </p:nvSpPr>
+        <p:spPr>
+          <a:xfrm>
+            <a:off x="13049497" y="8642871"/>
+            <a:ext cx="1038225" cy="276999"/>
+          </a:xfrm>
+          <a:prstGeom prst="rect">
+            <a:avLst/>
+          </a:prstGeom>
+        </p:spPr>
+        <p:style>
+          <a:lnRef idx="2">
+            <a:schemeClr val="accent1">
+              <a:shade val="50000"/>
+            </a:schemeClr>
+          </a:lnRef>
+          <a:fillRef idx="1">
+            <a:schemeClr val="accent1"/>
+          </a:fillRef>
+          <a:effectRef idx="0">
+            <a:schemeClr val="accent1"/>
+          </a:effectRef>
+          <a:fontRef idx="minor">
+            <a:schemeClr val="lt1"/>
+          </a:fontRef>
+        </p:style>
+        <p:txBody>
+          <a:bodyPr rtlCol="0" anchor="ctr"/>
+          <a:lstStyle/>
+          <a:p>
+            <a:pPr algn="ctr"/>
+            <a:r>
+              <a:rPr lang="en-US" altLang="zh-CN" sz="1350"/>
+              <a:t>name</a:t>
+            </a:r>
+            <a:endParaRPr lang="zh-CN" altLang="en-US" sz="1350"/>
+          </a:p>
+        </p:txBody>
+      </p:sp>
+      <p:sp>
+        <p:nvSpPr>
+          <p:cNvPr id="48" name="文本框 47">
+            <a:extLst>
+              <a:ext uri="{FF2B5EF4-FFF2-40B4-BE49-F238E27FC236}">
+                <a16:creationId xmlns:a16="http://schemas.microsoft.com/office/drawing/2014/main" id="{457BB3EB-52B6-4AEE-8962-8F99CCA57CC9}"/>
+              </a:ext>
+            </a:extLst>
+          </p:cNvPr>
+          <p:cNvSpPr txBox="1"/>
+          <p:nvPr/>
+        </p:nvSpPr>
+        <p:spPr>
+          <a:xfrm>
+            <a:off x="13087597" y="8365872"/>
+            <a:ext cx="1000125" cy="300082"/>
+          </a:xfrm>
+          <a:prstGeom prst="rect">
+            <a:avLst/>
+          </a:prstGeom>
+          <a:noFill/>
+        </p:spPr>
+        <p:txBody>
+          <a:bodyPr wrap="square">
+            <a:spAutoFit/>
+          </a:bodyPr>
+          <a:lstStyle/>
+          <a:p>
+            <a:r>
+              <a:rPr lang="zh-CN" altLang="en-US" sz="1350"/>
+              <a:t>QemuOpt</a:t>
+            </a:r>
+          </a:p>
+        </p:txBody>
+      </p:sp>
+      <p:sp>
+        <p:nvSpPr>
+          <p:cNvPr id="49" name="矩形 48">
+            <a:extLst>
+              <a:ext uri="{FF2B5EF4-FFF2-40B4-BE49-F238E27FC236}">
+                <a16:creationId xmlns:a16="http://schemas.microsoft.com/office/drawing/2014/main" id="{1BBECD26-0B61-4D05-B260-FDA734C06F42}"/>
+              </a:ext>
+            </a:extLst>
+          </p:cNvPr>
+          <p:cNvSpPr/>
+          <p:nvPr/>
+        </p:nvSpPr>
+        <p:spPr>
+          <a:xfrm>
+            <a:off x="13049497" y="8919870"/>
+            <a:ext cx="1038225" cy="276999"/>
+          </a:xfrm>
+          <a:prstGeom prst="rect">
+            <a:avLst/>
+          </a:prstGeom>
+        </p:spPr>
+        <p:style>
+          <a:lnRef idx="2">
+            <a:schemeClr val="accent1">
+              <a:shade val="50000"/>
+            </a:schemeClr>
+          </a:lnRef>
+          <a:fillRef idx="1">
+            <a:schemeClr val="accent1"/>
+          </a:fillRef>
+          <a:effectRef idx="0">
+            <a:schemeClr val="accent1"/>
+          </a:effectRef>
+          <a:fontRef idx="minor">
+            <a:schemeClr val="lt1"/>
+          </a:fontRef>
+        </p:style>
+        <p:txBody>
+          <a:bodyPr rtlCol="0" anchor="ctr"/>
+          <a:lstStyle/>
+          <a:p>
+            <a:pPr algn="ctr"/>
+            <a:r>
+              <a:rPr lang="en-US" altLang="zh-CN" sz="1350"/>
+              <a:t>str</a:t>
+            </a:r>
+            <a:endParaRPr lang="zh-CN" altLang="en-US" sz="1350"/>
+          </a:p>
+        </p:txBody>
+      </p:sp>
+      <p:sp>
+        <p:nvSpPr>
+          <p:cNvPr id="50" name="矩形 49">
+            <a:extLst>
+              <a:ext uri="{FF2B5EF4-FFF2-40B4-BE49-F238E27FC236}">
+                <a16:creationId xmlns:a16="http://schemas.microsoft.com/office/drawing/2014/main" id="{C7DEEA8A-80F5-49A4-A49C-47A7AAE6BA01}"/>
+              </a:ext>
+            </a:extLst>
+          </p:cNvPr>
+          <p:cNvSpPr/>
+          <p:nvPr/>
+        </p:nvSpPr>
+        <p:spPr>
+          <a:xfrm>
+            <a:off x="13049497" y="9196869"/>
+            <a:ext cx="1038225" cy="276999"/>
+          </a:xfrm>
+          <a:prstGeom prst="rect">
+            <a:avLst/>
+          </a:prstGeom>
+        </p:spPr>
+        <p:style>
+          <a:lnRef idx="2">
+            <a:schemeClr val="accent1">
+              <a:shade val="50000"/>
+            </a:schemeClr>
+          </a:lnRef>
+          <a:fillRef idx="1">
+            <a:schemeClr val="accent1"/>
+          </a:fillRef>
+          <a:effectRef idx="0">
+            <a:schemeClr val="accent1"/>
+          </a:effectRef>
+          <a:fontRef idx="minor">
+            <a:schemeClr val="lt1"/>
+          </a:fontRef>
+        </p:style>
+        <p:txBody>
+          <a:bodyPr rtlCol="0" anchor="ctr"/>
+          <a:lstStyle/>
+          <a:p>
+            <a:pPr algn="ctr"/>
+            <a:r>
+              <a:rPr lang="en-US" altLang="zh-CN" sz="1350"/>
+              <a:t>desc</a:t>
+            </a:r>
+            <a:endParaRPr lang="zh-CN" altLang="en-US" sz="1350"/>
+          </a:p>
+        </p:txBody>
+      </p:sp>
+      <p:sp>
+        <p:nvSpPr>
+          <p:cNvPr id="51" name="矩形 50">
+            <a:extLst>
+              <a:ext uri="{FF2B5EF4-FFF2-40B4-BE49-F238E27FC236}">
+                <a16:creationId xmlns:a16="http://schemas.microsoft.com/office/drawing/2014/main" id="{6C8E0C4A-FD63-4ED1-962B-F52A6E19B1B6}"/>
+              </a:ext>
+            </a:extLst>
+          </p:cNvPr>
+          <p:cNvSpPr/>
+          <p:nvPr/>
+        </p:nvSpPr>
+        <p:spPr>
+          <a:xfrm>
+            <a:off x="13049497" y="9442466"/>
+            <a:ext cx="1038225" cy="276999"/>
+          </a:xfrm>
+          <a:prstGeom prst="rect">
+            <a:avLst/>
+          </a:prstGeom>
+        </p:spPr>
+        <p:style>
+          <a:lnRef idx="2">
+            <a:schemeClr val="accent1">
+              <a:shade val="50000"/>
+            </a:schemeClr>
+          </a:lnRef>
+          <a:fillRef idx="1">
+            <a:schemeClr val="accent1"/>
+          </a:fillRef>
+          <a:effectRef idx="0">
+            <a:schemeClr val="accent1"/>
+          </a:effectRef>
+          <a:fontRef idx="minor">
+            <a:schemeClr val="lt1"/>
+          </a:fontRef>
+        </p:style>
+        <p:txBody>
+          <a:bodyPr rtlCol="0" anchor="ctr"/>
+          <a:lstStyle/>
+          <a:p>
+            <a:pPr algn="ctr"/>
+            <a:r>
+              <a:rPr lang="en-US" altLang="zh-CN" sz="1350"/>
+              <a:t>value</a:t>
+            </a:r>
+            <a:endParaRPr lang="zh-CN" altLang="en-US" sz="1350"/>
+          </a:p>
+        </p:txBody>
+      </p:sp>
+      <p:sp>
+        <p:nvSpPr>
+          <p:cNvPr id="52" name="矩形 51">
+            <a:extLst>
+              <a:ext uri="{FF2B5EF4-FFF2-40B4-BE49-F238E27FC236}">
+                <a16:creationId xmlns:a16="http://schemas.microsoft.com/office/drawing/2014/main" id="{34C4C574-663E-456C-8137-7C7EB92AF4CA}"/>
+              </a:ext>
+            </a:extLst>
+          </p:cNvPr>
+          <p:cNvSpPr/>
+          <p:nvPr/>
+        </p:nvSpPr>
+        <p:spPr>
+          <a:xfrm>
+            <a:off x="13049497" y="9719465"/>
+            <a:ext cx="1038225" cy="276999"/>
+          </a:xfrm>
+          <a:prstGeom prst="rect">
+            <a:avLst/>
+          </a:prstGeom>
+        </p:spPr>
+        <p:style>
+          <a:lnRef idx="2">
+            <a:schemeClr val="accent1">
+              <a:shade val="50000"/>
+            </a:schemeClr>
+          </a:lnRef>
+          <a:fillRef idx="1">
+            <a:schemeClr val="accent1"/>
+          </a:fillRef>
+          <a:effectRef idx="0">
+            <a:schemeClr val="accent1"/>
+          </a:effectRef>
+          <a:fontRef idx="minor">
+            <a:schemeClr val="lt1"/>
+          </a:fontRef>
+        </p:style>
+        <p:txBody>
+          <a:bodyPr rtlCol="0" anchor="ctr"/>
+          <a:lstStyle/>
+          <a:p>
+            <a:pPr algn="ctr"/>
+            <a:r>
+              <a:rPr lang="en-US" altLang="zh-CN" sz="1050"/>
+              <a:t>QemuOpts     *</a:t>
+            </a:r>
+            <a:endParaRPr lang="zh-CN" altLang="en-US" sz="1050"/>
+          </a:p>
+        </p:txBody>
+      </p:sp>
+      <p:sp>
+        <p:nvSpPr>
+          <p:cNvPr id="53" name="矩形 52">
+            <a:extLst>
+              <a:ext uri="{FF2B5EF4-FFF2-40B4-BE49-F238E27FC236}">
+                <a16:creationId xmlns:a16="http://schemas.microsoft.com/office/drawing/2014/main" id="{B7B582DA-AD09-4407-9EB2-6096557D9020}"/>
+              </a:ext>
+            </a:extLst>
+          </p:cNvPr>
+          <p:cNvSpPr/>
+          <p:nvPr/>
+        </p:nvSpPr>
+        <p:spPr>
+          <a:xfrm>
+            <a:off x="13049497" y="9965061"/>
+            <a:ext cx="1038225" cy="276999"/>
+          </a:xfrm>
+          <a:prstGeom prst="rect">
+            <a:avLst/>
+          </a:prstGeom>
+        </p:spPr>
+        <p:style>
+          <a:lnRef idx="2">
+            <a:schemeClr val="accent1">
+              <a:shade val="50000"/>
+            </a:schemeClr>
+          </a:lnRef>
+          <a:fillRef idx="1">
+            <a:schemeClr val="accent1"/>
+          </a:fillRef>
+          <a:effectRef idx="0">
+            <a:schemeClr val="accent1"/>
+          </a:effectRef>
+          <a:fontRef idx="minor">
+            <a:schemeClr val="lt1"/>
+          </a:fontRef>
+        </p:style>
+        <p:txBody>
+          <a:bodyPr rtlCol="0" anchor="ctr"/>
+          <a:lstStyle/>
+          <a:p>
+            <a:pPr algn="ctr"/>
+            <a:r>
+              <a:rPr lang="en-US" altLang="zh-CN" sz="1050"/>
+              <a:t>next</a:t>
+            </a:r>
+            <a:endParaRPr lang="zh-CN" altLang="en-US" sz="1050"/>
+          </a:p>
+        </p:txBody>
+      </p:sp>
+      <p:sp>
+        <p:nvSpPr>
+          <p:cNvPr id="54" name="矩形 53">
+            <a:extLst>
+              <a:ext uri="{FF2B5EF4-FFF2-40B4-BE49-F238E27FC236}">
+                <a16:creationId xmlns:a16="http://schemas.microsoft.com/office/drawing/2014/main" id="{0BCBC47E-F102-4BDB-A41B-83D538DC997A}"/>
+              </a:ext>
+            </a:extLst>
+          </p:cNvPr>
+          <p:cNvSpPr/>
+          <p:nvPr/>
+        </p:nvSpPr>
+        <p:spPr>
+          <a:xfrm>
+            <a:off x="15756812" y="8642871"/>
+            <a:ext cx="1038225" cy="276999"/>
+          </a:xfrm>
+          <a:prstGeom prst="rect">
+            <a:avLst/>
+          </a:prstGeom>
+        </p:spPr>
+        <p:style>
+          <a:lnRef idx="2">
+            <a:schemeClr val="accent1">
+              <a:shade val="50000"/>
+            </a:schemeClr>
+          </a:lnRef>
+          <a:fillRef idx="1">
+            <a:schemeClr val="accent1"/>
+          </a:fillRef>
+          <a:effectRef idx="0">
+            <a:schemeClr val="accent1"/>
+          </a:effectRef>
+          <a:fontRef idx="minor">
+            <a:schemeClr val="lt1"/>
+          </a:fontRef>
+        </p:style>
+        <p:txBody>
+          <a:bodyPr rtlCol="0" anchor="ctr"/>
+          <a:lstStyle/>
+          <a:p>
+            <a:pPr algn="ctr"/>
+            <a:r>
+              <a:rPr lang="en-US" altLang="zh-CN" sz="1350"/>
+              <a:t>name</a:t>
+            </a:r>
+            <a:endParaRPr lang="zh-CN" altLang="en-US" sz="1350"/>
+          </a:p>
+        </p:txBody>
+      </p:sp>
+      <p:sp>
+        <p:nvSpPr>
+          <p:cNvPr id="55" name="文本框 54">
+            <a:extLst>
+              <a:ext uri="{FF2B5EF4-FFF2-40B4-BE49-F238E27FC236}">
+                <a16:creationId xmlns:a16="http://schemas.microsoft.com/office/drawing/2014/main" id="{98F77CD1-82F7-466A-8E10-7E2BF7AE29BC}"/>
+              </a:ext>
+            </a:extLst>
+          </p:cNvPr>
+          <p:cNvSpPr txBox="1"/>
+          <p:nvPr/>
+        </p:nvSpPr>
+        <p:spPr>
+          <a:xfrm>
+            <a:off x="15794912" y="8365872"/>
+            <a:ext cx="1000125" cy="300082"/>
+          </a:xfrm>
+          <a:prstGeom prst="rect">
+            <a:avLst/>
+          </a:prstGeom>
+          <a:noFill/>
+        </p:spPr>
+        <p:txBody>
+          <a:bodyPr wrap="square">
+            <a:spAutoFit/>
+          </a:bodyPr>
+          <a:lstStyle/>
+          <a:p>
+            <a:r>
+              <a:rPr lang="zh-CN" altLang="en-US" sz="1350"/>
+              <a:t>QemuOpt</a:t>
+            </a:r>
+          </a:p>
+        </p:txBody>
+      </p:sp>
+      <p:sp>
+        <p:nvSpPr>
+          <p:cNvPr id="56" name="矩形 55">
+            <a:extLst>
+              <a:ext uri="{FF2B5EF4-FFF2-40B4-BE49-F238E27FC236}">
+                <a16:creationId xmlns:a16="http://schemas.microsoft.com/office/drawing/2014/main" id="{C363A522-D633-4C50-9CFA-E1F4878D362C}"/>
+              </a:ext>
+            </a:extLst>
+          </p:cNvPr>
+          <p:cNvSpPr/>
+          <p:nvPr/>
+        </p:nvSpPr>
+        <p:spPr>
+          <a:xfrm>
+            <a:off x="15756812" y="8919870"/>
+            <a:ext cx="1038225" cy="276999"/>
+          </a:xfrm>
+          <a:prstGeom prst="rect">
+            <a:avLst/>
+          </a:prstGeom>
+        </p:spPr>
+        <p:style>
+          <a:lnRef idx="2">
+            <a:schemeClr val="accent1">
+              <a:shade val="50000"/>
+            </a:schemeClr>
+          </a:lnRef>
+          <a:fillRef idx="1">
+            <a:schemeClr val="accent1"/>
+          </a:fillRef>
+          <a:effectRef idx="0">
+            <a:schemeClr val="accent1"/>
+          </a:effectRef>
+          <a:fontRef idx="minor">
+            <a:schemeClr val="lt1"/>
+          </a:fontRef>
+        </p:style>
+        <p:txBody>
+          <a:bodyPr rtlCol="0" anchor="ctr"/>
+          <a:lstStyle/>
+          <a:p>
+            <a:pPr algn="ctr"/>
+            <a:r>
+              <a:rPr lang="en-US" altLang="zh-CN" sz="1350"/>
+              <a:t>str</a:t>
+            </a:r>
+            <a:endParaRPr lang="zh-CN" altLang="en-US" sz="1350"/>
+          </a:p>
+        </p:txBody>
+      </p:sp>
+      <p:sp>
+        <p:nvSpPr>
+          <p:cNvPr id="57" name="矩形 56">
+            <a:extLst>
+              <a:ext uri="{FF2B5EF4-FFF2-40B4-BE49-F238E27FC236}">
+                <a16:creationId xmlns:a16="http://schemas.microsoft.com/office/drawing/2014/main" id="{785715E7-9B9E-410D-91AF-A46FE2DDD8DE}"/>
+              </a:ext>
+            </a:extLst>
+          </p:cNvPr>
+          <p:cNvSpPr/>
+          <p:nvPr/>
+        </p:nvSpPr>
+        <p:spPr>
+          <a:xfrm>
+            <a:off x="15756812" y="9196869"/>
+            <a:ext cx="1038225" cy="276999"/>
+          </a:xfrm>
+          <a:prstGeom prst="rect">
+            <a:avLst/>
+          </a:prstGeom>
+        </p:spPr>
+        <p:style>
+          <a:lnRef idx="2">
+            <a:schemeClr val="accent1">
+              <a:shade val="50000"/>
+            </a:schemeClr>
+          </a:lnRef>
+          <a:fillRef idx="1">
+            <a:schemeClr val="accent1"/>
+          </a:fillRef>
+          <a:effectRef idx="0">
+            <a:schemeClr val="accent1"/>
+          </a:effectRef>
+          <a:fontRef idx="minor">
+            <a:schemeClr val="lt1"/>
+          </a:fontRef>
+        </p:style>
+        <p:txBody>
+          <a:bodyPr rtlCol="0" anchor="ctr"/>
+          <a:lstStyle/>
+          <a:p>
+            <a:pPr algn="ctr"/>
+            <a:r>
+              <a:rPr lang="en-US" altLang="zh-CN" sz="1350"/>
+              <a:t>desc</a:t>
+            </a:r>
+            <a:endParaRPr lang="zh-CN" altLang="en-US" sz="1350"/>
+          </a:p>
+        </p:txBody>
+      </p:sp>
+      <p:sp>
+        <p:nvSpPr>
+          <p:cNvPr id="58" name="矩形 57">
+            <a:extLst>
+              <a:ext uri="{FF2B5EF4-FFF2-40B4-BE49-F238E27FC236}">
+                <a16:creationId xmlns:a16="http://schemas.microsoft.com/office/drawing/2014/main" id="{D5DF8BBB-9423-444B-9E0D-20245D6A31B4}"/>
+              </a:ext>
+            </a:extLst>
+          </p:cNvPr>
+          <p:cNvSpPr/>
+          <p:nvPr/>
+        </p:nvSpPr>
+        <p:spPr>
+          <a:xfrm>
+            <a:off x="15756812" y="9442466"/>
+            <a:ext cx="1038225" cy="276999"/>
+          </a:xfrm>
+          <a:prstGeom prst="rect">
+            <a:avLst/>
+          </a:prstGeom>
+        </p:spPr>
+        <p:style>
+          <a:lnRef idx="2">
+            <a:schemeClr val="accent1">
+              <a:shade val="50000"/>
+            </a:schemeClr>
+          </a:lnRef>
+          <a:fillRef idx="1">
+            <a:schemeClr val="accent1"/>
+          </a:fillRef>
+          <a:effectRef idx="0">
+            <a:schemeClr val="accent1"/>
+          </a:effectRef>
+          <a:fontRef idx="minor">
+            <a:schemeClr val="lt1"/>
+          </a:fontRef>
+        </p:style>
+        <p:txBody>
+          <a:bodyPr rtlCol="0" anchor="ctr"/>
+          <a:lstStyle/>
+          <a:p>
+            <a:pPr algn="ctr"/>
+            <a:r>
+              <a:rPr lang="en-US" altLang="zh-CN" sz="1350"/>
+              <a:t>value</a:t>
+            </a:r>
+            <a:endParaRPr lang="zh-CN" altLang="en-US" sz="1350"/>
+          </a:p>
+        </p:txBody>
+      </p:sp>
+      <p:sp>
+        <p:nvSpPr>
+          <p:cNvPr id="59" name="矩形 58">
+            <a:extLst>
+              <a:ext uri="{FF2B5EF4-FFF2-40B4-BE49-F238E27FC236}">
+                <a16:creationId xmlns:a16="http://schemas.microsoft.com/office/drawing/2014/main" id="{0092E531-3BCB-423C-8C58-42510635193F}"/>
+              </a:ext>
+            </a:extLst>
+          </p:cNvPr>
+          <p:cNvSpPr/>
+          <p:nvPr/>
+        </p:nvSpPr>
+        <p:spPr>
+          <a:xfrm>
+            <a:off x="15756812" y="9719465"/>
+            <a:ext cx="1038225" cy="276999"/>
+          </a:xfrm>
+          <a:prstGeom prst="rect">
+            <a:avLst/>
+          </a:prstGeom>
+        </p:spPr>
+        <p:style>
+          <a:lnRef idx="2">
+            <a:schemeClr val="accent1">
+              <a:shade val="50000"/>
+            </a:schemeClr>
+          </a:lnRef>
+          <a:fillRef idx="1">
+            <a:schemeClr val="accent1"/>
+          </a:fillRef>
+          <a:effectRef idx="0">
+            <a:schemeClr val="accent1"/>
+          </a:effectRef>
+          <a:fontRef idx="minor">
+            <a:schemeClr val="lt1"/>
+          </a:fontRef>
+        </p:style>
+        <p:txBody>
+          <a:bodyPr rtlCol="0" anchor="ctr"/>
+          <a:lstStyle/>
+          <a:p>
+            <a:pPr algn="ctr"/>
+            <a:r>
+              <a:rPr lang="en-US" altLang="zh-CN" sz="1050"/>
+              <a:t>QemuOpts     *</a:t>
+            </a:r>
+            <a:endParaRPr lang="zh-CN" altLang="en-US" sz="1050"/>
+          </a:p>
+        </p:txBody>
+      </p:sp>
+      <p:sp>
+        <p:nvSpPr>
+          <p:cNvPr id="60" name="矩形 59">
+            <a:extLst>
+              <a:ext uri="{FF2B5EF4-FFF2-40B4-BE49-F238E27FC236}">
+                <a16:creationId xmlns:a16="http://schemas.microsoft.com/office/drawing/2014/main" id="{D1F61049-48CD-4036-93BB-7EFF52B7033C}"/>
+              </a:ext>
+            </a:extLst>
+          </p:cNvPr>
+          <p:cNvSpPr/>
+          <p:nvPr/>
+        </p:nvSpPr>
+        <p:spPr>
+          <a:xfrm>
+            <a:off x="15756812" y="9965061"/>
+            <a:ext cx="1038225" cy="276999"/>
+          </a:xfrm>
+          <a:prstGeom prst="rect">
+            <a:avLst/>
+          </a:prstGeom>
+        </p:spPr>
+        <p:style>
+          <a:lnRef idx="2">
+            <a:schemeClr val="accent1">
+              <a:shade val="50000"/>
+            </a:schemeClr>
+          </a:lnRef>
+          <a:fillRef idx="1">
+            <a:schemeClr val="accent1"/>
+          </a:fillRef>
+          <a:effectRef idx="0">
+            <a:schemeClr val="accent1"/>
+          </a:effectRef>
+          <a:fontRef idx="minor">
+            <a:schemeClr val="lt1"/>
+          </a:fontRef>
+        </p:style>
+        <p:txBody>
+          <a:bodyPr rtlCol="0" anchor="ctr"/>
+          <a:lstStyle/>
+          <a:p>
+            <a:pPr algn="ctr"/>
+            <a:r>
+              <a:rPr lang="en-US" altLang="zh-CN" sz="1050"/>
+              <a:t>next</a:t>
+            </a:r>
+            <a:endParaRPr lang="zh-CN" altLang="en-US" sz="1050"/>
+          </a:p>
+        </p:txBody>
+      </p:sp>
+      <p:sp>
+        <p:nvSpPr>
+          <p:cNvPr id="68" name="矩形 67">
+            <a:extLst>
+              <a:ext uri="{FF2B5EF4-FFF2-40B4-BE49-F238E27FC236}">
+                <a16:creationId xmlns:a16="http://schemas.microsoft.com/office/drawing/2014/main" id="{F09E70C3-F9C7-43FE-9F44-98050A2AFDDC}"/>
+              </a:ext>
+            </a:extLst>
+          </p:cNvPr>
+          <p:cNvSpPr/>
+          <p:nvPr/>
+        </p:nvSpPr>
+        <p:spPr>
+          <a:xfrm>
+            <a:off x="18925414" y="8592418"/>
+            <a:ext cx="1038225" cy="276999"/>
+          </a:xfrm>
+          <a:prstGeom prst="rect">
+            <a:avLst/>
+          </a:prstGeom>
+        </p:spPr>
+        <p:style>
+          <a:lnRef idx="2">
+            <a:schemeClr val="accent1">
+              <a:shade val="50000"/>
+            </a:schemeClr>
+          </a:lnRef>
+          <a:fillRef idx="1">
+            <a:schemeClr val="accent1"/>
+          </a:fillRef>
+          <a:effectRef idx="0">
+            <a:schemeClr val="accent1"/>
+          </a:effectRef>
+          <a:fontRef idx="minor">
+            <a:schemeClr val="lt1"/>
+          </a:fontRef>
+        </p:style>
+        <p:txBody>
+          <a:bodyPr rtlCol="0" anchor="ctr"/>
+          <a:lstStyle/>
+          <a:p>
+            <a:pPr algn="ctr"/>
+            <a:r>
+              <a:rPr lang="en-US" altLang="zh-CN" sz="1350"/>
+              <a:t>name</a:t>
+            </a:r>
+            <a:endParaRPr lang="zh-CN" altLang="en-US" sz="1350"/>
+          </a:p>
+        </p:txBody>
+      </p:sp>
+      <p:sp>
+        <p:nvSpPr>
+          <p:cNvPr id="69" name="文本框 68">
+            <a:extLst>
+              <a:ext uri="{FF2B5EF4-FFF2-40B4-BE49-F238E27FC236}">
+                <a16:creationId xmlns:a16="http://schemas.microsoft.com/office/drawing/2014/main" id="{08060BFF-A8D1-4CA6-A720-B851D5EAA368}"/>
+              </a:ext>
+            </a:extLst>
+          </p:cNvPr>
+          <p:cNvSpPr txBox="1"/>
+          <p:nvPr/>
+        </p:nvSpPr>
+        <p:spPr>
+          <a:xfrm>
+            <a:off x="18963514" y="8315419"/>
+            <a:ext cx="1000125" cy="300082"/>
+          </a:xfrm>
+          <a:prstGeom prst="rect">
+            <a:avLst/>
+          </a:prstGeom>
+          <a:noFill/>
+        </p:spPr>
+        <p:txBody>
+          <a:bodyPr wrap="square">
+            <a:spAutoFit/>
+          </a:bodyPr>
+          <a:lstStyle/>
+          <a:p>
+            <a:r>
+              <a:rPr lang="zh-CN" altLang="en-US" sz="1350"/>
+              <a:t>QemuOpt</a:t>
+            </a:r>
+          </a:p>
+        </p:txBody>
+      </p:sp>
+      <p:sp>
+        <p:nvSpPr>
+          <p:cNvPr id="70" name="矩形 69">
+            <a:extLst>
+              <a:ext uri="{FF2B5EF4-FFF2-40B4-BE49-F238E27FC236}">
+                <a16:creationId xmlns:a16="http://schemas.microsoft.com/office/drawing/2014/main" id="{688F8E44-5FA4-4553-9CC1-253E40A04679}"/>
+              </a:ext>
+            </a:extLst>
+          </p:cNvPr>
+          <p:cNvSpPr/>
+          <p:nvPr/>
+        </p:nvSpPr>
+        <p:spPr>
+          <a:xfrm>
+            <a:off x="18925414" y="8869417"/>
+            <a:ext cx="1038225" cy="276999"/>
+          </a:xfrm>
+          <a:prstGeom prst="rect">
+            <a:avLst/>
+          </a:prstGeom>
+        </p:spPr>
+        <p:style>
+          <a:lnRef idx="2">
+            <a:schemeClr val="accent1">
+              <a:shade val="50000"/>
+            </a:schemeClr>
+          </a:lnRef>
+          <a:fillRef idx="1">
+            <a:schemeClr val="accent1"/>
+          </a:fillRef>
+          <a:effectRef idx="0">
+            <a:schemeClr val="accent1"/>
+          </a:effectRef>
+          <a:fontRef idx="minor">
+            <a:schemeClr val="lt1"/>
+          </a:fontRef>
+        </p:style>
+        <p:txBody>
+          <a:bodyPr rtlCol="0" anchor="ctr"/>
+          <a:lstStyle/>
+          <a:p>
+            <a:pPr algn="ctr"/>
+            <a:r>
+              <a:rPr lang="en-US" altLang="zh-CN" sz="1350"/>
+              <a:t>str</a:t>
+            </a:r>
+            <a:endParaRPr lang="zh-CN" altLang="en-US" sz="1350"/>
+          </a:p>
+        </p:txBody>
+      </p:sp>
+      <p:sp>
+        <p:nvSpPr>
+          <p:cNvPr id="71" name="矩形 70">
+            <a:extLst>
+              <a:ext uri="{FF2B5EF4-FFF2-40B4-BE49-F238E27FC236}">
+                <a16:creationId xmlns:a16="http://schemas.microsoft.com/office/drawing/2014/main" id="{1E9A552F-E901-4554-93A4-C02F1F412B2D}"/>
+              </a:ext>
+            </a:extLst>
+          </p:cNvPr>
+          <p:cNvSpPr/>
+          <p:nvPr/>
+        </p:nvSpPr>
+        <p:spPr>
+          <a:xfrm>
+            <a:off x="18925414" y="9146416"/>
+            <a:ext cx="1038225" cy="276999"/>
+          </a:xfrm>
+          <a:prstGeom prst="rect">
+            <a:avLst/>
+          </a:prstGeom>
+        </p:spPr>
+        <p:style>
+          <a:lnRef idx="2">
+            <a:schemeClr val="accent1">
+              <a:shade val="50000"/>
+            </a:schemeClr>
+          </a:lnRef>
+          <a:fillRef idx="1">
+            <a:schemeClr val="accent1"/>
+          </a:fillRef>
+          <a:effectRef idx="0">
+            <a:schemeClr val="accent1"/>
+          </a:effectRef>
+          <a:fontRef idx="minor">
+            <a:schemeClr val="lt1"/>
+          </a:fontRef>
+        </p:style>
+        <p:txBody>
+          <a:bodyPr rtlCol="0" anchor="ctr"/>
+          <a:lstStyle/>
+          <a:p>
+            <a:pPr algn="ctr"/>
+            <a:r>
+              <a:rPr lang="en-US" altLang="zh-CN" sz="1350"/>
+              <a:t>desc</a:t>
+            </a:r>
+            <a:endParaRPr lang="zh-CN" altLang="en-US" sz="1350"/>
+          </a:p>
+        </p:txBody>
+      </p:sp>
+      <p:sp>
+        <p:nvSpPr>
+          <p:cNvPr id="72" name="矩形 71">
+            <a:extLst>
+              <a:ext uri="{FF2B5EF4-FFF2-40B4-BE49-F238E27FC236}">
+                <a16:creationId xmlns:a16="http://schemas.microsoft.com/office/drawing/2014/main" id="{B7AF07AA-3B99-4F59-A805-BDD8626E107D}"/>
+              </a:ext>
+            </a:extLst>
+          </p:cNvPr>
+          <p:cNvSpPr/>
+          <p:nvPr/>
+        </p:nvSpPr>
+        <p:spPr>
+          <a:xfrm>
+            <a:off x="18925414" y="9392013"/>
+            <a:ext cx="1038225" cy="276999"/>
+          </a:xfrm>
+          <a:prstGeom prst="rect">
+            <a:avLst/>
+          </a:prstGeom>
+        </p:spPr>
+        <p:style>
+          <a:lnRef idx="2">
+            <a:schemeClr val="accent1">
+              <a:shade val="50000"/>
+            </a:schemeClr>
+          </a:lnRef>
+          <a:fillRef idx="1">
+            <a:schemeClr val="accent1"/>
+          </a:fillRef>
+          <a:effectRef idx="0">
+            <a:schemeClr val="accent1"/>
+          </a:effectRef>
+          <a:fontRef idx="minor">
+            <a:schemeClr val="lt1"/>
+          </a:fontRef>
+        </p:style>
+        <p:txBody>
+          <a:bodyPr rtlCol="0" anchor="ctr"/>
+          <a:lstStyle/>
+          <a:p>
+            <a:pPr algn="ctr"/>
+            <a:r>
+              <a:rPr lang="en-US" altLang="zh-CN" sz="1350"/>
+              <a:t>value</a:t>
+            </a:r>
+            <a:endParaRPr lang="zh-CN" altLang="en-US" sz="1350"/>
+          </a:p>
+        </p:txBody>
+      </p:sp>
+      <p:sp>
+        <p:nvSpPr>
+          <p:cNvPr id="73" name="矩形 72">
+            <a:extLst>
+              <a:ext uri="{FF2B5EF4-FFF2-40B4-BE49-F238E27FC236}">
+                <a16:creationId xmlns:a16="http://schemas.microsoft.com/office/drawing/2014/main" id="{0F4889D8-6EBC-420C-AC6C-511F7AA3B9A0}"/>
+              </a:ext>
+            </a:extLst>
+          </p:cNvPr>
+          <p:cNvSpPr/>
+          <p:nvPr/>
+        </p:nvSpPr>
+        <p:spPr>
+          <a:xfrm>
+            <a:off x="18925414" y="9669012"/>
+            <a:ext cx="1038225" cy="276999"/>
+          </a:xfrm>
+          <a:prstGeom prst="rect">
+            <a:avLst/>
+          </a:prstGeom>
+        </p:spPr>
+        <p:style>
+          <a:lnRef idx="2">
+            <a:schemeClr val="accent1">
+              <a:shade val="50000"/>
+            </a:schemeClr>
+          </a:lnRef>
+          <a:fillRef idx="1">
+            <a:schemeClr val="accent1"/>
+          </a:fillRef>
+          <a:effectRef idx="0">
+            <a:schemeClr val="accent1"/>
+          </a:effectRef>
+          <a:fontRef idx="minor">
+            <a:schemeClr val="lt1"/>
+          </a:fontRef>
+        </p:style>
+        <p:txBody>
+          <a:bodyPr rtlCol="0" anchor="ctr"/>
+          <a:lstStyle/>
+          <a:p>
+            <a:pPr algn="ctr"/>
+            <a:r>
+              <a:rPr lang="en-US" altLang="zh-CN" sz="1050"/>
+              <a:t>QemuOpts     *</a:t>
+            </a:r>
+            <a:endParaRPr lang="zh-CN" altLang="en-US" sz="1050"/>
+          </a:p>
+        </p:txBody>
+      </p:sp>
+      <p:sp>
+        <p:nvSpPr>
+          <p:cNvPr id="74" name="矩形 73">
+            <a:extLst>
+              <a:ext uri="{FF2B5EF4-FFF2-40B4-BE49-F238E27FC236}">
+                <a16:creationId xmlns:a16="http://schemas.microsoft.com/office/drawing/2014/main" id="{0F949387-6677-4FE2-BF5C-F18FF054B49D}"/>
+              </a:ext>
+            </a:extLst>
+          </p:cNvPr>
+          <p:cNvSpPr/>
+          <p:nvPr/>
+        </p:nvSpPr>
+        <p:spPr>
+          <a:xfrm>
+            <a:off x="18925414" y="9914608"/>
+            <a:ext cx="1038225" cy="276999"/>
+          </a:xfrm>
+          <a:prstGeom prst="rect">
+            <a:avLst/>
+          </a:prstGeom>
+        </p:spPr>
+        <p:style>
+          <a:lnRef idx="2">
+            <a:schemeClr val="accent1">
+              <a:shade val="50000"/>
+            </a:schemeClr>
+          </a:lnRef>
+          <a:fillRef idx="1">
+            <a:schemeClr val="accent1"/>
+          </a:fillRef>
+          <a:effectRef idx="0">
+            <a:schemeClr val="accent1"/>
+          </a:effectRef>
+          <a:fontRef idx="minor">
+            <a:schemeClr val="lt1"/>
+          </a:fontRef>
+        </p:style>
+        <p:txBody>
+          <a:bodyPr rtlCol="0" anchor="ctr"/>
+          <a:lstStyle/>
+          <a:p>
+            <a:pPr algn="ctr"/>
+            <a:r>
+              <a:rPr lang="en-US" altLang="zh-CN" sz="1050"/>
+              <a:t>next</a:t>
+            </a:r>
+            <a:endParaRPr lang="zh-CN" altLang="en-US" sz="1050"/>
+          </a:p>
+        </p:txBody>
+      </p:sp>
+      <p:sp>
+        <p:nvSpPr>
+          <p:cNvPr id="75" name="矩形 74">
+            <a:extLst>
+              <a:ext uri="{FF2B5EF4-FFF2-40B4-BE49-F238E27FC236}">
+                <a16:creationId xmlns:a16="http://schemas.microsoft.com/office/drawing/2014/main" id="{8C55E0D1-E586-460E-8EB3-BBF2F2267FF2}"/>
+              </a:ext>
+            </a:extLst>
+          </p:cNvPr>
+          <p:cNvSpPr/>
+          <p:nvPr/>
+        </p:nvSpPr>
+        <p:spPr>
+          <a:xfrm>
+            <a:off x="22155729" y="8611468"/>
+            <a:ext cx="1038225" cy="276999"/>
+          </a:xfrm>
+          <a:prstGeom prst="rect">
+            <a:avLst/>
+          </a:prstGeom>
+        </p:spPr>
+        <p:style>
+          <a:lnRef idx="2">
+            <a:schemeClr val="accent1">
+              <a:shade val="50000"/>
+            </a:schemeClr>
+          </a:lnRef>
+          <a:fillRef idx="1">
+            <a:schemeClr val="accent1"/>
+          </a:fillRef>
+          <a:effectRef idx="0">
+            <a:schemeClr val="accent1"/>
+          </a:effectRef>
+          <a:fontRef idx="minor">
+            <a:schemeClr val="lt1"/>
+          </a:fontRef>
+        </p:style>
+        <p:txBody>
+          <a:bodyPr rtlCol="0" anchor="ctr"/>
+          <a:lstStyle/>
+          <a:p>
+            <a:pPr algn="ctr"/>
+            <a:r>
+              <a:rPr lang="en-US" altLang="zh-CN" sz="1350"/>
+              <a:t>name</a:t>
+            </a:r>
+            <a:endParaRPr lang="zh-CN" altLang="en-US" sz="1350"/>
+          </a:p>
+        </p:txBody>
+      </p:sp>
+      <p:sp>
+        <p:nvSpPr>
+          <p:cNvPr id="76" name="文本框 75">
+            <a:extLst>
+              <a:ext uri="{FF2B5EF4-FFF2-40B4-BE49-F238E27FC236}">
+                <a16:creationId xmlns:a16="http://schemas.microsoft.com/office/drawing/2014/main" id="{55493F54-7724-44DE-B44B-18F7438A661D}"/>
+              </a:ext>
+            </a:extLst>
+          </p:cNvPr>
+          <p:cNvSpPr txBox="1"/>
+          <p:nvPr/>
+        </p:nvSpPr>
+        <p:spPr>
+          <a:xfrm>
+            <a:off x="22193829" y="8334469"/>
+            <a:ext cx="1000125" cy="300082"/>
+          </a:xfrm>
+          <a:prstGeom prst="rect">
+            <a:avLst/>
+          </a:prstGeom>
+          <a:noFill/>
+        </p:spPr>
+        <p:txBody>
+          <a:bodyPr wrap="square">
+            <a:spAutoFit/>
+          </a:bodyPr>
+          <a:lstStyle/>
+          <a:p>
+            <a:r>
+              <a:rPr lang="zh-CN" altLang="en-US" sz="1350"/>
+              <a:t>QemuOpt</a:t>
+            </a:r>
+          </a:p>
+        </p:txBody>
+      </p:sp>
+      <p:sp>
+        <p:nvSpPr>
+          <p:cNvPr id="77" name="矩形 76">
+            <a:extLst>
+              <a:ext uri="{FF2B5EF4-FFF2-40B4-BE49-F238E27FC236}">
+                <a16:creationId xmlns:a16="http://schemas.microsoft.com/office/drawing/2014/main" id="{C742CBCD-E3C4-493E-9272-1817CE998F25}"/>
+              </a:ext>
+            </a:extLst>
+          </p:cNvPr>
+          <p:cNvSpPr/>
+          <p:nvPr/>
+        </p:nvSpPr>
+        <p:spPr>
+          <a:xfrm>
+            <a:off x="22155729" y="8888467"/>
+            <a:ext cx="1038225" cy="276999"/>
+          </a:xfrm>
+          <a:prstGeom prst="rect">
+            <a:avLst/>
+          </a:prstGeom>
+        </p:spPr>
+        <p:style>
+          <a:lnRef idx="2">
+            <a:schemeClr val="accent1">
+              <a:shade val="50000"/>
+            </a:schemeClr>
+          </a:lnRef>
+          <a:fillRef idx="1">
+            <a:schemeClr val="accent1"/>
+          </a:fillRef>
+          <a:effectRef idx="0">
+            <a:schemeClr val="accent1"/>
+          </a:effectRef>
+          <a:fontRef idx="minor">
+            <a:schemeClr val="lt1"/>
+          </a:fontRef>
+        </p:style>
+        <p:txBody>
+          <a:bodyPr rtlCol="0" anchor="ctr"/>
+          <a:lstStyle/>
+          <a:p>
+            <a:pPr algn="ctr"/>
+            <a:r>
+              <a:rPr lang="en-US" altLang="zh-CN" sz="1350"/>
+              <a:t>str</a:t>
+            </a:r>
+            <a:endParaRPr lang="zh-CN" altLang="en-US" sz="1350"/>
+          </a:p>
+        </p:txBody>
+      </p:sp>
+      <p:sp>
+        <p:nvSpPr>
+          <p:cNvPr id="78" name="矩形 77">
+            <a:extLst>
+              <a:ext uri="{FF2B5EF4-FFF2-40B4-BE49-F238E27FC236}">
+                <a16:creationId xmlns:a16="http://schemas.microsoft.com/office/drawing/2014/main" id="{D796C32B-B23A-4E85-91E9-42A42C5C4FED}"/>
+              </a:ext>
+            </a:extLst>
+          </p:cNvPr>
+          <p:cNvSpPr/>
+          <p:nvPr/>
+        </p:nvSpPr>
+        <p:spPr>
+          <a:xfrm>
+            <a:off x="22155729" y="9165466"/>
+            <a:ext cx="1038225" cy="276999"/>
+          </a:xfrm>
+          <a:prstGeom prst="rect">
+            <a:avLst/>
+          </a:prstGeom>
+        </p:spPr>
+        <p:style>
+          <a:lnRef idx="2">
+            <a:schemeClr val="accent1">
+              <a:shade val="50000"/>
+            </a:schemeClr>
+          </a:lnRef>
+          <a:fillRef idx="1">
+            <a:schemeClr val="accent1"/>
+          </a:fillRef>
+          <a:effectRef idx="0">
+            <a:schemeClr val="accent1"/>
+          </a:effectRef>
+          <a:fontRef idx="minor">
+            <a:schemeClr val="lt1"/>
+          </a:fontRef>
+        </p:style>
+        <p:txBody>
+          <a:bodyPr rtlCol="0" anchor="ctr"/>
+          <a:lstStyle/>
+          <a:p>
+            <a:pPr algn="ctr"/>
+            <a:r>
+              <a:rPr lang="en-US" altLang="zh-CN" sz="1350"/>
+              <a:t>desc</a:t>
+            </a:r>
+            <a:endParaRPr lang="zh-CN" altLang="en-US" sz="1350"/>
+          </a:p>
+        </p:txBody>
+      </p:sp>
+      <p:sp>
+        <p:nvSpPr>
+          <p:cNvPr id="79" name="矩形 78">
+            <a:extLst>
+              <a:ext uri="{FF2B5EF4-FFF2-40B4-BE49-F238E27FC236}">
+                <a16:creationId xmlns:a16="http://schemas.microsoft.com/office/drawing/2014/main" id="{C4AC2F19-3671-4B95-8F35-BE3F55F6B51A}"/>
+              </a:ext>
+            </a:extLst>
+          </p:cNvPr>
+          <p:cNvSpPr/>
+          <p:nvPr/>
+        </p:nvSpPr>
+        <p:spPr>
+          <a:xfrm>
+            <a:off x="22155729" y="9411063"/>
+            <a:ext cx="1038225" cy="276999"/>
+          </a:xfrm>
+          <a:prstGeom prst="rect">
+            <a:avLst/>
+          </a:prstGeom>
+        </p:spPr>
+        <p:style>
+          <a:lnRef idx="2">
+            <a:schemeClr val="accent1">
+              <a:shade val="50000"/>
+            </a:schemeClr>
+          </a:lnRef>
+          <a:fillRef idx="1">
+            <a:schemeClr val="accent1"/>
+          </a:fillRef>
+          <a:effectRef idx="0">
+            <a:schemeClr val="accent1"/>
+          </a:effectRef>
+          <a:fontRef idx="minor">
+            <a:schemeClr val="lt1"/>
+          </a:fontRef>
+        </p:style>
+        <p:txBody>
+          <a:bodyPr rtlCol="0" anchor="ctr"/>
+          <a:lstStyle/>
+          <a:p>
+            <a:pPr algn="ctr"/>
+            <a:r>
+              <a:rPr lang="en-US" altLang="zh-CN" sz="1350"/>
+              <a:t>value</a:t>
+            </a:r>
+            <a:endParaRPr lang="zh-CN" altLang="en-US" sz="1350"/>
+          </a:p>
+        </p:txBody>
+      </p:sp>
+      <p:sp>
+        <p:nvSpPr>
+          <p:cNvPr id="80" name="矩形 79">
+            <a:extLst>
+              <a:ext uri="{FF2B5EF4-FFF2-40B4-BE49-F238E27FC236}">
+                <a16:creationId xmlns:a16="http://schemas.microsoft.com/office/drawing/2014/main" id="{A02CFE6B-5C66-4F8D-AA41-B401D57C7B8A}"/>
+              </a:ext>
+            </a:extLst>
+          </p:cNvPr>
+          <p:cNvSpPr/>
+          <p:nvPr/>
+        </p:nvSpPr>
+        <p:spPr>
+          <a:xfrm>
+            <a:off x="22155729" y="9688062"/>
+            <a:ext cx="1038225" cy="276999"/>
+          </a:xfrm>
+          <a:prstGeom prst="rect">
+            <a:avLst/>
+          </a:prstGeom>
+        </p:spPr>
+        <p:style>
+          <a:lnRef idx="2">
+            <a:schemeClr val="accent1">
+              <a:shade val="50000"/>
+            </a:schemeClr>
+          </a:lnRef>
+          <a:fillRef idx="1">
+            <a:schemeClr val="accent1"/>
+          </a:fillRef>
+          <a:effectRef idx="0">
+            <a:schemeClr val="accent1"/>
+          </a:effectRef>
+          <a:fontRef idx="minor">
+            <a:schemeClr val="lt1"/>
+          </a:fontRef>
+        </p:style>
+        <p:txBody>
+          <a:bodyPr rtlCol="0" anchor="ctr"/>
+          <a:lstStyle/>
+          <a:p>
+            <a:pPr algn="ctr"/>
+            <a:r>
+              <a:rPr lang="en-US" altLang="zh-CN" sz="1050"/>
+              <a:t>QemuOpts     *</a:t>
+            </a:r>
+            <a:endParaRPr lang="zh-CN" altLang="en-US" sz="1050"/>
+          </a:p>
+        </p:txBody>
+      </p:sp>
+      <p:sp>
+        <p:nvSpPr>
+          <p:cNvPr id="81" name="矩形 80">
+            <a:extLst>
+              <a:ext uri="{FF2B5EF4-FFF2-40B4-BE49-F238E27FC236}">
+                <a16:creationId xmlns:a16="http://schemas.microsoft.com/office/drawing/2014/main" id="{F9BA102D-8CD6-4A01-A9C1-0E7CDFB00B8C}"/>
+              </a:ext>
+            </a:extLst>
+          </p:cNvPr>
+          <p:cNvSpPr/>
+          <p:nvPr/>
+        </p:nvSpPr>
+        <p:spPr>
+          <a:xfrm>
+            <a:off x="22155729" y="9933658"/>
+            <a:ext cx="1038225" cy="276999"/>
+          </a:xfrm>
+          <a:prstGeom prst="rect">
+            <a:avLst/>
+          </a:prstGeom>
+        </p:spPr>
+        <p:style>
+          <a:lnRef idx="2">
+            <a:schemeClr val="accent1">
+              <a:shade val="50000"/>
+            </a:schemeClr>
+          </a:lnRef>
+          <a:fillRef idx="1">
+            <a:schemeClr val="accent1"/>
+          </a:fillRef>
+          <a:effectRef idx="0">
+            <a:schemeClr val="accent1"/>
+          </a:effectRef>
+          <a:fontRef idx="minor">
+            <a:schemeClr val="lt1"/>
+          </a:fontRef>
+        </p:style>
+        <p:txBody>
+          <a:bodyPr rtlCol="0" anchor="ctr"/>
+          <a:lstStyle/>
+          <a:p>
+            <a:pPr algn="ctr"/>
+            <a:r>
+              <a:rPr lang="en-US" altLang="zh-CN" sz="1050"/>
+              <a:t>next</a:t>
+            </a:r>
+            <a:endParaRPr lang="zh-CN" altLang="en-US" sz="1050"/>
+          </a:p>
+        </p:txBody>
+      </p:sp>
+      <p:sp>
+        <p:nvSpPr>
+          <p:cNvPr id="2" name="文本框 1">
+            <a:extLst>
+              <a:ext uri="{FF2B5EF4-FFF2-40B4-BE49-F238E27FC236}">
+                <a16:creationId xmlns:a16="http://schemas.microsoft.com/office/drawing/2014/main" id="{9CEC34E3-0CC1-4919-97CB-AC3118E21569}"/>
+              </a:ext>
+            </a:extLst>
+          </p:cNvPr>
+          <p:cNvSpPr txBox="1"/>
+          <p:nvPr/>
+        </p:nvSpPr>
+        <p:spPr>
+          <a:xfrm>
+            <a:off x="17344054" y="4753994"/>
+            <a:ext cx="1316262" cy="300082"/>
+          </a:xfrm>
+          <a:prstGeom prst="rect">
+            <a:avLst/>
+          </a:prstGeom>
+          <a:noFill/>
+        </p:spPr>
+        <p:txBody>
+          <a:bodyPr wrap="square" rtlCol="0">
+            <a:spAutoFit/>
+          </a:bodyPr>
+          <a:lstStyle/>
+          <a:p>
+            <a:r>
+              <a:rPr lang="en-US" altLang="zh-CN" sz="1350"/>
+              <a:t>QemuOptsList</a:t>
+            </a:r>
+            <a:endParaRPr lang="zh-CN" altLang="en-US" sz="1350"/>
+          </a:p>
+        </p:txBody>
+      </p:sp>
       <p:cxnSp>
         <p:nvCxnSpPr>
-          <p:cNvPr id="32" name="直接箭头连接符 31">
-            <a:extLst>
-              <a:ext uri="{FF2B5EF4-FFF2-40B4-BE49-F238E27FC236}">
-                <a16:creationId xmlns:a16="http://schemas.microsoft.com/office/drawing/2014/main" id="{E61CAD03-C1FF-4608-88C5-0BC9046E1737}"/>
+          <p:cNvPr id="5" name="直接箭头连接符 4">
+            <a:extLst>
+              <a:ext uri="{FF2B5EF4-FFF2-40B4-BE49-F238E27FC236}">
+                <a16:creationId xmlns:a16="http://schemas.microsoft.com/office/drawing/2014/main" id="{B8AFCA78-02DA-4189-A4A3-C6B8AEFD6D50}"/>
               </a:ext>
             </a:extLst>
           </p:cNvPr>
           <p:cNvCxnSpPr>
+            <a:stCxn id="35" idx="3"/>
+            <a:endCxn id="45" idx="1"/>
+          </p:cNvCxnSpPr>
+          <p:nvPr/>
+        </p:nvCxnSpPr>
+        <p:spPr>
+          <a:xfrm>
+            <a:off x="15338682" y="7749102"/>
+            <a:ext cx="5010488" cy="0"/>
+          </a:xfrm>
+          <a:prstGeom prst="straightConnector1">
+            <a:avLst/>
+          </a:prstGeom>
+          <a:ln>
+            <a:headEnd type="triangle"/>
+            <a:tailEnd type="triangle"/>
+          </a:ln>
+        </p:spPr>
+        <p:style>
+          <a:lnRef idx="3">
+            <a:schemeClr val="accent2"/>
+          </a:lnRef>
+          <a:fillRef idx="0">
+            <a:schemeClr val="accent2"/>
+          </a:fillRef>
+          <a:effectRef idx="2">
+            <a:schemeClr val="accent2"/>
+          </a:effectRef>
+          <a:fontRef idx="minor">
+            <a:schemeClr val="tx1"/>
+          </a:fontRef>
+        </p:style>
+      </p:cxnSp>
+      <p:cxnSp>
+        <p:nvCxnSpPr>
+          <p:cNvPr id="8" name="连接符: 肘形 7">
+            <a:extLst>
+              <a:ext uri="{FF2B5EF4-FFF2-40B4-BE49-F238E27FC236}">
+                <a16:creationId xmlns:a16="http://schemas.microsoft.com/office/drawing/2014/main" id="{2A551467-B7ED-4CFB-9788-9072364A7AD7}"/>
+              </a:ext>
+            </a:extLst>
+          </p:cNvPr>
+          <p:cNvCxnSpPr>
+            <a:stCxn id="35" idx="1"/>
+            <a:endCxn id="11" idx="1"/>
+          </p:cNvCxnSpPr>
+          <p:nvPr/>
+        </p:nvCxnSpPr>
+        <p:spPr>
+          <a:xfrm rot="10800000" flipH="1">
+            <a:off x="14195681" y="5787340"/>
+            <a:ext cx="3265483" cy="1961762"/>
+          </a:xfrm>
+          <a:prstGeom prst="bentConnector3">
+            <a:avLst>
+              <a:gd name="adj1" fmla="val -7000"/>
+            </a:avLst>
+          </a:prstGeom>
+          <a:ln>
+            <a:headEnd type="triangle"/>
+            <a:tailEnd type="triangle"/>
+          </a:ln>
+        </p:spPr>
+        <p:style>
+          <a:lnRef idx="3">
+            <a:schemeClr val="accent2"/>
+          </a:lnRef>
+          <a:fillRef idx="0">
+            <a:schemeClr val="accent2"/>
+          </a:fillRef>
+          <a:effectRef idx="2">
+            <a:schemeClr val="accent2"/>
+          </a:effectRef>
+          <a:fontRef idx="minor">
+            <a:schemeClr val="tx1"/>
+          </a:fontRef>
+        </p:style>
+      </p:cxnSp>
+      <p:cxnSp>
+        <p:nvCxnSpPr>
+          <p:cNvPr id="28" name="连接符: 肘形 27">
+            <a:extLst>
+              <a:ext uri="{FF2B5EF4-FFF2-40B4-BE49-F238E27FC236}">
+                <a16:creationId xmlns:a16="http://schemas.microsoft.com/office/drawing/2014/main" id="{62B0CF73-3B3C-4E2C-8890-666830C4B008}"/>
+              </a:ext>
+            </a:extLst>
+          </p:cNvPr>
+          <p:cNvCxnSpPr>
+            <a:stCxn id="45" idx="3"/>
+            <a:endCxn id="11" idx="3"/>
+          </p:cNvCxnSpPr>
+          <p:nvPr/>
+        </p:nvCxnSpPr>
+        <p:spPr>
+          <a:xfrm flipH="1" flipV="1">
+            <a:off x="18543205" y="5787340"/>
+            <a:ext cx="2948965" cy="1961762"/>
+          </a:xfrm>
+          <a:prstGeom prst="bentConnector3">
+            <a:avLst>
+              <a:gd name="adj1" fmla="val -7752"/>
+            </a:avLst>
+          </a:prstGeom>
+          <a:ln>
+            <a:headEnd type="triangle"/>
+            <a:tailEnd type="triangle"/>
+          </a:ln>
+        </p:spPr>
+        <p:style>
+          <a:lnRef idx="3">
+            <a:schemeClr val="accent2"/>
+          </a:lnRef>
+          <a:fillRef idx="0">
+            <a:schemeClr val="accent2"/>
+          </a:fillRef>
+          <a:effectRef idx="2">
+            <a:schemeClr val="accent2"/>
+          </a:effectRef>
+          <a:fontRef idx="minor">
+            <a:schemeClr val="tx1"/>
+          </a:fontRef>
+        </p:style>
+      </p:cxnSp>
+      <p:sp>
+        <p:nvSpPr>
+          <p:cNvPr id="82" name="矩形 81">
+            <a:extLst>
+              <a:ext uri="{FF2B5EF4-FFF2-40B4-BE49-F238E27FC236}">
+                <a16:creationId xmlns:a16="http://schemas.microsoft.com/office/drawing/2014/main" id="{44F89CFB-AA86-4B08-ACF2-A89A274CB40E}"/>
+              </a:ext>
+            </a:extLst>
+          </p:cNvPr>
+          <p:cNvSpPr/>
+          <p:nvPr/>
+        </p:nvSpPr>
+        <p:spPr>
+          <a:xfrm>
+            <a:off x="17461165" y="6198622"/>
+            <a:ext cx="1082040" cy="276999"/>
+          </a:xfrm>
+          <a:prstGeom prst="rect">
+            <a:avLst/>
+          </a:prstGeom>
+        </p:spPr>
+        <p:style>
+          <a:lnRef idx="2">
+            <a:schemeClr val="accent1">
+              <a:shade val="50000"/>
+            </a:schemeClr>
+          </a:lnRef>
+          <a:fillRef idx="1">
+            <a:schemeClr val="accent1"/>
+          </a:fillRef>
+          <a:effectRef idx="0">
+            <a:schemeClr val="accent1"/>
+          </a:effectRef>
+          <a:fontRef idx="minor">
+            <a:schemeClr val="lt1"/>
+          </a:fontRef>
+        </p:style>
+        <p:txBody>
+          <a:bodyPr rtlCol="0" anchor="ctr"/>
+          <a:lstStyle/>
+          <a:p>
+            <a:pPr algn="ctr"/>
+            <a:r>
+              <a:rPr lang="en-US" altLang="zh-CN" sz="1350"/>
+              <a:t>desc[xx]</a:t>
+            </a:r>
+            <a:endParaRPr lang="zh-CN" altLang="en-US" sz="1350"/>
+          </a:p>
+        </p:txBody>
+      </p:sp>
+      <p:sp>
+        <p:nvSpPr>
+          <p:cNvPr id="83" name="矩形 82">
+            <a:extLst>
+              <a:ext uri="{FF2B5EF4-FFF2-40B4-BE49-F238E27FC236}">
+                <a16:creationId xmlns:a16="http://schemas.microsoft.com/office/drawing/2014/main" id="{0EA7CD8E-86DD-4950-A5A5-E6C123A604EB}"/>
+              </a:ext>
+            </a:extLst>
+          </p:cNvPr>
+          <p:cNvSpPr/>
+          <p:nvPr/>
+        </p:nvSpPr>
+        <p:spPr>
+          <a:xfrm>
+            <a:off x="17461165" y="6473263"/>
+            <a:ext cx="1082040" cy="276999"/>
+          </a:xfrm>
+          <a:prstGeom prst="rect">
+            <a:avLst/>
+          </a:prstGeom>
+        </p:spPr>
+        <p:style>
+          <a:lnRef idx="2">
+            <a:schemeClr val="accent1">
+              <a:shade val="50000"/>
+            </a:schemeClr>
+          </a:lnRef>
+          <a:fillRef idx="1">
+            <a:schemeClr val="accent1"/>
+          </a:fillRef>
+          <a:effectRef idx="0">
+            <a:schemeClr val="accent1"/>
+          </a:effectRef>
+          <a:fontRef idx="minor">
+            <a:schemeClr val="lt1"/>
+          </a:fontRef>
+        </p:style>
+        <p:txBody>
+          <a:bodyPr rtlCol="0" anchor="ctr"/>
+          <a:lstStyle/>
+          <a:p>
+            <a:pPr algn="ctr"/>
+            <a:r>
+              <a:rPr lang="en-US" altLang="zh-CN" sz="1350"/>
+              <a:t>desc[xx]</a:t>
+            </a:r>
+            <a:endParaRPr lang="zh-CN" altLang="en-US" sz="1350"/>
+          </a:p>
+        </p:txBody>
+      </p:sp>
+      <p:sp>
+        <p:nvSpPr>
+          <p:cNvPr id="84" name="矩形 83">
+            <a:extLst>
+              <a:ext uri="{FF2B5EF4-FFF2-40B4-BE49-F238E27FC236}">
+                <a16:creationId xmlns:a16="http://schemas.microsoft.com/office/drawing/2014/main" id="{0FA1441C-755E-4A10-9840-68A127FEF193}"/>
+              </a:ext>
+            </a:extLst>
+          </p:cNvPr>
+          <p:cNvSpPr/>
+          <p:nvPr/>
+        </p:nvSpPr>
+        <p:spPr>
+          <a:xfrm>
+            <a:off x="17461165" y="6754151"/>
+            <a:ext cx="1082040" cy="276999"/>
+          </a:xfrm>
+          <a:prstGeom prst="rect">
+            <a:avLst/>
+          </a:prstGeom>
+        </p:spPr>
+        <p:style>
+          <a:lnRef idx="2">
+            <a:schemeClr val="accent1">
+              <a:shade val="50000"/>
+            </a:schemeClr>
+          </a:lnRef>
+          <a:fillRef idx="1">
+            <a:schemeClr val="accent1"/>
+          </a:fillRef>
+          <a:effectRef idx="0">
+            <a:schemeClr val="accent1"/>
+          </a:effectRef>
+          <a:fontRef idx="minor">
+            <a:schemeClr val="lt1"/>
+          </a:fontRef>
+        </p:style>
+        <p:txBody>
+          <a:bodyPr rtlCol="0" anchor="ctr"/>
+          <a:lstStyle/>
+          <a:p>
+            <a:pPr algn="ctr"/>
+            <a:r>
+              <a:rPr lang="en-US" altLang="zh-CN" sz="1350"/>
+              <a:t>desc[xx]</a:t>
+            </a:r>
+            <a:endParaRPr lang="zh-CN" altLang="en-US" sz="1350"/>
+          </a:p>
+        </p:txBody>
+      </p:sp>
+      <p:sp>
+        <p:nvSpPr>
+          <p:cNvPr id="92" name="矩形 91">
+            <a:extLst>
+              <a:ext uri="{FF2B5EF4-FFF2-40B4-BE49-F238E27FC236}">
+                <a16:creationId xmlns:a16="http://schemas.microsoft.com/office/drawing/2014/main" id="{0315D14E-FB9D-454C-96D5-2E6AF682A841}"/>
+              </a:ext>
+            </a:extLst>
+          </p:cNvPr>
+          <p:cNvSpPr/>
+          <p:nvPr/>
+        </p:nvSpPr>
+        <p:spPr>
+          <a:xfrm>
+            <a:off x="17461165" y="7036666"/>
+            <a:ext cx="1082040" cy="276999"/>
+          </a:xfrm>
+          <a:prstGeom prst="rect">
+            <a:avLst/>
+          </a:prstGeom>
+        </p:spPr>
+        <p:style>
+          <a:lnRef idx="2">
+            <a:schemeClr val="accent1">
+              <a:shade val="50000"/>
+            </a:schemeClr>
+          </a:lnRef>
+          <a:fillRef idx="1">
+            <a:schemeClr val="accent1"/>
+          </a:fillRef>
+          <a:effectRef idx="0">
+            <a:schemeClr val="accent1"/>
+          </a:effectRef>
+          <a:fontRef idx="minor">
+            <a:schemeClr val="lt1"/>
+          </a:fontRef>
+        </p:style>
+        <p:txBody>
+          <a:bodyPr rtlCol="0" anchor="ctr"/>
+          <a:lstStyle/>
+          <a:p>
+            <a:pPr algn="ctr"/>
+            <a:r>
+              <a:rPr lang="en-US" altLang="zh-CN" sz="1350"/>
+              <a:t>desc[…]</a:t>
+            </a:r>
+            <a:endParaRPr lang="zh-CN" altLang="en-US" sz="1350"/>
+          </a:p>
+        </p:txBody>
+      </p:sp>
+      <p:cxnSp>
+        <p:nvCxnSpPr>
+          <p:cNvPr id="36" name="连接符: 肘形 35">
+            <a:extLst>
+              <a:ext uri="{FF2B5EF4-FFF2-40B4-BE49-F238E27FC236}">
+                <a16:creationId xmlns:a16="http://schemas.microsoft.com/office/drawing/2014/main" id="{FC1E72E9-CD22-409F-ABD5-E9517B16C00B}"/>
+              </a:ext>
+            </a:extLst>
+          </p:cNvPr>
+          <p:cNvCxnSpPr>
+            <a:cxnSpLocks/>
             <a:stCxn id="22" idx="3"/>
           </p:cNvCxnSpPr>
           <p:nvPr/>
         </p:nvCxnSpPr>
         <p:spPr>
           <a:xfrm>
-            <a:off x="15414783" y="5123563"/>
-            <a:ext cx="525066" cy="0"/>
-          </a:xfrm>
-          <a:prstGeom prst="straightConnector1">
+            <a:off x="15688328" y="4295937"/>
+            <a:ext cx="1763947" cy="798824"/>
+          </a:xfrm>
+          <a:prstGeom prst="bentConnector3">
             <a:avLst/>
           </a:prstGeom>
           <a:ln>
+            <a:tailEnd type="triangle"/>
+          </a:ln>
+        </p:spPr>
+        <p:style>
+          <a:lnRef idx="1">
+            <a:schemeClr val="accent1"/>
+          </a:lnRef>
+          <a:fillRef idx="0">
+            <a:schemeClr val="accent1"/>
+          </a:fillRef>
+          <a:effectRef idx="0">
+            <a:schemeClr val="accent1"/>
+          </a:effectRef>
+          <a:fontRef idx="minor">
+            <a:schemeClr val="tx1"/>
+          </a:fontRef>
+        </p:style>
+      </p:cxnSp>
+      <p:cxnSp>
+        <p:nvCxnSpPr>
+          <p:cNvPr id="67" name="连接符: 肘形 66">
+            <a:extLst>
+              <a:ext uri="{FF2B5EF4-FFF2-40B4-BE49-F238E27FC236}">
+                <a16:creationId xmlns:a16="http://schemas.microsoft.com/office/drawing/2014/main" id="{CAC09B04-1618-4F62-A807-11F28CE92055}"/>
+              </a:ext>
+            </a:extLst>
+          </p:cNvPr>
+          <p:cNvCxnSpPr>
+            <a:cxnSpLocks/>
+            <a:stCxn id="33" idx="1"/>
+          </p:cNvCxnSpPr>
+          <p:nvPr/>
+        </p:nvCxnSpPr>
+        <p:spPr>
+          <a:xfrm rot="10800000" flipH="1">
+            <a:off x="14197109" y="5094761"/>
+            <a:ext cx="2373191" cy="2035216"/>
+          </a:xfrm>
+          <a:prstGeom prst="bentConnector3">
+            <a:avLst>
+              <a:gd name="adj1" fmla="val -21865"/>
+            </a:avLst>
+          </a:prstGeom>
+          <a:ln>
+            <a:tailEnd type="triangle"/>
+          </a:ln>
+        </p:spPr>
+        <p:style>
+          <a:lnRef idx="1">
+            <a:schemeClr val="accent1"/>
+          </a:lnRef>
+          <a:fillRef idx="0">
+            <a:schemeClr val="accent1"/>
+          </a:fillRef>
+          <a:effectRef idx="0">
+            <a:schemeClr val="accent1"/>
+          </a:effectRef>
+          <a:fontRef idx="minor">
+            <a:schemeClr val="tx1"/>
+          </a:fontRef>
+        </p:style>
+      </p:cxnSp>
+      <p:cxnSp>
+        <p:nvCxnSpPr>
+          <p:cNvPr id="99" name="连接符: 肘形 98">
+            <a:extLst>
+              <a:ext uri="{FF2B5EF4-FFF2-40B4-BE49-F238E27FC236}">
+                <a16:creationId xmlns:a16="http://schemas.microsoft.com/office/drawing/2014/main" id="{D9448BBA-9F72-41F6-A652-B78F886E0A01}"/>
+              </a:ext>
+            </a:extLst>
+          </p:cNvPr>
+          <p:cNvCxnSpPr>
+            <a:cxnSpLocks/>
+            <a:stCxn id="43" idx="3"/>
+          </p:cNvCxnSpPr>
+          <p:nvPr/>
+        </p:nvCxnSpPr>
+        <p:spPr>
+          <a:xfrm flipH="1" flipV="1">
+            <a:off x="18552095" y="5094761"/>
+            <a:ext cx="2937535" cy="2035216"/>
+          </a:xfrm>
+          <a:prstGeom prst="bentConnector3">
+            <a:avLst>
+              <a:gd name="adj1" fmla="val -23346"/>
+            </a:avLst>
+          </a:prstGeom>
+          <a:ln>
+            <a:tailEnd type="triangle"/>
+          </a:ln>
+        </p:spPr>
+        <p:style>
+          <a:lnRef idx="1">
+            <a:schemeClr val="accent1"/>
+          </a:lnRef>
+          <a:fillRef idx="0">
+            <a:schemeClr val="accent1"/>
+          </a:fillRef>
+          <a:effectRef idx="0">
+            <a:schemeClr val="accent1"/>
+          </a:effectRef>
+          <a:fontRef idx="minor">
+            <a:schemeClr val="tx1"/>
+          </a:fontRef>
+        </p:style>
+      </p:cxnSp>
+      <p:cxnSp>
+        <p:nvCxnSpPr>
+          <p:cNvPr id="102" name="连接符: 肘形 101">
+            <a:extLst>
+              <a:ext uri="{FF2B5EF4-FFF2-40B4-BE49-F238E27FC236}">
+                <a16:creationId xmlns:a16="http://schemas.microsoft.com/office/drawing/2014/main" id="{7E157CA9-DE12-4082-83B6-48A0BE1DBCE0}"/>
+              </a:ext>
+            </a:extLst>
+          </p:cNvPr>
+          <p:cNvCxnSpPr>
+            <a:stCxn id="34" idx="1"/>
+            <a:endCxn id="53" idx="1"/>
+          </p:cNvCxnSpPr>
+          <p:nvPr/>
+        </p:nvCxnSpPr>
+        <p:spPr>
+          <a:xfrm rot="10800000" flipV="1">
+            <a:off x="13049498" y="7439539"/>
+            <a:ext cx="1146185" cy="2664021"/>
+          </a:xfrm>
+          <a:prstGeom prst="bentConnector3">
+            <a:avLst>
+              <a:gd name="adj1" fmla="val 156508"/>
+            </a:avLst>
+          </a:prstGeom>
+          <a:ln>
+            <a:headEnd type="triangle"/>
             <a:tailEnd type="triangle"/>
           </a:ln>
         </p:spPr>
@@ -3525,1793 +5754,30 @@
           </a:fontRef>
         </p:style>
       </p:cxnSp>
-      <p:sp>
-        <p:nvSpPr>
-          <p:cNvPr id="33" name="矩形 32">
-            <a:extLst>
-              <a:ext uri="{FF2B5EF4-FFF2-40B4-BE49-F238E27FC236}">
-                <a16:creationId xmlns:a16="http://schemas.microsoft.com/office/drawing/2014/main" id="{EDCBAD0A-7EC2-4BEF-AC32-E71158EB0988}"/>
-              </a:ext>
-            </a:extLst>
-          </p:cNvPr>
-          <p:cNvSpPr/>
-          <p:nvPr/>
-        </p:nvSpPr>
-        <p:spPr>
-          <a:xfrm>
-            <a:off x="14197110" y="6975195"/>
-            <a:ext cx="1143000" cy="309563"/>
-          </a:xfrm>
-          <a:prstGeom prst="rect">
-            <a:avLst/>
-          </a:prstGeom>
-        </p:spPr>
-        <p:style>
-          <a:lnRef idx="2">
-            <a:schemeClr val="accent1">
-              <a:shade val="50000"/>
-            </a:schemeClr>
-          </a:lnRef>
-          <a:fillRef idx="1">
-            <a:schemeClr val="accent1"/>
-          </a:fillRef>
-          <a:effectRef idx="0">
-            <a:schemeClr val="accent1"/>
-          </a:effectRef>
-          <a:fontRef idx="minor">
-            <a:schemeClr val="lt1"/>
-          </a:fontRef>
-        </p:style>
-        <p:txBody>
-          <a:bodyPr rtlCol="0" anchor="ctr"/>
-          <a:lstStyle/>
-          <a:p>
-            <a:pPr algn="ctr"/>
-            <a:r>
-              <a:rPr lang="en-US" altLang="zh-CN" sz="1350"/>
-              <a:t>list</a:t>
-            </a:r>
-            <a:endParaRPr lang="zh-CN" altLang="en-US" sz="1350"/>
-          </a:p>
-        </p:txBody>
-      </p:sp>
-      <p:sp>
-        <p:nvSpPr>
-          <p:cNvPr id="34" name="矩形 33">
-            <a:extLst>
-              <a:ext uri="{FF2B5EF4-FFF2-40B4-BE49-F238E27FC236}">
-                <a16:creationId xmlns:a16="http://schemas.microsoft.com/office/drawing/2014/main" id="{FBAF5FE4-24F2-4EF8-81C6-3F7974C0D44F}"/>
-              </a:ext>
-            </a:extLst>
-          </p:cNvPr>
-          <p:cNvSpPr/>
-          <p:nvPr/>
-        </p:nvSpPr>
-        <p:spPr>
-          <a:xfrm>
-            <a:off x="14195682" y="7284758"/>
-            <a:ext cx="1143000" cy="309563"/>
-          </a:xfrm>
-          <a:prstGeom prst="rect">
-            <a:avLst/>
-          </a:prstGeom>
-        </p:spPr>
-        <p:style>
-          <a:lnRef idx="2">
-            <a:schemeClr val="accent1">
-              <a:shade val="50000"/>
-            </a:schemeClr>
-          </a:lnRef>
-          <a:fillRef idx="1">
-            <a:schemeClr val="accent1"/>
-          </a:fillRef>
-          <a:effectRef idx="0">
-            <a:schemeClr val="accent1"/>
-          </a:effectRef>
-          <a:fontRef idx="minor">
-            <a:schemeClr val="lt1"/>
-          </a:fontRef>
-        </p:style>
-        <p:txBody>
-          <a:bodyPr rtlCol="0" anchor="ctr"/>
-          <a:lstStyle/>
-          <a:p>
-            <a:pPr algn="ctr"/>
-            <a:r>
-              <a:rPr lang="en-US" altLang="zh-CN" sz="1350"/>
-              <a:t>head</a:t>
-            </a:r>
-            <a:endParaRPr lang="zh-CN" altLang="en-US" sz="1350"/>
-          </a:p>
-        </p:txBody>
-      </p:sp>
-      <p:sp>
-        <p:nvSpPr>
-          <p:cNvPr id="35" name="矩形 34">
-            <a:extLst>
-              <a:ext uri="{FF2B5EF4-FFF2-40B4-BE49-F238E27FC236}">
-                <a16:creationId xmlns:a16="http://schemas.microsoft.com/office/drawing/2014/main" id="{85843D24-3FB2-4BF2-9F92-662491A48B01}"/>
-              </a:ext>
-            </a:extLst>
-          </p:cNvPr>
-          <p:cNvSpPr/>
-          <p:nvPr/>
-        </p:nvSpPr>
-        <p:spPr>
-          <a:xfrm>
-            <a:off x="14195682" y="7594320"/>
-            <a:ext cx="1143000" cy="309563"/>
-          </a:xfrm>
-          <a:prstGeom prst="rect">
-            <a:avLst/>
-          </a:prstGeom>
-        </p:spPr>
-        <p:style>
-          <a:lnRef idx="2">
-            <a:schemeClr val="accent1">
-              <a:shade val="50000"/>
-            </a:schemeClr>
-          </a:lnRef>
-          <a:fillRef idx="1">
-            <a:schemeClr val="accent1"/>
-          </a:fillRef>
-          <a:effectRef idx="0">
-            <a:schemeClr val="accent1"/>
-          </a:effectRef>
-          <a:fontRef idx="minor">
-            <a:schemeClr val="lt1"/>
-          </a:fontRef>
-        </p:style>
-        <p:txBody>
-          <a:bodyPr rtlCol="0" anchor="ctr"/>
-          <a:lstStyle/>
-          <a:p>
-            <a:pPr algn="ctr"/>
-            <a:r>
-              <a:rPr lang="en-US" altLang="zh-CN" sz="1350"/>
-              <a:t>next</a:t>
-            </a:r>
-            <a:endParaRPr lang="zh-CN" altLang="en-US" sz="1350"/>
-          </a:p>
-        </p:txBody>
-      </p:sp>
-      <p:sp>
-        <p:nvSpPr>
-          <p:cNvPr id="41" name="矩形 40">
-            <a:extLst>
-              <a:ext uri="{FF2B5EF4-FFF2-40B4-BE49-F238E27FC236}">
-                <a16:creationId xmlns:a16="http://schemas.microsoft.com/office/drawing/2014/main" id="{7E3703F4-DEBE-4FB1-83F3-5410E123502C}"/>
-              </a:ext>
-            </a:extLst>
-          </p:cNvPr>
-          <p:cNvSpPr/>
-          <p:nvPr/>
-        </p:nvSpPr>
-        <p:spPr>
-          <a:xfrm>
-            <a:off x="18260247" y="6658122"/>
-            <a:ext cx="1143000" cy="309563"/>
-          </a:xfrm>
-          <a:prstGeom prst="rect">
-            <a:avLst/>
-          </a:prstGeom>
-        </p:spPr>
-        <p:style>
-          <a:lnRef idx="2">
-            <a:schemeClr val="accent1">
-              <a:shade val="50000"/>
-            </a:schemeClr>
-          </a:lnRef>
-          <a:fillRef idx="1">
-            <a:schemeClr val="accent1"/>
-          </a:fillRef>
-          <a:effectRef idx="0">
-            <a:schemeClr val="accent1"/>
-          </a:effectRef>
-          <a:fontRef idx="minor">
-            <a:schemeClr val="lt1"/>
-          </a:fontRef>
-        </p:style>
-        <p:txBody>
-          <a:bodyPr rtlCol="0" anchor="ctr"/>
-          <a:lstStyle/>
-          <a:p>
-            <a:pPr algn="ctr"/>
-            <a:r>
-              <a:rPr lang="en-US" altLang="zh-CN" sz="1350"/>
-              <a:t>id</a:t>
-            </a:r>
-            <a:endParaRPr lang="zh-CN" altLang="en-US" sz="1350"/>
-          </a:p>
-        </p:txBody>
-      </p:sp>
-      <p:sp>
-        <p:nvSpPr>
-          <p:cNvPr id="42" name="文本框 41">
-            <a:extLst>
-              <a:ext uri="{FF2B5EF4-FFF2-40B4-BE49-F238E27FC236}">
-                <a16:creationId xmlns:a16="http://schemas.microsoft.com/office/drawing/2014/main" id="{3FB3D4D5-9CA2-4F0C-909F-E1C77A261231}"/>
-              </a:ext>
-            </a:extLst>
-          </p:cNvPr>
-          <p:cNvSpPr txBox="1"/>
-          <p:nvPr/>
-        </p:nvSpPr>
-        <p:spPr>
-          <a:xfrm>
-            <a:off x="18349924" y="6367401"/>
-            <a:ext cx="948529" cy="300082"/>
-          </a:xfrm>
-          <a:prstGeom prst="rect">
-            <a:avLst/>
-          </a:prstGeom>
-          <a:noFill/>
-        </p:spPr>
-        <p:txBody>
-          <a:bodyPr wrap="none" rtlCol="0">
-            <a:spAutoFit/>
-          </a:bodyPr>
-          <a:lstStyle/>
-          <a:p>
-            <a:r>
-              <a:rPr lang="en-US" altLang="zh-CN" sz="1350"/>
-              <a:t>QemuOpts</a:t>
-            </a:r>
-            <a:endParaRPr lang="zh-CN" altLang="en-US" sz="1350"/>
-          </a:p>
-        </p:txBody>
-      </p:sp>
-      <p:sp>
-        <p:nvSpPr>
-          <p:cNvPr id="43" name="矩形 42">
-            <a:extLst>
-              <a:ext uri="{FF2B5EF4-FFF2-40B4-BE49-F238E27FC236}">
-                <a16:creationId xmlns:a16="http://schemas.microsoft.com/office/drawing/2014/main" id="{E15BF4BB-11F7-49FC-8F91-628EC31B889B}"/>
-              </a:ext>
-            </a:extLst>
-          </p:cNvPr>
-          <p:cNvSpPr/>
-          <p:nvPr/>
-        </p:nvSpPr>
-        <p:spPr>
-          <a:xfrm>
-            <a:off x="18260247" y="6967684"/>
-            <a:ext cx="1143000" cy="309563"/>
-          </a:xfrm>
-          <a:prstGeom prst="rect">
-            <a:avLst/>
-          </a:prstGeom>
-        </p:spPr>
-        <p:style>
-          <a:lnRef idx="2">
-            <a:schemeClr val="accent1">
-              <a:shade val="50000"/>
-            </a:schemeClr>
-          </a:lnRef>
-          <a:fillRef idx="1">
-            <a:schemeClr val="accent1"/>
-          </a:fillRef>
-          <a:effectRef idx="0">
-            <a:schemeClr val="accent1"/>
-          </a:effectRef>
-          <a:fontRef idx="minor">
-            <a:schemeClr val="lt1"/>
-          </a:fontRef>
-        </p:style>
-        <p:txBody>
-          <a:bodyPr rtlCol="0" anchor="ctr"/>
-          <a:lstStyle/>
-          <a:p>
-            <a:pPr algn="ctr"/>
-            <a:r>
-              <a:rPr lang="en-US" altLang="zh-CN" sz="1350"/>
-              <a:t>list</a:t>
-            </a:r>
-            <a:endParaRPr lang="zh-CN" altLang="en-US" sz="1350"/>
-          </a:p>
-        </p:txBody>
-      </p:sp>
-      <p:sp>
-        <p:nvSpPr>
-          <p:cNvPr id="44" name="矩形 43">
-            <a:extLst>
-              <a:ext uri="{FF2B5EF4-FFF2-40B4-BE49-F238E27FC236}">
-                <a16:creationId xmlns:a16="http://schemas.microsoft.com/office/drawing/2014/main" id="{D85A51CC-6820-400B-BACD-CF03F09B3D5B}"/>
-              </a:ext>
-            </a:extLst>
-          </p:cNvPr>
-          <p:cNvSpPr/>
-          <p:nvPr/>
-        </p:nvSpPr>
-        <p:spPr>
-          <a:xfrm>
-            <a:off x="18256437" y="7277247"/>
-            <a:ext cx="1143000" cy="309563"/>
-          </a:xfrm>
-          <a:prstGeom prst="rect">
-            <a:avLst/>
-          </a:prstGeom>
-        </p:spPr>
-        <p:style>
-          <a:lnRef idx="2">
-            <a:schemeClr val="accent1">
-              <a:shade val="50000"/>
-            </a:schemeClr>
-          </a:lnRef>
-          <a:fillRef idx="1">
-            <a:schemeClr val="accent1"/>
-          </a:fillRef>
-          <a:effectRef idx="0">
-            <a:schemeClr val="accent1"/>
-          </a:effectRef>
-          <a:fontRef idx="minor">
-            <a:schemeClr val="lt1"/>
-          </a:fontRef>
-        </p:style>
-        <p:txBody>
-          <a:bodyPr rtlCol="0" anchor="ctr"/>
-          <a:lstStyle/>
-          <a:p>
-            <a:pPr algn="ctr"/>
-            <a:r>
-              <a:rPr lang="en-US" altLang="zh-CN" sz="1350"/>
-              <a:t>head</a:t>
-            </a:r>
-            <a:endParaRPr lang="zh-CN" altLang="en-US" sz="1350"/>
-          </a:p>
-        </p:txBody>
-      </p:sp>
-      <p:sp>
-        <p:nvSpPr>
-          <p:cNvPr id="45" name="矩形 44">
-            <a:extLst>
-              <a:ext uri="{FF2B5EF4-FFF2-40B4-BE49-F238E27FC236}">
-                <a16:creationId xmlns:a16="http://schemas.microsoft.com/office/drawing/2014/main" id="{D334A414-C2A3-42ED-BA75-F0D2A6EC683D}"/>
-              </a:ext>
-            </a:extLst>
-          </p:cNvPr>
-          <p:cNvSpPr/>
-          <p:nvPr/>
-        </p:nvSpPr>
-        <p:spPr>
-          <a:xfrm>
-            <a:off x="18256437" y="7586809"/>
-            <a:ext cx="1143000" cy="309563"/>
-          </a:xfrm>
-          <a:prstGeom prst="rect">
-            <a:avLst/>
-          </a:prstGeom>
-        </p:spPr>
-        <p:style>
-          <a:lnRef idx="2">
-            <a:schemeClr val="accent1">
-              <a:shade val="50000"/>
-            </a:schemeClr>
-          </a:lnRef>
-          <a:fillRef idx="1">
-            <a:schemeClr val="accent1"/>
-          </a:fillRef>
-          <a:effectRef idx="0">
-            <a:schemeClr val="accent1"/>
-          </a:effectRef>
-          <a:fontRef idx="minor">
-            <a:schemeClr val="lt1"/>
-          </a:fontRef>
-        </p:style>
-        <p:txBody>
-          <a:bodyPr rtlCol="0" anchor="ctr"/>
-          <a:lstStyle/>
-          <a:p>
-            <a:pPr algn="ctr"/>
-            <a:r>
-              <a:rPr lang="en-US" altLang="zh-CN" sz="1350"/>
-              <a:t>next</a:t>
-            </a:r>
-            <a:endParaRPr lang="zh-CN" altLang="en-US" sz="1350"/>
-          </a:p>
-        </p:txBody>
-      </p:sp>
-      <p:sp>
-        <p:nvSpPr>
-          <p:cNvPr id="46" name="矩形 45">
-            <a:extLst>
-              <a:ext uri="{FF2B5EF4-FFF2-40B4-BE49-F238E27FC236}">
-                <a16:creationId xmlns:a16="http://schemas.microsoft.com/office/drawing/2014/main" id="{2641F71F-9249-4D1C-B150-6FDB8D8590CF}"/>
-              </a:ext>
-            </a:extLst>
-          </p:cNvPr>
-          <p:cNvSpPr/>
-          <p:nvPr/>
-        </p:nvSpPr>
-        <p:spPr>
-          <a:xfrm>
-            <a:off x="13248561" y="8554319"/>
-            <a:ext cx="1038225" cy="276999"/>
-          </a:xfrm>
-          <a:prstGeom prst="rect">
-            <a:avLst/>
-          </a:prstGeom>
-        </p:spPr>
-        <p:style>
-          <a:lnRef idx="2">
-            <a:schemeClr val="accent1">
-              <a:shade val="50000"/>
-            </a:schemeClr>
-          </a:lnRef>
-          <a:fillRef idx="1">
-            <a:schemeClr val="accent1"/>
-          </a:fillRef>
-          <a:effectRef idx="0">
-            <a:schemeClr val="accent1"/>
-          </a:effectRef>
-          <a:fontRef idx="minor">
-            <a:schemeClr val="lt1"/>
-          </a:fontRef>
-        </p:style>
-        <p:txBody>
-          <a:bodyPr rtlCol="0" anchor="ctr"/>
-          <a:lstStyle/>
-          <a:p>
-            <a:pPr algn="ctr"/>
-            <a:r>
-              <a:rPr lang="en-US" altLang="zh-CN" sz="1350"/>
-              <a:t>name</a:t>
-            </a:r>
-            <a:endParaRPr lang="zh-CN" altLang="en-US" sz="1350"/>
-          </a:p>
-        </p:txBody>
-      </p:sp>
-      <p:sp>
-        <p:nvSpPr>
-          <p:cNvPr id="48" name="文本框 47">
-            <a:extLst>
-              <a:ext uri="{FF2B5EF4-FFF2-40B4-BE49-F238E27FC236}">
-                <a16:creationId xmlns:a16="http://schemas.microsoft.com/office/drawing/2014/main" id="{457BB3EB-52B6-4AEE-8962-8F99CCA57CC9}"/>
-              </a:ext>
-            </a:extLst>
-          </p:cNvPr>
-          <p:cNvSpPr txBox="1"/>
-          <p:nvPr/>
-        </p:nvSpPr>
-        <p:spPr>
-          <a:xfrm>
-            <a:off x="13286661" y="8277320"/>
-            <a:ext cx="1000125" cy="300082"/>
-          </a:xfrm>
-          <a:prstGeom prst="rect">
-            <a:avLst/>
-          </a:prstGeom>
-          <a:noFill/>
-        </p:spPr>
-        <p:txBody>
-          <a:bodyPr wrap="square">
-            <a:spAutoFit/>
-          </a:bodyPr>
-          <a:lstStyle/>
-          <a:p>
-            <a:r>
-              <a:rPr lang="zh-CN" altLang="en-US" sz="1350"/>
-              <a:t>QemuOpt</a:t>
-            </a:r>
-          </a:p>
-        </p:txBody>
-      </p:sp>
-      <p:sp>
-        <p:nvSpPr>
-          <p:cNvPr id="49" name="矩形 48">
-            <a:extLst>
-              <a:ext uri="{FF2B5EF4-FFF2-40B4-BE49-F238E27FC236}">
-                <a16:creationId xmlns:a16="http://schemas.microsoft.com/office/drawing/2014/main" id="{1BBECD26-0B61-4D05-B260-FDA734C06F42}"/>
-              </a:ext>
-            </a:extLst>
-          </p:cNvPr>
-          <p:cNvSpPr/>
-          <p:nvPr/>
-        </p:nvSpPr>
-        <p:spPr>
-          <a:xfrm>
-            <a:off x="13248561" y="8831318"/>
-            <a:ext cx="1038225" cy="276999"/>
-          </a:xfrm>
-          <a:prstGeom prst="rect">
-            <a:avLst/>
-          </a:prstGeom>
-        </p:spPr>
-        <p:style>
-          <a:lnRef idx="2">
-            <a:schemeClr val="accent1">
-              <a:shade val="50000"/>
-            </a:schemeClr>
-          </a:lnRef>
-          <a:fillRef idx="1">
-            <a:schemeClr val="accent1"/>
-          </a:fillRef>
-          <a:effectRef idx="0">
-            <a:schemeClr val="accent1"/>
-          </a:effectRef>
-          <a:fontRef idx="minor">
-            <a:schemeClr val="lt1"/>
-          </a:fontRef>
-        </p:style>
-        <p:txBody>
-          <a:bodyPr rtlCol="0" anchor="ctr"/>
-          <a:lstStyle/>
-          <a:p>
-            <a:pPr algn="ctr"/>
-            <a:r>
-              <a:rPr lang="en-US" altLang="zh-CN" sz="1350"/>
-              <a:t>str</a:t>
-            </a:r>
-            <a:endParaRPr lang="zh-CN" altLang="en-US" sz="1350"/>
-          </a:p>
-        </p:txBody>
-      </p:sp>
-      <p:sp>
-        <p:nvSpPr>
-          <p:cNvPr id="50" name="矩形 49">
-            <a:extLst>
-              <a:ext uri="{FF2B5EF4-FFF2-40B4-BE49-F238E27FC236}">
-                <a16:creationId xmlns:a16="http://schemas.microsoft.com/office/drawing/2014/main" id="{C7DEEA8A-80F5-49A4-A49C-47A7AAE6BA01}"/>
-              </a:ext>
-            </a:extLst>
-          </p:cNvPr>
-          <p:cNvSpPr/>
-          <p:nvPr/>
-        </p:nvSpPr>
-        <p:spPr>
-          <a:xfrm>
-            <a:off x="13248561" y="9108317"/>
-            <a:ext cx="1038225" cy="276999"/>
-          </a:xfrm>
-          <a:prstGeom prst="rect">
-            <a:avLst/>
-          </a:prstGeom>
-        </p:spPr>
-        <p:style>
-          <a:lnRef idx="2">
-            <a:schemeClr val="accent1">
-              <a:shade val="50000"/>
-            </a:schemeClr>
-          </a:lnRef>
-          <a:fillRef idx="1">
-            <a:schemeClr val="accent1"/>
-          </a:fillRef>
-          <a:effectRef idx="0">
-            <a:schemeClr val="accent1"/>
-          </a:effectRef>
-          <a:fontRef idx="minor">
-            <a:schemeClr val="lt1"/>
-          </a:fontRef>
-        </p:style>
-        <p:txBody>
-          <a:bodyPr rtlCol="0" anchor="ctr"/>
-          <a:lstStyle/>
-          <a:p>
-            <a:pPr algn="ctr"/>
-            <a:r>
-              <a:rPr lang="en-US" altLang="zh-CN" sz="1350"/>
-              <a:t>desc</a:t>
-            </a:r>
-            <a:endParaRPr lang="zh-CN" altLang="en-US" sz="1350"/>
-          </a:p>
-        </p:txBody>
-      </p:sp>
-      <p:sp>
-        <p:nvSpPr>
-          <p:cNvPr id="51" name="矩形 50">
-            <a:extLst>
-              <a:ext uri="{FF2B5EF4-FFF2-40B4-BE49-F238E27FC236}">
-                <a16:creationId xmlns:a16="http://schemas.microsoft.com/office/drawing/2014/main" id="{6C8E0C4A-FD63-4ED1-962B-F52A6E19B1B6}"/>
-              </a:ext>
-            </a:extLst>
-          </p:cNvPr>
-          <p:cNvSpPr/>
-          <p:nvPr/>
-        </p:nvSpPr>
-        <p:spPr>
-          <a:xfrm>
-            <a:off x="13248561" y="9353914"/>
-            <a:ext cx="1038225" cy="276999"/>
-          </a:xfrm>
-          <a:prstGeom prst="rect">
-            <a:avLst/>
-          </a:prstGeom>
-        </p:spPr>
-        <p:style>
-          <a:lnRef idx="2">
-            <a:schemeClr val="accent1">
-              <a:shade val="50000"/>
-            </a:schemeClr>
-          </a:lnRef>
-          <a:fillRef idx="1">
-            <a:schemeClr val="accent1"/>
-          </a:fillRef>
-          <a:effectRef idx="0">
-            <a:schemeClr val="accent1"/>
-          </a:effectRef>
-          <a:fontRef idx="minor">
-            <a:schemeClr val="lt1"/>
-          </a:fontRef>
-        </p:style>
-        <p:txBody>
-          <a:bodyPr rtlCol="0" anchor="ctr"/>
-          <a:lstStyle/>
-          <a:p>
-            <a:pPr algn="ctr"/>
-            <a:r>
-              <a:rPr lang="en-US" altLang="zh-CN" sz="1350"/>
-              <a:t>value</a:t>
-            </a:r>
-            <a:endParaRPr lang="zh-CN" altLang="en-US" sz="1350"/>
-          </a:p>
-        </p:txBody>
-      </p:sp>
-      <p:sp>
-        <p:nvSpPr>
-          <p:cNvPr id="52" name="矩形 51">
-            <a:extLst>
-              <a:ext uri="{FF2B5EF4-FFF2-40B4-BE49-F238E27FC236}">
-                <a16:creationId xmlns:a16="http://schemas.microsoft.com/office/drawing/2014/main" id="{34C4C574-663E-456C-8137-7C7EB92AF4CA}"/>
-              </a:ext>
-            </a:extLst>
-          </p:cNvPr>
-          <p:cNvSpPr/>
-          <p:nvPr/>
-        </p:nvSpPr>
-        <p:spPr>
-          <a:xfrm>
-            <a:off x="13248561" y="9630913"/>
-            <a:ext cx="1038225" cy="276999"/>
-          </a:xfrm>
-          <a:prstGeom prst="rect">
-            <a:avLst/>
-          </a:prstGeom>
-        </p:spPr>
-        <p:style>
-          <a:lnRef idx="2">
-            <a:schemeClr val="accent1">
-              <a:shade val="50000"/>
-            </a:schemeClr>
-          </a:lnRef>
-          <a:fillRef idx="1">
-            <a:schemeClr val="accent1"/>
-          </a:fillRef>
-          <a:effectRef idx="0">
-            <a:schemeClr val="accent1"/>
-          </a:effectRef>
-          <a:fontRef idx="minor">
-            <a:schemeClr val="lt1"/>
-          </a:fontRef>
-        </p:style>
-        <p:txBody>
-          <a:bodyPr rtlCol="0" anchor="ctr"/>
-          <a:lstStyle/>
-          <a:p>
-            <a:pPr algn="ctr"/>
-            <a:r>
-              <a:rPr lang="en-US" altLang="zh-CN" sz="1050"/>
-              <a:t>QemuOpts     *</a:t>
-            </a:r>
-            <a:endParaRPr lang="zh-CN" altLang="en-US" sz="1050"/>
-          </a:p>
-        </p:txBody>
-      </p:sp>
-      <p:sp>
-        <p:nvSpPr>
-          <p:cNvPr id="53" name="矩形 52">
-            <a:extLst>
-              <a:ext uri="{FF2B5EF4-FFF2-40B4-BE49-F238E27FC236}">
-                <a16:creationId xmlns:a16="http://schemas.microsoft.com/office/drawing/2014/main" id="{B7B582DA-AD09-4407-9EB2-6096557D9020}"/>
-              </a:ext>
-            </a:extLst>
-          </p:cNvPr>
-          <p:cNvSpPr/>
-          <p:nvPr/>
-        </p:nvSpPr>
-        <p:spPr>
-          <a:xfrm>
-            <a:off x="13248561" y="9876509"/>
-            <a:ext cx="1038225" cy="276999"/>
-          </a:xfrm>
-          <a:prstGeom prst="rect">
-            <a:avLst/>
-          </a:prstGeom>
-        </p:spPr>
-        <p:style>
-          <a:lnRef idx="2">
-            <a:schemeClr val="accent1">
-              <a:shade val="50000"/>
-            </a:schemeClr>
-          </a:lnRef>
-          <a:fillRef idx="1">
-            <a:schemeClr val="accent1"/>
-          </a:fillRef>
-          <a:effectRef idx="0">
-            <a:schemeClr val="accent1"/>
-          </a:effectRef>
-          <a:fontRef idx="minor">
-            <a:schemeClr val="lt1"/>
-          </a:fontRef>
-        </p:style>
-        <p:txBody>
-          <a:bodyPr rtlCol="0" anchor="ctr"/>
-          <a:lstStyle/>
-          <a:p>
-            <a:pPr algn="ctr"/>
-            <a:r>
-              <a:rPr lang="en-US" altLang="zh-CN" sz="1050"/>
-              <a:t>next</a:t>
-            </a:r>
-            <a:endParaRPr lang="zh-CN" altLang="en-US" sz="1050"/>
-          </a:p>
-        </p:txBody>
-      </p:sp>
-      <p:sp>
-        <p:nvSpPr>
-          <p:cNvPr id="54" name="矩形 53">
-            <a:extLst>
-              <a:ext uri="{FF2B5EF4-FFF2-40B4-BE49-F238E27FC236}">
-                <a16:creationId xmlns:a16="http://schemas.microsoft.com/office/drawing/2014/main" id="{0BCBC47E-F102-4BDB-A41B-83D538DC997A}"/>
-              </a:ext>
-            </a:extLst>
-          </p:cNvPr>
-          <p:cNvSpPr/>
-          <p:nvPr/>
-        </p:nvSpPr>
-        <p:spPr>
-          <a:xfrm>
-            <a:off x="15144035" y="8592418"/>
-            <a:ext cx="1038225" cy="276999"/>
-          </a:xfrm>
-          <a:prstGeom prst="rect">
-            <a:avLst/>
-          </a:prstGeom>
-        </p:spPr>
-        <p:style>
-          <a:lnRef idx="2">
-            <a:schemeClr val="accent1">
-              <a:shade val="50000"/>
-            </a:schemeClr>
-          </a:lnRef>
-          <a:fillRef idx="1">
-            <a:schemeClr val="accent1"/>
-          </a:fillRef>
-          <a:effectRef idx="0">
-            <a:schemeClr val="accent1"/>
-          </a:effectRef>
-          <a:fontRef idx="minor">
-            <a:schemeClr val="lt1"/>
-          </a:fontRef>
-        </p:style>
-        <p:txBody>
-          <a:bodyPr rtlCol="0" anchor="ctr"/>
-          <a:lstStyle/>
-          <a:p>
-            <a:pPr algn="ctr"/>
-            <a:r>
-              <a:rPr lang="en-US" altLang="zh-CN" sz="1350"/>
-              <a:t>name</a:t>
-            </a:r>
-            <a:endParaRPr lang="zh-CN" altLang="en-US" sz="1350"/>
-          </a:p>
-        </p:txBody>
-      </p:sp>
-      <p:sp>
-        <p:nvSpPr>
-          <p:cNvPr id="55" name="文本框 54">
-            <a:extLst>
-              <a:ext uri="{FF2B5EF4-FFF2-40B4-BE49-F238E27FC236}">
-                <a16:creationId xmlns:a16="http://schemas.microsoft.com/office/drawing/2014/main" id="{98F77CD1-82F7-466A-8E10-7E2BF7AE29BC}"/>
-              </a:ext>
-            </a:extLst>
-          </p:cNvPr>
-          <p:cNvSpPr txBox="1"/>
-          <p:nvPr/>
-        </p:nvSpPr>
-        <p:spPr>
-          <a:xfrm>
-            <a:off x="15182135" y="8315419"/>
-            <a:ext cx="1000125" cy="300082"/>
-          </a:xfrm>
-          <a:prstGeom prst="rect">
-            <a:avLst/>
-          </a:prstGeom>
-          <a:noFill/>
-        </p:spPr>
-        <p:txBody>
-          <a:bodyPr wrap="square">
-            <a:spAutoFit/>
-          </a:bodyPr>
-          <a:lstStyle/>
-          <a:p>
-            <a:r>
-              <a:rPr lang="zh-CN" altLang="en-US" sz="1350"/>
-              <a:t>QemuOpt</a:t>
-            </a:r>
-          </a:p>
-        </p:txBody>
-      </p:sp>
-      <p:sp>
-        <p:nvSpPr>
-          <p:cNvPr id="56" name="矩形 55">
-            <a:extLst>
-              <a:ext uri="{FF2B5EF4-FFF2-40B4-BE49-F238E27FC236}">
-                <a16:creationId xmlns:a16="http://schemas.microsoft.com/office/drawing/2014/main" id="{C363A522-D633-4C50-9CFA-E1F4878D362C}"/>
-              </a:ext>
-            </a:extLst>
-          </p:cNvPr>
-          <p:cNvSpPr/>
-          <p:nvPr/>
-        </p:nvSpPr>
-        <p:spPr>
-          <a:xfrm>
-            <a:off x="15144035" y="8869417"/>
-            <a:ext cx="1038225" cy="276999"/>
-          </a:xfrm>
-          <a:prstGeom prst="rect">
-            <a:avLst/>
-          </a:prstGeom>
-        </p:spPr>
-        <p:style>
-          <a:lnRef idx="2">
-            <a:schemeClr val="accent1">
-              <a:shade val="50000"/>
-            </a:schemeClr>
-          </a:lnRef>
-          <a:fillRef idx="1">
-            <a:schemeClr val="accent1"/>
-          </a:fillRef>
-          <a:effectRef idx="0">
-            <a:schemeClr val="accent1"/>
-          </a:effectRef>
-          <a:fontRef idx="minor">
-            <a:schemeClr val="lt1"/>
-          </a:fontRef>
-        </p:style>
-        <p:txBody>
-          <a:bodyPr rtlCol="0" anchor="ctr"/>
-          <a:lstStyle/>
-          <a:p>
-            <a:pPr algn="ctr"/>
-            <a:r>
-              <a:rPr lang="en-US" altLang="zh-CN" sz="1350"/>
-              <a:t>str</a:t>
-            </a:r>
-            <a:endParaRPr lang="zh-CN" altLang="en-US" sz="1350"/>
-          </a:p>
-        </p:txBody>
-      </p:sp>
-      <p:sp>
-        <p:nvSpPr>
-          <p:cNvPr id="57" name="矩形 56">
-            <a:extLst>
-              <a:ext uri="{FF2B5EF4-FFF2-40B4-BE49-F238E27FC236}">
-                <a16:creationId xmlns:a16="http://schemas.microsoft.com/office/drawing/2014/main" id="{785715E7-9B9E-410D-91AF-A46FE2DDD8DE}"/>
-              </a:ext>
-            </a:extLst>
-          </p:cNvPr>
-          <p:cNvSpPr/>
-          <p:nvPr/>
-        </p:nvSpPr>
-        <p:spPr>
-          <a:xfrm>
-            <a:off x="15144035" y="9146416"/>
-            <a:ext cx="1038225" cy="276999"/>
-          </a:xfrm>
-          <a:prstGeom prst="rect">
-            <a:avLst/>
-          </a:prstGeom>
-        </p:spPr>
-        <p:style>
-          <a:lnRef idx="2">
-            <a:schemeClr val="accent1">
-              <a:shade val="50000"/>
-            </a:schemeClr>
-          </a:lnRef>
-          <a:fillRef idx="1">
-            <a:schemeClr val="accent1"/>
-          </a:fillRef>
-          <a:effectRef idx="0">
-            <a:schemeClr val="accent1"/>
-          </a:effectRef>
-          <a:fontRef idx="minor">
-            <a:schemeClr val="lt1"/>
-          </a:fontRef>
-        </p:style>
-        <p:txBody>
-          <a:bodyPr rtlCol="0" anchor="ctr"/>
-          <a:lstStyle/>
-          <a:p>
-            <a:pPr algn="ctr"/>
-            <a:r>
-              <a:rPr lang="en-US" altLang="zh-CN" sz="1350"/>
-              <a:t>desc</a:t>
-            </a:r>
-            <a:endParaRPr lang="zh-CN" altLang="en-US" sz="1350"/>
-          </a:p>
-        </p:txBody>
-      </p:sp>
-      <p:sp>
-        <p:nvSpPr>
-          <p:cNvPr id="58" name="矩形 57">
-            <a:extLst>
-              <a:ext uri="{FF2B5EF4-FFF2-40B4-BE49-F238E27FC236}">
-                <a16:creationId xmlns:a16="http://schemas.microsoft.com/office/drawing/2014/main" id="{D5DF8BBB-9423-444B-9E0D-20245D6A31B4}"/>
-              </a:ext>
-            </a:extLst>
-          </p:cNvPr>
-          <p:cNvSpPr/>
-          <p:nvPr/>
-        </p:nvSpPr>
-        <p:spPr>
-          <a:xfrm>
-            <a:off x="15144035" y="9392013"/>
-            <a:ext cx="1038225" cy="276999"/>
-          </a:xfrm>
-          <a:prstGeom prst="rect">
-            <a:avLst/>
-          </a:prstGeom>
-        </p:spPr>
-        <p:style>
-          <a:lnRef idx="2">
-            <a:schemeClr val="accent1">
-              <a:shade val="50000"/>
-            </a:schemeClr>
-          </a:lnRef>
-          <a:fillRef idx="1">
-            <a:schemeClr val="accent1"/>
-          </a:fillRef>
-          <a:effectRef idx="0">
-            <a:schemeClr val="accent1"/>
-          </a:effectRef>
-          <a:fontRef idx="minor">
-            <a:schemeClr val="lt1"/>
-          </a:fontRef>
-        </p:style>
-        <p:txBody>
-          <a:bodyPr rtlCol="0" anchor="ctr"/>
-          <a:lstStyle/>
-          <a:p>
-            <a:pPr algn="ctr"/>
-            <a:r>
-              <a:rPr lang="en-US" altLang="zh-CN" sz="1350"/>
-              <a:t>value</a:t>
-            </a:r>
-            <a:endParaRPr lang="zh-CN" altLang="en-US" sz="1350"/>
-          </a:p>
-        </p:txBody>
-      </p:sp>
-      <p:sp>
-        <p:nvSpPr>
-          <p:cNvPr id="59" name="矩形 58">
-            <a:extLst>
-              <a:ext uri="{FF2B5EF4-FFF2-40B4-BE49-F238E27FC236}">
-                <a16:creationId xmlns:a16="http://schemas.microsoft.com/office/drawing/2014/main" id="{0092E531-3BCB-423C-8C58-42510635193F}"/>
-              </a:ext>
-            </a:extLst>
-          </p:cNvPr>
-          <p:cNvSpPr/>
-          <p:nvPr/>
-        </p:nvSpPr>
-        <p:spPr>
-          <a:xfrm>
-            <a:off x="15144035" y="9669012"/>
-            <a:ext cx="1038225" cy="276999"/>
-          </a:xfrm>
-          <a:prstGeom prst="rect">
-            <a:avLst/>
-          </a:prstGeom>
-        </p:spPr>
-        <p:style>
-          <a:lnRef idx="2">
-            <a:schemeClr val="accent1">
-              <a:shade val="50000"/>
-            </a:schemeClr>
-          </a:lnRef>
-          <a:fillRef idx="1">
-            <a:schemeClr val="accent1"/>
-          </a:fillRef>
-          <a:effectRef idx="0">
-            <a:schemeClr val="accent1"/>
-          </a:effectRef>
-          <a:fontRef idx="minor">
-            <a:schemeClr val="lt1"/>
-          </a:fontRef>
-        </p:style>
-        <p:txBody>
-          <a:bodyPr rtlCol="0" anchor="ctr"/>
-          <a:lstStyle/>
-          <a:p>
-            <a:pPr algn="ctr"/>
-            <a:r>
-              <a:rPr lang="en-US" altLang="zh-CN" sz="1050"/>
-              <a:t>QemuOpts     *</a:t>
-            </a:r>
-            <a:endParaRPr lang="zh-CN" altLang="en-US" sz="1050"/>
-          </a:p>
-        </p:txBody>
-      </p:sp>
-      <p:sp>
-        <p:nvSpPr>
-          <p:cNvPr id="60" name="矩形 59">
-            <a:extLst>
-              <a:ext uri="{FF2B5EF4-FFF2-40B4-BE49-F238E27FC236}">
-                <a16:creationId xmlns:a16="http://schemas.microsoft.com/office/drawing/2014/main" id="{D1F61049-48CD-4036-93BB-7EFF52B7033C}"/>
-              </a:ext>
-            </a:extLst>
-          </p:cNvPr>
-          <p:cNvSpPr/>
-          <p:nvPr/>
-        </p:nvSpPr>
-        <p:spPr>
-          <a:xfrm>
-            <a:off x="15144035" y="9914608"/>
-            <a:ext cx="1038225" cy="276999"/>
-          </a:xfrm>
-          <a:prstGeom prst="rect">
-            <a:avLst/>
-          </a:prstGeom>
-        </p:spPr>
-        <p:style>
-          <a:lnRef idx="2">
-            <a:schemeClr val="accent1">
-              <a:shade val="50000"/>
-            </a:schemeClr>
-          </a:lnRef>
-          <a:fillRef idx="1">
-            <a:schemeClr val="accent1"/>
-          </a:fillRef>
-          <a:effectRef idx="0">
-            <a:schemeClr val="accent1"/>
-          </a:effectRef>
-          <a:fontRef idx="minor">
-            <a:schemeClr val="lt1"/>
-          </a:fontRef>
-        </p:style>
-        <p:txBody>
-          <a:bodyPr rtlCol="0" anchor="ctr"/>
-          <a:lstStyle/>
-          <a:p>
-            <a:pPr algn="ctr"/>
-            <a:r>
-              <a:rPr lang="en-US" altLang="zh-CN" sz="1050"/>
-              <a:t>next</a:t>
-            </a:r>
-            <a:endParaRPr lang="zh-CN" altLang="en-US" sz="1050"/>
-          </a:p>
-        </p:txBody>
-      </p:sp>
-      <p:sp>
-        <p:nvSpPr>
-          <p:cNvPr id="68" name="矩形 67">
-            <a:extLst>
-              <a:ext uri="{FF2B5EF4-FFF2-40B4-BE49-F238E27FC236}">
-                <a16:creationId xmlns:a16="http://schemas.microsoft.com/office/drawing/2014/main" id="{F09E70C3-F9C7-43FE-9F44-98050A2AFDDC}"/>
-              </a:ext>
-            </a:extLst>
-          </p:cNvPr>
-          <p:cNvSpPr/>
-          <p:nvPr/>
-        </p:nvSpPr>
-        <p:spPr>
-          <a:xfrm>
-            <a:off x="19041526" y="8592418"/>
-            <a:ext cx="1038225" cy="276999"/>
-          </a:xfrm>
-          <a:prstGeom prst="rect">
-            <a:avLst/>
-          </a:prstGeom>
-        </p:spPr>
-        <p:style>
-          <a:lnRef idx="2">
-            <a:schemeClr val="accent1">
-              <a:shade val="50000"/>
-            </a:schemeClr>
-          </a:lnRef>
-          <a:fillRef idx="1">
-            <a:schemeClr val="accent1"/>
-          </a:fillRef>
-          <a:effectRef idx="0">
-            <a:schemeClr val="accent1"/>
-          </a:effectRef>
-          <a:fontRef idx="minor">
-            <a:schemeClr val="lt1"/>
-          </a:fontRef>
-        </p:style>
-        <p:txBody>
-          <a:bodyPr rtlCol="0" anchor="ctr"/>
-          <a:lstStyle/>
-          <a:p>
-            <a:pPr algn="ctr"/>
-            <a:r>
-              <a:rPr lang="en-US" altLang="zh-CN" sz="1350"/>
-              <a:t>name</a:t>
-            </a:r>
-            <a:endParaRPr lang="zh-CN" altLang="en-US" sz="1350"/>
-          </a:p>
-        </p:txBody>
-      </p:sp>
-      <p:sp>
-        <p:nvSpPr>
-          <p:cNvPr id="69" name="文本框 68">
-            <a:extLst>
-              <a:ext uri="{FF2B5EF4-FFF2-40B4-BE49-F238E27FC236}">
-                <a16:creationId xmlns:a16="http://schemas.microsoft.com/office/drawing/2014/main" id="{08060BFF-A8D1-4CA6-A720-B851D5EAA368}"/>
-              </a:ext>
-            </a:extLst>
-          </p:cNvPr>
-          <p:cNvSpPr txBox="1"/>
-          <p:nvPr/>
-        </p:nvSpPr>
-        <p:spPr>
-          <a:xfrm>
-            <a:off x="19079626" y="8315419"/>
-            <a:ext cx="1000125" cy="300082"/>
-          </a:xfrm>
-          <a:prstGeom prst="rect">
-            <a:avLst/>
-          </a:prstGeom>
-          <a:noFill/>
-        </p:spPr>
-        <p:txBody>
-          <a:bodyPr wrap="square">
-            <a:spAutoFit/>
-          </a:bodyPr>
-          <a:lstStyle/>
-          <a:p>
-            <a:r>
-              <a:rPr lang="zh-CN" altLang="en-US" sz="1350"/>
-              <a:t>QemuOpt</a:t>
-            </a:r>
-          </a:p>
-        </p:txBody>
-      </p:sp>
-      <p:sp>
-        <p:nvSpPr>
-          <p:cNvPr id="70" name="矩形 69">
-            <a:extLst>
-              <a:ext uri="{FF2B5EF4-FFF2-40B4-BE49-F238E27FC236}">
-                <a16:creationId xmlns:a16="http://schemas.microsoft.com/office/drawing/2014/main" id="{688F8E44-5FA4-4553-9CC1-253E40A04679}"/>
-              </a:ext>
-            </a:extLst>
-          </p:cNvPr>
-          <p:cNvSpPr/>
-          <p:nvPr/>
-        </p:nvSpPr>
-        <p:spPr>
-          <a:xfrm>
-            <a:off x="19041526" y="8869417"/>
-            <a:ext cx="1038225" cy="276999"/>
-          </a:xfrm>
-          <a:prstGeom prst="rect">
-            <a:avLst/>
-          </a:prstGeom>
-        </p:spPr>
-        <p:style>
-          <a:lnRef idx="2">
-            <a:schemeClr val="accent1">
-              <a:shade val="50000"/>
-            </a:schemeClr>
-          </a:lnRef>
-          <a:fillRef idx="1">
-            <a:schemeClr val="accent1"/>
-          </a:fillRef>
-          <a:effectRef idx="0">
-            <a:schemeClr val="accent1"/>
-          </a:effectRef>
-          <a:fontRef idx="minor">
-            <a:schemeClr val="lt1"/>
-          </a:fontRef>
-        </p:style>
-        <p:txBody>
-          <a:bodyPr rtlCol="0" anchor="ctr"/>
-          <a:lstStyle/>
-          <a:p>
-            <a:pPr algn="ctr"/>
-            <a:r>
-              <a:rPr lang="en-US" altLang="zh-CN" sz="1350"/>
-              <a:t>str</a:t>
-            </a:r>
-            <a:endParaRPr lang="zh-CN" altLang="en-US" sz="1350"/>
-          </a:p>
-        </p:txBody>
-      </p:sp>
-      <p:sp>
-        <p:nvSpPr>
-          <p:cNvPr id="71" name="矩形 70">
-            <a:extLst>
-              <a:ext uri="{FF2B5EF4-FFF2-40B4-BE49-F238E27FC236}">
-                <a16:creationId xmlns:a16="http://schemas.microsoft.com/office/drawing/2014/main" id="{1E9A552F-E901-4554-93A4-C02F1F412B2D}"/>
-              </a:ext>
-            </a:extLst>
-          </p:cNvPr>
-          <p:cNvSpPr/>
-          <p:nvPr/>
-        </p:nvSpPr>
-        <p:spPr>
-          <a:xfrm>
-            <a:off x="19041526" y="9146416"/>
-            <a:ext cx="1038225" cy="276999"/>
-          </a:xfrm>
-          <a:prstGeom prst="rect">
-            <a:avLst/>
-          </a:prstGeom>
-        </p:spPr>
-        <p:style>
-          <a:lnRef idx="2">
-            <a:schemeClr val="accent1">
-              <a:shade val="50000"/>
-            </a:schemeClr>
-          </a:lnRef>
-          <a:fillRef idx="1">
-            <a:schemeClr val="accent1"/>
-          </a:fillRef>
-          <a:effectRef idx="0">
-            <a:schemeClr val="accent1"/>
-          </a:effectRef>
-          <a:fontRef idx="minor">
-            <a:schemeClr val="lt1"/>
-          </a:fontRef>
-        </p:style>
-        <p:txBody>
-          <a:bodyPr rtlCol="0" anchor="ctr"/>
-          <a:lstStyle/>
-          <a:p>
-            <a:pPr algn="ctr"/>
-            <a:r>
-              <a:rPr lang="en-US" altLang="zh-CN" sz="1350"/>
-              <a:t>desc</a:t>
-            </a:r>
-            <a:endParaRPr lang="zh-CN" altLang="en-US" sz="1350"/>
-          </a:p>
-        </p:txBody>
-      </p:sp>
-      <p:sp>
-        <p:nvSpPr>
-          <p:cNvPr id="72" name="矩形 71">
-            <a:extLst>
-              <a:ext uri="{FF2B5EF4-FFF2-40B4-BE49-F238E27FC236}">
-                <a16:creationId xmlns:a16="http://schemas.microsoft.com/office/drawing/2014/main" id="{B7AF07AA-3B99-4F59-A805-BDD8626E107D}"/>
-              </a:ext>
-            </a:extLst>
-          </p:cNvPr>
-          <p:cNvSpPr/>
-          <p:nvPr/>
-        </p:nvSpPr>
-        <p:spPr>
-          <a:xfrm>
-            <a:off x="19041526" y="9392013"/>
-            <a:ext cx="1038225" cy="276999"/>
-          </a:xfrm>
-          <a:prstGeom prst="rect">
-            <a:avLst/>
-          </a:prstGeom>
-        </p:spPr>
-        <p:style>
-          <a:lnRef idx="2">
-            <a:schemeClr val="accent1">
-              <a:shade val="50000"/>
-            </a:schemeClr>
-          </a:lnRef>
-          <a:fillRef idx="1">
-            <a:schemeClr val="accent1"/>
-          </a:fillRef>
-          <a:effectRef idx="0">
-            <a:schemeClr val="accent1"/>
-          </a:effectRef>
-          <a:fontRef idx="minor">
-            <a:schemeClr val="lt1"/>
-          </a:fontRef>
-        </p:style>
-        <p:txBody>
-          <a:bodyPr rtlCol="0" anchor="ctr"/>
-          <a:lstStyle/>
-          <a:p>
-            <a:pPr algn="ctr"/>
-            <a:r>
-              <a:rPr lang="en-US" altLang="zh-CN" sz="1350"/>
-              <a:t>value</a:t>
-            </a:r>
-            <a:endParaRPr lang="zh-CN" altLang="en-US" sz="1350"/>
-          </a:p>
-        </p:txBody>
-      </p:sp>
-      <p:sp>
-        <p:nvSpPr>
-          <p:cNvPr id="73" name="矩形 72">
-            <a:extLst>
-              <a:ext uri="{FF2B5EF4-FFF2-40B4-BE49-F238E27FC236}">
-                <a16:creationId xmlns:a16="http://schemas.microsoft.com/office/drawing/2014/main" id="{0F4889D8-6EBC-420C-AC6C-511F7AA3B9A0}"/>
-              </a:ext>
-            </a:extLst>
-          </p:cNvPr>
-          <p:cNvSpPr/>
-          <p:nvPr/>
-        </p:nvSpPr>
-        <p:spPr>
-          <a:xfrm>
-            <a:off x="19041526" y="9669012"/>
-            <a:ext cx="1038225" cy="276999"/>
-          </a:xfrm>
-          <a:prstGeom prst="rect">
-            <a:avLst/>
-          </a:prstGeom>
-        </p:spPr>
-        <p:style>
-          <a:lnRef idx="2">
-            <a:schemeClr val="accent1">
-              <a:shade val="50000"/>
-            </a:schemeClr>
-          </a:lnRef>
-          <a:fillRef idx="1">
-            <a:schemeClr val="accent1"/>
-          </a:fillRef>
-          <a:effectRef idx="0">
-            <a:schemeClr val="accent1"/>
-          </a:effectRef>
-          <a:fontRef idx="minor">
-            <a:schemeClr val="lt1"/>
-          </a:fontRef>
-        </p:style>
-        <p:txBody>
-          <a:bodyPr rtlCol="0" anchor="ctr"/>
-          <a:lstStyle/>
-          <a:p>
-            <a:pPr algn="ctr"/>
-            <a:r>
-              <a:rPr lang="en-US" altLang="zh-CN" sz="1050"/>
-              <a:t>QemuOpts     *</a:t>
-            </a:r>
-            <a:endParaRPr lang="zh-CN" altLang="en-US" sz="1050"/>
-          </a:p>
-        </p:txBody>
-      </p:sp>
-      <p:sp>
-        <p:nvSpPr>
-          <p:cNvPr id="74" name="矩形 73">
-            <a:extLst>
-              <a:ext uri="{FF2B5EF4-FFF2-40B4-BE49-F238E27FC236}">
-                <a16:creationId xmlns:a16="http://schemas.microsoft.com/office/drawing/2014/main" id="{0F949387-6677-4FE2-BF5C-F18FF054B49D}"/>
-              </a:ext>
-            </a:extLst>
-          </p:cNvPr>
-          <p:cNvSpPr/>
-          <p:nvPr/>
-        </p:nvSpPr>
-        <p:spPr>
-          <a:xfrm>
-            <a:off x="19041526" y="9914608"/>
-            <a:ext cx="1038225" cy="276999"/>
-          </a:xfrm>
-          <a:prstGeom prst="rect">
-            <a:avLst/>
-          </a:prstGeom>
-        </p:spPr>
-        <p:style>
-          <a:lnRef idx="2">
-            <a:schemeClr val="accent1">
-              <a:shade val="50000"/>
-            </a:schemeClr>
-          </a:lnRef>
-          <a:fillRef idx="1">
-            <a:schemeClr val="accent1"/>
-          </a:fillRef>
-          <a:effectRef idx="0">
-            <a:schemeClr val="accent1"/>
-          </a:effectRef>
-          <a:fontRef idx="minor">
-            <a:schemeClr val="lt1"/>
-          </a:fontRef>
-        </p:style>
-        <p:txBody>
-          <a:bodyPr rtlCol="0" anchor="ctr"/>
-          <a:lstStyle/>
-          <a:p>
-            <a:pPr algn="ctr"/>
-            <a:r>
-              <a:rPr lang="en-US" altLang="zh-CN" sz="1050"/>
-              <a:t>next</a:t>
-            </a:r>
-            <a:endParaRPr lang="zh-CN" altLang="en-US" sz="1050"/>
-          </a:p>
-        </p:txBody>
-      </p:sp>
-      <p:sp>
-        <p:nvSpPr>
-          <p:cNvPr id="75" name="矩形 74">
-            <a:extLst>
-              <a:ext uri="{FF2B5EF4-FFF2-40B4-BE49-F238E27FC236}">
-                <a16:creationId xmlns:a16="http://schemas.microsoft.com/office/drawing/2014/main" id="{8C55E0D1-E586-460E-8EB3-BBF2F2267FF2}"/>
-              </a:ext>
-            </a:extLst>
-          </p:cNvPr>
-          <p:cNvSpPr/>
-          <p:nvPr/>
-        </p:nvSpPr>
-        <p:spPr>
-          <a:xfrm>
-            <a:off x="21067157" y="8611468"/>
-            <a:ext cx="1038225" cy="276999"/>
-          </a:xfrm>
-          <a:prstGeom prst="rect">
-            <a:avLst/>
-          </a:prstGeom>
-        </p:spPr>
-        <p:style>
-          <a:lnRef idx="2">
-            <a:schemeClr val="accent1">
-              <a:shade val="50000"/>
-            </a:schemeClr>
-          </a:lnRef>
-          <a:fillRef idx="1">
-            <a:schemeClr val="accent1"/>
-          </a:fillRef>
-          <a:effectRef idx="0">
-            <a:schemeClr val="accent1"/>
-          </a:effectRef>
-          <a:fontRef idx="minor">
-            <a:schemeClr val="lt1"/>
-          </a:fontRef>
-        </p:style>
-        <p:txBody>
-          <a:bodyPr rtlCol="0" anchor="ctr"/>
-          <a:lstStyle/>
-          <a:p>
-            <a:pPr algn="ctr"/>
-            <a:r>
-              <a:rPr lang="en-US" altLang="zh-CN" sz="1350"/>
-              <a:t>name</a:t>
-            </a:r>
-            <a:endParaRPr lang="zh-CN" altLang="en-US" sz="1350"/>
-          </a:p>
-        </p:txBody>
-      </p:sp>
-      <p:sp>
-        <p:nvSpPr>
-          <p:cNvPr id="76" name="文本框 75">
-            <a:extLst>
-              <a:ext uri="{FF2B5EF4-FFF2-40B4-BE49-F238E27FC236}">
-                <a16:creationId xmlns:a16="http://schemas.microsoft.com/office/drawing/2014/main" id="{55493F54-7724-44DE-B44B-18F7438A661D}"/>
-              </a:ext>
-            </a:extLst>
-          </p:cNvPr>
-          <p:cNvSpPr txBox="1"/>
-          <p:nvPr/>
-        </p:nvSpPr>
-        <p:spPr>
-          <a:xfrm>
-            <a:off x="21105257" y="8334469"/>
-            <a:ext cx="1000125" cy="300082"/>
-          </a:xfrm>
-          <a:prstGeom prst="rect">
-            <a:avLst/>
-          </a:prstGeom>
-          <a:noFill/>
-        </p:spPr>
-        <p:txBody>
-          <a:bodyPr wrap="square">
-            <a:spAutoFit/>
-          </a:bodyPr>
-          <a:lstStyle/>
-          <a:p>
-            <a:r>
-              <a:rPr lang="zh-CN" altLang="en-US" sz="1350"/>
-              <a:t>QemuOpt</a:t>
-            </a:r>
-          </a:p>
-        </p:txBody>
-      </p:sp>
-      <p:sp>
-        <p:nvSpPr>
-          <p:cNvPr id="77" name="矩形 76">
-            <a:extLst>
-              <a:ext uri="{FF2B5EF4-FFF2-40B4-BE49-F238E27FC236}">
-                <a16:creationId xmlns:a16="http://schemas.microsoft.com/office/drawing/2014/main" id="{C742CBCD-E3C4-493E-9272-1817CE998F25}"/>
-              </a:ext>
-            </a:extLst>
-          </p:cNvPr>
-          <p:cNvSpPr/>
-          <p:nvPr/>
-        </p:nvSpPr>
-        <p:spPr>
-          <a:xfrm>
-            <a:off x="21067157" y="8888467"/>
-            <a:ext cx="1038225" cy="276999"/>
-          </a:xfrm>
-          <a:prstGeom prst="rect">
-            <a:avLst/>
-          </a:prstGeom>
-        </p:spPr>
-        <p:style>
-          <a:lnRef idx="2">
-            <a:schemeClr val="accent1">
-              <a:shade val="50000"/>
-            </a:schemeClr>
-          </a:lnRef>
-          <a:fillRef idx="1">
-            <a:schemeClr val="accent1"/>
-          </a:fillRef>
-          <a:effectRef idx="0">
-            <a:schemeClr val="accent1"/>
-          </a:effectRef>
-          <a:fontRef idx="minor">
-            <a:schemeClr val="lt1"/>
-          </a:fontRef>
-        </p:style>
-        <p:txBody>
-          <a:bodyPr rtlCol="0" anchor="ctr"/>
-          <a:lstStyle/>
-          <a:p>
-            <a:pPr algn="ctr"/>
-            <a:r>
-              <a:rPr lang="en-US" altLang="zh-CN" sz="1350"/>
-              <a:t>str</a:t>
-            </a:r>
-            <a:endParaRPr lang="zh-CN" altLang="en-US" sz="1350"/>
-          </a:p>
-        </p:txBody>
-      </p:sp>
-      <p:sp>
-        <p:nvSpPr>
-          <p:cNvPr id="78" name="矩形 77">
-            <a:extLst>
-              <a:ext uri="{FF2B5EF4-FFF2-40B4-BE49-F238E27FC236}">
-                <a16:creationId xmlns:a16="http://schemas.microsoft.com/office/drawing/2014/main" id="{D796C32B-B23A-4E85-91E9-42A42C5C4FED}"/>
-              </a:ext>
-            </a:extLst>
-          </p:cNvPr>
-          <p:cNvSpPr/>
-          <p:nvPr/>
-        </p:nvSpPr>
-        <p:spPr>
-          <a:xfrm>
-            <a:off x="21067157" y="9165466"/>
-            <a:ext cx="1038225" cy="276999"/>
-          </a:xfrm>
-          <a:prstGeom prst="rect">
-            <a:avLst/>
-          </a:prstGeom>
-        </p:spPr>
-        <p:style>
-          <a:lnRef idx="2">
-            <a:schemeClr val="accent1">
-              <a:shade val="50000"/>
-            </a:schemeClr>
-          </a:lnRef>
-          <a:fillRef idx="1">
-            <a:schemeClr val="accent1"/>
-          </a:fillRef>
-          <a:effectRef idx="0">
-            <a:schemeClr val="accent1"/>
-          </a:effectRef>
-          <a:fontRef idx="minor">
-            <a:schemeClr val="lt1"/>
-          </a:fontRef>
-        </p:style>
-        <p:txBody>
-          <a:bodyPr rtlCol="0" anchor="ctr"/>
-          <a:lstStyle/>
-          <a:p>
-            <a:pPr algn="ctr"/>
-            <a:r>
-              <a:rPr lang="en-US" altLang="zh-CN" sz="1350"/>
-              <a:t>desc</a:t>
-            </a:r>
-            <a:endParaRPr lang="zh-CN" altLang="en-US" sz="1350"/>
-          </a:p>
-        </p:txBody>
-      </p:sp>
-      <p:sp>
-        <p:nvSpPr>
-          <p:cNvPr id="79" name="矩形 78">
-            <a:extLst>
-              <a:ext uri="{FF2B5EF4-FFF2-40B4-BE49-F238E27FC236}">
-                <a16:creationId xmlns:a16="http://schemas.microsoft.com/office/drawing/2014/main" id="{C4AC2F19-3671-4B95-8F35-BE3F55F6B51A}"/>
-              </a:ext>
-            </a:extLst>
-          </p:cNvPr>
-          <p:cNvSpPr/>
-          <p:nvPr/>
-        </p:nvSpPr>
-        <p:spPr>
-          <a:xfrm>
-            <a:off x="21067157" y="9411063"/>
-            <a:ext cx="1038225" cy="276999"/>
-          </a:xfrm>
-          <a:prstGeom prst="rect">
-            <a:avLst/>
-          </a:prstGeom>
-        </p:spPr>
-        <p:style>
-          <a:lnRef idx="2">
-            <a:schemeClr val="accent1">
-              <a:shade val="50000"/>
-            </a:schemeClr>
-          </a:lnRef>
-          <a:fillRef idx="1">
-            <a:schemeClr val="accent1"/>
-          </a:fillRef>
-          <a:effectRef idx="0">
-            <a:schemeClr val="accent1"/>
-          </a:effectRef>
-          <a:fontRef idx="minor">
-            <a:schemeClr val="lt1"/>
-          </a:fontRef>
-        </p:style>
-        <p:txBody>
-          <a:bodyPr rtlCol="0" anchor="ctr"/>
-          <a:lstStyle/>
-          <a:p>
-            <a:pPr algn="ctr"/>
-            <a:r>
-              <a:rPr lang="en-US" altLang="zh-CN" sz="1350"/>
-              <a:t>value</a:t>
-            </a:r>
-            <a:endParaRPr lang="zh-CN" altLang="en-US" sz="1350"/>
-          </a:p>
-        </p:txBody>
-      </p:sp>
-      <p:sp>
-        <p:nvSpPr>
-          <p:cNvPr id="80" name="矩形 79">
-            <a:extLst>
-              <a:ext uri="{FF2B5EF4-FFF2-40B4-BE49-F238E27FC236}">
-                <a16:creationId xmlns:a16="http://schemas.microsoft.com/office/drawing/2014/main" id="{A02CFE6B-5C66-4F8D-AA41-B401D57C7B8A}"/>
-              </a:ext>
-            </a:extLst>
-          </p:cNvPr>
-          <p:cNvSpPr/>
-          <p:nvPr/>
-        </p:nvSpPr>
-        <p:spPr>
-          <a:xfrm>
-            <a:off x="21067157" y="9688062"/>
-            <a:ext cx="1038225" cy="276999"/>
-          </a:xfrm>
-          <a:prstGeom prst="rect">
-            <a:avLst/>
-          </a:prstGeom>
-        </p:spPr>
-        <p:style>
-          <a:lnRef idx="2">
-            <a:schemeClr val="accent1">
-              <a:shade val="50000"/>
-            </a:schemeClr>
-          </a:lnRef>
-          <a:fillRef idx="1">
-            <a:schemeClr val="accent1"/>
-          </a:fillRef>
-          <a:effectRef idx="0">
-            <a:schemeClr val="accent1"/>
-          </a:effectRef>
-          <a:fontRef idx="minor">
-            <a:schemeClr val="lt1"/>
-          </a:fontRef>
-        </p:style>
-        <p:txBody>
-          <a:bodyPr rtlCol="0" anchor="ctr"/>
-          <a:lstStyle/>
-          <a:p>
-            <a:pPr algn="ctr"/>
-            <a:r>
-              <a:rPr lang="en-US" altLang="zh-CN" sz="1050"/>
-              <a:t>QemuOpts     *</a:t>
-            </a:r>
-            <a:endParaRPr lang="zh-CN" altLang="en-US" sz="1050"/>
-          </a:p>
-        </p:txBody>
-      </p:sp>
-      <p:sp>
-        <p:nvSpPr>
-          <p:cNvPr id="81" name="矩形 80">
-            <a:extLst>
-              <a:ext uri="{FF2B5EF4-FFF2-40B4-BE49-F238E27FC236}">
-                <a16:creationId xmlns:a16="http://schemas.microsoft.com/office/drawing/2014/main" id="{F9BA102D-8CD6-4A01-A9C1-0E7CDFB00B8C}"/>
-              </a:ext>
-            </a:extLst>
-          </p:cNvPr>
-          <p:cNvSpPr/>
-          <p:nvPr/>
-        </p:nvSpPr>
-        <p:spPr>
-          <a:xfrm>
-            <a:off x="21067157" y="9933658"/>
-            <a:ext cx="1038225" cy="276999"/>
-          </a:xfrm>
-          <a:prstGeom prst="rect">
-            <a:avLst/>
-          </a:prstGeom>
-        </p:spPr>
-        <p:style>
-          <a:lnRef idx="2">
-            <a:schemeClr val="accent1">
-              <a:shade val="50000"/>
-            </a:schemeClr>
-          </a:lnRef>
-          <a:fillRef idx="1">
-            <a:schemeClr val="accent1"/>
-          </a:fillRef>
-          <a:effectRef idx="0">
-            <a:schemeClr val="accent1"/>
-          </a:effectRef>
-          <a:fontRef idx="minor">
-            <a:schemeClr val="lt1"/>
-          </a:fontRef>
-        </p:style>
-        <p:txBody>
-          <a:bodyPr rtlCol="0" anchor="ctr"/>
-          <a:lstStyle/>
-          <a:p>
-            <a:pPr algn="ctr"/>
-            <a:r>
-              <a:rPr lang="en-US" altLang="zh-CN" sz="1050"/>
-              <a:t>next</a:t>
-            </a:r>
-            <a:endParaRPr lang="zh-CN" altLang="en-US" sz="1050"/>
-          </a:p>
-        </p:txBody>
-      </p:sp>
-      <p:sp>
-        <p:nvSpPr>
-          <p:cNvPr id="2" name="文本框 1">
-            <a:extLst>
-              <a:ext uri="{FF2B5EF4-FFF2-40B4-BE49-F238E27FC236}">
-                <a16:creationId xmlns:a16="http://schemas.microsoft.com/office/drawing/2014/main" id="{9CEC34E3-0CC1-4919-97CB-AC3118E21569}"/>
-              </a:ext>
-            </a:extLst>
-          </p:cNvPr>
-          <p:cNvSpPr txBox="1"/>
-          <p:nvPr/>
-        </p:nvSpPr>
-        <p:spPr>
-          <a:xfrm>
-            <a:off x="15939849" y="4781715"/>
-            <a:ext cx="1552575" cy="507831"/>
-          </a:xfrm>
-          <a:prstGeom prst="rect">
-            <a:avLst/>
-          </a:prstGeom>
-          <a:noFill/>
-        </p:spPr>
-        <p:txBody>
-          <a:bodyPr wrap="square" rtlCol="0">
-            <a:spAutoFit/>
-          </a:bodyPr>
-          <a:lstStyle/>
-          <a:p>
-            <a:r>
-              <a:rPr lang="en-US" altLang="zh-CN" sz="1350"/>
-              <a:t>QemuOptsList</a:t>
-            </a:r>
-            <a:endParaRPr lang="zh-CN" altLang="en-US" sz="1350"/>
-          </a:p>
-          <a:p>
-            <a:endParaRPr lang="zh-CN" altLang="en-US" sz="1350"/>
-          </a:p>
-        </p:txBody>
-      </p:sp>
       <p:cxnSp>
         <p:nvCxnSpPr>
-          <p:cNvPr id="7" name="连接符: 曲线 6">
-            <a:extLst>
-              <a:ext uri="{FF2B5EF4-FFF2-40B4-BE49-F238E27FC236}">
-                <a16:creationId xmlns:a16="http://schemas.microsoft.com/office/drawing/2014/main" id="{4520A32D-BDC0-4428-BE94-73BD7DC9CEF1}"/>
+          <p:cNvPr id="105" name="连接符: 肘形 104">
+            <a:extLst>
+              <a:ext uri="{FF2B5EF4-FFF2-40B4-BE49-F238E27FC236}">
+                <a16:creationId xmlns:a16="http://schemas.microsoft.com/office/drawing/2014/main" id="{34C861BE-2BBB-4A24-94E2-B8FF11EF7703}"/>
               </a:ext>
             </a:extLst>
           </p:cNvPr>
           <p:cNvCxnSpPr>
-            <a:stCxn id="35" idx="3"/>
-            <a:endCxn id="45" idx="1"/>
+            <a:stCxn id="34" idx="3"/>
+            <a:endCxn id="60" idx="3"/>
           </p:cNvCxnSpPr>
           <p:nvPr/>
         </p:nvCxnSpPr>
         <p:spPr>
-          <a:xfrm flipV="1">
-            <a:off x="15338682" y="7741591"/>
-            <a:ext cx="2917755" cy="7511"/>
-          </a:xfrm>
-          <a:prstGeom prst="curvedConnector3">
-            <a:avLst/>
+          <a:xfrm>
+            <a:off x="15338682" y="7439540"/>
+            <a:ext cx="1456355" cy="2664021"/>
+          </a:xfrm>
+          <a:prstGeom prst="bentConnector3">
+            <a:avLst>
+              <a:gd name="adj1" fmla="val 135972"/>
+            </a:avLst>
           </a:prstGeom>
           <a:ln>
             <a:headEnd type="triangle"/>
@@ -5319,14 +5785,14 @@
           </a:ln>
         </p:spPr>
         <p:style>
-          <a:lnRef idx="1">
-            <a:schemeClr val="accent1"/>
+          <a:lnRef idx="2">
+            <a:schemeClr val="dk1"/>
           </a:lnRef>
           <a:fillRef idx="0">
-            <a:schemeClr val="accent1"/>
+            <a:schemeClr val="dk1"/>
           </a:fillRef>
-          <a:effectRef idx="0">
-            <a:schemeClr val="accent1"/>
+          <a:effectRef idx="1">
+            <a:schemeClr val="dk1"/>
           </a:effectRef>
           <a:fontRef idx="minor">
             <a:schemeClr val="tx1"/>
@@ -5335,28 +5801,26 @@
       </p:cxnSp>
       <p:cxnSp>
         <p:nvCxnSpPr>
-          <p:cNvPr id="9" name="连接符: 曲线 8">
-            <a:extLst>
-              <a:ext uri="{FF2B5EF4-FFF2-40B4-BE49-F238E27FC236}">
-                <a16:creationId xmlns:a16="http://schemas.microsoft.com/office/drawing/2014/main" id="{96AE7240-EB44-4B78-8627-ED5C12C468EB}"/>
+          <p:cNvPr id="119" name="直接箭头连接符 118">
+            <a:extLst>
+              <a:ext uri="{FF2B5EF4-FFF2-40B4-BE49-F238E27FC236}">
+                <a16:creationId xmlns:a16="http://schemas.microsoft.com/office/drawing/2014/main" id="{235AA506-9838-4BC7-82F7-B35C4075EE93}"/>
               </a:ext>
             </a:extLst>
           </p:cNvPr>
           <p:cNvCxnSpPr>
-            <a:stCxn id="45" idx="3"/>
-            <a:endCxn id="11" idx="3"/>
+            <a:stCxn id="53" idx="3"/>
+            <a:endCxn id="60" idx="1"/>
           </p:cNvCxnSpPr>
           <p:nvPr/>
         </p:nvCxnSpPr>
         <p:spPr>
-          <a:xfrm flipH="1" flipV="1">
-            <a:off x="17021889" y="5800136"/>
-            <a:ext cx="2377548" cy="1941455"/>
-          </a:xfrm>
-          <a:prstGeom prst="curvedConnector3">
-            <a:avLst>
-              <a:gd name="adj1" fmla="val -32450"/>
-            </a:avLst>
+          <a:xfrm>
+            <a:off x="14087722" y="10103561"/>
+            <a:ext cx="1669090" cy="0"/>
+          </a:xfrm>
+          <a:prstGeom prst="straightConnector1">
+            <a:avLst/>
           </a:prstGeom>
           <a:ln>
             <a:headEnd type="triangle"/>
@@ -5364,14 +5828,14 @@
           </a:ln>
         </p:spPr>
         <p:style>
-          <a:lnRef idx="1">
-            <a:schemeClr val="accent1"/>
+          <a:lnRef idx="2">
+            <a:schemeClr val="dk1"/>
           </a:lnRef>
           <a:fillRef idx="0">
-            <a:schemeClr val="accent1"/>
+            <a:schemeClr val="dk1"/>
           </a:fillRef>
-          <a:effectRef idx="0">
-            <a:schemeClr val="accent1"/>
+          <a:effectRef idx="1">
+            <a:schemeClr val="dk1"/>
           </a:effectRef>
           <a:fontRef idx="minor">
             <a:schemeClr val="tx1"/>
@@ -5380,43 +5844,43 @@
       </p:cxnSp>
       <p:cxnSp>
         <p:nvCxnSpPr>
-          <p:cNvPr id="18" name="连接符: 曲线 17">
-            <a:extLst>
-              <a:ext uri="{FF2B5EF4-FFF2-40B4-BE49-F238E27FC236}">
-                <a16:creationId xmlns:a16="http://schemas.microsoft.com/office/drawing/2014/main" id="{0C68C705-B9A9-4FF4-ACE4-B19DEA58F76B}"/>
+          <p:cNvPr id="123" name="连接符: 肘形 122">
+            <a:extLst>
+              <a:ext uri="{FF2B5EF4-FFF2-40B4-BE49-F238E27FC236}">
+                <a16:creationId xmlns:a16="http://schemas.microsoft.com/office/drawing/2014/main" id="{F7007E29-98A4-4D52-9005-061493FA7434}"/>
               </a:ext>
             </a:extLst>
           </p:cNvPr>
           <p:cNvCxnSpPr>
-            <a:stCxn id="35" idx="1"/>
-            <a:endCxn id="11" idx="1"/>
+            <a:stCxn id="52" idx="1"/>
           </p:cNvCxnSpPr>
           <p:nvPr/>
         </p:nvCxnSpPr>
         <p:spPr>
           <a:xfrm rot="10800000" flipH="1">
-            <a:off x="14195681" y="5800136"/>
-            <a:ext cx="1744167" cy="1948966"/>
-          </a:xfrm>
-          <a:prstGeom prst="curvedConnector3">
+            <a:off x="13049496" y="6665633"/>
+            <a:ext cx="1146185" cy="3192332"/>
+          </a:xfrm>
+          <a:prstGeom prst="bentConnector4">
             <a:avLst>
-              <a:gd name="adj1" fmla="val -66625"/>
+              <a:gd name="adj1" fmla="val -19944"/>
+              <a:gd name="adj2" fmla="val 99908"/>
             </a:avLst>
           </a:prstGeom>
           <a:ln>
-            <a:headEnd type="triangle"/>
+            <a:prstDash val="dash"/>
             <a:tailEnd type="triangle"/>
           </a:ln>
         </p:spPr>
         <p:style>
-          <a:lnRef idx="1">
-            <a:schemeClr val="accent1"/>
+          <a:lnRef idx="2">
+            <a:schemeClr val="accent6"/>
           </a:lnRef>
           <a:fillRef idx="0">
-            <a:schemeClr val="accent1"/>
+            <a:schemeClr val="accent6"/>
           </a:fillRef>
-          <a:effectRef idx="0">
-            <a:schemeClr val="accent1"/>
+          <a:effectRef idx="1">
+            <a:schemeClr val="accent6"/>
           </a:effectRef>
           <a:fontRef idx="minor">
             <a:schemeClr val="tx1"/>
@@ -5425,41 +5889,44 @@
       </p:cxnSp>
       <p:cxnSp>
         <p:nvCxnSpPr>
-          <p:cNvPr id="25" name="连接符: 曲线 24">
-            <a:extLst>
-              <a:ext uri="{FF2B5EF4-FFF2-40B4-BE49-F238E27FC236}">
-                <a16:creationId xmlns:a16="http://schemas.microsoft.com/office/drawing/2014/main" id="{B768FFE9-7B4E-40B3-8733-AF54E6946CC9}"/>
+          <p:cNvPr id="126" name="连接符: 肘形 125">
+            <a:extLst>
+              <a:ext uri="{FF2B5EF4-FFF2-40B4-BE49-F238E27FC236}">
+                <a16:creationId xmlns:a16="http://schemas.microsoft.com/office/drawing/2014/main" id="{524A620D-5920-487C-BF57-722215F058F5}"/>
               </a:ext>
             </a:extLst>
           </p:cNvPr>
           <p:cNvCxnSpPr>
-            <a:stCxn id="53" idx="3"/>
-            <a:endCxn id="60" idx="1"/>
+            <a:cxnSpLocks/>
+            <a:stCxn id="59" idx="3"/>
           </p:cNvCxnSpPr>
           <p:nvPr/>
         </p:nvCxnSpPr>
         <p:spPr>
-          <a:xfrm>
-            <a:off x="14286786" y="10015009"/>
-            <a:ext cx="857249" cy="38099"/>
-          </a:xfrm>
-          <a:prstGeom prst="curvedConnector3">
-            <a:avLst/>
+          <a:xfrm flipH="1" flipV="1">
+            <a:off x="15357018" y="6665633"/>
+            <a:ext cx="1438019" cy="3192332"/>
+          </a:xfrm>
+          <a:prstGeom prst="bentConnector4">
+            <a:avLst>
+              <a:gd name="adj1" fmla="val -12585"/>
+              <a:gd name="adj2" fmla="val 99908"/>
+            </a:avLst>
           </a:prstGeom>
           <a:ln>
-            <a:headEnd type="triangle"/>
+            <a:prstDash val="dash"/>
             <a:tailEnd type="triangle"/>
           </a:ln>
         </p:spPr>
         <p:style>
-          <a:lnRef idx="1">
-            <a:schemeClr val="accent1"/>
+          <a:lnRef idx="2">
+            <a:schemeClr val="accent6"/>
           </a:lnRef>
           <a:fillRef idx="0">
-            <a:schemeClr val="accent1"/>
+            <a:schemeClr val="accent6"/>
           </a:fillRef>
-          <a:effectRef idx="0">
-            <a:schemeClr val="accent1"/>
+          <a:effectRef idx="1">
+            <a:schemeClr val="accent6"/>
           </a:effectRef>
           <a:fontRef idx="minor">
             <a:schemeClr val="tx1"/>
@@ -5468,43 +5935,43 @@
       </p:cxnSp>
       <p:cxnSp>
         <p:nvCxnSpPr>
-          <p:cNvPr id="27" name="连接符: 曲线 26">
-            <a:extLst>
-              <a:ext uri="{FF2B5EF4-FFF2-40B4-BE49-F238E27FC236}">
-                <a16:creationId xmlns:a16="http://schemas.microsoft.com/office/drawing/2014/main" id="{DB45C8A9-3865-4F11-AC38-BB758BC44858}"/>
+          <p:cNvPr id="131" name="连接符: 肘形 130">
+            <a:extLst>
+              <a:ext uri="{FF2B5EF4-FFF2-40B4-BE49-F238E27FC236}">
+                <a16:creationId xmlns:a16="http://schemas.microsoft.com/office/drawing/2014/main" id="{6319D4C5-124C-4836-AC5D-780087C90A3B}"/>
               </a:ext>
             </a:extLst>
           </p:cNvPr>
           <p:cNvCxnSpPr>
-            <a:stCxn id="60" idx="3"/>
-            <a:endCxn id="34" idx="3"/>
+            <a:stCxn id="50" idx="3"/>
+            <a:endCxn id="82" idx="1"/>
           </p:cNvCxnSpPr>
           <p:nvPr/>
         </p:nvCxnSpPr>
         <p:spPr>
-          <a:xfrm flipH="1" flipV="1">
-            <a:off x="15338682" y="7439540"/>
-            <a:ext cx="843578" cy="2613568"/>
-          </a:xfrm>
-          <a:prstGeom prst="curvedConnector3">
+          <a:xfrm flipV="1">
+            <a:off x="14087722" y="6337122"/>
+            <a:ext cx="3373443" cy="2998247"/>
+          </a:xfrm>
+          <a:prstGeom prst="bentConnector3">
             <a:avLst>
-              <a:gd name="adj1" fmla="val -89201"/>
+              <a:gd name="adj1" fmla="val 44635"/>
             </a:avLst>
           </a:prstGeom>
           <a:ln>
-            <a:headEnd type="triangle"/>
+            <a:prstDash val="lgDash"/>
             <a:tailEnd type="triangle"/>
           </a:ln>
         </p:spPr>
         <p:style>
-          <a:lnRef idx="1">
-            <a:schemeClr val="accent1"/>
+          <a:lnRef idx="2">
+            <a:schemeClr val="accent4"/>
           </a:lnRef>
           <a:fillRef idx="0">
-            <a:schemeClr val="accent1"/>
+            <a:schemeClr val="accent4"/>
           </a:fillRef>
-          <a:effectRef idx="0">
-            <a:schemeClr val="accent1"/>
+          <a:effectRef idx="1">
+            <a:schemeClr val="accent4"/>
           </a:effectRef>
           <a:fontRef idx="minor">
             <a:schemeClr val="tx1"/>
@@ -5513,43 +5980,43 @@
       </p:cxnSp>
       <p:cxnSp>
         <p:nvCxnSpPr>
-          <p:cNvPr id="30" name="连接符: 曲线 29">
-            <a:extLst>
-              <a:ext uri="{FF2B5EF4-FFF2-40B4-BE49-F238E27FC236}">
-                <a16:creationId xmlns:a16="http://schemas.microsoft.com/office/drawing/2014/main" id="{C132B342-8DD1-4021-9A9C-A70D00FA0ED9}"/>
+          <p:cNvPr id="138" name="连接符: 肘形 137">
+            <a:extLst>
+              <a:ext uri="{FF2B5EF4-FFF2-40B4-BE49-F238E27FC236}">
+                <a16:creationId xmlns:a16="http://schemas.microsoft.com/office/drawing/2014/main" id="{B3FA03B8-534E-4004-B946-E2F17DB0CD82}"/>
               </a:ext>
             </a:extLst>
           </p:cNvPr>
           <p:cNvCxnSpPr>
-            <a:stCxn id="53" idx="1"/>
-            <a:endCxn id="34" idx="1"/>
+            <a:stCxn id="57" idx="3"/>
+            <a:endCxn id="83" idx="1"/>
           </p:cNvCxnSpPr>
           <p:nvPr/>
         </p:nvCxnSpPr>
         <p:spPr>
-          <a:xfrm rot="10800000" flipH="1">
-            <a:off x="13248560" y="7439541"/>
-            <a:ext cx="947121" cy="2575469"/>
-          </a:xfrm>
-          <a:prstGeom prst="curvedConnector3">
+          <a:xfrm flipV="1">
+            <a:off x="16795037" y="6611763"/>
+            <a:ext cx="666128" cy="2723606"/>
+          </a:xfrm>
+          <a:prstGeom prst="bentConnector3">
             <a:avLst>
-              <a:gd name="adj1" fmla="val -80454"/>
+              <a:gd name="adj1" fmla="val 55720"/>
             </a:avLst>
           </a:prstGeom>
           <a:ln>
-            <a:headEnd type="triangle"/>
+            <a:prstDash val="lgDash"/>
             <a:tailEnd type="triangle"/>
           </a:ln>
         </p:spPr>
         <p:style>
-          <a:lnRef idx="1">
-            <a:schemeClr val="accent1"/>
+          <a:lnRef idx="2">
+            <a:schemeClr val="accent4"/>
           </a:lnRef>
           <a:fillRef idx="0">
-            <a:schemeClr val="accent1"/>
+            <a:schemeClr val="accent4"/>
           </a:fillRef>
-          <a:effectRef idx="0">
-            <a:schemeClr val="accent1"/>
+          <a:effectRef idx="1">
+            <a:schemeClr val="accent4"/>
           </a:effectRef>
           <a:fontRef idx="minor">
             <a:schemeClr val="tx1"/>
@@ -5558,27 +6025,27 @@
       </p:cxnSp>
       <p:cxnSp>
         <p:nvCxnSpPr>
-          <p:cNvPr id="37" name="连接符: 曲线 36">
-            <a:extLst>
-              <a:ext uri="{FF2B5EF4-FFF2-40B4-BE49-F238E27FC236}">
-                <a16:creationId xmlns:a16="http://schemas.microsoft.com/office/drawing/2014/main" id="{D3119361-4FAF-484E-BD60-4765A31E6CB6}"/>
+          <p:cNvPr id="158" name="连接符: 肘形 157">
+            <a:extLst>
+              <a:ext uri="{FF2B5EF4-FFF2-40B4-BE49-F238E27FC236}">
+                <a16:creationId xmlns:a16="http://schemas.microsoft.com/office/drawing/2014/main" id="{357B2F59-66D5-48CC-93F0-DD82545DC907}"/>
               </a:ext>
             </a:extLst>
           </p:cNvPr>
           <p:cNvCxnSpPr>
-            <a:stCxn id="44" idx="3"/>
-            <a:endCxn id="81" idx="3"/>
+            <a:stCxn id="44" idx="1"/>
+            <a:endCxn id="74" idx="1"/>
           </p:cNvCxnSpPr>
           <p:nvPr/>
         </p:nvCxnSpPr>
         <p:spPr>
-          <a:xfrm>
-            <a:off x="19399437" y="7432029"/>
-            <a:ext cx="2705945" cy="2640129"/>
-          </a:xfrm>
-          <a:prstGeom prst="curvedConnector3">
+          <a:xfrm rot="10800000" flipV="1">
+            <a:off x="18925414" y="7439540"/>
+            <a:ext cx="1423756" cy="2613568"/>
+          </a:xfrm>
+          <a:prstGeom prst="bentConnector3">
             <a:avLst>
-              <a:gd name="adj1" fmla="val 130272"/>
+              <a:gd name="adj1" fmla="val 144154"/>
             </a:avLst>
           </a:prstGeom>
           <a:ln>
@@ -5587,14 +6054,14 @@
           </a:ln>
         </p:spPr>
         <p:style>
-          <a:lnRef idx="1">
-            <a:schemeClr val="accent1"/>
+          <a:lnRef idx="2">
+            <a:schemeClr val="dk1"/>
           </a:lnRef>
           <a:fillRef idx="0">
-            <a:schemeClr val="accent1"/>
+            <a:schemeClr val="dk1"/>
           </a:fillRef>
-          <a:effectRef idx="0">
-            <a:schemeClr val="accent1"/>
+          <a:effectRef idx="1">
+            <a:schemeClr val="dk1"/>
           </a:effectRef>
           <a:fontRef idx="minor">
             <a:schemeClr val="tx1"/>
@@ -5603,26 +6070,28 @@
       </p:cxnSp>
       <p:cxnSp>
         <p:nvCxnSpPr>
-          <p:cNvPr id="40" name="连接符: 曲线 39">
-            <a:extLst>
-              <a:ext uri="{FF2B5EF4-FFF2-40B4-BE49-F238E27FC236}">
-                <a16:creationId xmlns:a16="http://schemas.microsoft.com/office/drawing/2014/main" id="{083AC7DE-1030-45F0-98D9-FDC8D4387136}"/>
+          <p:cNvPr id="161" name="连接符: 肘形 160">
+            <a:extLst>
+              <a:ext uri="{FF2B5EF4-FFF2-40B4-BE49-F238E27FC236}">
+                <a16:creationId xmlns:a16="http://schemas.microsoft.com/office/drawing/2014/main" id="{1E3A2B14-DEF2-441F-8BB1-95B87CA26BEE}"/>
               </a:ext>
             </a:extLst>
           </p:cNvPr>
           <p:cNvCxnSpPr>
-            <a:stCxn id="81" idx="1"/>
-            <a:endCxn id="74" idx="3"/>
+            <a:stCxn id="44" idx="3"/>
+            <a:endCxn id="81" idx="3"/>
           </p:cNvCxnSpPr>
           <p:nvPr/>
         </p:nvCxnSpPr>
         <p:spPr>
-          <a:xfrm rot="10800000">
-            <a:off x="20079751" y="10053108"/>
-            <a:ext cx="987406" cy="19050"/>
-          </a:xfrm>
-          <a:prstGeom prst="curvedConnector3">
-            <a:avLst/>
+          <a:xfrm>
+            <a:off x="21492170" y="7439540"/>
+            <a:ext cx="1701784" cy="2632618"/>
+          </a:xfrm>
+          <a:prstGeom prst="bentConnector3">
+            <a:avLst>
+              <a:gd name="adj1" fmla="val 141418"/>
+            </a:avLst>
           </a:prstGeom>
           <a:ln>
             <a:headEnd type="triangle"/>
@@ -5630,14 +6099,14 @@
           </a:ln>
         </p:spPr>
         <p:style>
-          <a:lnRef idx="1">
-            <a:schemeClr val="accent1"/>
+          <a:lnRef idx="2">
+            <a:schemeClr val="dk1"/>
           </a:lnRef>
           <a:fillRef idx="0">
-            <a:schemeClr val="accent1"/>
+            <a:schemeClr val="dk1"/>
           </a:fillRef>
-          <a:effectRef idx="0">
-            <a:schemeClr val="accent1"/>
+          <a:effectRef idx="1">
+            <a:schemeClr val="dk1"/>
           </a:effectRef>
           <a:fontRef idx="minor">
             <a:schemeClr val="tx1"/>
@@ -5646,28 +6115,26 @@
       </p:cxnSp>
       <p:cxnSp>
         <p:nvCxnSpPr>
-          <p:cNvPr id="61" name="连接符: 曲线 60">
-            <a:extLst>
-              <a:ext uri="{FF2B5EF4-FFF2-40B4-BE49-F238E27FC236}">
-                <a16:creationId xmlns:a16="http://schemas.microsoft.com/office/drawing/2014/main" id="{1B11B4D2-B20E-4271-9181-EDE62A0CB568}"/>
+          <p:cNvPr id="164" name="直接箭头连接符 163">
+            <a:extLst>
+              <a:ext uri="{FF2B5EF4-FFF2-40B4-BE49-F238E27FC236}">
+                <a16:creationId xmlns:a16="http://schemas.microsoft.com/office/drawing/2014/main" id="{A62963B1-A005-45AD-A73D-5136582D246F}"/>
               </a:ext>
             </a:extLst>
           </p:cNvPr>
           <p:cNvCxnSpPr>
-            <a:stCxn id="74" idx="1"/>
-            <a:endCxn id="44" idx="1"/>
+            <a:stCxn id="74" idx="3"/>
+            <a:endCxn id="81" idx="1"/>
           </p:cNvCxnSpPr>
           <p:nvPr/>
         </p:nvCxnSpPr>
         <p:spPr>
-          <a:xfrm rot="10800000">
-            <a:off x="18256438" y="7432030"/>
-            <a:ext cx="785089" cy="2621079"/>
-          </a:xfrm>
-          <a:prstGeom prst="curvedConnector3">
-            <a:avLst>
-              <a:gd name="adj1" fmla="val 195846"/>
-            </a:avLst>
+          <a:xfrm>
+            <a:off x="19963639" y="10053108"/>
+            <a:ext cx="2192090" cy="19050"/>
+          </a:xfrm>
+          <a:prstGeom prst="straightConnector1">
+            <a:avLst/>
           </a:prstGeom>
           <a:ln>
             <a:headEnd type="triangle"/>
@@ -5675,980 +6142,197 @@
           </a:ln>
         </p:spPr>
         <p:style>
-          <a:lnRef idx="1">
-            <a:schemeClr val="accent1"/>
+          <a:lnRef idx="2">
+            <a:schemeClr val="dk1"/>
           </a:lnRef>
           <a:fillRef idx="0">
-            <a:schemeClr val="accent1"/>
+            <a:schemeClr val="dk1"/>
           </a:fillRef>
-          <a:effectRef idx="0">
-            <a:schemeClr val="accent1"/>
+          <a:effectRef idx="1">
+            <a:schemeClr val="dk1"/>
           </a:effectRef>
           <a:fontRef idx="minor">
             <a:schemeClr val="tx1"/>
           </a:fontRef>
         </p:style>
       </p:cxnSp>
-      <p:sp>
-        <p:nvSpPr>
-          <p:cNvPr id="85" name="任意多边形: 形状 84">
-            <a:extLst>
-              <a:ext uri="{FF2B5EF4-FFF2-40B4-BE49-F238E27FC236}">
-                <a16:creationId xmlns:a16="http://schemas.microsoft.com/office/drawing/2014/main" id="{301DC9C9-45D8-4397-A262-954D6E41363B}"/>
-              </a:ext>
-            </a:extLst>
-          </p:cNvPr>
-          <p:cNvSpPr/>
-          <p:nvPr/>
-        </p:nvSpPr>
-        <p:spPr>
-          <a:xfrm>
-            <a:off x="12327830" y="6696075"/>
-            <a:ext cx="1902520" cy="3057525"/>
-          </a:xfrm>
-          <a:custGeom>
-            <a:avLst/>
-            <a:gdLst>
-              <a:gd name="connsiteX0" fmla="*/ 808947 w 1694772"/>
-              <a:gd name="connsiteY0" fmla="*/ 3057525 h 3057525"/>
-              <a:gd name="connsiteX1" fmla="*/ 27897 w 1694772"/>
-              <a:gd name="connsiteY1" fmla="*/ 1000125 h 3057525"/>
-              <a:gd name="connsiteX2" fmla="*/ 1694772 w 1694772"/>
-              <a:gd name="connsiteY2" fmla="*/ 0 h 3057525"/>
-            </a:gdLst>
-            <a:ahLst/>
-            <a:cxnLst>
-              <a:cxn ang="0">
-                <a:pos x="connsiteX0" y="connsiteY0"/>
-              </a:cxn>
-              <a:cxn ang="0">
-                <a:pos x="connsiteX1" y="connsiteY1"/>
-              </a:cxn>
-              <a:cxn ang="0">
-                <a:pos x="connsiteX2" y="connsiteY2"/>
-              </a:cxn>
-            </a:cxnLst>
-            <a:rect l="l" t="t" r="r" b="b"/>
-            <a:pathLst>
-              <a:path w="1694772" h="3057525">
-                <a:moveTo>
-                  <a:pt x="808947" y="3057525"/>
-                </a:moveTo>
-                <a:cubicBezTo>
-                  <a:pt x="344603" y="2283618"/>
-                  <a:pt x="-119741" y="1509712"/>
-                  <a:pt x="27897" y="1000125"/>
-                </a:cubicBezTo>
-                <a:cubicBezTo>
-                  <a:pt x="175534" y="490537"/>
-                  <a:pt x="935153" y="245268"/>
-                  <a:pt x="1694772" y="0"/>
-                </a:cubicBezTo>
-              </a:path>
-            </a:pathLst>
-          </a:custGeom>
-          <a:noFill/>
+      <p:cxnSp>
+        <p:nvCxnSpPr>
+          <p:cNvPr id="166" name="连接符: 肘形 165">
+            <a:extLst>
+              <a:ext uri="{FF2B5EF4-FFF2-40B4-BE49-F238E27FC236}">
+                <a16:creationId xmlns:a16="http://schemas.microsoft.com/office/drawing/2014/main" id="{F03E55EB-0684-4ED8-81CB-81AEB8240CF6}"/>
+              </a:ext>
+            </a:extLst>
+          </p:cNvPr>
+          <p:cNvCxnSpPr>
+            <a:cxnSpLocks/>
+          </p:cNvCxnSpPr>
+          <p:nvPr/>
+        </p:nvCxnSpPr>
+        <p:spPr>
+          <a:xfrm rot="10800000" flipH="1">
+            <a:off x="18929859" y="6662866"/>
+            <a:ext cx="1421216" cy="2987097"/>
+          </a:xfrm>
+          <a:prstGeom prst="bentConnector3">
+            <a:avLst>
+              <a:gd name="adj1" fmla="val -16085"/>
+            </a:avLst>
+          </a:prstGeom>
+          <a:ln>
+            <a:prstDash val="dash"/>
+            <a:tailEnd type="triangle"/>
+          </a:ln>
         </p:spPr>
         <p:style>
           <a:lnRef idx="2">
-            <a:schemeClr val="accent1">
-              <a:shade val="50000"/>
-            </a:schemeClr>
+            <a:schemeClr val="accent6"/>
           </a:lnRef>
-          <a:fillRef idx="1">
-            <a:schemeClr val="accent1"/>
+          <a:fillRef idx="0">
+            <a:schemeClr val="accent6"/>
           </a:fillRef>
-          <a:effectRef idx="0">
-            <a:schemeClr val="accent1"/>
+          <a:effectRef idx="1">
+            <a:schemeClr val="accent6"/>
           </a:effectRef>
           <a:fontRef idx="minor">
-            <a:schemeClr val="lt1"/>
+            <a:schemeClr val="tx1"/>
           </a:fontRef>
         </p:style>
-        <p:txBody>
-          <a:bodyPr rtlCol="0" anchor="ctr"/>
-          <a:lstStyle/>
-          <a:p>
-            <a:pPr algn="ctr"/>
-            <a:endParaRPr lang="zh-CN" altLang="en-US"/>
-          </a:p>
-        </p:txBody>
-      </p:sp>
-      <p:sp>
-        <p:nvSpPr>
-          <p:cNvPr id="86" name="任意多边形: 形状 85">
-            <a:extLst>
-              <a:ext uri="{FF2B5EF4-FFF2-40B4-BE49-F238E27FC236}">
-                <a16:creationId xmlns:a16="http://schemas.microsoft.com/office/drawing/2014/main" id="{04228407-194D-44B7-B1AC-DE7710F6C98E}"/>
-              </a:ext>
-            </a:extLst>
-          </p:cNvPr>
-          <p:cNvSpPr/>
-          <p:nvPr/>
-        </p:nvSpPr>
-        <p:spPr>
-          <a:xfrm>
-            <a:off x="15354300" y="6686550"/>
-            <a:ext cx="1457871" cy="3124200"/>
-          </a:xfrm>
-          <a:custGeom>
-            <a:avLst/>
-            <a:gdLst>
-              <a:gd name="connsiteX0" fmla="*/ 800100 w 1457871"/>
-              <a:gd name="connsiteY0" fmla="*/ 3124200 h 3124200"/>
-              <a:gd name="connsiteX1" fmla="*/ 1323975 w 1457871"/>
-              <a:gd name="connsiteY1" fmla="*/ 2295525 h 3124200"/>
-              <a:gd name="connsiteX2" fmla="*/ 1343025 w 1457871"/>
-              <a:gd name="connsiteY2" fmla="*/ 485775 h 3124200"/>
-              <a:gd name="connsiteX3" fmla="*/ 0 w 1457871"/>
-              <a:gd name="connsiteY3" fmla="*/ 0 h 3124200"/>
-            </a:gdLst>
-            <a:ahLst/>
-            <a:cxnLst>
-              <a:cxn ang="0">
-                <a:pos x="connsiteX0" y="connsiteY0"/>
-              </a:cxn>
-              <a:cxn ang="0">
-                <a:pos x="connsiteX1" y="connsiteY1"/>
-              </a:cxn>
-              <a:cxn ang="0">
-                <a:pos x="connsiteX2" y="connsiteY2"/>
-              </a:cxn>
-              <a:cxn ang="0">
-                <a:pos x="connsiteX3" y="connsiteY3"/>
-              </a:cxn>
-            </a:cxnLst>
-            <a:rect l="l" t="t" r="r" b="b"/>
-            <a:pathLst>
-              <a:path w="1457871" h="3124200">
-                <a:moveTo>
-                  <a:pt x="800100" y="3124200"/>
-                </a:moveTo>
-                <a:cubicBezTo>
-                  <a:pt x="1016793" y="2929731"/>
-                  <a:pt x="1233487" y="2735263"/>
-                  <a:pt x="1323975" y="2295525"/>
-                </a:cubicBezTo>
-                <a:cubicBezTo>
-                  <a:pt x="1414463" y="1855787"/>
-                  <a:pt x="1563687" y="868362"/>
-                  <a:pt x="1343025" y="485775"/>
-                </a:cubicBezTo>
-                <a:cubicBezTo>
-                  <a:pt x="1122363" y="103188"/>
-                  <a:pt x="561181" y="51594"/>
-                  <a:pt x="0" y="0"/>
-                </a:cubicBezTo>
-              </a:path>
-            </a:pathLst>
-          </a:custGeom>
-          <a:noFill/>
+      </p:cxnSp>
+      <p:cxnSp>
+        <p:nvCxnSpPr>
+          <p:cNvPr id="168" name="连接符: 肘形 167">
+            <a:extLst>
+              <a:ext uri="{FF2B5EF4-FFF2-40B4-BE49-F238E27FC236}">
+                <a16:creationId xmlns:a16="http://schemas.microsoft.com/office/drawing/2014/main" id="{E37DAF84-D1EC-4A18-AB0C-AF9B94632EAC}"/>
+              </a:ext>
+            </a:extLst>
+          </p:cNvPr>
+          <p:cNvCxnSpPr>
+            <a:stCxn id="80" idx="3"/>
+          </p:cNvCxnSpPr>
+          <p:nvPr/>
+        </p:nvCxnSpPr>
+        <p:spPr>
+          <a:xfrm flipH="1" flipV="1">
+            <a:off x="21498520" y="6674994"/>
+            <a:ext cx="1695434" cy="3151568"/>
+          </a:xfrm>
+          <a:prstGeom prst="bentConnector4">
+            <a:avLst>
+              <a:gd name="adj1" fmla="val -13483"/>
+              <a:gd name="adj2" fmla="val 99949"/>
+            </a:avLst>
+          </a:prstGeom>
+          <a:ln>
+            <a:prstDash val="dash"/>
+            <a:tailEnd type="triangle"/>
+          </a:ln>
         </p:spPr>
         <p:style>
           <a:lnRef idx="2">
-            <a:schemeClr val="accent1">
-              <a:shade val="50000"/>
-            </a:schemeClr>
+            <a:schemeClr val="accent6"/>
           </a:lnRef>
-          <a:fillRef idx="1">
-            <a:schemeClr val="accent1"/>
+          <a:fillRef idx="0">
+            <a:schemeClr val="accent6"/>
           </a:fillRef>
-          <a:effectRef idx="0">
-            <a:schemeClr val="accent1"/>
+          <a:effectRef idx="1">
+            <a:schemeClr val="accent6"/>
           </a:effectRef>
           <a:fontRef idx="minor">
-            <a:schemeClr val="lt1"/>
+            <a:schemeClr val="tx1"/>
           </a:fontRef>
         </p:style>
-        <p:txBody>
-          <a:bodyPr rtlCol="0" anchor="ctr"/>
-          <a:lstStyle/>
-          <a:p>
-            <a:pPr algn="ctr"/>
-            <a:endParaRPr lang="zh-CN" altLang="en-US"/>
-          </a:p>
-        </p:txBody>
-      </p:sp>
-      <p:sp>
-        <p:nvSpPr>
-          <p:cNvPr id="87" name="任意多边形: 形状 86">
-            <a:extLst>
-              <a:ext uri="{FF2B5EF4-FFF2-40B4-BE49-F238E27FC236}">
-                <a16:creationId xmlns:a16="http://schemas.microsoft.com/office/drawing/2014/main" id="{5FC99F71-975D-4CD4-9AB3-814BBA16B5C1}"/>
-              </a:ext>
-            </a:extLst>
-          </p:cNvPr>
-          <p:cNvSpPr/>
-          <p:nvPr/>
-        </p:nvSpPr>
-        <p:spPr>
-          <a:xfrm>
-            <a:off x="17448461" y="6686550"/>
-            <a:ext cx="1630114" cy="3133725"/>
-          </a:xfrm>
-          <a:custGeom>
-            <a:avLst/>
-            <a:gdLst>
-              <a:gd name="connsiteX0" fmla="*/ 1630114 w 1630114"/>
-              <a:gd name="connsiteY0" fmla="*/ 3133725 h 3133725"/>
-              <a:gd name="connsiteX1" fmla="*/ 429964 w 1630114"/>
-              <a:gd name="connsiteY1" fmla="*/ 2333625 h 3133725"/>
-              <a:gd name="connsiteX2" fmla="*/ 10864 w 1630114"/>
-              <a:gd name="connsiteY2" fmla="*/ 695325 h 3133725"/>
-              <a:gd name="connsiteX3" fmla="*/ 801439 w 1630114"/>
-              <a:gd name="connsiteY3" fmla="*/ 0 h 3133725"/>
-            </a:gdLst>
-            <a:ahLst/>
-            <a:cxnLst>
-              <a:cxn ang="0">
-                <a:pos x="connsiteX0" y="connsiteY0"/>
-              </a:cxn>
-              <a:cxn ang="0">
-                <a:pos x="connsiteX1" y="connsiteY1"/>
-              </a:cxn>
-              <a:cxn ang="0">
-                <a:pos x="connsiteX2" y="connsiteY2"/>
-              </a:cxn>
-              <a:cxn ang="0">
-                <a:pos x="connsiteX3" y="connsiteY3"/>
-              </a:cxn>
-            </a:cxnLst>
-            <a:rect l="l" t="t" r="r" b="b"/>
-            <a:pathLst>
-              <a:path w="1630114" h="3133725">
-                <a:moveTo>
-                  <a:pt x="1630114" y="3133725"/>
-                </a:moveTo>
-                <a:cubicBezTo>
-                  <a:pt x="1164976" y="2936875"/>
-                  <a:pt x="699839" y="2740025"/>
-                  <a:pt x="429964" y="2333625"/>
-                </a:cubicBezTo>
-                <a:cubicBezTo>
-                  <a:pt x="160089" y="1927225"/>
-                  <a:pt x="-51049" y="1084262"/>
-                  <a:pt x="10864" y="695325"/>
-                </a:cubicBezTo>
-                <a:cubicBezTo>
-                  <a:pt x="72776" y="306387"/>
-                  <a:pt x="437107" y="153193"/>
-                  <a:pt x="801439" y="0"/>
-                </a:cubicBezTo>
-              </a:path>
-            </a:pathLst>
-          </a:custGeom>
-          <a:noFill/>
+      </p:cxnSp>
+      <p:cxnSp>
+        <p:nvCxnSpPr>
+          <p:cNvPr id="178" name="连接符: 肘形 177">
+            <a:extLst>
+              <a:ext uri="{FF2B5EF4-FFF2-40B4-BE49-F238E27FC236}">
+                <a16:creationId xmlns:a16="http://schemas.microsoft.com/office/drawing/2014/main" id="{BC01F0D5-C6DB-422D-84B0-94CBD42F5C5E}"/>
+              </a:ext>
+            </a:extLst>
+          </p:cNvPr>
+          <p:cNvCxnSpPr>
+            <a:cxnSpLocks/>
+            <a:stCxn id="78" idx="1"/>
+          </p:cNvCxnSpPr>
+          <p:nvPr/>
+        </p:nvCxnSpPr>
+        <p:spPr>
+          <a:xfrm rot="10800000">
+            <a:off x="18524155" y="6921012"/>
+            <a:ext cx="3631574" cy="2382955"/>
+          </a:xfrm>
+          <a:prstGeom prst="bentConnector3">
+            <a:avLst>
+              <a:gd name="adj1" fmla="val 54546"/>
+            </a:avLst>
+          </a:prstGeom>
+          <a:ln>
+            <a:prstDash val="lgDash"/>
+            <a:tailEnd type="triangle"/>
+          </a:ln>
         </p:spPr>
         <p:style>
           <a:lnRef idx="2">
-            <a:schemeClr val="accent1">
-              <a:shade val="50000"/>
-            </a:schemeClr>
+            <a:schemeClr val="accent4"/>
           </a:lnRef>
-          <a:fillRef idx="1">
-            <a:schemeClr val="accent1"/>
+          <a:fillRef idx="0">
+            <a:schemeClr val="accent4"/>
           </a:fillRef>
-          <a:effectRef idx="0">
-            <a:schemeClr val="accent1"/>
+          <a:effectRef idx="1">
+            <a:schemeClr val="accent4"/>
           </a:effectRef>
           <a:fontRef idx="minor">
-            <a:schemeClr val="lt1"/>
+            <a:schemeClr val="tx1"/>
           </a:fontRef>
         </p:style>
-        <p:txBody>
-          <a:bodyPr rtlCol="0" anchor="ctr"/>
-          <a:lstStyle/>
-          <a:p>
-            <a:pPr algn="ctr"/>
-            <a:endParaRPr lang="zh-CN" altLang="en-US"/>
-          </a:p>
-        </p:txBody>
-      </p:sp>
-      <p:sp>
-        <p:nvSpPr>
-          <p:cNvPr id="88" name="任意多边形: 形状 87">
-            <a:extLst>
-              <a:ext uri="{FF2B5EF4-FFF2-40B4-BE49-F238E27FC236}">
-                <a16:creationId xmlns:a16="http://schemas.microsoft.com/office/drawing/2014/main" id="{0F6852B8-AD0A-4421-ACBE-9E994775C6D2}"/>
-              </a:ext>
-            </a:extLst>
-          </p:cNvPr>
-          <p:cNvSpPr/>
-          <p:nvPr/>
-        </p:nvSpPr>
-        <p:spPr>
-          <a:xfrm>
-            <a:off x="19421475" y="6667500"/>
-            <a:ext cx="1649352" cy="3195223"/>
-          </a:xfrm>
-          <a:custGeom>
+      </p:cxnSp>
+      <p:cxnSp>
+        <p:nvCxnSpPr>
+          <p:cNvPr id="181" name="连接符: 肘形 180">
+            <a:extLst>
+              <a:ext uri="{FF2B5EF4-FFF2-40B4-BE49-F238E27FC236}">
+                <a16:creationId xmlns:a16="http://schemas.microsoft.com/office/drawing/2014/main" id="{37191AC9-74CC-4630-A7CA-820865BB1077}"/>
+              </a:ext>
+            </a:extLst>
+          </p:cNvPr>
+          <p:cNvCxnSpPr>
+            <a:stCxn id="71" idx="1"/>
+            <a:endCxn id="92" idx="2"/>
+          </p:cNvCxnSpPr>
+          <p:nvPr/>
+        </p:nvCxnSpPr>
+        <p:spPr>
+          <a:xfrm rot="10800000">
+            <a:off x="18002186" y="7313666"/>
+            <a:ext cx="923229" cy="1971251"/>
+          </a:xfrm>
+          <a:prstGeom prst="bentConnector2">
             <a:avLst/>
-            <a:gdLst>
-              <a:gd name="connsiteX0" fmla="*/ 1647825 w 1649352"/>
-              <a:gd name="connsiteY0" fmla="*/ 3133725 h 3195223"/>
-              <a:gd name="connsiteX1" fmla="*/ 1552575 w 1649352"/>
-              <a:gd name="connsiteY1" fmla="*/ 3028950 h 3195223"/>
-              <a:gd name="connsiteX2" fmla="*/ 1028700 w 1649352"/>
-              <a:gd name="connsiteY2" fmla="*/ 1714500 h 3195223"/>
-              <a:gd name="connsiteX3" fmla="*/ 609600 w 1649352"/>
-              <a:gd name="connsiteY3" fmla="*/ 333375 h 3195223"/>
-              <a:gd name="connsiteX4" fmla="*/ 0 w 1649352"/>
-              <a:gd name="connsiteY4" fmla="*/ 0 h 3195223"/>
-            </a:gdLst>
-            <a:ahLst/>
-            <a:cxnLst>
-              <a:cxn ang="0">
-                <a:pos x="connsiteX0" y="connsiteY0"/>
-              </a:cxn>
-              <a:cxn ang="0">
-                <a:pos x="connsiteX1" y="connsiteY1"/>
-              </a:cxn>
-              <a:cxn ang="0">
-                <a:pos x="connsiteX2" y="connsiteY2"/>
-              </a:cxn>
-              <a:cxn ang="0">
-                <a:pos x="connsiteX3" y="connsiteY3"/>
-              </a:cxn>
-              <a:cxn ang="0">
-                <a:pos x="connsiteX4" y="connsiteY4"/>
-              </a:cxn>
-            </a:cxnLst>
-            <a:rect l="l" t="t" r="r" b="b"/>
-            <a:pathLst>
-              <a:path w="1649352" h="3195223">
-                <a:moveTo>
-                  <a:pt x="1647825" y="3133725"/>
-                </a:moveTo>
-                <a:cubicBezTo>
-                  <a:pt x="1651793" y="3199606"/>
-                  <a:pt x="1655762" y="3265487"/>
-                  <a:pt x="1552575" y="3028950"/>
-                </a:cubicBezTo>
-                <a:cubicBezTo>
-                  <a:pt x="1449388" y="2792413"/>
-                  <a:pt x="1185862" y="2163762"/>
-                  <a:pt x="1028700" y="1714500"/>
-                </a:cubicBezTo>
-                <a:cubicBezTo>
-                  <a:pt x="871538" y="1265238"/>
-                  <a:pt x="781050" y="619125"/>
-                  <a:pt x="609600" y="333375"/>
-                </a:cubicBezTo>
-                <a:cubicBezTo>
-                  <a:pt x="438150" y="47625"/>
-                  <a:pt x="219075" y="23812"/>
-                  <a:pt x="0" y="0"/>
-                </a:cubicBezTo>
-              </a:path>
-            </a:pathLst>
-          </a:custGeom>
-          <a:noFill/>
+          </a:prstGeom>
+          <a:ln>
+            <a:prstDash val="lgDash"/>
+            <a:tailEnd type="triangle"/>
+          </a:ln>
         </p:spPr>
         <p:style>
           <a:lnRef idx="2">
-            <a:schemeClr val="accent1">
-              <a:shade val="50000"/>
-            </a:schemeClr>
+            <a:schemeClr val="accent4"/>
           </a:lnRef>
-          <a:fillRef idx="1">
-            <a:schemeClr val="accent1"/>
+          <a:fillRef idx="0">
+            <a:schemeClr val="accent4"/>
           </a:fillRef>
-          <a:effectRef idx="0">
-            <a:schemeClr val="accent1"/>
+          <a:effectRef idx="1">
+            <a:schemeClr val="accent4"/>
           </a:effectRef>
           <a:fontRef idx="minor">
-            <a:schemeClr val="lt1"/>
+            <a:schemeClr val="tx1"/>
           </a:fontRef>
         </p:style>
-        <p:txBody>
-          <a:bodyPr rtlCol="0" anchor="ctr"/>
-          <a:lstStyle/>
-          <a:p>
-            <a:pPr algn="ctr"/>
-            <a:endParaRPr lang="zh-CN" altLang="en-US"/>
-          </a:p>
-        </p:txBody>
-      </p:sp>
-      <p:sp>
-        <p:nvSpPr>
-          <p:cNvPr id="89" name="任意多边形: 形状 88">
-            <a:extLst>
-              <a:ext uri="{FF2B5EF4-FFF2-40B4-BE49-F238E27FC236}">
-                <a16:creationId xmlns:a16="http://schemas.microsoft.com/office/drawing/2014/main" id="{FFA8390A-71D8-44CE-B604-EB2E0D670541}"/>
-              </a:ext>
-            </a:extLst>
-          </p:cNvPr>
-          <p:cNvSpPr/>
-          <p:nvPr/>
-        </p:nvSpPr>
-        <p:spPr>
-          <a:xfrm>
-            <a:off x="15316200" y="5172075"/>
-            <a:ext cx="552450" cy="1952625"/>
-          </a:xfrm>
-          <a:custGeom>
-            <a:avLst/>
-            <a:gdLst>
-              <a:gd name="connsiteX0" fmla="*/ 0 w 552450"/>
-              <a:gd name="connsiteY0" fmla="*/ 1952625 h 1952625"/>
-              <a:gd name="connsiteX1" fmla="*/ 314325 w 552450"/>
-              <a:gd name="connsiteY1" fmla="*/ 1200150 h 1952625"/>
-              <a:gd name="connsiteX2" fmla="*/ 323850 w 552450"/>
-              <a:gd name="connsiteY2" fmla="*/ 276225 h 1952625"/>
-              <a:gd name="connsiteX3" fmla="*/ 552450 w 552450"/>
-              <a:gd name="connsiteY3" fmla="*/ 0 h 1952625"/>
-            </a:gdLst>
-            <a:ahLst/>
-            <a:cxnLst>
-              <a:cxn ang="0">
-                <a:pos x="connsiteX0" y="connsiteY0"/>
-              </a:cxn>
-              <a:cxn ang="0">
-                <a:pos x="connsiteX1" y="connsiteY1"/>
-              </a:cxn>
-              <a:cxn ang="0">
-                <a:pos x="connsiteX2" y="connsiteY2"/>
-              </a:cxn>
-              <a:cxn ang="0">
-                <a:pos x="connsiteX3" y="connsiteY3"/>
-              </a:cxn>
-            </a:cxnLst>
-            <a:rect l="l" t="t" r="r" b="b"/>
-            <a:pathLst>
-              <a:path w="552450" h="1952625">
-                <a:moveTo>
-                  <a:pt x="0" y="1952625"/>
-                </a:moveTo>
-                <a:cubicBezTo>
-                  <a:pt x="130175" y="1716087"/>
-                  <a:pt x="260350" y="1479550"/>
-                  <a:pt x="314325" y="1200150"/>
-                </a:cubicBezTo>
-                <a:cubicBezTo>
-                  <a:pt x="368300" y="920750"/>
-                  <a:pt x="284163" y="476250"/>
-                  <a:pt x="323850" y="276225"/>
-                </a:cubicBezTo>
-                <a:cubicBezTo>
-                  <a:pt x="363537" y="76200"/>
-                  <a:pt x="457993" y="38100"/>
-                  <a:pt x="552450" y="0"/>
-                </a:cubicBezTo>
-              </a:path>
-            </a:pathLst>
-          </a:custGeom>
-          <a:noFill/>
-        </p:spPr>
-        <p:style>
-          <a:lnRef idx="2">
-            <a:schemeClr val="accent1">
-              <a:shade val="50000"/>
-            </a:schemeClr>
-          </a:lnRef>
-          <a:fillRef idx="1">
-            <a:schemeClr val="accent1"/>
-          </a:fillRef>
-          <a:effectRef idx="0">
-            <a:schemeClr val="accent1"/>
-          </a:effectRef>
-          <a:fontRef idx="minor">
-            <a:schemeClr val="lt1"/>
-          </a:fontRef>
-        </p:style>
-        <p:txBody>
-          <a:bodyPr rtlCol="0" anchor="ctr"/>
-          <a:lstStyle/>
-          <a:p>
-            <a:pPr algn="ctr"/>
-            <a:endParaRPr lang="zh-CN" altLang="en-US"/>
-          </a:p>
-        </p:txBody>
-      </p:sp>
-      <p:sp>
-        <p:nvSpPr>
-          <p:cNvPr id="90" name="任意多边形: 形状 89">
-            <a:extLst>
-              <a:ext uri="{FF2B5EF4-FFF2-40B4-BE49-F238E27FC236}">
-                <a16:creationId xmlns:a16="http://schemas.microsoft.com/office/drawing/2014/main" id="{720BE0ED-D164-4B3C-A877-E3403AAF414D}"/>
-              </a:ext>
-            </a:extLst>
-          </p:cNvPr>
-          <p:cNvSpPr/>
-          <p:nvPr/>
-        </p:nvSpPr>
-        <p:spPr>
-          <a:xfrm>
-            <a:off x="17040225" y="5105400"/>
-            <a:ext cx="1266825" cy="2028825"/>
-          </a:xfrm>
-          <a:custGeom>
-            <a:avLst/>
-            <a:gdLst>
-              <a:gd name="connsiteX0" fmla="*/ 1266825 w 1266825"/>
-              <a:gd name="connsiteY0" fmla="*/ 2028825 h 2028825"/>
-              <a:gd name="connsiteX1" fmla="*/ 762000 w 1266825"/>
-              <a:gd name="connsiteY1" fmla="*/ 1524000 h 2028825"/>
-              <a:gd name="connsiteX2" fmla="*/ 628650 w 1266825"/>
-              <a:gd name="connsiteY2" fmla="*/ 381000 h 2028825"/>
-              <a:gd name="connsiteX3" fmla="*/ 0 w 1266825"/>
-              <a:gd name="connsiteY3" fmla="*/ 0 h 2028825"/>
-            </a:gdLst>
-            <a:ahLst/>
-            <a:cxnLst>
-              <a:cxn ang="0">
-                <a:pos x="connsiteX0" y="connsiteY0"/>
-              </a:cxn>
-              <a:cxn ang="0">
-                <a:pos x="connsiteX1" y="connsiteY1"/>
-              </a:cxn>
-              <a:cxn ang="0">
-                <a:pos x="connsiteX2" y="connsiteY2"/>
-              </a:cxn>
-              <a:cxn ang="0">
-                <a:pos x="connsiteX3" y="connsiteY3"/>
-              </a:cxn>
-            </a:cxnLst>
-            <a:rect l="l" t="t" r="r" b="b"/>
-            <a:pathLst>
-              <a:path w="1266825" h="2028825">
-                <a:moveTo>
-                  <a:pt x="1266825" y="2028825"/>
-                </a:moveTo>
-                <a:cubicBezTo>
-                  <a:pt x="1067593" y="1913731"/>
-                  <a:pt x="868362" y="1798637"/>
-                  <a:pt x="762000" y="1524000"/>
-                </a:cubicBezTo>
-                <a:cubicBezTo>
-                  <a:pt x="655638" y="1249363"/>
-                  <a:pt x="755650" y="635000"/>
-                  <a:pt x="628650" y="381000"/>
-                </a:cubicBezTo>
-                <a:cubicBezTo>
-                  <a:pt x="501650" y="127000"/>
-                  <a:pt x="250825" y="63500"/>
-                  <a:pt x="0" y="0"/>
-                </a:cubicBezTo>
-              </a:path>
-            </a:pathLst>
-          </a:custGeom>
-          <a:noFill/>
-        </p:spPr>
-        <p:style>
-          <a:lnRef idx="2">
-            <a:schemeClr val="accent1">
-              <a:shade val="50000"/>
-            </a:schemeClr>
-          </a:lnRef>
-          <a:fillRef idx="1">
-            <a:schemeClr val="accent1"/>
-          </a:fillRef>
-          <a:effectRef idx="0">
-            <a:schemeClr val="accent1"/>
-          </a:effectRef>
-          <a:fontRef idx="minor">
-            <a:schemeClr val="lt1"/>
-          </a:fontRef>
-        </p:style>
-        <p:txBody>
-          <a:bodyPr rtlCol="0" anchor="ctr"/>
-          <a:lstStyle/>
-          <a:p>
-            <a:pPr algn="ctr"/>
-            <a:endParaRPr lang="zh-CN" altLang="en-US"/>
-          </a:p>
-        </p:txBody>
-      </p:sp>
-      <p:sp>
-        <p:nvSpPr>
-          <p:cNvPr id="93" name="任意多边形: 形状 92">
-            <a:extLst>
-              <a:ext uri="{FF2B5EF4-FFF2-40B4-BE49-F238E27FC236}">
-                <a16:creationId xmlns:a16="http://schemas.microsoft.com/office/drawing/2014/main" id="{06CF0D12-D4E0-4197-BCC4-02154C00477D}"/>
-              </a:ext>
-            </a:extLst>
-          </p:cNvPr>
-          <p:cNvSpPr/>
-          <p:nvPr/>
-        </p:nvSpPr>
-        <p:spPr>
-          <a:xfrm>
-            <a:off x="14268450" y="6219825"/>
-            <a:ext cx="1857375" cy="3028950"/>
-          </a:xfrm>
-          <a:custGeom>
-            <a:avLst/>
-            <a:gdLst>
-              <a:gd name="connsiteX0" fmla="*/ 0 w 1857375"/>
-              <a:gd name="connsiteY0" fmla="*/ 3028950 h 3028950"/>
-              <a:gd name="connsiteX1" fmla="*/ 819150 w 1857375"/>
-              <a:gd name="connsiteY1" fmla="*/ 2076450 h 3028950"/>
-              <a:gd name="connsiteX2" fmla="*/ 1666875 w 1857375"/>
-              <a:gd name="connsiteY2" fmla="*/ 1828800 h 3028950"/>
-              <a:gd name="connsiteX3" fmla="*/ 1857375 w 1857375"/>
-              <a:gd name="connsiteY3" fmla="*/ 0 h 3028950"/>
-            </a:gdLst>
-            <a:ahLst/>
-            <a:cxnLst>
-              <a:cxn ang="0">
-                <a:pos x="connsiteX0" y="connsiteY0"/>
-              </a:cxn>
-              <a:cxn ang="0">
-                <a:pos x="connsiteX1" y="connsiteY1"/>
-              </a:cxn>
-              <a:cxn ang="0">
-                <a:pos x="connsiteX2" y="connsiteY2"/>
-              </a:cxn>
-              <a:cxn ang="0">
-                <a:pos x="connsiteX3" y="connsiteY3"/>
-              </a:cxn>
-            </a:cxnLst>
-            <a:rect l="l" t="t" r="r" b="b"/>
-            <a:pathLst>
-              <a:path w="1857375" h="3028950">
-                <a:moveTo>
-                  <a:pt x="0" y="3028950"/>
-                </a:moveTo>
-                <a:cubicBezTo>
-                  <a:pt x="270668" y="2652712"/>
-                  <a:pt x="541337" y="2276475"/>
-                  <a:pt x="819150" y="2076450"/>
-                </a:cubicBezTo>
-                <a:cubicBezTo>
-                  <a:pt x="1096963" y="1876425"/>
-                  <a:pt x="1493838" y="2174875"/>
-                  <a:pt x="1666875" y="1828800"/>
-                </a:cubicBezTo>
-                <a:cubicBezTo>
-                  <a:pt x="1839913" y="1482725"/>
-                  <a:pt x="1848644" y="741362"/>
-                  <a:pt x="1857375" y="0"/>
-                </a:cubicBezTo>
-              </a:path>
-            </a:pathLst>
-          </a:custGeom>
-          <a:noFill/>
-        </p:spPr>
-        <p:style>
-          <a:lnRef idx="2">
-            <a:schemeClr val="accent1">
-              <a:shade val="50000"/>
-            </a:schemeClr>
-          </a:lnRef>
-          <a:fillRef idx="1">
-            <a:schemeClr val="accent1"/>
-          </a:fillRef>
-          <a:effectRef idx="0">
-            <a:schemeClr val="accent1"/>
-          </a:effectRef>
-          <a:fontRef idx="minor">
-            <a:schemeClr val="lt1"/>
-          </a:fontRef>
-        </p:style>
-        <p:txBody>
-          <a:bodyPr rtlCol="0" anchor="ctr"/>
-          <a:lstStyle/>
-          <a:p>
-            <a:pPr algn="ctr"/>
-            <a:endParaRPr lang="zh-CN" altLang="en-US"/>
-          </a:p>
-        </p:txBody>
-      </p:sp>
-      <p:sp>
-        <p:nvSpPr>
-          <p:cNvPr id="94" name="任意多边形: 形状 93">
-            <a:extLst>
-              <a:ext uri="{FF2B5EF4-FFF2-40B4-BE49-F238E27FC236}">
-                <a16:creationId xmlns:a16="http://schemas.microsoft.com/office/drawing/2014/main" id="{92E0BE1E-B774-4262-9095-A55BA4C84E3B}"/>
-              </a:ext>
-            </a:extLst>
-          </p:cNvPr>
-          <p:cNvSpPr/>
-          <p:nvPr/>
-        </p:nvSpPr>
-        <p:spPr>
-          <a:xfrm>
-            <a:off x="16116300" y="6238875"/>
-            <a:ext cx="504825" cy="3019807"/>
-          </a:xfrm>
-          <a:custGeom>
-            <a:avLst/>
-            <a:gdLst>
-              <a:gd name="connsiteX0" fmla="*/ 0 w 504825"/>
-              <a:gd name="connsiteY0" fmla="*/ 3019425 h 3019807"/>
-              <a:gd name="connsiteX1" fmla="*/ 295275 w 504825"/>
-              <a:gd name="connsiteY1" fmla="*/ 2914650 h 3019807"/>
-              <a:gd name="connsiteX2" fmla="*/ 295275 w 504825"/>
-              <a:gd name="connsiteY2" fmla="*/ 2371725 h 3019807"/>
-              <a:gd name="connsiteX3" fmla="*/ 457200 w 504825"/>
-              <a:gd name="connsiteY3" fmla="*/ 457200 h 3019807"/>
-              <a:gd name="connsiteX4" fmla="*/ 504825 w 504825"/>
-              <a:gd name="connsiteY4" fmla="*/ 0 h 3019807"/>
-            </a:gdLst>
-            <a:ahLst/>
-            <a:cxnLst>
-              <a:cxn ang="0">
-                <a:pos x="connsiteX0" y="connsiteY0"/>
-              </a:cxn>
-              <a:cxn ang="0">
-                <a:pos x="connsiteX1" y="connsiteY1"/>
-              </a:cxn>
-              <a:cxn ang="0">
-                <a:pos x="connsiteX2" y="connsiteY2"/>
-              </a:cxn>
-              <a:cxn ang="0">
-                <a:pos x="connsiteX3" y="connsiteY3"/>
-              </a:cxn>
-              <a:cxn ang="0">
-                <a:pos x="connsiteX4" y="connsiteY4"/>
-              </a:cxn>
-            </a:cxnLst>
-            <a:rect l="l" t="t" r="r" b="b"/>
-            <a:pathLst>
-              <a:path w="504825" h="3019807">
-                <a:moveTo>
-                  <a:pt x="0" y="3019425"/>
-                </a:moveTo>
-                <a:cubicBezTo>
-                  <a:pt x="123031" y="3021012"/>
-                  <a:pt x="246063" y="3022600"/>
-                  <a:pt x="295275" y="2914650"/>
-                </a:cubicBezTo>
-                <a:cubicBezTo>
-                  <a:pt x="344487" y="2806700"/>
-                  <a:pt x="268287" y="2781300"/>
-                  <a:pt x="295275" y="2371725"/>
-                </a:cubicBezTo>
-                <a:cubicBezTo>
-                  <a:pt x="322263" y="1962150"/>
-                  <a:pt x="422275" y="852487"/>
-                  <a:pt x="457200" y="457200"/>
-                </a:cubicBezTo>
-                <a:cubicBezTo>
-                  <a:pt x="492125" y="61913"/>
-                  <a:pt x="498475" y="30956"/>
-                  <a:pt x="504825" y="0"/>
-                </a:cubicBezTo>
-              </a:path>
-            </a:pathLst>
-          </a:custGeom>
-          <a:noFill/>
-        </p:spPr>
-        <p:style>
-          <a:lnRef idx="2">
-            <a:schemeClr val="accent1">
-              <a:shade val="50000"/>
-            </a:schemeClr>
-          </a:lnRef>
-          <a:fillRef idx="1">
-            <a:schemeClr val="accent1"/>
-          </a:fillRef>
-          <a:effectRef idx="0">
-            <a:schemeClr val="accent1"/>
-          </a:effectRef>
-          <a:fontRef idx="minor">
-            <a:schemeClr val="lt1"/>
-          </a:fontRef>
-        </p:style>
-        <p:txBody>
-          <a:bodyPr rtlCol="0" anchor="ctr"/>
-          <a:lstStyle/>
-          <a:p>
-            <a:pPr algn="ctr"/>
-            <a:endParaRPr lang="zh-CN" altLang="en-US"/>
-          </a:p>
-        </p:txBody>
-      </p:sp>
-      <p:sp>
-        <p:nvSpPr>
-          <p:cNvPr id="95" name="任意多边形: 形状 94">
-            <a:extLst>
-              <a:ext uri="{FF2B5EF4-FFF2-40B4-BE49-F238E27FC236}">
-                <a16:creationId xmlns:a16="http://schemas.microsoft.com/office/drawing/2014/main" id="{476E75BC-D752-4ABA-9328-658585545348}"/>
-              </a:ext>
-            </a:extLst>
-          </p:cNvPr>
-          <p:cNvSpPr/>
-          <p:nvPr/>
-        </p:nvSpPr>
-        <p:spPr>
-          <a:xfrm>
-            <a:off x="16964025" y="6238875"/>
-            <a:ext cx="2124075" cy="3019425"/>
-          </a:xfrm>
-          <a:custGeom>
-            <a:avLst/>
-            <a:gdLst>
-              <a:gd name="connsiteX0" fmla="*/ 2124075 w 2124075"/>
-              <a:gd name="connsiteY0" fmla="*/ 3019425 h 3019425"/>
-              <a:gd name="connsiteX1" fmla="*/ 1333500 w 2124075"/>
-              <a:gd name="connsiteY1" fmla="*/ 2543175 h 3019425"/>
-              <a:gd name="connsiteX2" fmla="*/ 942975 w 2124075"/>
-              <a:gd name="connsiteY2" fmla="*/ 1076325 h 3019425"/>
-              <a:gd name="connsiteX3" fmla="*/ 0 w 2124075"/>
-              <a:gd name="connsiteY3" fmla="*/ 0 h 3019425"/>
-            </a:gdLst>
-            <a:ahLst/>
-            <a:cxnLst>
-              <a:cxn ang="0">
-                <a:pos x="connsiteX0" y="connsiteY0"/>
-              </a:cxn>
-              <a:cxn ang="0">
-                <a:pos x="connsiteX1" y="connsiteY1"/>
-              </a:cxn>
-              <a:cxn ang="0">
-                <a:pos x="connsiteX2" y="connsiteY2"/>
-              </a:cxn>
-              <a:cxn ang="0">
-                <a:pos x="connsiteX3" y="connsiteY3"/>
-              </a:cxn>
-            </a:cxnLst>
-            <a:rect l="l" t="t" r="r" b="b"/>
-            <a:pathLst>
-              <a:path w="2124075" h="3019425">
-                <a:moveTo>
-                  <a:pt x="2124075" y="3019425"/>
-                </a:moveTo>
-                <a:cubicBezTo>
-                  <a:pt x="1827212" y="2943225"/>
-                  <a:pt x="1530350" y="2867025"/>
-                  <a:pt x="1333500" y="2543175"/>
-                </a:cubicBezTo>
-                <a:cubicBezTo>
-                  <a:pt x="1136650" y="2219325"/>
-                  <a:pt x="1165225" y="1500187"/>
-                  <a:pt x="942975" y="1076325"/>
-                </a:cubicBezTo>
-                <a:cubicBezTo>
-                  <a:pt x="720725" y="652463"/>
-                  <a:pt x="360362" y="326231"/>
-                  <a:pt x="0" y="0"/>
-                </a:cubicBezTo>
-              </a:path>
-            </a:pathLst>
-          </a:custGeom>
-          <a:noFill/>
-        </p:spPr>
-        <p:style>
-          <a:lnRef idx="2">
-            <a:schemeClr val="accent1">
-              <a:shade val="50000"/>
-            </a:schemeClr>
-          </a:lnRef>
-          <a:fillRef idx="1">
-            <a:schemeClr val="accent1"/>
-          </a:fillRef>
-          <a:effectRef idx="0">
-            <a:schemeClr val="accent1"/>
-          </a:effectRef>
-          <a:fontRef idx="minor">
-            <a:schemeClr val="lt1"/>
-          </a:fontRef>
-        </p:style>
-        <p:txBody>
-          <a:bodyPr rtlCol="0" anchor="ctr"/>
-          <a:lstStyle/>
-          <a:p>
-            <a:pPr algn="ctr"/>
-            <a:endParaRPr lang="zh-CN" altLang="en-US"/>
-          </a:p>
-        </p:txBody>
-      </p:sp>
-      <p:sp>
-        <p:nvSpPr>
-          <p:cNvPr id="96" name="任意多边形: 形状 95">
-            <a:extLst>
-              <a:ext uri="{FF2B5EF4-FFF2-40B4-BE49-F238E27FC236}">
-                <a16:creationId xmlns:a16="http://schemas.microsoft.com/office/drawing/2014/main" id="{8744576B-9E09-4621-83A6-8737F659879D}"/>
-              </a:ext>
-            </a:extLst>
-          </p:cNvPr>
-          <p:cNvSpPr/>
-          <p:nvPr/>
-        </p:nvSpPr>
-        <p:spPr>
-          <a:xfrm>
-            <a:off x="17059275" y="5698297"/>
-            <a:ext cx="4105275" cy="3579053"/>
-          </a:xfrm>
-          <a:custGeom>
-            <a:avLst/>
-            <a:gdLst>
-              <a:gd name="connsiteX0" fmla="*/ 4105275 w 4105275"/>
-              <a:gd name="connsiteY0" fmla="*/ 3579053 h 3579053"/>
-              <a:gd name="connsiteX1" fmla="*/ 3514725 w 4105275"/>
-              <a:gd name="connsiteY1" fmla="*/ 1131128 h 3579053"/>
-              <a:gd name="connsiteX2" fmla="*/ 1876425 w 4105275"/>
-              <a:gd name="connsiteY2" fmla="*/ 26228 h 3579053"/>
-              <a:gd name="connsiteX3" fmla="*/ 0 w 4105275"/>
-              <a:gd name="connsiteY3" fmla="*/ 454853 h 3579053"/>
-            </a:gdLst>
-            <a:ahLst/>
-            <a:cxnLst>
-              <a:cxn ang="0">
-                <a:pos x="connsiteX0" y="connsiteY0"/>
-              </a:cxn>
-              <a:cxn ang="0">
-                <a:pos x="connsiteX1" y="connsiteY1"/>
-              </a:cxn>
-              <a:cxn ang="0">
-                <a:pos x="connsiteX2" y="connsiteY2"/>
-              </a:cxn>
-              <a:cxn ang="0">
-                <a:pos x="connsiteX3" y="connsiteY3"/>
-              </a:cxn>
-            </a:cxnLst>
-            <a:rect l="l" t="t" r="r" b="b"/>
-            <a:pathLst>
-              <a:path w="4105275" h="3579053">
-                <a:moveTo>
-                  <a:pt x="4105275" y="3579053"/>
-                </a:moveTo>
-                <a:cubicBezTo>
-                  <a:pt x="3995737" y="2651159"/>
-                  <a:pt x="3886200" y="1723265"/>
-                  <a:pt x="3514725" y="1131128"/>
-                </a:cubicBezTo>
-                <a:cubicBezTo>
-                  <a:pt x="3143250" y="538991"/>
-                  <a:pt x="2462212" y="138940"/>
-                  <a:pt x="1876425" y="26228"/>
-                </a:cubicBezTo>
-                <a:cubicBezTo>
-                  <a:pt x="1290638" y="-86484"/>
-                  <a:pt x="645319" y="184184"/>
-                  <a:pt x="0" y="454853"/>
-                </a:cubicBezTo>
-              </a:path>
-            </a:pathLst>
-          </a:custGeom>
-          <a:noFill/>
-        </p:spPr>
-        <p:style>
-          <a:lnRef idx="2">
-            <a:schemeClr val="accent1">
-              <a:shade val="50000"/>
-            </a:schemeClr>
-          </a:lnRef>
-          <a:fillRef idx="1">
-            <a:schemeClr val="accent1"/>
-          </a:fillRef>
-          <a:effectRef idx="0">
-            <a:schemeClr val="accent1"/>
-          </a:effectRef>
-          <a:fontRef idx="minor">
-            <a:schemeClr val="lt1"/>
-          </a:fontRef>
-        </p:style>
-        <p:txBody>
-          <a:bodyPr rtlCol="0" anchor="ctr"/>
-          <a:lstStyle/>
-          <a:p>
-            <a:pPr algn="ctr"/>
-            <a:endParaRPr lang="zh-CN" altLang="en-US"/>
-          </a:p>
-        </p:txBody>
-      </p:sp>
+      </p:cxnSp>
     </p:spTree>
     <p:extLst>
       <p:ext uri="{BB962C8B-B14F-4D97-AF65-F5344CB8AC3E}">
